--- a/design/HTMLページ設計.pptx
+++ b/design/HTMLページ設計.pptx
@@ -5,13 +5,14 @@
     <p:sldMasterId id="2147483648" r:id="rId1"/>
   </p:sldMasterIdLst>
   <p:notesMasterIdLst>
-    <p:notesMasterId r:id="rId6"/>
+    <p:notesMasterId r:id="rId7"/>
   </p:notesMasterIdLst>
   <p:sldIdLst>
     <p:sldId id="256" r:id="rId2"/>
-    <p:sldId id="257" r:id="rId3"/>
-    <p:sldId id="258" r:id="rId4"/>
-    <p:sldId id="259" r:id="rId5"/>
+    <p:sldId id="258" r:id="rId3"/>
+    <p:sldId id="260" r:id="rId4"/>
+    <p:sldId id="257" r:id="rId5"/>
+    <p:sldId id="259" r:id="rId6"/>
   </p:sldIdLst>
   <p:sldSz cx="12192000" cy="6858000"/>
   <p:notesSz cx="6858000" cy="9144000"/>
@@ -110,6 +111,11 @@
       </a:defRPr>
     </a:lvl9pPr>
   </p:defaultTextStyle>
+  <p:extLst>
+    <p:ext uri="{EFAFB233-063F-42B5-8137-9DF3F51BA10A}">
+      <p15:sldGuideLst xmlns:p15="http://schemas.microsoft.com/office/powerpoint/2012/main"/>
+    </p:ext>
+  </p:extLst>
 </p:presentation>
 </file>
 
@@ -207,7 +213,7 @@
           <a:p>
             <a:fld id="{90F65A9B-149C-45BC-B72F-FB324D6DE1AA}" type="datetimeFigureOut">
               <a:rPr kumimoji="1" lang="ja-JP" altLang="en-US" smtClean="0"/>
-              <a:t>2013/12/25</a:t>
+              <a:t>2013/12/29</a:t>
             </a:fld>
             <a:endParaRPr kumimoji="1" lang="ja-JP" altLang="en-US"/>
           </a:p>
@@ -688,7 +694,42 @@
           <a:p>
             <a:r>
               <a:rPr kumimoji="1" lang="ja-JP" altLang="en-US" dirty="0" smtClean="0"/>
-              <a:t>ここは</a:t>
+              <a:t>全部</a:t>
+            </a:r>
+            <a:r>
+              <a:rPr kumimoji="1" lang="en-US" altLang="ja-JP" dirty="0" smtClean="0"/>
+              <a:t>jQuery</a:t>
+            </a:r>
+            <a:r>
+              <a:rPr kumimoji="1" lang="ja-JP" altLang="en-US" dirty="0" smtClean="0"/>
+              <a:t>で出来るか心配。しかしそういうサイトを見たことがあるため不可能ではない。</a:t>
+            </a:r>
+            <a:r>
+              <a:rPr kumimoji="1" lang="en-US" altLang="ja-JP" smtClean="0"/>
+              <a:t>jQuery</a:t>
+            </a:r>
+            <a:r>
+              <a:rPr kumimoji="1" lang="ja-JP" altLang="en-US" dirty="0" smtClean="0"/>
+              <a:t>を使っているかは不明だが。</a:t>
+            </a:r>
+            <a:endParaRPr kumimoji="1" lang="en-US" altLang="ja-JP" dirty="0" smtClean="0"/>
+          </a:p>
+          <a:p>
+            <a:r>
+              <a:rPr kumimoji="1" lang="en-US" altLang="ja-JP" dirty="0" smtClean="0"/>
+              <a:t>ID</a:t>
+            </a:r>
+            <a:r>
+              <a:rPr kumimoji="1" lang="ja-JP" altLang="en-US" dirty="0" smtClean="0"/>
+              <a:t>の重複チェックとかはデータベースを使用するため、それを</a:t>
+            </a:r>
+            <a:r>
+              <a:rPr kumimoji="1" lang="en-US" altLang="ja-JP" dirty="0" smtClean="0"/>
+              <a:t>jQuery</a:t>
+            </a:r>
+            <a:r>
+              <a:rPr kumimoji="1" lang="ja-JP" altLang="en-US" dirty="0" smtClean="0"/>
+              <a:t>でやってしまうとなると、</a:t>
             </a:r>
             <a:r>
               <a:rPr kumimoji="1" lang="en-US" altLang="ja-JP" dirty="0" smtClean="0"/>
@@ -696,34 +737,7 @@
             </a:r>
             <a:r>
               <a:rPr kumimoji="1" lang="ja-JP" altLang="en-US" dirty="0" smtClean="0"/>
-              <a:t>でチェックをする。送信する前に違うって分かったら総当たりとか簡単にされてヤバ</a:t>
-            </a:r>
-            <a:r>
-              <a:rPr kumimoji="1" lang="ja-JP" altLang="en-US" dirty="0" err="1" smtClean="0"/>
-              <a:t>い</a:t>
-            </a:r>
-            <a:r>
-              <a:rPr kumimoji="1" lang="en-US" altLang="ja-JP" dirty="0" smtClean="0"/>
-              <a:t>(</a:t>
-            </a:r>
-            <a:r>
-              <a:rPr kumimoji="1" lang="ja-JP" altLang="en-US" dirty="0" smtClean="0"/>
-              <a:t>汗</a:t>
-            </a:r>
-            <a:r>
-              <a:rPr kumimoji="1" lang="en-US" altLang="ja-JP" smtClean="0"/>
-              <a:t>)</a:t>
-            </a:r>
-            <a:r>
-              <a:rPr kumimoji="1" lang="ja-JP" altLang="en-US" dirty="0" err="1" smtClean="0"/>
-              <a:t>。</a:t>
-            </a:r>
-            <a:endParaRPr kumimoji="1" lang="en-US" altLang="ja-JP" dirty="0" smtClean="0"/>
-          </a:p>
-          <a:p>
-            <a:r>
-              <a:rPr kumimoji="1" lang="ja-JP" altLang="en-US" dirty="0" smtClean="0"/>
-              <a:t>そういえば何回もミスったら何か特別な制限をかけるべきなのだろうか？</a:t>
+              <a:t>の役目が・・・・・。</a:t>
             </a:r>
             <a:endParaRPr kumimoji="1" lang="ja-JP" altLang="en-US" dirty="0"/>
           </a:p>
@@ -755,7 +769,7 @@
     </p:spTree>
     <p:extLst>
       <p:ext uri="{BB962C8B-B14F-4D97-AF65-F5344CB8AC3E}">
-        <p14:creationId xmlns:p14="http://schemas.microsoft.com/office/powerpoint/2010/main" val="717784142"/>
+        <p14:creationId xmlns:p14="http://schemas.microsoft.com/office/powerpoint/2010/main" val="980489944"/>
       </p:ext>
     </p:extLst>
   </p:cSld>
@@ -810,53 +824,10 @@
           <a:lstStyle/>
           <a:p>
             <a:r>
-              <a:rPr kumimoji="1" lang="ja-JP" altLang="en-US" dirty="0" smtClean="0"/>
-              <a:t>全部</a:t>
-            </a:r>
-            <a:r>
-              <a:rPr kumimoji="1" lang="en-US" altLang="ja-JP" dirty="0" smtClean="0"/>
-              <a:t>jQuery</a:t>
-            </a:r>
-            <a:r>
-              <a:rPr kumimoji="1" lang="ja-JP" altLang="en-US" dirty="0" smtClean="0"/>
-              <a:t>で出来るか心配。しかしそういうサイトを見たことがあるため不可能ではない。</a:t>
-            </a:r>
-            <a:r>
-              <a:rPr kumimoji="1" lang="en-US" altLang="ja-JP" smtClean="0"/>
-              <a:t>jQuery</a:t>
-            </a:r>
-            <a:r>
-              <a:rPr kumimoji="1" lang="ja-JP" altLang="en-US" dirty="0" smtClean="0"/>
-              <a:t>を使っているかは不明だが。</a:t>
-            </a:r>
-            <a:endParaRPr kumimoji="1" lang="en-US" altLang="ja-JP" dirty="0" smtClean="0"/>
-          </a:p>
-          <a:p>
-            <a:r>
-              <a:rPr kumimoji="1" lang="en-US" altLang="ja-JP" dirty="0" smtClean="0"/>
-              <a:t>ID</a:t>
-            </a:r>
-            <a:r>
-              <a:rPr kumimoji="1" lang="ja-JP" altLang="en-US" dirty="0" smtClean="0"/>
-              <a:t>の重複チェックとかはデータベースを使用するため、それを</a:t>
-            </a:r>
-            <a:r>
-              <a:rPr kumimoji="1" lang="en-US" altLang="ja-JP" dirty="0" smtClean="0"/>
-              <a:t>jQuery</a:t>
-            </a:r>
-            <a:r>
-              <a:rPr kumimoji="1" lang="ja-JP" altLang="en-US" dirty="0" smtClean="0"/>
-              <a:t>でやってしまうとなると、</a:t>
-            </a:r>
-            <a:r>
-              <a:rPr kumimoji="1" lang="en-US" altLang="ja-JP" dirty="0" smtClean="0"/>
-              <a:t>PHP</a:t>
-            </a:r>
-            <a:r>
-              <a:rPr kumimoji="1" lang="ja-JP" altLang="en-US" dirty="0" smtClean="0"/>
-              <a:t>の役目が・・・・・。</a:t>
-            </a:r>
-            <a:endParaRPr kumimoji="1" lang="ja-JP" altLang="en-US" dirty="0"/>
+              <a:rPr kumimoji="1" lang="ja-JP" altLang="en-US" smtClean="0"/>
+              <a:t>ここはかなり簡素でいいと思う。でもちゃんと登録できたことを伝えないといけないため、必要な画面。</a:t>
+            </a:r>
+            <a:endParaRPr kumimoji="1" lang="ja-JP" altLang="en-US"/>
           </a:p>
         </p:txBody>
       </p:sp>
@@ -886,7 +857,7 @@
     </p:spTree>
     <p:extLst>
       <p:ext uri="{BB962C8B-B14F-4D97-AF65-F5344CB8AC3E}">
-        <p14:creationId xmlns:p14="http://schemas.microsoft.com/office/powerpoint/2010/main" val="980489944"/>
+        <p14:creationId xmlns:p14="http://schemas.microsoft.com/office/powerpoint/2010/main" val="4069607440"/>
       </p:ext>
     </p:extLst>
   </p:cSld>
@@ -942,6 +913,129 @@
           <a:p>
             <a:r>
               <a:rPr kumimoji="1" lang="ja-JP" altLang="en-US" dirty="0" smtClean="0"/>
+              <a:t>ここは</a:t>
+            </a:r>
+            <a:r>
+              <a:rPr kumimoji="1" lang="en-US" altLang="ja-JP" dirty="0" smtClean="0"/>
+              <a:t>PHP</a:t>
+            </a:r>
+            <a:r>
+              <a:rPr kumimoji="1" lang="ja-JP" altLang="en-US" dirty="0" smtClean="0"/>
+              <a:t>でチェックをする。送信する前に違うって分かったら総当たりとか簡単にされてヤバ</a:t>
+            </a:r>
+            <a:r>
+              <a:rPr kumimoji="1" lang="ja-JP" altLang="en-US" dirty="0" err="1" smtClean="0"/>
+              <a:t>い</a:t>
+            </a:r>
+            <a:r>
+              <a:rPr kumimoji="1" lang="en-US" altLang="ja-JP" dirty="0" smtClean="0"/>
+              <a:t>(</a:t>
+            </a:r>
+            <a:r>
+              <a:rPr kumimoji="1" lang="ja-JP" altLang="en-US" dirty="0" smtClean="0"/>
+              <a:t>汗</a:t>
+            </a:r>
+            <a:r>
+              <a:rPr kumimoji="1" lang="en-US" altLang="ja-JP" smtClean="0"/>
+              <a:t>)</a:t>
+            </a:r>
+            <a:r>
+              <a:rPr kumimoji="1" lang="ja-JP" altLang="en-US" dirty="0" err="1" smtClean="0"/>
+              <a:t>。</a:t>
+            </a:r>
+            <a:endParaRPr kumimoji="1" lang="en-US" altLang="ja-JP" dirty="0" smtClean="0"/>
+          </a:p>
+          <a:p>
+            <a:r>
+              <a:rPr kumimoji="1" lang="ja-JP" altLang="en-US" dirty="0" smtClean="0"/>
+              <a:t>そういえば何回もミスったら何か特別な制限をかけるべきなのだろうか？</a:t>
+            </a:r>
+            <a:endParaRPr kumimoji="1" lang="ja-JP" altLang="en-US" dirty="0"/>
+          </a:p>
+        </p:txBody>
+      </p:sp>
+      <p:sp>
+        <p:nvSpPr>
+          <p:cNvPr id="4" name="スライド番号プレースホルダー 3"/>
+          <p:cNvSpPr>
+            <a:spLocks noGrp="1"/>
+          </p:cNvSpPr>
+          <p:nvPr>
+            <p:ph type="sldNum" sz="quarter" idx="10"/>
+          </p:nvPr>
+        </p:nvSpPr>
+        <p:spPr/>
+        <p:txBody>
+          <a:bodyPr/>
+          <a:lstStyle/>
+          <a:p>
+            <a:fld id="{28450F27-BAD8-47D7-9E11-CABD4386BDCC}" type="slidenum">
+              <a:rPr kumimoji="1" lang="ja-JP" altLang="en-US" smtClean="0"/>
+              <a:t>4</a:t>
+            </a:fld>
+            <a:endParaRPr kumimoji="1" lang="ja-JP" altLang="en-US"/>
+          </a:p>
+        </p:txBody>
+      </p:sp>
+    </p:spTree>
+    <p:extLst>
+      <p:ext uri="{BB962C8B-B14F-4D97-AF65-F5344CB8AC3E}">
+        <p14:creationId xmlns:p14="http://schemas.microsoft.com/office/powerpoint/2010/main" val="717784142"/>
+      </p:ext>
+    </p:extLst>
+  </p:cSld>
+  <p:clrMapOvr>
+    <a:masterClrMapping/>
+  </p:clrMapOvr>
+</p:notes>
+</file>
+
+<file path=ppt/notesSlides/notesSlide5.xml><?xml version="1.0" encoding="utf-8"?>
+<p:notes xmlns:a="http://schemas.openxmlformats.org/drawingml/2006/main" xmlns:r="http://schemas.openxmlformats.org/officeDocument/2006/relationships" xmlns:p="http://schemas.openxmlformats.org/presentationml/2006/main">
+  <p:cSld>
+    <p:spTree>
+      <p:nvGrpSpPr>
+        <p:cNvPr id="1" name=""/>
+        <p:cNvGrpSpPr/>
+        <p:nvPr/>
+      </p:nvGrpSpPr>
+      <p:grpSpPr>
+        <a:xfrm>
+          <a:off x="0" y="0"/>
+          <a:ext cx="0" cy="0"/>
+          <a:chOff x="0" y="0"/>
+          <a:chExt cx="0" cy="0"/>
+        </a:xfrm>
+      </p:grpSpPr>
+      <p:sp>
+        <p:nvSpPr>
+          <p:cNvPr id="2" name="スライド イメージ プレースホルダー 1"/>
+          <p:cNvSpPr>
+            <a:spLocks noGrp="1" noRot="1" noChangeAspect="1"/>
+          </p:cNvSpPr>
+          <p:nvPr>
+            <p:ph type="sldImg"/>
+          </p:nvPr>
+        </p:nvSpPr>
+        <p:spPr/>
+      </p:sp>
+      <p:sp>
+        <p:nvSpPr>
+          <p:cNvPr id="3" name="ノート プレースホルダー 2"/>
+          <p:cNvSpPr>
+            <a:spLocks noGrp="1"/>
+          </p:cNvSpPr>
+          <p:nvPr>
+            <p:ph type="body" idx="1"/>
+          </p:nvPr>
+        </p:nvSpPr>
+        <p:spPr/>
+        <p:txBody>
+          <a:bodyPr/>
+          <a:lstStyle/>
+          <a:p>
+            <a:r>
+              <a:rPr kumimoji="1" lang="ja-JP" altLang="en-US" dirty="0" smtClean="0"/>
               <a:t>今は全然ないが、おそらく一番ページ数が多くなるところ。ゲームの内容が結構あるため、他のゲームサイトのガイドを参考にして設計していきたい。</a:t>
             </a:r>
             <a:endParaRPr kumimoji="1" lang="ja-JP" altLang="en-US" dirty="0"/>
@@ -965,7 +1059,7 @@
           <a:p>
             <a:fld id="{28450F27-BAD8-47D7-9E11-CABD4386BDCC}" type="slidenum">
               <a:rPr kumimoji="1" lang="ja-JP" altLang="en-US" smtClean="0"/>
-              <a:t>4</a:t>
+              <a:t>5</a:t>
             </a:fld>
             <a:endParaRPr kumimoji="1" lang="ja-JP" altLang="en-US"/>
           </a:p>
@@ -1115,7 +1209,7 @@
           <a:p>
             <a:fld id="{33B14540-D9AA-459A-A398-A04CAB222349}" type="datetimeFigureOut">
               <a:rPr kumimoji="1" lang="ja-JP" altLang="en-US" smtClean="0"/>
-              <a:t>2013/12/25</a:t>
+              <a:t>2013/12/29</a:t>
             </a:fld>
             <a:endParaRPr kumimoji="1" lang="ja-JP" altLang="en-US"/>
           </a:p>
@@ -1317,7 +1411,7 @@
           <a:p>
             <a:fld id="{33B14540-D9AA-459A-A398-A04CAB222349}" type="datetimeFigureOut">
               <a:rPr kumimoji="1" lang="ja-JP" altLang="en-US" smtClean="0"/>
-              <a:t>2013/12/25</a:t>
+              <a:t>2013/12/29</a:t>
             </a:fld>
             <a:endParaRPr kumimoji="1" lang="ja-JP" altLang="en-US"/>
           </a:p>
@@ -1529,7 +1623,7 @@
           <a:p>
             <a:fld id="{33B14540-D9AA-459A-A398-A04CAB222349}" type="datetimeFigureOut">
               <a:rPr kumimoji="1" lang="ja-JP" altLang="en-US" smtClean="0"/>
-              <a:t>2013/12/25</a:t>
+              <a:t>2013/12/29</a:t>
             </a:fld>
             <a:endParaRPr kumimoji="1" lang="ja-JP" altLang="en-US"/>
           </a:p>
@@ -1731,7 +1825,7 @@
           <a:p>
             <a:fld id="{33B14540-D9AA-459A-A398-A04CAB222349}" type="datetimeFigureOut">
               <a:rPr kumimoji="1" lang="ja-JP" altLang="en-US" smtClean="0"/>
-              <a:t>2013/12/25</a:t>
+              <a:t>2013/12/29</a:t>
             </a:fld>
             <a:endParaRPr kumimoji="1" lang="ja-JP" altLang="en-US"/>
           </a:p>
@@ -1977,7 +2071,7 @@
           <a:p>
             <a:fld id="{33B14540-D9AA-459A-A398-A04CAB222349}" type="datetimeFigureOut">
               <a:rPr kumimoji="1" lang="ja-JP" altLang="en-US" smtClean="0"/>
-              <a:t>2013/12/25</a:t>
+              <a:t>2013/12/29</a:t>
             </a:fld>
             <a:endParaRPr kumimoji="1" lang="ja-JP" altLang="en-US"/>
           </a:p>
@@ -2273,7 +2367,7 @@
           <a:p>
             <a:fld id="{33B14540-D9AA-459A-A398-A04CAB222349}" type="datetimeFigureOut">
               <a:rPr kumimoji="1" lang="ja-JP" altLang="en-US" smtClean="0"/>
-              <a:t>2013/12/25</a:t>
+              <a:t>2013/12/29</a:t>
             </a:fld>
             <a:endParaRPr kumimoji="1" lang="ja-JP" altLang="en-US"/>
           </a:p>
@@ -2704,7 +2798,7 @@
           <a:p>
             <a:fld id="{33B14540-D9AA-459A-A398-A04CAB222349}" type="datetimeFigureOut">
               <a:rPr kumimoji="1" lang="ja-JP" altLang="en-US" smtClean="0"/>
-              <a:t>2013/12/25</a:t>
+              <a:t>2013/12/29</a:t>
             </a:fld>
             <a:endParaRPr kumimoji="1" lang="ja-JP" altLang="en-US"/>
           </a:p>
@@ -2822,7 +2916,7 @@
           <a:p>
             <a:fld id="{33B14540-D9AA-459A-A398-A04CAB222349}" type="datetimeFigureOut">
               <a:rPr kumimoji="1" lang="ja-JP" altLang="en-US" smtClean="0"/>
-              <a:t>2013/12/25</a:t>
+              <a:t>2013/12/29</a:t>
             </a:fld>
             <a:endParaRPr kumimoji="1" lang="ja-JP" altLang="en-US"/>
           </a:p>
@@ -2917,7 +3011,7 @@
           <a:p>
             <a:fld id="{33B14540-D9AA-459A-A398-A04CAB222349}" type="datetimeFigureOut">
               <a:rPr kumimoji="1" lang="ja-JP" altLang="en-US" smtClean="0"/>
-              <a:t>2013/12/25</a:t>
+              <a:t>2013/12/29</a:t>
             </a:fld>
             <a:endParaRPr kumimoji="1" lang="ja-JP" altLang="en-US"/>
           </a:p>
@@ -3226,7 +3320,7 @@
           <a:p>
             <a:fld id="{33B14540-D9AA-459A-A398-A04CAB222349}" type="datetimeFigureOut">
               <a:rPr kumimoji="1" lang="ja-JP" altLang="en-US" smtClean="0"/>
-              <a:t>2013/12/25</a:t>
+              <a:t>2013/12/29</a:t>
             </a:fld>
             <a:endParaRPr kumimoji="1" lang="ja-JP" altLang="en-US"/>
           </a:p>
@@ -3479,7 +3573,7 @@
           <a:p>
             <a:fld id="{33B14540-D9AA-459A-A398-A04CAB222349}" type="datetimeFigureOut">
               <a:rPr kumimoji="1" lang="ja-JP" altLang="en-US" smtClean="0"/>
-              <a:t>2013/12/25</a:t>
+              <a:t>2013/12/29</a:t>
             </a:fld>
             <a:endParaRPr kumimoji="1" lang="ja-JP" altLang="en-US"/>
           </a:p>
@@ -3724,7 +3818,7 @@
           <a:p>
             <a:fld id="{33B14540-D9AA-459A-A398-A04CAB222349}" type="datetimeFigureOut">
               <a:rPr kumimoji="1" lang="ja-JP" altLang="en-US" smtClean="0"/>
-              <a:t>2013/12/25</a:t>
+              <a:t>2013/12/29</a:t>
             </a:fld>
             <a:endParaRPr kumimoji="1" lang="ja-JP" altLang="en-US"/>
           </a:p>
@@ -4864,85 +4958,7 @@
       </p:grpSpPr>
       <p:sp>
         <p:nvSpPr>
-          <p:cNvPr id="3" name="正方形/長方形 2"/>
-          <p:cNvSpPr/>
-          <p:nvPr/>
-        </p:nvSpPr>
-        <p:spPr>
-          <a:xfrm>
-            <a:off x="339213" y="1545257"/>
-            <a:ext cx="4763729" cy="3218474"/>
-          </a:xfrm>
-          <a:prstGeom prst="rect">
-            <a:avLst/>
-          </a:prstGeom>
-          <a:noFill/>
-          <a:ln>
-            <a:solidFill>
-              <a:schemeClr val="tx1"/>
-            </a:solidFill>
-          </a:ln>
-        </p:spPr>
-        <p:style>
-          <a:lnRef idx="2">
-            <a:schemeClr val="accent1">
-              <a:shade val="50000"/>
-            </a:schemeClr>
-          </a:lnRef>
-          <a:fillRef idx="1">
-            <a:schemeClr val="accent1"/>
-          </a:fillRef>
-          <a:effectRef idx="0">
-            <a:schemeClr val="accent1"/>
-          </a:effectRef>
-          <a:fontRef idx="minor">
-            <a:schemeClr val="lt1"/>
-          </a:fontRef>
-        </p:style>
-        <p:txBody>
-          <a:bodyPr rtlCol="0" anchor="ctr"/>
-          <a:lstStyle/>
-          <a:p>
-            <a:pPr algn="ctr"/>
-            <a:endParaRPr kumimoji="1" lang="ja-JP" altLang="en-US"/>
-          </a:p>
-        </p:txBody>
-      </p:sp>
-      <p:sp>
-        <p:nvSpPr>
-          <p:cNvPr id="5" name="テキスト ボックス 4"/>
-          <p:cNvSpPr txBox="1"/>
-          <p:nvPr/>
-        </p:nvSpPr>
-        <p:spPr>
-          <a:xfrm>
-            <a:off x="2003738" y="2909832"/>
-            <a:ext cx="1683359" cy="369332"/>
-          </a:xfrm>
-          <a:prstGeom prst="rect">
-            <a:avLst/>
-          </a:prstGeom>
-          <a:noFill/>
-          <a:ln>
-            <a:solidFill>
-              <a:schemeClr val="tx1"/>
-            </a:solidFill>
-          </a:ln>
-        </p:spPr>
-        <p:txBody>
-          <a:bodyPr wrap="square" rtlCol="0">
-            <a:spAutoFit/>
-          </a:bodyPr>
-          <a:lstStyle/>
-          <a:p>
-            <a:pPr algn="ctr"/>
-            <a:endParaRPr kumimoji="1" lang="ja-JP" altLang="en-US" dirty="0"/>
-          </a:p>
-        </p:txBody>
-      </p:sp>
-      <p:sp>
-        <p:nvSpPr>
-          <p:cNvPr id="12" name="タイトル 1"/>
+          <p:cNvPr id="2" name="タイトル 1"/>
           <p:cNvSpPr txBox="1">
             <a:spLocks/>
           </p:cNvSpPr>
@@ -4988,7 +5004,7 @@
                   <a:srgbClr val="7030A0"/>
                 </a:solidFill>
               </a:rPr>
-              <a:t>ログイン画面</a:t>
+              <a:t>会員登録</a:t>
             </a:r>
             <a:endParaRPr lang="ja-JP" altLang="en-US" sz="6000" b="1" dirty="0">
               <a:solidFill>
@@ -5000,50 +5016,14 @@
       </p:sp>
       <p:sp>
         <p:nvSpPr>
-          <p:cNvPr id="13" name="テキスト ボックス 12"/>
-          <p:cNvSpPr txBox="1"/>
+          <p:cNvPr id="3" name="正方形/長方形 2"/>
+          <p:cNvSpPr/>
           <p:nvPr/>
         </p:nvSpPr>
         <p:spPr>
           <a:xfrm>
-            <a:off x="958647" y="2755700"/>
-            <a:ext cx="2772696" cy="1077218"/>
-          </a:xfrm>
-          <a:prstGeom prst="rect">
-            <a:avLst/>
-          </a:prstGeom>
-          <a:noFill/>
-        </p:spPr>
-        <p:txBody>
-          <a:bodyPr wrap="square" rtlCol="0">
-            <a:spAutoFit/>
-          </a:bodyPr>
-          <a:lstStyle/>
-          <a:p>
-            <a:r>
-              <a:rPr kumimoji="1" lang="en-US" altLang="ja-JP" sz="3200" dirty="0" smtClean="0"/>
-              <a:t>ID:</a:t>
-            </a:r>
-          </a:p>
-          <a:p>
-            <a:r>
-              <a:rPr lang="en-US" altLang="ja-JP" sz="3200" dirty="0" smtClean="0"/>
-              <a:t>PW:</a:t>
-            </a:r>
-            <a:endParaRPr kumimoji="1" lang="ja-JP" altLang="en-US" sz="3200" dirty="0"/>
-          </a:p>
-        </p:txBody>
-      </p:sp>
-      <p:sp>
-        <p:nvSpPr>
-          <p:cNvPr id="14" name="テキスト ボックス 13"/>
-          <p:cNvSpPr txBox="1"/>
-          <p:nvPr/>
-        </p:nvSpPr>
-        <p:spPr>
-          <a:xfrm>
-            <a:off x="2003739" y="3363802"/>
-            <a:ext cx="1683358" cy="369332"/>
+            <a:off x="2846439" y="1574753"/>
+            <a:ext cx="5486399" cy="4059132"/>
           </a:xfrm>
           <a:prstGeom prst="rect">
             <a:avLst/>
@@ -5052,205 +5032,6 @@
           <a:ln>
             <a:solidFill>
               <a:schemeClr val="tx1"/>
-            </a:solidFill>
-          </a:ln>
-        </p:spPr>
-        <p:txBody>
-          <a:bodyPr wrap="square" rtlCol="0">
-            <a:spAutoFit/>
-          </a:bodyPr>
-          <a:lstStyle/>
-          <a:p>
-            <a:pPr algn="ctr"/>
-            <a:endParaRPr kumimoji="1" lang="ja-JP" altLang="en-US" dirty="0"/>
-          </a:p>
-        </p:txBody>
-      </p:sp>
-      <p:sp>
-        <p:nvSpPr>
-          <p:cNvPr id="15" name="テキスト ボックス 14"/>
-          <p:cNvSpPr txBox="1"/>
-          <p:nvPr/>
-        </p:nvSpPr>
-        <p:spPr>
-          <a:xfrm>
-            <a:off x="1053489" y="4069986"/>
-            <a:ext cx="1224116" cy="369332"/>
-          </a:xfrm>
-          <a:prstGeom prst="rect">
-            <a:avLst/>
-          </a:prstGeom>
-          <a:noFill/>
-          <a:ln>
-            <a:solidFill>
-              <a:schemeClr val="tx1"/>
-            </a:solidFill>
-          </a:ln>
-        </p:spPr>
-        <p:txBody>
-          <a:bodyPr wrap="square" rtlCol="0">
-            <a:spAutoFit/>
-          </a:bodyPr>
-          <a:lstStyle/>
-          <a:p>
-            <a:pPr algn="ctr"/>
-            <a:r>
-              <a:rPr kumimoji="1" lang="ja-JP" altLang="en-US" dirty="0" smtClean="0"/>
-              <a:t>送信</a:t>
-            </a:r>
-            <a:endParaRPr kumimoji="1" lang="ja-JP" altLang="en-US" dirty="0"/>
-          </a:p>
-        </p:txBody>
-      </p:sp>
-      <p:sp>
-        <p:nvSpPr>
-          <p:cNvPr id="16" name="テキスト ボックス 15"/>
-          <p:cNvSpPr txBox="1"/>
-          <p:nvPr/>
-        </p:nvSpPr>
-        <p:spPr>
-          <a:xfrm>
-            <a:off x="2755907" y="4069986"/>
-            <a:ext cx="1224116" cy="369332"/>
-          </a:xfrm>
-          <a:prstGeom prst="rect">
-            <a:avLst/>
-          </a:prstGeom>
-          <a:noFill/>
-          <a:ln>
-            <a:solidFill>
-              <a:schemeClr val="tx1"/>
-            </a:solidFill>
-          </a:ln>
-        </p:spPr>
-        <p:txBody>
-          <a:bodyPr wrap="square" rtlCol="0">
-            <a:spAutoFit/>
-          </a:bodyPr>
-          <a:lstStyle/>
-          <a:p>
-            <a:pPr algn="ctr"/>
-            <a:r>
-              <a:rPr lang="ja-JP" altLang="en-US" dirty="0"/>
-              <a:t>リセット</a:t>
-            </a:r>
-            <a:endParaRPr kumimoji="1" lang="ja-JP" altLang="en-US" dirty="0"/>
-          </a:p>
-        </p:txBody>
-      </p:sp>
-      <p:sp>
-        <p:nvSpPr>
-          <p:cNvPr id="17" name="テキスト ボックス 16"/>
-          <p:cNvSpPr txBox="1"/>
-          <p:nvPr/>
-        </p:nvSpPr>
-        <p:spPr>
-          <a:xfrm>
-            <a:off x="1786597" y="2052391"/>
-            <a:ext cx="1900500" cy="584775"/>
-          </a:xfrm>
-          <a:prstGeom prst="rect">
-            <a:avLst/>
-          </a:prstGeom>
-          <a:noFill/>
-        </p:spPr>
-        <p:txBody>
-          <a:bodyPr wrap="square" rtlCol="0">
-            <a:spAutoFit/>
-          </a:bodyPr>
-          <a:lstStyle/>
-          <a:p>
-            <a:r>
-              <a:rPr kumimoji="1" lang="ja-JP" altLang="en-US" sz="3200" dirty="0" smtClean="0"/>
-              <a:t>ログイン</a:t>
-            </a:r>
-            <a:endParaRPr kumimoji="1" lang="ja-JP" altLang="en-US" sz="3200" dirty="0"/>
-          </a:p>
-        </p:txBody>
-      </p:sp>
-      <p:cxnSp>
-        <p:nvCxnSpPr>
-          <p:cNvPr id="18" name="直線矢印コネクタ 17"/>
-          <p:cNvCxnSpPr/>
-          <p:nvPr/>
-        </p:nvCxnSpPr>
-        <p:spPr>
-          <a:xfrm flipV="1">
-            <a:off x="3367965" y="4519716"/>
-            <a:ext cx="9318" cy="548371"/>
-          </a:xfrm>
-          <a:prstGeom prst="straightConnector1">
-            <a:avLst/>
-          </a:prstGeom>
-          <a:ln w="25400">
-            <a:tailEnd type="triangle"/>
-          </a:ln>
-        </p:spPr>
-        <p:style>
-          <a:lnRef idx="1">
-            <a:schemeClr val="accent1"/>
-          </a:lnRef>
-          <a:fillRef idx="0">
-            <a:schemeClr val="accent1"/>
-          </a:fillRef>
-          <a:effectRef idx="0">
-            <a:schemeClr val="accent1"/>
-          </a:effectRef>
-          <a:fontRef idx="minor">
-            <a:schemeClr val="tx1"/>
-          </a:fontRef>
-        </p:style>
-      </p:cxnSp>
-      <p:sp>
-        <p:nvSpPr>
-          <p:cNvPr id="23" name="テキスト ボックス 22"/>
-          <p:cNvSpPr txBox="1"/>
-          <p:nvPr/>
-        </p:nvSpPr>
-        <p:spPr>
-          <a:xfrm>
-            <a:off x="2529349" y="5118315"/>
-            <a:ext cx="2403987" cy="369332"/>
-          </a:xfrm>
-          <a:prstGeom prst="rect">
-            <a:avLst/>
-          </a:prstGeom>
-          <a:noFill/>
-        </p:spPr>
-        <p:txBody>
-          <a:bodyPr wrap="square" rtlCol="0">
-            <a:spAutoFit/>
-          </a:bodyPr>
-          <a:lstStyle/>
-          <a:p>
-            <a:r>
-              <a:rPr kumimoji="1" lang="ja-JP" altLang="en-US" dirty="0" smtClean="0"/>
-              <a:t>リセットっている？</a:t>
-            </a:r>
-            <a:endParaRPr kumimoji="1" lang="ja-JP" altLang="en-US" dirty="0"/>
-          </a:p>
-        </p:txBody>
-      </p:sp>
-      <p:sp>
-        <p:nvSpPr>
-          <p:cNvPr id="24" name="右矢印 23"/>
-          <p:cNvSpPr/>
-          <p:nvPr/>
-        </p:nvSpPr>
-        <p:spPr>
-          <a:xfrm>
-            <a:off x="5425362" y="3052179"/>
-            <a:ext cx="722671" cy="453970"/>
-          </a:xfrm>
-          <a:prstGeom prst="rightArrow">
-            <a:avLst/>
-          </a:prstGeom>
-          <a:solidFill>
-            <a:srgbClr val="00B050"/>
-          </a:solidFill>
-          <a:ln>
-            <a:solidFill>
-              <a:srgbClr val="00B050"/>
             </a:solidFill>
           </a:ln>
         </p:spPr>
@@ -5281,44 +5062,14 @@
       </p:sp>
       <p:sp>
         <p:nvSpPr>
-          <p:cNvPr id="25" name="テキスト ボックス 24"/>
+          <p:cNvPr id="4" name="テキスト ボックス 3"/>
           <p:cNvSpPr txBox="1"/>
           <p:nvPr/>
         </p:nvSpPr>
         <p:spPr>
           <a:xfrm>
-            <a:off x="5491543" y="1729923"/>
-            <a:ext cx="461665" cy="1549241"/>
-          </a:xfrm>
-          <a:prstGeom prst="rect">
-            <a:avLst/>
-          </a:prstGeom>
-          <a:noFill/>
-        </p:spPr>
-        <p:txBody>
-          <a:bodyPr vert="eaVert" wrap="square" rtlCol="0">
-            <a:spAutoFit/>
-          </a:bodyPr>
-          <a:lstStyle/>
-          <a:p>
-            <a:r>
-              <a:rPr kumimoji="1" lang="ja-JP" altLang="en-US" dirty="0" smtClean="0"/>
-              <a:t>ログインミス</a:t>
-            </a:r>
-            <a:endParaRPr kumimoji="1" lang="ja-JP" altLang="en-US" dirty="0"/>
-          </a:p>
-        </p:txBody>
-      </p:sp>
-      <p:sp>
-        <p:nvSpPr>
-          <p:cNvPr id="26" name="正方形/長方形 25"/>
-          <p:cNvSpPr/>
-          <p:nvPr/>
-        </p:nvSpPr>
-        <p:spPr>
-          <a:xfrm>
-            <a:off x="6708475" y="1545257"/>
-            <a:ext cx="4763729" cy="3218474"/>
+            <a:off x="5565476" y="2992597"/>
+            <a:ext cx="1683359" cy="369332"/>
           </a:xfrm>
           <a:prstGeom prst="rect">
             <a:avLst/>
@@ -5327,6 +5078,313 @@
           <a:ln>
             <a:solidFill>
               <a:schemeClr val="tx1"/>
+            </a:solidFill>
+          </a:ln>
+        </p:spPr>
+        <p:txBody>
+          <a:bodyPr wrap="square" rtlCol="0">
+            <a:spAutoFit/>
+          </a:bodyPr>
+          <a:lstStyle/>
+          <a:p>
+            <a:pPr algn="ctr"/>
+            <a:endParaRPr kumimoji="1" lang="ja-JP" altLang="en-US" dirty="0"/>
+          </a:p>
+        </p:txBody>
+      </p:sp>
+      <p:sp>
+        <p:nvSpPr>
+          <p:cNvPr id="5" name="テキスト ボックス 4"/>
+          <p:cNvSpPr txBox="1"/>
+          <p:nvPr/>
+        </p:nvSpPr>
+        <p:spPr>
+          <a:xfrm>
+            <a:off x="2730106" y="2846403"/>
+            <a:ext cx="2772696" cy="1569660"/>
+          </a:xfrm>
+          <a:prstGeom prst="rect">
+            <a:avLst/>
+          </a:prstGeom>
+          <a:noFill/>
+        </p:spPr>
+        <p:txBody>
+          <a:bodyPr wrap="square" rtlCol="0">
+            <a:spAutoFit/>
+          </a:bodyPr>
+          <a:lstStyle/>
+          <a:p>
+            <a:pPr algn="r"/>
+            <a:r>
+              <a:rPr kumimoji="1" lang="ja-JP" altLang="en-US" sz="3200" dirty="0" smtClean="0"/>
+              <a:t>登録したい</a:t>
+            </a:r>
+            <a:r>
+              <a:rPr kumimoji="1" lang="en-US" altLang="ja-JP" sz="3200" dirty="0" smtClean="0"/>
+              <a:t>ID:</a:t>
+            </a:r>
+          </a:p>
+          <a:p>
+            <a:pPr algn="r"/>
+            <a:r>
+              <a:rPr lang="en-US" altLang="ja-JP" sz="3200" dirty="0" smtClean="0"/>
+              <a:t>PW:</a:t>
+            </a:r>
+          </a:p>
+          <a:p>
+            <a:pPr algn="r"/>
+            <a:r>
+              <a:rPr kumimoji="1" lang="ja-JP" altLang="en-US" sz="3200" dirty="0" smtClean="0"/>
+              <a:t>確認用</a:t>
+            </a:r>
+            <a:r>
+              <a:rPr kumimoji="1" lang="en-US" altLang="ja-JP" sz="3200" dirty="0" smtClean="0"/>
+              <a:t>PW:</a:t>
+            </a:r>
+            <a:endParaRPr kumimoji="1" lang="ja-JP" altLang="en-US" sz="3200" dirty="0"/>
+          </a:p>
+        </p:txBody>
+      </p:sp>
+      <p:sp>
+        <p:nvSpPr>
+          <p:cNvPr id="6" name="テキスト ボックス 5"/>
+          <p:cNvSpPr txBox="1"/>
+          <p:nvPr/>
+        </p:nvSpPr>
+        <p:spPr>
+          <a:xfrm>
+            <a:off x="5565477" y="3446567"/>
+            <a:ext cx="1683358" cy="369332"/>
+          </a:xfrm>
+          <a:prstGeom prst="rect">
+            <a:avLst/>
+          </a:prstGeom>
+          <a:noFill/>
+          <a:ln>
+            <a:solidFill>
+              <a:schemeClr val="tx1"/>
+            </a:solidFill>
+          </a:ln>
+        </p:spPr>
+        <p:txBody>
+          <a:bodyPr wrap="square" rtlCol="0">
+            <a:spAutoFit/>
+          </a:bodyPr>
+          <a:lstStyle/>
+          <a:p>
+            <a:pPr algn="ctr"/>
+            <a:endParaRPr kumimoji="1" lang="ja-JP" altLang="en-US" dirty="0"/>
+          </a:p>
+        </p:txBody>
+      </p:sp>
+      <p:sp>
+        <p:nvSpPr>
+          <p:cNvPr id="7" name="テキスト ボックス 6"/>
+          <p:cNvSpPr txBox="1"/>
+          <p:nvPr/>
+        </p:nvSpPr>
+        <p:spPr>
+          <a:xfrm>
+            <a:off x="3940494" y="4817881"/>
+            <a:ext cx="1224116" cy="369332"/>
+          </a:xfrm>
+          <a:prstGeom prst="rect">
+            <a:avLst/>
+          </a:prstGeom>
+          <a:noFill/>
+          <a:ln>
+            <a:solidFill>
+              <a:schemeClr val="tx1"/>
+            </a:solidFill>
+          </a:ln>
+        </p:spPr>
+        <p:txBody>
+          <a:bodyPr wrap="square" rtlCol="0">
+            <a:spAutoFit/>
+          </a:bodyPr>
+          <a:lstStyle/>
+          <a:p>
+            <a:pPr algn="ctr"/>
+            <a:r>
+              <a:rPr kumimoji="1" lang="ja-JP" altLang="en-US" dirty="0" smtClean="0"/>
+              <a:t>送信</a:t>
+            </a:r>
+            <a:endParaRPr kumimoji="1" lang="ja-JP" altLang="en-US" dirty="0"/>
+          </a:p>
+        </p:txBody>
+      </p:sp>
+      <p:sp>
+        <p:nvSpPr>
+          <p:cNvPr id="8" name="テキスト ボックス 7"/>
+          <p:cNvSpPr txBox="1"/>
+          <p:nvPr/>
+        </p:nvSpPr>
+        <p:spPr>
+          <a:xfrm>
+            <a:off x="5642912" y="4817881"/>
+            <a:ext cx="1224116" cy="369332"/>
+          </a:xfrm>
+          <a:prstGeom prst="rect">
+            <a:avLst/>
+          </a:prstGeom>
+          <a:noFill/>
+          <a:ln>
+            <a:solidFill>
+              <a:schemeClr val="tx1"/>
+            </a:solidFill>
+          </a:ln>
+        </p:spPr>
+        <p:txBody>
+          <a:bodyPr wrap="square" rtlCol="0">
+            <a:spAutoFit/>
+          </a:bodyPr>
+          <a:lstStyle/>
+          <a:p>
+            <a:pPr algn="ctr"/>
+            <a:r>
+              <a:rPr lang="ja-JP" altLang="en-US" dirty="0"/>
+              <a:t>リセット</a:t>
+            </a:r>
+            <a:endParaRPr kumimoji="1" lang="ja-JP" altLang="en-US" dirty="0"/>
+          </a:p>
+        </p:txBody>
+      </p:sp>
+      <p:sp>
+        <p:nvSpPr>
+          <p:cNvPr id="9" name="テキスト ボックス 8"/>
+          <p:cNvSpPr txBox="1"/>
+          <p:nvPr/>
+        </p:nvSpPr>
+        <p:spPr>
+          <a:xfrm>
+            <a:off x="4552552" y="1846535"/>
+            <a:ext cx="1900500" cy="584775"/>
+          </a:xfrm>
+          <a:prstGeom prst="rect">
+            <a:avLst/>
+          </a:prstGeom>
+          <a:noFill/>
+        </p:spPr>
+        <p:txBody>
+          <a:bodyPr wrap="square" rtlCol="0">
+            <a:spAutoFit/>
+          </a:bodyPr>
+          <a:lstStyle/>
+          <a:p>
+            <a:r>
+              <a:rPr kumimoji="1" lang="ja-JP" altLang="en-US" sz="3200" dirty="0" smtClean="0"/>
+              <a:t>ログイン</a:t>
+            </a:r>
+            <a:endParaRPr kumimoji="1" lang="ja-JP" altLang="en-US" sz="3200" dirty="0"/>
+          </a:p>
+        </p:txBody>
+      </p:sp>
+      <p:sp>
+        <p:nvSpPr>
+          <p:cNvPr id="10" name="テキスト ボックス 9"/>
+          <p:cNvSpPr txBox="1"/>
+          <p:nvPr/>
+        </p:nvSpPr>
+        <p:spPr>
+          <a:xfrm>
+            <a:off x="5565476" y="3923216"/>
+            <a:ext cx="1683358" cy="369332"/>
+          </a:xfrm>
+          <a:prstGeom prst="rect">
+            <a:avLst/>
+          </a:prstGeom>
+          <a:noFill/>
+          <a:ln>
+            <a:solidFill>
+              <a:schemeClr val="tx1"/>
+            </a:solidFill>
+          </a:ln>
+        </p:spPr>
+        <p:txBody>
+          <a:bodyPr wrap="square" rtlCol="0">
+            <a:spAutoFit/>
+          </a:bodyPr>
+          <a:lstStyle/>
+          <a:p>
+            <a:pPr algn="ctr"/>
+            <a:endParaRPr kumimoji="1" lang="ja-JP" altLang="en-US" dirty="0"/>
+          </a:p>
+        </p:txBody>
+      </p:sp>
+      <p:sp>
+        <p:nvSpPr>
+          <p:cNvPr id="11" name="テキスト ボックス 10"/>
+          <p:cNvSpPr txBox="1"/>
+          <p:nvPr/>
+        </p:nvSpPr>
+        <p:spPr>
+          <a:xfrm>
+            <a:off x="8449171" y="1996099"/>
+            <a:ext cx="3593276" cy="646331"/>
+          </a:xfrm>
+          <a:prstGeom prst="rect">
+            <a:avLst/>
+          </a:prstGeom>
+          <a:noFill/>
+          <a:ln>
+            <a:noFill/>
+          </a:ln>
+        </p:spPr>
+        <p:txBody>
+          <a:bodyPr wrap="square" rtlCol="0">
+            <a:spAutoFit/>
+          </a:bodyPr>
+          <a:lstStyle/>
+          <a:p>
+            <a:pPr algn="ctr"/>
+            <a:r>
+              <a:rPr kumimoji="1" lang="ja-JP" altLang="en-US" dirty="0" smtClean="0"/>
+              <a:t>重複</a:t>
+            </a:r>
+            <a:r>
+              <a:rPr kumimoji="1" lang="en-US" altLang="ja-JP" dirty="0" smtClean="0"/>
+              <a:t>ID</a:t>
+            </a:r>
+            <a:r>
+              <a:rPr kumimoji="1" lang="ja-JP" altLang="en-US" dirty="0" smtClean="0"/>
+              <a:t>チェックボタン</a:t>
+            </a:r>
+            <a:r>
+              <a:rPr lang="ja-JP" altLang="en-US" dirty="0" smtClean="0"/>
+              <a:t>（チェック後の</a:t>
+            </a:r>
+            <a:r>
+              <a:rPr lang="en-US" altLang="ja-JP" dirty="0" smtClean="0"/>
+              <a:t>ID</a:t>
+            </a:r>
+            <a:r>
+              <a:rPr lang="ja-JP" altLang="en-US" dirty="0" smtClean="0"/>
+              <a:t>使用可なのか不可なのか表示）</a:t>
+            </a:r>
+            <a:endParaRPr kumimoji="1" lang="ja-JP" altLang="en-US" dirty="0"/>
+          </a:p>
+        </p:txBody>
+      </p:sp>
+      <p:sp>
+        <p:nvSpPr>
+          <p:cNvPr id="12" name="正方形/長方形 11"/>
+          <p:cNvSpPr/>
+          <p:nvPr/>
+        </p:nvSpPr>
+        <p:spPr>
+          <a:xfrm>
+            <a:off x="7492181" y="2992597"/>
+            <a:ext cx="383458" cy="369332"/>
+          </a:xfrm>
+          <a:prstGeom prst="rect">
+            <a:avLst/>
+          </a:prstGeom>
+          <a:solidFill>
+            <a:schemeClr val="accent2"/>
+          </a:solidFill>
+          <a:ln>
+            <a:solidFill>
+              <a:schemeClr val="accent2"/>
             </a:solidFill>
           </a:ln>
         </p:spPr>
@@ -5355,365 +5413,49 @@
           </a:p>
         </p:txBody>
       </p:sp>
-      <p:sp>
-        <p:nvSpPr>
-          <p:cNvPr id="27" name="テキスト ボックス 26"/>
-          <p:cNvSpPr txBox="1"/>
+      <p:cxnSp>
+        <p:nvCxnSpPr>
+          <p:cNvPr id="14" name="直線矢印コネクタ 13"/>
+          <p:cNvCxnSpPr/>
           <p:nvPr/>
-        </p:nvSpPr>
-        <p:spPr>
-          <a:xfrm>
-            <a:off x="8373000" y="2909832"/>
-            <a:ext cx="1683359" cy="369332"/>
-          </a:xfrm>
-          <a:prstGeom prst="rect">
-            <a:avLst/>
-          </a:prstGeom>
-          <a:noFill/>
-          <a:ln>
-            <a:solidFill>
-              <a:schemeClr val="tx1"/>
-            </a:solidFill>
+        </p:nvCxnSpPr>
+        <p:spPr>
+          <a:xfrm flipH="1">
+            <a:off x="7896934" y="2370247"/>
+            <a:ext cx="573532" cy="544365"/>
+          </a:xfrm>
+          <a:prstGeom prst="straightConnector1">
+            <a:avLst/>
+          </a:prstGeom>
+          <a:ln w="25400">
+            <a:tailEnd type="triangle"/>
           </a:ln>
         </p:spPr>
-        <p:txBody>
-          <a:bodyPr wrap="square" rtlCol="0">
-            <a:spAutoFit/>
-          </a:bodyPr>
-          <a:lstStyle/>
-          <a:p>
-            <a:r>
-              <a:rPr kumimoji="1" lang="en-US" altLang="ja-JP" dirty="0" smtClean="0"/>
-              <a:t>test</a:t>
-            </a:r>
-            <a:endParaRPr kumimoji="1" lang="ja-JP" altLang="en-US" dirty="0"/>
-          </a:p>
-        </p:txBody>
-      </p:sp>
-      <p:sp>
-        <p:nvSpPr>
-          <p:cNvPr id="28" name="テキスト ボックス 27"/>
-          <p:cNvSpPr txBox="1"/>
-          <p:nvPr/>
-        </p:nvSpPr>
-        <p:spPr>
-          <a:xfrm>
-            <a:off x="7422751" y="2755700"/>
-            <a:ext cx="2772696" cy="1077218"/>
-          </a:xfrm>
-          <a:prstGeom prst="rect">
-            <a:avLst/>
-          </a:prstGeom>
-          <a:noFill/>
-        </p:spPr>
-        <p:txBody>
-          <a:bodyPr wrap="square" rtlCol="0">
-            <a:spAutoFit/>
-          </a:bodyPr>
-          <a:lstStyle/>
-          <a:p>
-            <a:r>
-              <a:rPr kumimoji="1" lang="en-US" altLang="ja-JP" sz="3200" dirty="0" smtClean="0"/>
-              <a:t>ID:</a:t>
-            </a:r>
-          </a:p>
-          <a:p>
-            <a:r>
-              <a:rPr lang="en-US" altLang="ja-JP" sz="3200" dirty="0" smtClean="0"/>
-              <a:t>PW:</a:t>
-            </a:r>
-            <a:endParaRPr kumimoji="1" lang="ja-JP" altLang="en-US" sz="3200" dirty="0"/>
-          </a:p>
-        </p:txBody>
-      </p:sp>
-      <p:sp>
-        <p:nvSpPr>
-          <p:cNvPr id="29" name="テキスト ボックス 28"/>
-          <p:cNvSpPr txBox="1"/>
-          <p:nvPr/>
-        </p:nvSpPr>
-        <p:spPr>
-          <a:xfrm>
-            <a:off x="8373001" y="3363802"/>
-            <a:ext cx="1683358" cy="369332"/>
-          </a:xfrm>
-          <a:prstGeom prst="rect">
-            <a:avLst/>
-          </a:prstGeom>
-          <a:noFill/>
-          <a:ln>
-            <a:solidFill>
-              <a:schemeClr val="tx1"/>
-            </a:solidFill>
-          </a:ln>
-        </p:spPr>
-        <p:txBody>
-          <a:bodyPr wrap="square" rtlCol="0">
-            <a:spAutoFit/>
-          </a:bodyPr>
-          <a:lstStyle/>
-          <a:p>
-            <a:r>
-              <a:rPr lang="en-US" altLang="ja-JP" dirty="0" smtClean="0"/>
-              <a:t>******</a:t>
-            </a:r>
-            <a:endParaRPr kumimoji="1" lang="ja-JP" altLang="en-US" dirty="0"/>
-          </a:p>
-        </p:txBody>
-      </p:sp>
-      <p:sp>
-        <p:nvSpPr>
-          <p:cNvPr id="30" name="テキスト ボックス 29"/>
-          <p:cNvSpPr txBox="1"/>
-          <p:nvPr/>
-        </p:nvSpPr>
-        <p:spPr>
-          <a:xfrm>
-            <a:off x="7422751" y="4069986"/>
-            <a:ext cx="1224116" cy="369332"/>
-          </a:xfrm>
-          <a:prstGeom prst="rect">
-            <a:avLst/>
-          </a:prstGeom>
-          <a:noFill/>
-          <a:ln>
-            <a:solidFill>
-              <a:schemeClr val="tx1"/>
-            </a:solidFill>
-          </a:ln>
-        </p:spPr>
-        <p:txBody>
-          <a:bodyPr wrap="square" rtlCol="0">
-            <a:spAutoFit/>
-          </a:bodyPr>
-          <a:lstStyle/>
-          <a:p>
-            <a:pPr algn="ctr"/>
-            <a:r>
-              <a:rPr kumimoji="1" lang="ja-JP" altLang="en-US" dirty="0" smtClean="0"/>
-              <a:t>送信</a:t>
-            </a:r>
-            <a:endParaRPr kumimoji="1" lang="ja-JP" altLang="en-US" dirty="0"/>
-          </a:p>
-        </p:txBody>
-      </p:sp>
-      <p:sp>
-        <p:nvSpPr>
-          <p:cNvPr id="31" name="テキスト ボックス 30"/>
-          <p:cNvSpPr txBox="1"/>
-          <p:nvPr/>
-        </p:nvSpPr>
-        <p:spPr>
-          <a:xfrm>
-            <a:off x="9125169" y="4069986"/>
-            <a:ext cx="1224116" cy="369332"/>
-          </a:xfrm>
-          <a:prstGeom prst="rect">
-            <a:avLst/>
-          </a:prstGeom>
-          <a:noFill/>
-          <a:ln>
-            <a:solidFill>
-              <a:schemeClr val="tx1"/>
-            </a:solidFill>
-          </a:ln>
-        </p:spPr>
-        <p:txBody>
-          <a:bodyPr wrap="square" rtlCol="0">
-            <a:spAutoFit/>
-          </a:bodyPr>
-          <a:lstStyle/>
-          <a:p>
-            <a:pPr algn="ctr"/>
-            <a:r>
-              <a:rPr lang="ja-JP" altLang="en-US" dirty="0"/>
-              <a:t>リセット</a:t>
-            </a:r>
-            <a:endParaRPr kumimoji="1" lang="ja-JP" altLang="en-US" dirty="0"/>
-          </a:p>
-        </p:txBody>
-      </p:sp>
-      <p:sp>
-        <p:nvSpPr>
-          <p:cNvPr id="32" name="テキスト ボックス 31"/>
-          <p:cNvSpPr txBox="1"/>
-          <p:nvPr/>
-        </p:nvSpPr>
-        <p:spPr>
-          <a:xfrm>
-            <a:off x="8155859" y="1729923"/>
-            <a:ext cx="1900500" cy="584775"/>
-          </a:xfrm>
-          <a:prstGeom prst="rect">
-            <a:avLst/>
-          </a:prstGeom>
-          <a:noFill/>
-        </p:spPr>
-        <p:txBody>
-          <a:bodyPr wrap="square" rtlCol="0">
-            <a:spAutoFit/>
-          </a:bodyPr>
-          <a:lstStyle/>
-          <a:p>
-            <a:r>
-              <a:rPr kumimoji="1" lang="ja-JP" altLang="en-US" sz="3200" dirty="0" smtClean="0"/>
-              <a:t>ログイン</a:t>
-            </a:r>
-            <a:endParaRPr kumimoji="1" lang="ja-JP" altLang="en-US" sz="3200" dirty="0"/>
-          </a:p>
-        </p:txBody>
-      </p:sp>
-      <p:sp>
-        <p:nvSpPr>
-          <p:cNvPr id="33" name="テキスト ボックス 32"/>
-          <p:cNvSpPr txBox="1"/>
-          <p:nvPr/>
-        </p:nvSpPr>
-        <p:spPr>
-          <a:xfrm>
-            <a:off x="7327909" y="2298857"/>
-            <a:ext cx="3394168" cy="369332"/>
-          </a:xfrm>
-          <a:prstGeom prst="rect">
-            <a:avLst/>
-          </a:prstGeom>
-          <a:noFill/>
-        </p:spPr>
-        <p:txBody>
-          <a:bodyPr wrap="square" rtlCol="0">
-            <a:spAutoFit/>
-          </a:bodyPr>
-          <a:lstStyle/>
-          <a:p>
-            <a:r>
-              <a:rPr kumimoji="1" lang="en-US" altLang="ja-JP" dirty="0" smtClean="0">
-                <a:solidFill>
-                  <a:srgbClr val="FF0000"/>
-                </a:solidFill>
-              </a:rPr>
-              <a:t>ID</a:t>
-            </a:r>
-            <a:r>
-              <a:rPr kumimoji="1" lang="ja-JP" altLang="en-US" dirty="0" smtClean="0">
-                <a:solidFill>
-                  <a:srgbClr val="FF0000"/>
-                </a:solidFill>
-              </a:rPr>
-              <a:t>または</a:t>
-            </a:r>
-            <a:r>
-              <a:rPr kumimoji="1" lang="en-US" altLang="ja-JP" dirty="0" smtClean="0">
-                <a:solidFill>
-                  <a:srgbClr val="FF0000"/>
-                </a:solidFill>
-              </a:rPr>
-              <a:t>PW</a:t>
-            </a:r>
-            <a:r>
-              <a:rPr kumimoji="1" lang="ja-JP" altLang="en-US" dirty="0" smtClean="0">
-                <a:solidFill>
-                  <a:srgbClr val="FF0000"/>
-                </a:solidFill>
-              </a:rPr>
-              <a:t>が正しくありません。</a:t>
-            </a:r>
-            <a:endParaRPr kumimoji="1" lang="ja-JP" altLang="en-US" dirty="0">
-              <a:solidFill>
-                <a:srgbClr val="FF0000"/>
-              </a:solidFill>
-            </a:endParaRPr>
-          </a:p>
-        </p:txBody>
-      </p:sp>
-      <p:sp>
-        <p:nvSpPr>
-          <p:cNvPr id="34" name="右矢印 33"/>
-          <p:cNvSpPr/>
-          <p:nvPr/>
-        </p:nvSpPr>
-        <p:spPr>
-          <a:xfrm rot="2332191">
-            <a:off x="5330037" y="5228208"/>
-            <a:ext cx="722671" cy="453970"/>
-          </a:xfrm>
-          <a:prstGeom prst="rightArrow">
-            <a:avLst/>
-          </a:prstGeom>
-          <a:solidFill>
-            <a:srgbClr val="00B050"/>
-          </a:solidFill>
-          <a:ln>
-            <a:solidFill>
-              <a:srgbClr val="00B050"/>
-            </a:solidFill>
-          </a:ln>
-        </p:spPr>
         <p:style>
-          <a:lnRef idx="2">
-            <a:schemeClr val="accent1">
-              <a:shade val="50000"/>
-            </a:schemeClr>
+          <a:lnRef idx="1">
+            <a:schemeClr val="accent1"/>
           </a:lnRef>
-          <a:fillRef idx="1">
+          <a:fillRef idx="0">
             <a:schemeClr val="accent1"/>
           </a:fillRef>
           <a:effectRef idx="0">
             <a:schemeClr val="accent1"/>
           </a:effectRef>
           <a:fontRef idx="minor">
-            <a:schemeClr val="lt1"/>
+            <a:schemeClr val="tx1"/>
           </a:fontRef>
         </p:style>
-        <p:txBody>
-          <a:bodyPr rtlCol="0" anchor="ctr"/>
-          <a:lstStyle/>
-          <a:p>
-            <a:pPr algn="ctr"/>
-            <a:endParaRPr kumimoji="1" lang="ja-JP" altLang="en-US"/>
-          </a:p>
-        </p:txBody>
-      </p:sp>
-      <p:sp>
-        <p:nvSpPr>
-          <p:cNvPr id="35" name="テキスト ボックス 34"/>
+      </p:cxnSp>
+      <p:sp>
+        <p:nvSpPr>
+          <p:cNvPr id="15" name="テキスト ボックス 14"/>
           <p:cNvSpPr txBox="1"/>
           <p:nvPr/>
         </p:nvSpPr>
         <p:spPr>
           <a:xfrm>
-            <a:off x="5579027" y="4329489"/>
-            <a:ext cx="738664" cy="1047236"/>
-          </a:xfrm>
-          <a:prstGeom prst="rect">
-            <a:avLst/>
-          </a:prstGeom>
-          <a:noFill/>
-        </p:spPr>
-        <p:txBody>
-          <a:bodyPr vert="eaVert" wrap="square" rtlCol="0">
-            <a:spAutoFit/>
-          </a:bodyPr>
-          <a:lstStyle/>
-          <a:p>
-            <a:pPr algn="ctr"/>
-            <a:r>
-              <a:rPr kumimoji="1" lang="ja-JP" altLang="en-US" dirty="0" smtClean="0"/>
-              <a:t>ログイン成功</a:t>
-            </a:r>
-            <a:endParaRPr kumimoji="1" lang="ja-JP" altLang="en-US" dirty="0"/>
-          </a:p>
-        </p:txBody>
-      </p:sp>
-      <p:sp>
-        <p:nvSpPr>
-          <p:cNvPr id="36" name="テキスト ボックス 35"/>
-          <p:cNvSpPr txBox="1"/>
-          <p:nvPr/>
-        </p:nvSpPr>
-        <p:spPr>
-          <a:xfrm>
-            <a:off x="5948359" y="5796196"/>
-            <a:ext cx="3486056" cy="369332"/>
+            <a:off x="9017075" y="2824164"/>
+            <a:ext cx="2400934" cy="646331"/>
           </a:xfrm>
           <a:prstGeom prst="rect">
             <a:avLst/>
@@ -5728,7 +5470,207 @@
           <a:p>
             <a:r>
               <a:rPr kumimoji="1" lang="ja-JP" altLang="en-US" dirty="0" smtClean="0"/>
-              <a:t>ログイン状態のトップページを表示</a:t>
+              <a:t>両方とも</a:t>
+            </a:r>
+            <a:r>
+              <a:rPr kumimoji="1" lang="en-US" altLang="ja-JP" dirty="0" smtClean="0"/>
+              <a:t>jQuery</a:t>
+            </a:r>
+            <a:r>
+              <a:rPr kumimoji="1" lang="ja-JP" altLang="en-US" dirty="0" smtClean="0"/>
+              <a:t>で実装したいところ</a:t>
+            </a:r>
+            <a:endParaRPr kumimoji="1" lang="ja-JP" altLang="en-US" dirty="0"/>
+          </a:p>
+        </p:txBody>
+      </p:sp>
+      <p:cxnSp>
+        <p:nvCxnSpPr>
+          <p:cNvPr id="16" name="直線矢印コネクタ 15"/>
+          <p:cNvCxnSpPr/>
+          <p:nvPr/>
+        </p:nvCxnSpPr>
+        <p:spPr>
+          <a:xfrm flipV="1">
+            <a:off x="4571401" y="5327599"/>
+            <a:ext cx="4925" cy="424156"/>
+          </a:xfrm>
+          <a:prstGeom prst="straightConnector1">
+            <a:avLst/>
+          </a:prstGeom>
+          <a:ln w="25400">
+            <a:tailEnd type="triangle"/>
+          </a:ln>
+        </p:spPr>
+        <p:style>
+          <a:lnRef idx="1">
+            <a:schemeClr val="accent1"/>
+          </a:lnRef>
+          <a:fillRef idx="0">
+            <a:schemeClr val="accent1"/>
+          </a:fillRef>
+          <a:effectRef idx="0">
+            <a:schemeClr val="accent1"/>
+          </a:effectRef>
+          <a:fontRef idx="minor">
+            <a:schemeClr val="tx1"/>
+          </a:fontRef>
+        </p:style>
+      </p:cxnSp>
+      <p:sp>
+        <p:nvSpPr>
+          <p:cNvPr id="20" name="テキスト ボックス 19"/>
+          <p:cNvSpPr txBox="1"/>
+          <p:nvPr/>
+        </p:nvSpPr>
+        <p:spPr>
+          <a:xfrm>
+            <a:off x="2839697" y="5781131"/>
+            <a:ext cx="3809782" cy="923330"/>
+          </a:xfrm>
+          <a:prstGeom prst="rect">
+            <a:avLst/>
+          </a:prstGeom>
+          <a:noFill/>
+        </p:spPr>
+        <p:txBody>
+          <a:bodyPr wrap="square" rtlCol="0">
+            <a:spAutoFit/>
+          </a:bodyPr>
+          <a:lstStyle/>
+          <a:p>
+            <a:r>
+              <a:rPr kumimoji="1" lang="ja-JP" altLang="en-US" dirty="0" smtClean="0"/>
+              <a:t>重複</a:t>
+            </a:r>
+            <a:r>
+              <a:rPr kumimoji="1" lang="en-US" altLang="ja-JP" dirty="0" smtClean="0"/>
+              <a:t>ID</a:t>
+            </a:r>
+            <a:r>
+              <a:rPr kumimoji="1" lang="ja-JP" altLang="en-US" dirty="0" smtClean="0"/>
+              <a:t>チェックをするまで、</a:t>
+            </a:r>
+            <a:r>
+              <a:rPr kumimoji="1" lang="en-US" altLang="ja-JP" dirty="0" smtClean="0"/>
+              <a:t>PW</a:t>
+            </a:r>
+            <a:r>
+              <a:rPr kumimoji="1" lang="ja-JP" altLang="en-US" dirty="0" smtClean="0"/>
+              <a:t>が入力していない、確認用</a:t>
+            </a:r>
+            <a:r>
+              <a:rPr kumimoji="1" lang="en-US" altLang="ja-JP" dirty="0" smtClean="0"/>
+              <a:t>PW</a:t>
+            </a:r>
+            <a:r>
+              <a:rPr lang="ja-JP" altLang="en-US" dirty="0" smtClean="0"/>
+              <a:t>があっていない時</a:t>
+            </a:r>
+            <a:r>
+              <a:rPr kumimoji="1" lang="ja-JP" altLang="en-US" dirty="0" smtClean="0"/>
+              <a:t>は使えないようにしたいところ。</a:t>
+            </a:r>
+            <a:endParaRPr kumimoji="1" lang="ja-JP" altLang="en-US" dirty="0"/>
+          </a:p>
+        </p:txBody>
+      </p:sp>
+      <p:cxnSp>
+        <p:nvCxnSpPr>
+          <p:cNvPr id="22" name="直線矢印コネクタ 21"/>
+          <p:cNvCxnSpPr/>
+          <p:nvPr/>
+        </p:nvCxnSpPr>
+        <p:spPr>
+          <a:xfrm flipH="1">
+            <a:off x="7439734" y="4114800"/>
+            <a:ext cx="1165122" cy="0"/>
+          </a:xfrm>
+          <a:prstGeom prst="straightConnector1">
+            <a:avLst/>
+          </a:prstGeom>
+          <a:ln w="25400">
+            <a:tailEnd type="triangle"/>
+          </a:ln>
+        </p:spPr>
+        <p:style>
+          <a:lnRef idx="1">
+            <a:schemeClr val="accent1"/>
+          </a:lnRef>
+          <a:fillRef idx="0">
+            <a:schemeClr val="accent1"/>
+          </a:fillRef>
+          <a:effectRef idx="0">
+            <a:schemeClr val="accent1"/>
+          </a:effectRef>
+          <a:fontRef idx="minor">
+            <a:schemeClr val="tx1"/>
+          </a:fontRef>
+        </p:style>
+      </p:cxnSp>
+      <p:sp>
+        <p:nvSpPr>
+          <p:cNvPr id="23" name="テキスト ボックス 22"/>
+          <p:cNvSpPr txBox="1"/>
+          <p:nvPr/>
+        </p:nvSpPr>
+        <p:spPr>
+          <a:xfrm>
+            <a:off x="8787245" y="3675478"/>
+            <a:ext cx="2917127" cy="923330"/>
+          </a:xfrm>
+          <a:prstGeom prst="rect">
+            <a:avLst/>
+          </a:prstGeom>
+          <a:noFill/>
+        </p:spPr>
+        <p:txBody>
+          <a:bodyPr wrap="square" rtlCol="0">
+            <a:spAutoFit/>
+          </a:bodyPr>
+          <a:lstStyle/>
+          <a:p>
+            <a:r>
+              <a:rPr kumimoji="1" lang="ja-JP" altLang="en-US" dirty="0" smtClean="0"/>
+              <a:t>上の</a:t>
+            </a:r>
+            <a:r>
+              <a:rPr kumimoji="1" lang="en-US" altLang="ja-JP" dirty="0" smtClean="0"/>
+              <a:t>PW</a:t>
+            </a:r>
+            <a:r>
+              <a:rPr kumimoji="1" lang="ja-JP" altLang="en-US" dirty="0" smtClean="0"/>
+              <a:t>とあっていなかったら「あってない」と表示してくれるといい。</a:t>
+            </a:r>
+            <a:endParaRPr kumimoji="1" lang="ja-JP" altLang="en-US" dirty="0"/>
+          </a:p>
+        </p:txBody>
+      </p:sp>
+      <p:sp>
+        <p:nvSpPr>
+          <p:cNvPr id="24" name="テキスト ボックス 23"/>
+          <p:cNvSpPr txBox="1"/>
+          <p:nvPr/>
+        </p:nvSpPr>
+        <p:spPr>
+          <a:xfrm>
+            <a:off x="7076432" y="5781131"/>
+            <a:ext cx="3421625" cy="923330"/>
+          </a:xfrm>
+          <a:prstGeom prst="rect">
+            <a:avLst/>
+          </a:prstGeom>
+          <a:noFill/>
+        </p:spPr>
+        <p:txBody>
+          <a:bodyPr wrap="square" rtlCol="0">
+            <a:spAutoFit/>
+          </a:bodyPr>
+          <a:lstStyle/>
+          <a:p>
+            <a:r>
+              <a:rPr kumimoji="1" lang="ja-JP" altLang="en-US" dirty="0" smtClean="0"/>
+              <a:t>ここでは基本的に送信する前からエラーを見つけてエラーがなくなるまで送信させないようにしたい。</a:t>
             </a:r>
             <a:endParaRPr kumimoji="1" lang="ja-JP" altLang="en-US" dirty="0"/>
           </a:p>
@@ -5737,7 +5679,7 @@
     </p:spTree>
     <p:extLst>
       <p:ext uri="{BB962C8B-B14F-4D97-AF65-F5344CB8AC3E}">
-        <p14:creationId xmlns:p14="http://schemas.microsoft.com/office/powerpoint/2010/main" val="4282438398"/>
+        <p14:creationId xmlns:p14="http://schemas.microsoft.com/office/powerpoint/2010/main" val="992221156"/>
       </p:ext>
     </p:extLst>
   </p:cSld>
@@ -5812,9 +5754,9 @@
                   <a:srgbClr val="7030A0"/>
                 </a:solidFill>
               </a:rPr>
-              <a:t>会員登録</a:t>
-            </a:r>
-            <a:endParaRPr lang="ja-JP" altLang="en-US" sz="6000" b="1" dirty="0">
+              <a:t>登録成功画面</a:t>
+            </a:r>
+            <a:endParaRPr lang="en-US" altLang="ja-JP" sz="6000" b="1" smtClean="0">
               <a:solidFill>
                 <a:srgbClr val="7030A0"/>
               </a:solidFill>
@@ -5876,8 +5818,38 @@
         </p:nvSpPr>
         <p:spPr>
           <a:xfrm>
-            <a:off x="5565476" y="2992597"/>
-            <a:ext cx="1683359" cy="369332"/>
+            <a:off x="4218039" y="2573905"/>
+            <a:ext cx="3067664" cy="369332"/>
+          </a:xfrm>
+          <a:prstGeom prst="rect">
+            <a:avLst/>
+          </a:prstGeom>
+          <a:noFill/>
+        </p:spPr>
+        <p:txBody>
+          <a:bodyPr wrap="square" rtlCol="0">
+            <a:spAutoFit/>
+          </a:bodyPr>
+          <a:lstStyle/>
+          <a:p>
+            <a:r>
+              <a:rPr kumimoji="1" lang="ja-JP" altLang="en-US" dirty="0" smtClean="0"/>
+              <a:t>会員登録を完了しました。</a:t>
+            </a:r>
+            <a:endParaRPr kumimoji="1" lang="ja-JP" altLang="en-US" dirty="0"/>
+          </a:p>
+        </p:txBody>
+      </p:sp>
+      <p:sp>
+        <p:nvSpPr>
+          <p:cNvPr id="5" name="テキスト ボックス 4"/>
+          <p:cNvSpPr txBox="1"/>
+          <p:nvPr/>
+        </p:nvSpPr>
+        <p:spPr>
+          <a:xfrm>
+            <a:off x="4461386" y="3419653"/>
+            <a:ext cx="2256503" cy="369332"/>
           </a:xfrm>
           <a:prstGeom prst="rect">
             <a:avLst/>
@@ -5896,73 +5868,58 @@
           <a:lstStyle/>
           <a:p>
             <a:pPr algn="ctr"/>
+            <a:r>
+              <a:rPr kumimoji="1" lang="en-US" altLang="ja-JP" dirty="0" smtClean="0"/>
+              <a:t>TOP</a:t>
+            </a:r>
+            <a:r>
+              <a:rPr kumimoji="1" lang="ja-JP" altLang="en-US" dirty="0" smtClean="0"/>
+              <a:t>ページに戻る</a:t>
+            </a:r>
             <a:endParaRPr kumimoji="1" lang="ja-JP" altLang="en-US" dirty="0"/>
           </a:p>
         </p:txBody>
       </p:sp>
-      <p:sp>
-        <p:nvSpPr>
-          <p:cNvPr id="5" name="テキスト ボックス 4"/>
-          <p:cNvSpPr txBox="1"/>
+    </p:spTree>
+    <p:extLst>
+      <p:ext uri="{BB962C8B-B14F-4D97-AF65-F5344CB8AC3E}">
+        <p14:creationId xmlns:p14="http://schemas.microsoft.com/office/powerpoint/2010/main" val="172936178"/>
+      </p:ext>
+    </p:extLst>
+  </p:cSld>
+  <p:clrMapOvr>
+    <a:masterClrMapping/>
+  </p:clrMapOvr>
+</p:sld>
+</file>
+
+<file path=ppt/slides/slide4.xml><?xml version="1.0" encoding="utf-8"?>
+<p:sld xmlns:a="http://schemas.openxmlformats.org/drawingml/2006/main" xmlns:r="http://schemas.openxmlformats.org/officeDocument/2006/relationships" xmlns:p="http://schemas.openxmlformats.org/presentationml/2006/main">
+  <p:cSld>
+    <p:spTree>
+      <p:nvGrpSpPr>
+        <p:cNvPr id="1" name=""/>
+        <p:cNvGrpSpPr/>
+        <p:nvPr/>
+      </p:nvGrpSpPr>
+      <p:grpSpPr>
+        <a:xfrm>
+          <a:off x="0" y="0"/>
+          <a:ext cx="0" cy="0"/>
+          <a:chOff x="0" y="0"/>
+          <a:chExt cx="0" cy="0"/>
+        </a:xfrm>
+      </p:grpSpPr>
+      <p:sp>
+        <p:nvSpPr>
+          <p:cNvPr id="3" name="正方形/長方形 2"/>
+          <p:cNvSpPr/>
           <p:nvPr/>
         </p:nvSpPr>
         <p:spPr>
           <a:xfrm>
-            <a:off x="2730106" y="2846403"/>
-            <a:ext cx="2772696" cy="1569660"/>
-          </a:xfrm>
-          <a:prstGeom prst="rect">
-            <a:avLst/>
-          </a:prstGeom>
-          <a:noFill/>
-        </p:spPr>
-        <p:txBody>
-          <a:bodyPr wrap="square" rtlCol="0">
-            <a:spAutoFit/>
-          </a:bodyPr>
-          <a:lstStyle/>
-          <a:p>
-            <a:pPr algn="r"/>
-            <a:r>
-              <a:rPr kumimoji="1" lang="ja-JP" altLang="en-US" sz="3200" dirty="0" smtClean="0"/>
-              <a:t>登録したい</a:t>
-            </a:r>
-            <a:r>
-              <a:rPr kumimoji="1" lang="en-US" altLang="ja-JP" sz="3200" dirty="0" smtClean="0"/>
-              <a:t>ID:</a:t>
-            </a:r>
-          </a:p>
-          <a:p>
-            <a:pPr algn="r"/>
-            <a:r>
-              <a:rPr lang="en-US" altLang="ja-JP" sz="3200" dirty="0" smtClean="0"/>
-              <a:t>PW:</a:t>
-            </a:r>
-          </a:p>
-          <a:p>
-            <a:pPr algn="r"/>
-            <a:r>
-              <a:rPr kumimoji="1" lang="ja-JP" altLang="en-US" sz="3200" dirty="0" smtClean="0"/>
-              <a:t>確認用</a:t>
-            </a:r>
-            <a:r>
-              <a:rPr kumimoji="1" lang="en-US" altLang="ja-JP" sz="3200" dirty="0" smtClean="0"/>
-              <a:t>PW:</a:t>
-            </a:r>
-            <a:endParaRPr kumimoji="1" lang="ja-JP" altLang="en-US" sz="3200" dirty="0"/>
-          </a:p>
-        </p:txBody>
-      </p:sp>
-      <p:sp>
-        <p:nvSpPr>
-          <p:cNvPr id="6" name="テキスト ボックス 5"/>
-          <p:cNvSpPr txBox="1"/>
-          <p:nvPr/>
-        </p:nvSpPr>
-        <p:spPr>
-          <a:xfrm>
-            <a:off x="5565477" y="3446567"/>
-            <a:ext cx="1683358" cy="369332"/>
+            <a:off x="339213" y="1545257"/>
+            <a:ext cx="4763729" cy="3218474"/>
           </a:xfrm>
           <a:prstGeom prst="rect">
             <a:avLst/>
@@ -5971,228 +5928,6 @@
           <a:ln>
             <a:solidFill>
               <a:schemeClr val="tx1"/>
-            </a:solidFill>
-          </a:ln>
-        </p:spPr>
-        <p:txBody>
-          <a:bodyPr wrap="square" rtlCol="0">
-            <a:spAutoFit/>
-          </a:bodyPr>
-          <a:lstStyle/>
-          <a:p>
-            <a:pPr algn="ctr"/>
-            <a:endParaRPr kumimoji="1" lang="ja-JP" altLang="en-US" dirty="0"/>
-          </a:p>
-        </p:txBody>
-      </p:sp>
-      <p:sp>
-        <p:nvSpPr>
-          <p:cNvPr id="7" name="テキスト ボックス 6"/>
-          <p:cNvSpPr txBox="1"/>
-          <p:nvPr/>
-        </p:nvSpPr>
-        <p:spPr>
-          <a:xfrm>
-            <a:off x="3940494" y="4817881"/>
-            <a:ext cx="1224116" cy="369332"/>
-          </a:xfrm>
-          <a:prstGeom prst="rect">
-            <a:avLst/>
-          </a:prstGeom>
-          <a:noFill/>
-          <a:ln>
-            <a:solidFill>
-              <a:schemeClr val="tx1"/>
-            </a:solidFill>
-          </a:ln>
-        </p:spPr>
-        <p:txBody>
-          <a:bodyPr wrap="square" rtlCol="0">
-            <a:spAutoFit/>
-          </a:bodyPr>
-          <a:lstStyle/>
-          <a:p>
-            <a:pPr algn="ctr"/>
-            <a:r>
-              <a:rPr kumimoji="1" lang="ja-JP" altLang="en-US" dirty="0" smtClean="0"/>
-              <a:t>送信</a:t>
-            </a:r>
-            <a:endParaRPr kumimoji="1" lang="ja-JP" altLang="en-US" dirty="0"/>
-          </a:p>
-        </p:txBody>
-      </p:sp>
-      <p:sp>
-        <p:nvSpPr>
-          <p:cNvPr id="8" name="テキスト ボックス 7"/>
-          <p:cNvSpPr txBox="1"/>
-          <p:nvPr/>
-        </p:nvSpPr>
-        <p:spPr>
-          <a:xfrm>
-            <a:off x="5642912" y="4817881"/>
-            <a:ext cx="1224116" cy="369332"/>
-          </a:xfrm>
-          <a:prstGeom prst="rect">
-            <a:avLst/>
-          </a:prstGeom>
-          <a:noFill/>
-          <a:ln>
-            <a:solidFill>
-              <a:schemeClr val="tx1"/>
-            </a:solidFill>
-          </a:ln>
-        </p:spPr>
-        <p:txBody>
-          <a:bodyPr wrap="square" rtlCol="0">
-            <a:spAutoFit/>
-          </a:bodyPr>
-          <a:lstStyle/>
-          <a:p>
-            <a:pPr algn="ctr"/>
-            <a:r>
-              <a:rPr lang="ja-JP" altLang="en-US" dirty="0"/>
-              <a:t>リセット</a:t>
-            </a:r>
-            <a:endParaRPr kumimoji="1" lang="ja-JP" altLang="en-US" dirty="0"/>
-          </a:p>
-        </p:txBody>
-      </p:sp>
-      <p:sp>
-        <p:nvSpPr>
-          <p:cNvPr id="9" name="テキスト ボックス 8"/>
-          <p:cNvSpPr txBox="1"/>
-          <p:nvPr/>
-        </p:nvSpPr>
-        <p:spPr>
-          <a:xfrm>
-            <a:off x="4552552" y="1846535"/>
-            <a:ext cx="1900500" cy="584775"/>
-          </a:xfrm>
-          <a:prstGeom prst="rect">
-            <a:avLst/>
-          </a:prstGeom>
-          <a:noFill/>
-        </p:spPr>
-        <p:txBody>
-          <a:bodyPr wrap="square" rtlCol="0">
-            <a:spAutoFit/>
-          </a:bodyPr>
-          <a:lstStyle/>
-          <a:p>
-            <a:r>
-              <a:rPr kumimoji="1" lang="ja-JP" altLang="en-US" sz="3200" dirty="0" smtClean="0"/>
-              <a:t>ログイン</a:t>
-            </a:r>
-            <a:endParaRPr kumimoji="1" lang="ja-JP" altLang="en-US" sz="3200" dirty="0"/>
-          </a:p>
-        </p:txBody>
-      </p:sp>
-      <p:sp>
-        <p:nvSpPr>
-          <p:cNvPr id="10" name="テキスト ボックス 9"/>
-          <p:cNvSpPr txBox="1"/>
-          <p:nvPr/>
-        </p:nvSpPr>
-        <p:spPr>
-          <a:xfrm>
-            <a:off x="5565476" y="3923216"/>
-            <a:ext cx="1683358" cy="369332"/>
-          </a:xfrm>
-          <a:prstGeom prst="rect">
-            <a:avLst/>
-          </a:prstGeom>
-          <a:noFill/>
-          <a:ln>
-            <a:solidFill>
-              <a:schemeClr val="tx1"/>
-            </a:solidFill>
-          </a:ln>
-        </p:spPr>
-        <p:txBody>
-          <a:bodyPr wrap="square" rtlCol="0">
-            <a:spAutoFit/>
-          </a:bodyPr>
-          <a:lstStyle/>
-          <a:p>
-            <a:pPr algn="ctr"/>
-            <a:endParaRPr kumimoji="1" lang="ja-JP" altLang="en-US" dirty="0"/>
-          </a:p>
-        </p:txBody>
-      </p:sp>
-      <p:sp>
-        <p:nvSpPr>
-          <p:cNvPr id="11" name="テキスト ボックス 10"/>
-          <p:cNvSpPr txBox="1"/>
-          <p:nvPr/>
-        </p:nvSpPr>
-        <p:spPr>
-          <a:xfrm>
-            <a:off x="8449171" y="1996099"/>
-            <a:ext cx="3593276" cy="646331"/>
-          </a:xfrm>
-          <a:prstGeom prst="rect">
-            <a:avLst/>
-          </a:prstGeom>
-          <a:noFill/>
-          <a:ln>
-            <a:noFill/>
-          </a:ln>
-        </p:spPr>
-        <p:txBody>
-          <a:bodyPr wrap="square" rtlCol="0">
-            <a:spAutoFit/>
-          </a:bodyPr>
-          <a:lstStyle/>
-          <a:p>
-            <a:pPr algn="ctr"/>
-            <a:r>
-              <a:rPr kumimoji="1" lang="ja-JP" altLang="en-US" dirty="0" smtClean="0"/>
-              <a:t>重複</a:t>
-            </a:r>
-            <a:r>
-              <a:rPr kumimoji="1" lang="en-US" altLang="ja-JP" dirty="0" smtClean="0"/>
-              <a:t>ID</a:t>
-            </a:r>
-            <a:r>
-              <a:rPr kumimoji="1" lang="ja-JP" altLang="en-US" dirty="0" smtClean="0"/>
-              <a:t>チェックボタン</a:t>
-            </a:r>
-            <a:r>
-              <a:rPr lang="ja-JP" altLang="en-US" dirty="0" smtClean="0"/>
-              <a:t>（チェック後の</a:t>
-            </a:r>
-            <a:r>
-              <a:rPr lang="en-US" altLang="ja-JP" dirty="0" smtClean="0"/>
-              <a:t>ID</a:t>
-            </a:r>
-            <a:r>
-              <a:rPr lang="ja-JP" altLang="en-US" dirty="0" smtClean="0"/>
-              <a:t>使用可なのか不可なのか表示）</a:t>
-            </a:r>
-            <a:endParaRPr kumimoji="1" lang="ja-JP" altLang="en-US" dirty="0"/>
-          </a:p>
-        </p:txBody>
-      </p:sp>
-      <p:sp>
-        <p:nvSpPr>
-          <p:cNvPr id="12" name="正方形/長方形 11"/>
-          <p:cNvSpPr/>
-          <p:nvPr/>
-        </p:nvSpPr>
-        <p:spPr>
-          <a:xfrm>
-            <a:off x="7492181" y="2992597"/>
-            <a:ext cx="383458" cy="369332"/>
-          </a:xfrm>
-          <a:prstGeom prst="rect">
-            <a:avLst/>
-          </a:prstGeom>
-          <a:solidFill>
-            <a:schemeClr val="accent2"/>
-          </a:solidFill>
-          <a:ln>
-            <a:solidFill>
-              <a:schemeClr val="accent2"/>
             </a:solidFill>
           </a:ln>
         </p:spPr>
@@ -6221,16 +5956,276 @@
           </a:p>
         </p:txBody>
       </p:sp>
+      <p:sp>
+        <p:nvSpPr>
+          <p:cNvPr id="5" name="テキスト ボックス 4"/>
+          <p:cNvSpPr txBox="1"/>
+          <p:nvPr/>
+        </p:nvSpPr>
+        <p:spPr>
+          <a:xfrm>
+            <a:off x="2003738" y="2909832"/>
+            <a:ext cx="1683359" cy="369332"/>
+          </a:xfrm>
+          <a:prstGeom prst="rect">
+            <a:avLst/>
+          </a:prstGeom>
+          <a:noFill/>
+          <a:ln>
+            <a:solidFill>
+              <a:schemeClr val="tx1"/>
+            </a:solidFill>
+          </a:ln>
+        </p:spPr>
+        <p:txBody>
+          <a:bodyPr wrap="square" rtlCol="0">
+            <a:spAutoFit/>
+          </a:bodyPr>
+          <a:lstStyle/>
+          <a:p>
+            <a:pPr algn="ctr"/>
+            <a:endParaRPr kumimoji="1" lang="ja-JP" altLang="en-US" dirty="0"/>
+          </a:p>
+        </p:txBody>
+      </p:sp>
+      <p:sp>
+        <p:nvSpPr>
+          <p:cNvPr id="12" name="タイトル 1"/>
+          <p:cNvSpPr txBox="1">
+            <a:spLocks/>
+          </p:cNvSpPr>
+          <p:nvPr/>
+        </p:nvSpPr>
+        <p:spPr>
+          <a:xfrm>
+            <a:off x="1317938" y="103031"/>
+            <a:ext cx="9144000" cy="1088735"/>
+          </a:xfrm>
+          <a:prstGeom prst="rect">
+            <a:avLst/>
+          </a:prstGeom>
+        </p:spPr>
+        <p:txBody>
+          <a:bodyPr>
+            <a:normAutofit/>
+          </a:bodyPr>
+          <a:lstStyle>
+            <a:lvl1pPr algn="l" defTabSz="914400" rtl="0" eaLnBrk="1" latinLnBrk="0" hangingPunct="1">
+              <a:lnSpc>
+                <a:spcPct val="90000"/>
+              </a:lnSpc>
+              <a:spcBef>
+                <a:spcPct val="0"/>
+              </a:spcBef>
+              <a:buNone/>
+              <a:defRPr kumimoji="1" sz="4400" kern="1200">
+                <a:solidFill>
+                  <a:schemeClr val="tx1"/>
+                </a:solidFill>
+                <a:latin typeface="+mj-lt"/>
+                <a:ea typeface="+mj-ea"/>
+                <a:cs typeface="+mj-cs"/>
+              </a:defRPr>
+            </a:lvl1pPr>
+          </a:lstStyle>
+          <a:p>
+            <a:pPr algn="ctr"/>
+            <a:r>
+              <a:rPr lang="ja-JP" altLang="en-US" sz="6000" b="1" dirty="0" smtClean="0">
+                <a:solidFill>
+                  <a:srgbClr val="7030A0"/>
+                </a:solidFill>
+              </a:rPr>
+              <a:t>ログイン画面</a:t>
+            </a:r>
+            <a:endParaRPr lang="ja-JP" altLang="en-US" sz="6000" b="1" dirty="0">
+              <a:solidFill>
+                <a:srgbClr val="7030A0"/>
+              </a:solidFill>
+            </a:endParaRPr>
+          </a:p>
+        </p:txBody>
+      </p:sp>
+      <p:sp>
+        <p:nvSpPr>
+          <p:cNvPr id="13" name="テキスト ボックス 12"/>
+          <p:cNvSpPr txBox="1"/>
+          <p:nvPr/>
+        </p:nvSpPr>
+        <p:spPr>
+          <a:xfrm>
+            <a:off x="958647" y="2755700"/>
+            <a:ext cx="2772696" cy="1077218"/>
+          </a:xfrm>
+          <a:prstGeom prst="rect">
+            <a:avLst/>
+          </a:prstGeom>
+          <a:noFill/>
+        </p:spPr>
+        <p:txBody>
+          <a:bodyPr wrap="square" rtlCol="0">
+            <a:spAutoFit/>
+          </a:bodyPr>
+          <a:lstStyle/>
+          <a:p>
+            <a:r>
+              <a:rPr kumimoji="1" lang="en-US" altLang="ja-JP" sz="3200" dirty="0" smtClean="0"/>
+              <a:t>ID:</a:t>
+            </a:r>
+          </a:p>
+          <a:p>
+            <a:r>
+              <a:rPr lang="en-US" altLang="ja-JP" sz="3200" dirty="0" smtClean="0"/>
+              <a:t>PW:</a:t>
+            </a:r>
+            <a:endParaRPr kumimoji="1" lang="ja-JP" altLang="en-US" sz="3200" dirty="0"/>
+          </a:p>
+        </p:txBody>
+      </p:sp>
+      <p:sp>
+        <p:nvSpPr>
+          <p:cNvPr id="14" name="テキスト ボックス 13"/>
+          <p:cNvSpPr txBox="1"/>
+          <p:nvPr/>
+        </p:nvSpPr>
+        <p:spPr>
+          <a:xfrm>
+            <a:off x="2003739" y="3363802"/>
+            <a:ext cx="1683358" cy="369332"/>
+          </a:xfrm>
+          <a:prstGeom prst="rect">
+            <a:avLst/>
+          </a:prstGeom>
+          <a:noFill/>
+          <a:ln>
+            <a:solidFill>
+              <a:schemeClr val="tx1"/>
+            </a:solidFill>
+          </a:ln>
+        </p:spPr>
+        <p:txBody>
+          <a:bodyPr wrap="square" rtlCol="0">
+            <a:spAutoFit/>
+          </a:bodyPr>
+          <a:lstStyle/>
+          <a:p>
+            <a:pPr algn="ctr"/>
+            <a:endParaRPr kumimoji="1" lang="ja-JP" altLang="en-US" dirty="0"/>
+          </a:p>
+        </p:txBody>
+      </p:sp>
+      <p:sp>
+        <p:nvSpPr>
+          <p:cNvPr id="15" name="テキスト ボックス 14"/>
+          <p:cNvSpPr txBox="1"/>
+          <p:nvPr/>
+        </p:nvSpPr>
+        <p:spPr>
+          <a:xfrm>
+            <a:off x="1053489" y="4069986"/>
+            <a:ext cx="1224116" cy="369332"/>
+          </a:xfrm>
+          <a:prstGeom prst="rect">
+            <a:avLst/>
+          </a:prstGeom>
+          <a:noFill/>
+          <a:ln>
+            <a:solidFill>
+              <a:schemeClr val="tx1"/>
+            </a:solidFill>
+          </a:ln>
+        </p:spPr>
+        <p:txBody>
+          <a:bodyPr wrap="square" rtlCol="0">
+            <a:spAutoFit/>
+          </a:bodyPr>
+          <a:lstStyle/>
+          <a:p>
+            <a:pPr algn="ctr"/>
+            <a:r>
+              <a:rPr kumimoji="1" lang="ja-JP" altLang="en-US" dirty="0" smtClean="0"/>
+              <a:t>送信</a:t>
+            </a:r>
+            <a:endParaRPr kumimoji="1" lang="ja-JP" altLang="en-US" dirty="0"/>
+          </a:p>
+        </p:txBody>
+      </p:sp>
+      <p:sp>
+        <p:nvSpPr>
+          <p:cNvPr id="16" name="テキスト ボックス 15"/>
+          <p:cNvSpPr txBox="1"/>
+          <p:nvPr/>
+        </p:nvSpPr>
+        <p:spPr>
+          <a:xfrm>
+            <a:off x="2755907" y="4069986"/>
+            <a:ext cx="1224116" cy="369332"/>
+          </a:xfrm>
+          <a:prstGeom prst="rect">
+            <a:avLst/>
+          </a:prstGeom>
+          <a:noFill/>
+          <a:ln>
+            <a:solidFill>
+              <a:schemeClr val="tx1"/>
+            </a:solidFill>
+          </a:ln>
+        </p:spPr>
+        <p:txBody>
+          <a:bodyPr wrap="square" rtlCol="0">
+            <a:spAutoFit/>
+          </a:bodyPr>
+          <a:lstStyle/>
+          <a:p>
+            <a:pPr algn="ctr"/>
+            <a:r>
+              <a:rPr lang="ja-JP" altLang="en-US" dirty="0"/>
+              <a:t>リセット</a:t>
+            </a:r>
+            <a:endParaRPr kumimoji="1" lang="ja-JP" altLang="en-US" dirty="0"/>
+          </a:p>
+        </p:txBody>
+      </p:sp>
+      <p:sp>
+        <p:nvSpPr>
+          <p:cNvPr id="17" name="テキスト ボックス 16"/>
+          <p:cNvSpPr txBox="1"/>
+          <p:nvPr/>
+        </p:nvSpPr>
+        <p:spPr>
+          <a:xfrm>
+            <a:off x="1786597" y="2052391"/>
+            <a:ext cx="1900500" cy="584775"/>
+          </a:xfrm>
+          <a:prstGeom prst="rect">
+            <a:avLst/>
+          </a:prstGeom>
+          <a:noFill/>
+        </p:spPr>
+        <p:txBody>
+          <a:bodyPr wrap="square" rtlCol="0">
+            <a:spAutoFit/>
+          </a:bodyPr>
+          <a:lstStyle/>
+          <a:p>
+            <a:r>
+              <a:rPr kumimoji="1" lang="ja-JP" altLang="en-US" sz="3200" dirty="0" smtClean="0"/>
+              <a:t>ログイン</a:t>
+            </a:r>
+            <a:endParaRPr kumimoji="1" lang="ja-JP" altLang="en-US" sz="3200" dirty="0"/>
+          </a:p>
+        </p:txBody>
+      </p:sp>
       <p:cxnSp>
         <p:nvCxnSpPr>
-          <p:cNvPr id="14" name="直線矢印コネクタ 13"/>
+          <p:cNvPr id="18" name="直線矢印コネクタ 17"/>
           <p:cNvCxnSpPr/>
           <p:nvPr/>
         </p:nvCxnSpPr>
         <p:spPr>
-          <a:xfrm flipH="1">
-            <a:off x="7896934" y="2370247"/>
-            <a:ext cx="573532" cy="544365"/>
+          <a:xfrm flipV="1">
+            <a:off x="3367965" y="4519716"/>
+            <a:ext cx="9318" cy="548371"/>
           </a:xfrm>
           <a:prstGeom prst="straightConnector1">
             <a:avLst/>
@@ -6256,14 +6251,14 @@
       </p:cxnSp>
       <p:sp>
         <p:nvSpPr>
-          <p:cNvPr id="15" name="テキスト ボックス 14"/>
+          <p:cNvPr id="23" name="テキスト ボックス 22"/>
           <p:cNvSpPr txBox="1"/>
           <p:nvPr/>
         </p:nvSpPr>
         <p:spPr>
           <a:xfrm>
-            <a:off x="9017075" y="2824164"/>
-            <a:ext cx="2400934" cy="646331"/>
+            <a:off x="2529349" y="5118315"/>
+            <a:ext cx="2403987" cy="369332"/>
           </a:xfrm>
           <a:prstGeom prst="rect">
             <a:avLst/>
@@ -6278,63 +6273,70 @@
           <a:p>
             <a:r>
               <a:rPr kumimoji="1" lang="ja-JP" altLang="en-US" dirty="0" smtClean="0"/>
-              <a:t>両方とも</a:t>
-            </a:r>
-            <a:r>
-              <a:rPr kumimoji="1" lang="en-US" altLang="ja-JP" dirty="0" smtClean="0"/>
-              <a:t>jQuery</a:t>
-            </a:r>
-            <a:r>
-              <a:rPr kumimoji="1" lang="ja-JP" altLang="en-US" dirty="0" smtClean="0"/>
-              <a:t>で実装したいところ</a:t>
+              <a:t>リセットっている？</a:t>
             </a:r>
             <a:endParaRPr kumimoji="1" lang="ja-JP" altLang="en-US" dirty="0"/>
           </a:p>
         </p:txBody>
       </p:sp>
-      <p:cxnSp>
-        <p:nvCxnSpPr>
-          <p:cNvPr id="16" name="直線矢印コネクタ 15"/>
-          <p:cNvCxnSpPr/>
+      <p:sp>
+        <p:nvSpPr>
+          <p:cNvPr id="24" name="右矢印 23"/>
+          <p:cNvSpPr/>
           <p:nvPr/>
-        </p:nvCxnSpPr>
-        <p:spPr>
-          <a:xfrm flipV="1">
-            <a:off x="4571401" y="5327599"/>
-            <a:ext cx="4925" cy="424156"/>
-          </a:xfrm>
-          <a:prstGeom prst="straightConnector1">
-            <a:avLst/>
-          </a:prstGeom>
-          <a:ln w="25400">
-            <a:tailEnd type="triangle"/>
+        </p:nvSpPr>
+        <p:spPr>
+          <a:xfrm>
+            <a:off x="5425362" y="3052179"/>
+            <a:ext cx="722671" cy="453970"/>
+          </a:xfrm>
+          <a:prstGeom prst="rightArrow">
+            <a:avLst/>
+          </a:prstGeom>
+          <a:solidFill>
+            <a:srgbClr val="00B050"/>
+          </a:solidFill>
+          <a:ln>
+            <a:solidFill>
+              <a:srgbClr val="00B050"/>
+            </a:solidFill>
           </a:ln>
         </p:spPr>
         <p:style>
-          <a:lnRef idx="1">
-            <a:schemeClr val="accent1"/>
+          <a:lnRef idx="2">
+            <a:schemeClr val="accent1">
+              <a:shade val="50000"/>
+            </a:schemeClr>
           </a:lnRef>
-          <a:fillRef idx="0">
+          <a:fillRef idx="1">
             <a:schemeClr val="accent1"/>
           </a:fillRef>
           <a:effectRef idx="0">
             <a:schemeClr val="accent1"/>
           </a:effectRef>
           <a:fontRef idx="minor">
-            <a:schemeClr val="tx1"/>
+            <a:schemeClr val="lt1"/>
           </a:fontRef>
         </p:style>
-      </p:cxnSp>
-      <p:sp>
-        <p:nvSpPr>
-          <p:cNvPr id="20" name="テキスト ボックス 19"/>
+        <p:txBody>
+          <a:bodyPr rtlCol="0" anchor="ctr"/>
+          <a:lstStyle/>
+          <a:p>
+            <a:pPr algn="ctr"/>
+            <a:endParaRPr kumimoji="1" lang="ja-JP" altLang="en-US"/>
+          </a:p>
+        </p:txBody>
+      </p:sp>
+      <p:sp>
+        <p:nvSpPr>
+          <p:cNvPr id="25" name="テキスト ボックス 24"/>
           <p:cNvSpPr txBox="1"/>
           <p:nvPr/>
         </p:nvSpPr>
         <p:spPr>
           <a:xfrm>
-            <a:off x="2839697" y="5781131"/>
-            <a:ext cx="3809782" cy="923330"/>
+            <a:off x="5491543" y="1729923"/>
+            <a:ext cx="461665" cy="1549241"/>
           </a:xfrm>
           <a:prstGeom prst="rect">
             <a:avLst/>
@@ -6342,95 +6344,85 @@
           <a:noFill/>
         </p:spPr>
         <p:txBody>
-          <a:bodyPr wrap="square" rtlCol="0">
+          <a:bodyPr vert="eaVert" wrap="square" rtlCol="0">
             <a:spAutoFit/>
           </a:bodyPr>
           <a:lstStyle/>
           <a:p>
             <a:r>
               <a:rPr kumimoji="1" lang="ja-JP" altLang="en-US" dirty="0" smtClean="0"/>
-              <a:t>重複</a:t>
-            </a:r>
-            <a:r>
-              <a:rPr kumimoji="1" lang="en-US" altLang="ja-JP" dirty="0" smtClean="0"/>
-              <a:t>ID</a:t>
-            </a:r>
-            <a:r>
-              <a:rPr kumimoji="1" lang="ja-JP" altLang="en-US" dirty="0" smtClean="0"/>
-              <a:t>チェックをするまで、</a:t>
-            </a:r>
-            <a:r>
-              <a:rPr kumimoji="1" lang="en-US" altLang="ja-JP" dirty="0" smtClean="0"/>
-              <a:t>PW</a:t>
-            </a:r>
-            <a:r>
-              <a:rPr kumimoji="1" lang="ja-JP" altLang="en-US" dirty="0" smtClean="0"/>
-              <a:t>が入力していない、確認用</a:t>
-            </a:r>
-            <a:r>
-              <a:rPr kumimoji="1" lang="en-US" altLang="ja-JP" dirty="0" smtClean="0"/>
-              <a:t>PW</a:t>
-            </a:r>
-            <a:r>
-              <a:rPr lang="ja-JP" altLang="en-US" dirty="0" smtClean="0"/>
-              <a:t>があっていない時</a:t>
-            </a:r>
-            <a:r>
-              <a:rPr kumimoji="1" lang="ja-JP" altLang="en-US" dirty="0" smtClean="0"/>
-              <a:t>は使えないようにしたいところ。</a:t>
+              <a:t>ログインミス</a:t>
             </a:r>
             <a:endParaRPr kumimoji="1" lang="ja-JP" altLang="en-US" dirty="0"/>
           </a:p>
         </p:txBody>
       </p:sp>
-      <p:cxnSp>
-        <p:nvCxnSpPr>
-          <p:cNvPr id="22" name="直線矢印コネクタ 21"/>
-          <p:cNvCxnSpPr/>
+      <p:sp>
+        <p:nvSpPr>
+          <p:cNvPr id="26" name="正方形/長方形 25"/>
+          <p:cNvSpPr/>
           <p:nvPr/>
-        </p:nvCxnSpPr>
-        <p:spPr>
-          <a:xfrm flipH="1">
-            <a:off x="7439734" y="4114800"/>
-            <a:ext cx="1165122" cy="0"/>
-          </a:xfrm>
-          <a:prstGeom prst="straightConnector1">
-            <a:avLst/>
-          </a:prstGeom>
-          <a:ln w="25400">
-            <a:tailEnd type="triangle"/>
+        </p:nvSpPr>
+        <p:spPr>
+          <a:xfrm>
+            <a:off x="6708475" y="1545257"/>
+            <a:ext cx="4763729" cy="3218474"/>
+          </a:xfrm>
+          <a:prstGeom prst="rect">
+            <a:avLst/>
+          </a:prstGeom>
+          <a:noFill/>
+          <a:ln>
+            <a:solidFill>
+              <a:schemeClr val="tx1"/>
+            </a:solidFill>
           </a:ln>
         </p:spPr>
         <p:style>
-          <a:lnRef idx="1">
-            <a:schemeClr val="accent1"/>
+          <a:lnRef idx="2">
+            <a:schemeClr val="accent1">
+              <a:shade val="50000"/>
+            </a:schemeClr>
           </a:lnRef>
-          <a:fillRef idx="0">
+          <a:fillRef idx="1">
             <a:schemeClr val="accent1"/>
           </a:fillRef>
           <a:effectRef idx="0">
             <a:schemeClr val="accent1"/>
           </a:effectRef>
           <a:fontRef idx="minor">
-            <a:schemeClr val="tx1"/>
+            <a:schemeClr val="lt1"/>
           </a:fontRef>
         </p:style>
-      </p:cxnSp>
-      <p:sp>
-        <p:nvSpPr>
-          <p:cNvPr id="23" name="テキスト ボックス 22"/>
+        <p:txBody>
+          <a:bodyPr rtlCol="0" anchor="ctr"/>
+          <a:lstStyle/>
+          <a:p>
+            <a:pPr algn="ctr"/>
+            <a:endParaRPr kumimoji="1" lang="ja-JP" altLang="en-US"/>
+          </a:p>
+        </p:txBody>
+      </p:sp>
+      <p:sp>
+        <p:nvSpPr>
+          <p:cNvPr id="27" name="テキスト ボックス 26"/>
           <p:cNvSpPr txBox="1"/>
           <p:nvPr/>
         </p:nvSpPr>
         <p:spPr>
           <a:xfrm>
-            <a:off x="8787245" y="3675478"/>
-            <a:ext cx="2917127" cy="923330"/>
+            <a:off x="8373000" y="2909832"/>
+            <a:ext cx="1683359" cy="369332"/>
           </a:xfrm>
           <a:prstGeom prst="rect">
             <a:avLst/>
           </a:prstGeom>
           <a:noFill/>
+          <a:ln>
+            <a:solidFill>
+              <a:schemeClr val="tx1"/>
+            </a:solidFill>
+          </a:ln>
         </p:spPr>
         <p:txBody>
           <a:bodyPr wrap="square" rtlCol="0">
@@ -6439,16 +6431,8 @@
           <a:lstStyle/>
           <a:p>
             <a:r>
-              <a:rPr kumimoji="1" lang="ja-JP" altLang="en-US" dirty="0" smtClean="0"/>
-              <a:t>上の</a:t>
-            </a:r>
-            <a:r>
               <a:rPr kumimoji="1" lang="en-US" altLang="ja-JP" dirty="0" smtClean="0"/>
-              <a:t>PW</a:t>
-            </a:r>
-            <a:r>
-              <a:rPr kumimoji="1" lang="ja-JP" altLang="en-US" dirty="0" smtClean="0"/>
-              <a:t>とあっていなかったら「あってない」と表示してくれるといい。</a:t>
+              <a:t>test</a:t>
             </a:r>
             <a:endParaRPr kumimoji="1" lang="ja-JP" altLang="en-US" dirty="0"/>
           </a:p>
@@ -6456,14 +6440,14 @@
       </p:sp>
       <p:sp>
         <p:nvSpPr>
-          <p:cNvPr id="24" name="テキスト ボックス 23"/>
+          <p:cNvPr id="28" name="テキスト ボックス 27"/>
           <p:cNvSpPr txBox="1"/>
           <p:nvPr/>
         </p:nvSpPr>
         <p:spPr>
           <a:xfrm>
-            <a:off x="7076432" y="5781131"/>
-            <a:ext cx="3421625" cy="923330"/>
+            <a:off x="7422751" y="2755700"/>
+            <a:ext cx="2772696" cy="1077218"/>
           </a:xfrm>
           <a:prstGeom prst="rect">
             <a:avLst/>
@@ -6477,8 +6461,322 @@
           <a:lstStyle/>
           <a:p>
             <a:r>
+              <a:rPr kumimoji="1" lang="en-US" altLang="ja-JP" sz="3200" dirty="0" smtClean="0"/>
+              <a:t>ID:</a:t>
+            </a:r>
+          </a:p>
+          <a:p>
+            <a:r>
+              <a:rPr lang="en-US" altLang="ja-JP" sz="3200" dirty="0" smtClean="0"/>
+              <a:t>PW:</a:t>
+            </a:r>
+            <a:endParaRPr kumimoji="1" lang="ja-JP" altLang="en-US" sz="3200" dirty="0"/>
+          </a:p>
+        </p:txBody>
+      </p:sp>
+      <p:sp>
+        <p:nvSpPr>
+          <p:cNvPr id="29" name="テキスト ボックス 28"/>
+          <p:cNvSpPr txBox="1"/>
+          <p:nvPr/>
+        </p:nvSpPr>
+        <p:spPr>
+          <a:xfrm>
+            <a:off x="8373001" y="3363802"/>
+            <a:ext cx="1683358" cy="369332"/>
+          </a:xfrm>
+          <a:prstGeom prst="rect">
+            <a:avLst/>
+          </a:prstGeom>
+          <a:noFill/>
+          <a:ln>
+            <a:solidFill>
+              <a:schemeClr val="tx1"/>
+            </a:solidFill>
+          </a:ln>
+        </p:spPr>
+        <p:txBody>
+          <a:bodyPr wrap="square" rtlCol="0">
+            <a:spAutoFit/>
+          </a:bodyPr>
+          <a:lstStyle/>
+          <a:p>
+            <a:r>
+              <a:rPr lang="en-US" altLang="ja-JP" dirty="0" smtClean="0"/>
+              <a:t>******</a:t>
+            </a:r>
+            <a:endParaRPr kumimoji="1" lang="ja-JP" altLang="en-US" dirty="0"/>
+          </a:p>
+        </p:txBody>
+      </p:sp>
+      <p:sp>
+        <p:nvSpPr>
+          <p:cNvPr id="30" name="テキスト ボックス 29"/>
+          <p:cNvSpPr txBox="1"/>
+          <p:nvPr/>
+        </p:nvSpPr>
+        <p:spPr>
+          <a:xfrm>
+            <a:off x="7422751" y="4069986"/>
+            <a:ext cx="1224116" cy="369332"/>
+          </a:xfrm>
+          <a:prstGeom prst="rect">
+            <a:avLst/>
+          </a:prstGeom>
+          <a:noFill/>
+          <a:ln>
+            <a:solidFill>
+              <a:schemeClr val="tx1"/>
+            </a:solidFill>
+          </a:ln>
+        </p:spPr>
+        <p:txBody>
+          <a:bodyPr wrap="square" rtlCol="0">
+            <a:spAutoFit/>
+          </a:bodyPr>
+          <a:lstStyle/>
+          <a:p>
+            <a:pPr algn="ctr"/>
+            <a:r>
               <a:rPr kumimoji="1" lang="ja-JP" altLang="en-US" dirty="0" smtClean="0"/>
-              <a:t>ここでは基本的に送信する前からエラーを見つけてエラーがなくなるまで送信させないようにしたい。</a:t>
+              <a:t>送信</a:t>
+            </a:r>
+            <a:endParaRPr kumimoji="1" lang="ja-JP" altLang="en-US" dirty="0"/>
+          </a:p>
+        </p:txBody>
+      </p:sp>
+      <p:sp>
+        <p:nvSpPr>
+          <p:cNvPr id="31" name="テキスト ボックス 30"/>
+          <p:cNvSpPr txBox="1"/>
+          <p:nvPr/>
+        </p:nvSpPr>
+        <p:spPr>
+          <a:xfrm>
+            <a:off x="9125169" y="4069986"/>
+            <a:ext cx="1224116" cy="369332"/>
+          </a:xfrm>
+          <a:prstGeom prst="rect">
+            <a:avLst/>
+          </a:prstGeom>
+          <a:noFill/>
+          <a:ln>
+            <a:solidFill>
+              <a:schemeClr val="tx1"/>
+            </a:solidFill>
+          </a:ln>
+        </p:spPr>
+        <p:txBody>
+          <a:bodyPr wrap="square" rtlCol="0">
+            <a:spAutoFit/>
+          </a:bodyPr>
+          <a:lstStyle/>
+          <a:p>
+            <a:pPr algn="ctr"/>
+            <a:r>
+              <a:rPr lang="ja-JP" altLang="en-US" dirty="0"/>
+              <a:t>リセット</a:t>
+            </a:r>
+            <a:endParaRPr kumimoji="1" lang="ja-JP" altLang="en-US" dirty="0"/>
+          </a:p>
+        </p:txBody>
+      </p:sp>
+      <p:sp>
+        <p:nvSpPr>
+          <p:cNvPr id="32" name="テキスト ボックス 31"/>
+          <p:cNvSpPr txBox="1"/>
+          <p:nvPr/>
+        </p:nvSpPr>
+        <p:spPr>
+          <a:xfrm>
+            <a:off x="8155859" y="1729923"/>
+            <a:ext cx="1900500" cy="584775"/>
+          </a:xfrm>
+          <a:prstGeom prst="rect">
+            <a:avLst/>
+          </a:prstGeom>
+          <a:noFill/>
+        </p:spPr>
+        <p:txBody>
+          <a:bodyPr wrap="square" rtlCol="0">
+            <a:spAutoFit/>
+          </a:bodyPr>
+          <a:lstStyle/>
+          <a:p>
+            <a:r>
+              <a:rPr kumimoji="1" lang="ja-JP" altLang="en-US" sz="3200" dirty="0" smtClean="0"/>
+              <a:t>ログイン</a:t>
+            </a:r>
+            <a:endParaRPr kumimoji="1" lang="ja-JP" altLang="en-US" sz="3200" dirty="0"/>
+          </a:p>
+        </p:txBody>
+      </p:sp>
+      <p:sp>
+        <p:nvSpPr>
+          <p:cNvPr id="33" name="テキスト ボックス 32"/>
+          <p:cNvSpPr txBox="1"/>
+          <p:nvPr/>
+        </p:nvSpPr>
+        <p:spPr>
+          <a:xfrm>
+            <a:off x="7327909" y="2298857"/>
+            <a:ext cx="3394168" cy="369332"/>
+          </a:xfrm>
+          <a:prstGeom prst="rect">
+            <a:avLst/>
+          </a:prstGeom>
+          <a:noFill/>
+        </p:spPr>
+        <p:txBody>
+          <a:bodyPr wrap="square" rtlCol="0">
+            <a:spAutoFit/>
+          </a:bodyPr>
+          <a:lstStyle/>
+          <a:p>
+            <a:r>
+              <a:rPr kumimoji="1" lang="en-US" altLang="ja-JP" dirty="0" smtClean="0">
+                <a:solidFill>
+                  <a:srgbClr val="FF0000"/>
+                </a:solidFill>
+              </a:rPr>
+              <a:t>ID</a:t>
+            </a:r>
+            <a:r>
+              <a:rPr kumimoji="1" lang="ja-JP" altLang="en-US" dirty="0" smtClean="0">
+                <a:solidFill>
+                  <a:srgbClr val="FF0000"/>
+                </a:solidFill>
+              </a:rPr>
+              <a:t>または</a:t>
+            </a:r>
+            <a:r>
+              <a:rPr kumimoji="1" lang="en-US" altLang="ja-JP" dirty="0" smtClean="0">
+                <a:solidFill>
+                  <a:srgbClr val="FF0000"/>
+                </a:solidFill>
+              </a:rPr>
+              <a:t>PW</a:t>
+            </a:r>
+            <a:r>
+              <a:rPr kumimoji="1" lang="ja-JP" altLang="en-US" dirty="0" smtClean="0">
+                <a:solidFill>
+                  <a:srgbClr val="FF0000"/>
+                </a:solidFill>
+              </a:rPr>
+              <a:t>が正しくありません。</a:t>
+            </a:r>
+            <a:endParaRPr kumimoji="1" lang="ja-JP" altLang="en-US" dirty="0">
+              <a:solidFill>
+                <a:srgbClr val="FF0000"/>
+              </a:solidFill>
+            </a:endParaRPr>
+          </a:p>
+        </p:txBody>
+      </p:sp>
+      <p:sp>
+        <p:nvSpPr>
+          <p:cNvPr id="34" name="右矢印 33"/>
+          <p:cNvSpPr/>
+          <p:nvPr/>
+        </p:nvSpPr>
+        <p:spPr>
+          <a:xfrm rot="2332191">
+            <a:off x="5330037" y="5228208"/>
+            <a:ext cx="722671" cy="453970"/>
+          </a:xfrm>
+          <a:prstGeom prst="rightArrow">
+            <a:avLst/>
+          </a:prstGeom>
+          <a:solidFill>
+            <a:srgbClr val="00B050"/>
+          </a:solidFill>
+          <a:ln>
+            <a:solidFill>
+              <a:srgbClr val="00B050"/>
+            </a:solidFill>
+          </a:ln>
+        </p:spPr>
+        <p:style>
+          <a:lnRef idx="2">
+            <a:schemeClr val="accent1">
+              <a:shade val="50000"/>
+            </a:schemeClr>
+          </a:lnRef>
+          <a:fillRef idx="1">
+            <a:schemeClr val="accent1"/>
+          </a:fillRef>
+          <a:effectRef idx="0">
+            <a:schemeClr val="accent1"/>
+          </a:effectRef>
+          <a:fontRef idx="minor">
+            <a:schemeClr val="lt1"/>
+          </a:fontRef>
+        </p:style>
+        <p:txBody>
+          <a:bodyPr rtlCol="0" anchor="ctr"/>
+          <a:lstStyle/>
+          <a:p>
+            <a:pPr algn="ctr"/>
+            <a:endParaRPr kumimoji="1" lang="ja-JP" altLang="en-US"/>
+          </a:p>
+        </p:txBody>
+      </p:sp>
+      <p:sp>
+        <p:nvSpPr>
+          <p:cNvPr id="35" name="テキスト ボックス 34"/>
+          <p:cNvSpPr txBox="1"/>
+          <p:nvPr/>
+        </p:nvSpPr>
+        <p:spPr>
+          <a:xfrm>
+            <a:off x="5579027" y="4329489"/>
+            <a:ext cx="738664" cy="1047236"/>
+          </a:xfrm>
+          <a:prstGeom prst="rect">
+            <a:avLst/>
+          </a:prstGeom>
+          <a:noFill/>
+        </p:spPr>
+        <p:txBody>
+          <a:bodyPr vert="eaVert" wrap="square" rtlCol="0">
+            <a:spAutoFit/>
+          </a:bodyPr>
+          <a:lstStyle/>
+          <a:p>
+            <a:pPr algn="ctr"/>
+            <a:r>
+              <a:rPr kumimoji="1" lang="ja-JP" altLang="en-US" dirty="0" smtClean="0"/>
+              <a:t>ログイン成功</a:t>
+            </a:r>
+            <a:endParaRPr kumimoji="1" lang="ja-JP" altLang="en-US" dirty="0"/>
+          </a:p>
+        </p:txBody>
+      </p:sp>
+      <p:sp>
+        <p:nvSpPr>
+          <p:cNvPr id="36" name="テキスト ボックス 35"/>
+          <p:cNvSpPr txBox="1"/>
+          <p:nvPr/>
+        </p:nvSpPr>
+        <p:spPr>
+          <a:xfrm>
+            <a:off x="5948359" y="5796196"/>
+            <a:ext cx="3486056" cy="369332"/>
+          </a:xfrm>
+          <a:prstGeom prst="rect">
+            <a:avLst/>
+          </a:prstGeom>
+          <a:noFill/>
+        </p:spPr>
+        <p:txBody>
+          <a:bodyPr wrap="square" rtlCol="0">
+            <a:spAutoFit/>
+          </a:bodyPr>
+          <a:lstStyle/>
+          <a:p>
+            <a:r>
+              <a:rPr kumimoji="1" lang="ja-JP" altLang="en-US" dirty="0" smtClean="0"/>
+              <a:t>ログイン状態のトップページを表示</a:t>
             </a:r>
             <a:endParaRPr kumimoji="1" lang="ja-JP" altLang="en-US" dirty="0"/>
           </a:p>
@@ -6487,7 +6785,7 @@
     </p:spTree>
     <p:extLst>
       <p:ext uri="{BB962C8B-B14F-4D97-AF65-F5344CB8AC3E}">
-        <p14:creationId xmlns:p14="http://schemas.microsoft.com/office/powerpoint/2010/main" val="992221156"/>
+        <p14:creationId xmlns:p14="http://schemas.microsoft.com/office/powerpoint/2010/main" val="4282438398"/>
       </p:ext>
     </p:extLst>
   </p:cSld>
@@ -6497,7 +6795,7 @@
 </p:sld>
 </file>
 
-<file path=ppt/slides/slide4.xml><?xml version="1.0" encoding="utf-8"?>
+<file path=ppt/slides/slide5.xml><?xml version="1.0" encoding="utf-8"?>
 <p:sld xmlns:a="http://schemas.openxmlformats.org/drawingml/2006/main" xmlns:r="http://schemas.openxmlformats.org/officeDocument/2006/relationships" xmlns:p="http://schemas.openxmlformats.org/presentationml/2006/main">
   <p:cSld>
     <p:spTree>

--- a/design/HTMLページ設計.pptx
+++ b/design/HTMLページ設計.pptx
@@ -824,10 +824,10 @@
           <a:lstStyle/>
           <a:p>
             <a:r>
-              <a:rPr kumimoji="1" lang="ja-JP" altLang="en-US" smtClean="0"/>
+              <a:rPr kumimoji="1" lang="ja-JP" altLang="en-US" dirty="0" smtClean="0"/>
               <a:t>ここはかなり簡素でいいと思う。でもちゃんと登録できたことを伝えないといけないため、必要な画面。</a:t>
             </a:r>
-            <a:endParaRPr kumimoji="1" lang="ja-JP" altLang="en-US"/>
+            <a:endParaRPr kumimoji="1" lang="en-US" altLang="ja-JP" smtClean="0"/>
           </a:p>
         </p:txBody>
       </p:sp>
@@ -5772,7 +5772,7 @@
         </p:nvSpPr>
         <p:spPr>
           <a:xfrm>
-            <a:off x="2846439" y="1574753"/>
+            <a:off x="1317938" y="1677991"/>
             <a:ext cx="5486399" cy="4059132"/>
           </a:xfrm>
           <a:prstGeom prst="rect">
@@ -5818,7 +5818,7 @@
         </p:nvSpPr>
         <p:spPr>
           <a:xfrm>
-            <a:off x="4218039" y="2573905"/>
+            <a:off x="2689538" y="2677143"/>
             <a:ext cx="3067664" cy="369332"/>
           </a:xfrm>
           <a:prstGeom prst="rect">
@@ -5848,7 +5848,7 @@
         </p:nvSpPr>
         <p:spPr>
           <a:xfrm>
-            <a:off x="4461386" y="3419653"/>
+            <a:off x="2932885" y="3522891"/>
             <a:ext cx="2256503" cy="369332"/>
           </a:xfrm>
           <a:prstGeom prst="rect">
@@ -5869,12 +5869,87 @@
           <a:p>
             <a:pPr algn="ctr"/>
             <a:r>
-              <a:rPr kumimoji="1" lang="en-US" altLang="ja-JP" dirty="0" smtClean="0"/>
+              <a:rPr kumimoji="1" lang="ja-JP" altLang="en-US" dirty="0" smtClean="0"/>
+              <a:t>ログイン画面へ</a:t>
+            </a:r>
+            <a:endParaRPr kumimoji="1" lang="ja-JP" altLang="en-US" dirty="0"/>
+          </a:p>
+        </p:txBody>
+      </p:sp>
+      <p:cxnSp>
+        <p:nvCxnSpPr>
+          <p:cNvPr id="7" name="直線矢印コネクタ 6"/>
+          <p:cNvCxnSpPr/>
+          <p:nvPr/>
+        </p:nvCxnSpPr>
+        <p:spPr>
+          <a:xfrm flipH="1" flipV="1">
+            <a:off x="5329499" y="3687096"/>
+            <a:ext cx="1637071" cy="14748"/>
+          </a:xfrm>
+          <a:prstGeom prst="straightConnector1">
+            <a:avLst/>
+          </a:prstGeom>
+          <a:ln w="25400">
+            <a:tailEnd type="triangle"/>
+          </a:ln>
+        </p:spPr>
+        <p:style>
+          <a:lnRef idx="1">
+            <a:schemeClr val="accent1"/>
+          </a:lnRef>
+          <a:fillRef idx="0">
+            <a:schemeClr val="accent1"/>
+          </a:fillRef>
+          <a:effectRef idx="0">
+            <a:schemeClr val="accent1"/>
+          </a:effectRef>
+          <a:fontRef idx="minor">
+            <a:schemeClr val="tx1"/>
+          </a:fontRef>
+        </p:style>
+      </p:cxnSp>
+      <p:sp>
+        <p:nvSpPr>
+          <p:cNvPr id="9" name="テキスト ボックス 8"/>
+          <p:cNvSpPr txBox="1"/>
+          <p:nvPr/>
+        </p:nvSpPr>
+        <p:spPr>
+          <a:xfrm>
+            <a:off x="6966569" y="3046475"/>
+            <a:ext cx="4197959" cy="923330"/>
+          </a:xfrm>
+          <a:prstGeom prst="rect">
+            <a:avLst/>
+          </a:prstGeom>
+          <a:noFill/>
+        </p:spPr>
+        <p:txBody>
+          <a:bodyPr wrap="square" rtlCol="0">
+            <a:spAutoFit/>
+          </a:bodyPr>
+          <a:lstStyle/>
+          <a:p>
+            <a:r>
+              <a:rPr lang="ja-JP" altLang="en-US" dirty="0" smtClean="0"/>
+              <a:t>ログイン画面にいけば</a:t>
+            </a:r>
+            <a:r>
+              <a:rPr lang="en-US" altLang="ja-JP" dirty="0" smtClean="0"/>
+              <a:t>1</a:t>
+            </a:r>
+            <a:r>
+              <a:rPr lang="ja-JP" altLang="en-US" dirty="0" smtClean="0"/>
+              <a:t>週間自動ログインさせるとか、そういった設定も行えるため、</a:t>
+            </a:r>
+            <a:r>
+              <a:rPr lang="en-US" altLang="ja-JP" smtClean="0"/>
               <a:t>TOP</a:t>
             </a:r>
             <a:r>
-              <a:rPr kumimoji="1" lang="ja-JP" altLang="en-US" dirty="0" smtClean="0"/>
-              <a:t>ページに戻る</a:t>
+              <a:rPr lang="ja-JP" altLang="en-US" dirty="0" smtClean="0"/>
+              <a:t>に行かずログイン画面に行かせる。</a:t>
             </a:r>
             <a:endParaRPr kumimoji="1" lang="ja-JP" altLang="en-US" dirty="0"/>
           </a:p>

--- a/design/HTMLページ設計.pptx
+++ b/design/HTMLページ設計.pptx
@@ -213,7 +213,7 @@
           <a:p>
             <a:fld id="{90F65A9B-149C-45BC-B72F-FB324D6DE1AA}" type="datetimeFigureOut">
               <a:rPr kumimoji="1" lang="ja-JP" altLang="en-US" smtClean="0"/>
-              <a:t>2013/12/29</a:t>
+              <a:t>2013/12/30</a:t>
             </a:fld>
             <a:endParaRPr kumimoji="1" lang="ja-JP" altLang="en-US"/>
           </a:p>
@@ -1209,7 +1209,7 @@
           <a:p>
             <a:fld id="{33B14540-D9AA-459A-A398-A04CAB222349}" type="datetimeFigureOut">
               <a:rPr kumimoji="1" lang="ja-JP" altLang="en-US" smtClean="0"/>
-              <a:t>2013/12/29</a:t>
+              <a:t>2013/12/30</a:t>
             </a:fld>
             <a:endParaRPr kumimoji="1" lang="ja-JP" altLang="en-US"/>
           </a:p>
@@ -1411,7 +1411,7 @@
           <a:p>
             <a:fld id="{33B14540-D9AA-459A-A398-A04CAB222349}" type="datetimeFigureOut">
               <a:rPr kumimoji="1" lang="ja-JP" altLang="en-US" smtClean="0"/>
-              <a:t>2013/12/29</a:t>
+              <a:t>2013/12/30</a:t>
             </a:fld>
             <a:endParaRPr kumimoji="1" lang="ja-JP" altLang="en-US"/>
           </a:p>
@@ -1623,7 +1623,7 @@
           <a:p>
             <a:fld id="{33B14540-D9AA-459A-A398-A04CAB222349}" type="datetimeFigureOut">
               <a:rPr kumimoji="1" lang="ja-JP" altLang="en-US" smtClean="0"/>
-              <a:t>2013/12/29</a:t>
+              <a:t>2013/12/30</a:t>
             </a:fld>
             <a:endParaRPr kumimoji="1" lang="ja-JP" altLang="en-US"/>
           </a:p>
@@ -1825,7 +1825,7 @@
           <a:p>
             <a:fld id="{33B14540-D9AA-459A-A398-A04CAB222349}" type="datetimeFigureOut">
               <a:rPr kumimoji="1" lang="ja-JP" altLang="en-US" smtClean="0"/>
-              <a:t>2013/12/29</a:t>
+              <a:t>2013/12/30</a:t>
             </a:fld>
             <a:endParaRPr kumimoji="1" lang="ja-JP" altLang="en-US"/>
           </a:p>
@@ -2071,7 +2071,7 @@
           <a:p>
             <a:fld id="{33B14540-D9AA-459A-A398-A04CAB222349}" type="datetimeFigureOut">
               <a:rPr kumimoji="1" lang="ja-JP" altLang="en-US" smtClean="0"/>
-              <a:t>2013/12/29</a:t>
+              <a:t>2013/12/30</a:t>
             </a:fld>
             <a:endParaRPr kumimoji="1" lang="ja-JP" altLang="en-US"/>
           </a:p>
@@ -2367,7 +2367,7 @@
           <a:p>
             <a:fld id="{33B14540-D9AA-459A-A398-A04CAB222349}" type="datetimeFigureOut">
               <a:rPr kumimoji="1" lang="ja-JP" altLang="en-US" smtClean="0"/>
-              <a:t>2013/12/29</a:t>
+              <a:t>2013/12/30</a:t>
             </a:fld>
             <a:endParaRPr kumimoji="1" lang="ja-JP" altLang="en-US"/>
           </a:p>
@@ -2798,7 +2798,7 @@
           <a:p>
             <a:fld id="{33B14540-D9AA-459A-A398-A04CAB222349}" type="datetimeFigureOut">
               <a:rPr kumimoji="1" lang="ja-JP" altLang="en-US" smtClean="0"/>
-              <a:t>2013/12/29</a:t>
+              <a:t>2013/12/30</a:t>
             </a:fld>
             <a:endParaRPr kumimoji="1" lang="ja-JP" altLang="en-US"/>
           </a:p>
@@ -2916,7 +2916,7 @@
           <a:p>
             <a:fld id="{33B14540-D9AA-459A-A398-A04CAB222349}" type="datetimeFigureOut">
               <a:rPr kumimoji="1" lang="ja-JP" altLang="en-US" smtClean="0"/>
-              <a:t>2013/12/29</a:t>
+              <a:t>2013/12/30</a:t>
             </a:fld>
             <a:endParaRPr kumimoji="1" lang="ja-JP" altLang="en-US"/>
           </a:p>
@@ -3011,7 +3011,7 @@
           <a:p>
             <a:fld id="{33B14540-D9AA-459A-A398-A04CAB222349}" type="datetimeFigureOut">
               <a:rPr kumimoji="1" lang="ja-JP" altLang="en-US" smtClean="0"/>
-              <a:t>2013/12/29</a:t>
+              <a:t>2013/12/30</a:t>
             </a:fld>
             <a:endParaRPr kumimoji="1" lang="ja-JP" altLang="en-US"/>
           </a:p>
@@ -3320,7 +3320,7 @@
           <a:p>
             <a:fld id="{33B14540-D9AA-459A-A398-A04CAB222349}" type="datetimeFigureOut">
               <a:rPr kumimoji="1" lang="ja-JP" altLang="en-US" smtClean="0"/>
-              <a:t>2013/12/29</a:t>
+              <a:t>2013/12/30</a:t>
             </a:fld>
             <a:endParaRPr kumimoji="1" lang="ja-JP" altLang="en-US"/>
           </a:p>
@@ -3573,7 +3573,7 @@
           <a:p>
             <a:fld id="{33B14540-D9AA-459A-A398-A04CAB222349}" type="datetimeFigureOut">
               <a:rPr kumimoji="1" lang="ja-JP" altLang="en-US" smtClean="0"/>
-              <a:t>2013/12/29</a:t>
+              <a:t>2013/12/30</a:t>
             </a:fld>
             <a:endParaRPr kumimoji="1" lang="ja-JP" altLang="en-US"/>
           </a:p>
@@ -3818,7 +3818,7 @@
           <a:p>
             <a:fld id="{33B14540-D9AA-459A-A398-A04CAB222349}" type="datetimeFigureOut">
               <a:rPr kumimoji="1" lang="ja-JP" altLang="en-US" smtClean="0"/>
-              <a:t>2013/12/29</a:t>
+              <a:t>2013/12/30</a:t>
             </a:fld>
             <a:endParaRPr kumimoji="1" lang="ja-JP" altLang="en-US"/>
           </a:p>
@@ -6197,7 +6197,7 @@
         </p:nvSpPr>
         <p:spPr>
           <a:xfrm>
-            <a:off x="1053489" y="4069986"/>
+            <a:off x="2003738" y="4069986"/>
             <a:ext cx="1224116" cy="369332"/>
           </a:xfrm>
           <a:prstGeom prst="rect">
@@ -6227,24 +6227,19 @@
       </p:sp>
       <p:sp>
         <p:nvSpPr>
-          <p:cNvPr id="16" name="テキスト ボックス 15"/>
+          <p:cNvPr id="17" name="テキスト ボックス 16"/>
           <p:cNvSpPr txBox="1"/>
           <p:nvPr/>
         </p:nvSpPr>
         <p:spPr>
           <a:xfrm>
-            <a:off x="2755907" y="4069986"/>
-            <a:ext cx="1224116" cy="369332"/>
+            <a:off x="1786597" y="2052391"/>
+            <a:ext cx="1900500" cy="584775"/>
           </a:xfrm>
           <a:prstGeom prst="rect">
             <a:avLst/>
           </a:prstGeom>
           <a:noFill/>
-          <a:ln>
-            <a:solidFill>
-              <a:schemeClr val="tx1"/>
-            </a:solidFill>
-          </a:ln>
         </p:spPr>
         <p:txBody>
           <a:bodyPr wrap="square" rtlCol="0">
@@ -6252,105 +6247,11 @@
           </a:bodyPr>
           <a:lstStyle/>
           <a:p>
-            <a:pPr algn="ctr"/>
-            <a:r>
-              <a:rPr lang="ja-JP" altLang="en-US" dirty="0"/>
-              <a:t>リセット</a:t>
-            </a:r>
-            <a:endParaRPr kumimoji="1" lang="ja-JP" altLang="en-US" dirty="0"/>
-          </a:p>
-        </p:txBody>
-      </p:sp>
-      <p:sp>
-        <p:nvSpPr>
-          <p:cNvPr id="17" name="テキスト ボックス 16"/>
-          <p:cNvSpPr txBox="1"/>
-          <p:nvPr/>
-        </p:nvSpPr>
-        <p:spPr>
-          <a:xfrm>
-            <a:off x="1786597" y="2052391"/>
-            <a:ext cx="1900500" cy="584775"/>
-          </a:xfrm>
-          <a:prstGeom prst="rect">
-            <a:avLst/>
-          </a:prstGeom>
-          <a:noFill/>
-        </p:spPr>
-        <p:txBody>
-          <a:bodyPr wrap="square" rtlCol="0">
-            <a:spAutoFit/>
-          </a:bodyPr>
-          <a:lstStyle/>
-          <a:p>
             <a:r>
               <a:rPr kumimoji="1" lang="ja-JP" altLang="en-US" sz="3200" dirty="0" smtClean="0"/>
               <a:t>ログイン</a:t>
             </a:r>
             <a:endParaRPr kumimoji="1" lang="ja-JP" altLang="en-US" sz="3200" dirty="0"/>
-          </a:p>
-        </p:txBody>
-      </p:sp>
-      <p:cxnSp>
-        <p:nvCxnSpPr>
-          <p:cNvPr id="18" name="直線矢印コネクタ 17"/>
-          <p:cNvCxnSpPr/>
-          <p:nvPr/>
-        </p:nvCxnSpPr>
-        <p:spPr>
-          <a:xfrm flipV="1">
-            <a:off x="3367965" y="4519716"/>
-            <a:ext cx="9318" cy="548371"/>
-          </a:xfrm>
-          <a:prstGeom prst="straightConnector1">
-            <a:avLst/>
-          </a:prstGeom>
-          <a:ln w="25400">
-            <a:tailEnd type="triangle"/>
-          </a:ln>
-        </p:spPr>
-        <p:style>
-          <a:lnRef idx="1">
-            <a:schemeClr val="accent1"/>
-          </a:lnRef>
-          <a:fillRef idx="0">
-            <a:schemeClr val="accent1"/>
-          </a:fillRef>
-          <a:effectRef idx="0">
-            <a:schemeClr val="accent1"/>
-          </a:effectRef>
-          <a:fontRef idx="minor">
-            <a:schemeClr val="tx1"/>
-          </a:fontRef>
-        </p:style>
-      </p:cxnSp>
-      <p:sp>
-        <p:nvSpPr>
-          <p:cNvPr id="23" name="テキスト ボックス 22"/>
-          <p:cNvSpPr txBox="1"/>
-          <p:nvPr/>
-        </p:nvSpPr>
-        <p:spPr>
-          <a:xfrm>
-            <a:off x="2529349" y="5118315"/>
-            <a:ext cx="2403987" cy="369332"/>
-          </a:xfrm>
-          <a:prstGeom prst="rect">
-            <a:avLst/>
-          </a:prstGeom>
-          <a:noFill/>
-        </p:spPr>
-        <p:txBody>
-          <a:bodyPr wrap="square" rtlCol="0">
-            <a:spAutoFit/>
-          </a:bodyPr>
-          <a:lstStyle/>
-          <a:p>
-            <a:r>
-              <a:rPr kumimoji="1" lang="ja-JP" altLang="en-US" dirty="0" smtClean="0"/>
-              <a:t>リセットっている？</a:t>
-            </a:r>
-            <a:endParaRPr kumimoji="1" lang="ja-JP" altLang="en-US" dirty="0"/>
           </a:p>
         </p:txBody>
       </p:sp>
@@ -6592,7 +6493,7 @@
         </p:nvSpPr>
         <p:spPr>
           <a:xfrm>
-            <a:off x="7422751" y="4069986"/>
+            <a:off x="8373000" y="4086625"/>
             <a:ext cx="1224116" cy="369332"/>
           </a:xfrm>
           <a:prstGeom prst="rect">
@@ -6615,42 +6516,6 @@
             <a:r>
               <a:rPr kumimoji="1" lang="ja-JP" altLang="en-US" dirty="0" smtClean="0"/>
               <a:t>送信</a:t>
-            </a:r>
-            <a:endParaRPr kumimoji="1" lang="ja-JP" altLang="en-US" dirty="0"/>
-          </a:p>
-        </p:txBody>
-      </p:sp>
-      <p:sp>
-        <p:nvSpPr>
-          <p:cNvPr id="31" name="テキスト ボックス 30"/>
-          <p:cNvSpPr txBox="1"/>
-          <p:nvPr/>
-        </p:nvSpPr>
-        <p:spPr>
-          <a:xfrm>
-            <a:off x="9125169" y="4069986"/>
-            <a:ext cx="1224116" cy="369332"/>
-          </a:xfrm>
-          <a:prstGeom prst="rect">
-            <a:avLst/>
-          </a:prstGeom>
-          <a:noFill/>
-          <a:ln>
-            <a:solidFill>
-              <a:schemeClr val="tx1"/>
-            </a:solidFill>
-          </a:ln>
-        </p:spPr>
-        <p:txBody>
-          <a:bodyPr wrap="square" rtlCol="0">
-            <a:spAutoFit/>
-          </a:bodyPr>
-          <a:lstStyle/>
-          <a:p>
-            <a:pPr algn="ctr"/>
-            <a:r>
-              <a:rPr lang="ja-JP" altLang="en-US" dirty="0"/>
-              <a:t>リセット</a:t>
             </a:r>
             <a:endParaRPr kumimoji="1" lang="ja-JP" altLang="en-US" dirty="0"/>
           </a:p>

--- a/design/HTMLページ設計.pptx
+++ b/design/HTMLページ設計.pptx
@@ -5994,7 +5994,7 @@
         <p:spPr>
           <a:xfrm>
             <a:off x="339213" y="1545257"/>
-            <a:ext cx="4763729" cy="3218474"/>
+            <a:ext cx="4763729" cy="3506454"/>
           </a:xfrm>
           <a:prstGeom prst="rect">
             <a:avLst/>
@@ -6197,7 +6197,7 @@
         </p:nvSpPr>
         <p:spPr>
           <a:xfrm>
-            <a:off x="2003738" y="4069986"/>
+            <a:off x="2003738" y="4425840"/>
             <a:ext cx="1224116" cy="369332"/>
           </a:xfrm>
           <a:prstGeom prst="rect">
@@ -6342,7 +6342,7 @@
         <p:spPr>
           <a:xfrm>
             <a:off x="6708475" y="1545257"/>
-            <a:ext cx="4763729" cy="3218474"/>
+            <a:ext cx="4763729" cy="3506454"/>
           </a:xfrm>
           <a:prstGeom prst="rect">
             <a:avLst/>
@@ -6493,7 +6493,7 @@
         </p:nvSpPr>
         <p:spPr>
           <a:xfrm>
-            <a:off x="8373000" y="4086625"/>
+            <a:off x="8373000" y="4428052"/>
             <a:ext cx="1224116" cy="369332"/>
           </a:xfrm>
           <a:prstGeom prst="rect">
@@ -6717,6 +6717,166 @@
             <a:r>
               <a:rPr kumimoji="1" lang="ja-JP" altLang="en-US" dirty="0" smtClean="0"/>
               <a:t>ログイン状態のトップページを表示</a:t>
+            </a:r>
+            <a:endParaRPr kumimoji="1" lang="ja-JP" altLang="en-US" dirty="0"/>
+          </a:p>
+        </p:txBody>
+      </p:sp>
+      <p:sp>
+        <p:nvSpPr>
+          <p:cNvPr id="63" name="正方形/長方形 62"/>
+          <p:cNvSpPr/>
+          <p:nvPr/>
+        </p:nvSpPr>
+        <p:spPr>
+          <a:xfrm>
+            <a:off x="1219647" y="4020811"/>
+            <a:ext cx="221224" cy="233841"/>
+          </a:xfrm>
+          <a:prstGeom prst="rect">
+            <a:avLst/>
+          </a:prstGeom>
+          <a:noFill/>
+          <a:ln>
+            <a:solidFill>
+              <a:schemeClr val="tx1"/>
+            </a:solidFill>
+          </a:ln>
+        </p:spPr>
+        <p:style>
+          <a:lnRef idx="2">
+            <a:schemeClr val="accent1">
+              <a:shade val="50000"/>
+            </a:schemeClr>
+          </a:lnRef>
+          <a:fillRef idx="1">
+            <a:schemeClr val="accent1"/>
+          </a:fillRef>
+          <a:effectRef idx="0">
+            <a:schemeClr val="accent1"/>
+          </a:effectRef>
+          <a:fontRef idx="minor">
+            <a:schemeClr val="lt1"/>
+          </a:fontRef>
+        </p:style>
+        <p:txBody>
+          <a:bodyPr rtlCol="0" anchor="ctr"/>
+          <a:lstStyle/>
+          <a:p>
+            <a:pPr algn="ctr"/>
+            <a:endParaRPr kumimoji="1" lang="ja-JP" altLang="en-US"/>
+          </a:p>
+        </p:txBody>
+      </p:sp>
+      <p:sp>
+        <p:nvSpPr>
+          <p:cNvPr id="64" name="テキスト ボックス 63"/>
+          <p:cNvSpPr txBox="1"/>
+          <p:nvPr/>
+        </p:nvSpPr>
+        <p:spPr>
+          <a:xfrm>
+            <a:off x="1518062" y="3966967"/>
+            <a:ext cx="2654710" cy="369332"/>
+          </a:xfrm>
+          <a:prstGeom prst="rect">
+            <a:avLst/>
+          </a:prstGeom>
+          <a:noFill/>
+        </p:spPr>
+        <p:txBody>
+          <a:bodyPr wrap="square" rtlCol="0">
+            <a:spAutoFit/>
+          </a:bodyPr>
+          <a:lstStyle/>
+          <a:p>
+            <a:r>
+              <a:rPr kumimoji="1" lang="en-US" altLang="ja-JP" dirty="0" smtClean="0"/>
+              <a:t>1</a:t>
+            </a:r>
+            <a:r>
+              <a:rPr kumimoji="1" lang="ja-JP" altLang="en-US" dirty="0" smtClean="0"/>
+              <a:t>週間ログイン状態にする</a:t>
+            </a:r>
+            <a:endParaRPr kumimoji="1" lang="ja-JP" altLang="en-US" dirty="0"/>
+          </a:p>
+        </p:txBody>
+      </p:sp>
+      <p:sp>
+        <p:nvSpPr>
+          <p:cNvPr id="65" name="正方形/長方形 64"/>
+          <p:cNvSpPr/>
+          <p:nvPr/>
+        </p:nvSpPr>
+        <p:spPr>
+          <a:xfrm>
+            <a:off x="7624809" y="4055587"/>
+            <a:ext cx="221224" cy="233841"/>
+          </a:xfrm>
+          <a:prstGeom prst="rect">
+            <a:avLst/>
+          </a:prstGeom>
+          <a:noFill/>
+          <a:ln>
+            <a:solidFill>
+              <a:schemeClr val="tx1"/>
+            </a:solidFill>
+          </a:ln>
+        </p:spPr>
+        <p:style>
+          <a:lnRef idx="2">
+            <a:schemeClr val="accent1">
+              <a:shade val="50000"/>
+            </a:schemeClr>
+          </a:lnRef>
+          <a:fillRef idx="1">
+            <a:schemeClr val="accent1"/>
+          </a:fillRef>
+          <a:effectRef idx="0">
+            <a:schemeClr val="accent1"/>
+          </a:effectRef>
+          <a:fontRef idx="minor">
+            <a:schemeClr val="lt1"/>
+          </a:fontRef>
+        </p:style>
+        <p:txBody>
+          <a:bodyPr rtlCol="0" anchor="ctr"/>
+          <a:lstStyle/>
+          <a:p>
+            <a:pPr algn="ctr"/>
+            <a:endParaRPr kumimoji="1" lang="ja-JP" altLang="en-US"/>
+          </a:p>
+        </p:txBody>
+      </p:sp>
+      <p:sp>
+        <p:nvSpPr>
+          <p:cNvPr id="66" name="テキスト ボックス 65"/>
+          <p:cNvSpPr txBox="1"/>
+          <p:nvPr/>
+        </p:nvSpPr>
+        <p:spPr>
+          <a:xfrm>
+            <a:off x="7923224" y="4001743"/>
+            <a:ext cx="2654710" cy="369332"/>
+          </a:xfrm>
+          <a:prstGeom prst="rect">
+            <a:avLst/>
+          </a:prstGeom>
+          <a:noFill/>
+        </p:spPr>
+        <p:txBody>
+          <a:bodyPr wrap="square" rtlCol="0">
+            <a:spAutoFit/>
+          </a:bodyPr>
+          <a:lstStyle/>
+          <a:p>
+            <a:r>
+              <a:rPr kumimoji="1" lang="en-US" altLang="ja-JP" dirty="0" smtClean="0"/>
+              <a:t>1</a:t>
+            </a:r>
+            <a:r>
+              <a:rPr kumimoji="1" lang="ja-JP" altLang="en-US" dirty="0" smtClean="0"/>
+              <a:t>週間ログイン状態にする</a:t>
             </a:r>
             <a:endParaRPr kumimoji="1" lang="ja-JP" altLang="en-US" dirty="0"/>
           </a:p>

--- a/design/HTMLページ設計.pptx
+++ b/design/HTMLページ設計.pptx
@@ -5,14 +5,16 @@
     <p:sldMasterId id="2147483648" r:id="rId1"/>
   </p:sldMasterIdLst>
   <p:notesMasterIdLst>
-    <p:notesMasterId r:id="rId7"/>
+    <p:notesMasterId r:id="rId9"/>
   </p:notesMasterIdLst>
   <p:sldIdLst>
     <p:sldId id="256" r:id="rId2"/>
     <p:sldId id="258" r:id="rId3"/>
-    <p:sldId id="260" r:id="rId4"/>
-    <p:sldId id="257" r:id="rId5"/>
-    <p:sldId id="259" r:id="rId6"/>
+    <p:sldId id="261" r:id="rId4"/>
+    <p:sldId id="262" r:id="rId5"/>
+    <p:sldId id="260" r:id="rId6"/>
+    <p:sldId id="257" r:id="rId7"/>
+    <p:sldId id="259" r:id="rId8"/>
   </p:sldIdLst>
   <p:sldSz cx="12192000" cy="6858000"/>
   <p:notesSz cx="6858000" cy="9144000"/>
@@ -848,7 +850,7 @@
           <a:p>
             <a:fld id="{28450F27-BAD8-47D7-9E11-CABD4386BDCC}" type="slidenum">
               <a:rPr kumimoji="1" lang="ja-JP" altLang="en-US" smtClean="0"/>
-              <a:t>3</a:t>
+              <a:t>5</a:t>
             </a:fld>
             <a:endParaRPr kumimoji="1" lang="ja-JP" altLang="en-US"/>
           </a:p>
@@ -971,7 +973,7 @@
           <a:p>
             <a:fld id="{28450F27-BAD8-47D7-9E11-CABD4386BDCC}" type="slidenum">
               <a:rPr kumimoji="1" lang="ja-JP" altLang="en-US" smtClean="0"/>
-              <a:t>4</a:t>
+              <a:t>6</a:t>
             </a:fld>
             <a:endParaRPr kumimoji="1" lang="ja-JP" altLang="en-US"/>
           </a:p>
@@ -1059,7 +1061,7 @@
           <a:p>
             <a:fld id="{28450F27-BAD8-47D7-9E11-CABD4386BDCC}" type="slidenum">
               <a:rPr kumimoji="1" lang="ja-JP" altLang="en-US" smtClean="0"/>
-              <a:t>5</a:t>
+              <a:t>7</a:t>
             </a:fld>
             <a:endParaRPr kumimoji="1" lang="ja-JP" altLang="en-US"/>
           </a:p>
@@ -5754,9 +5756,41 @@
                   <a:srgbClr val="7030A0"/>
                 </a:solidFill>
               </a:rPr>
-              <a:t>登録成功画面</a:t>
-            </a:r>
-            <a:endParaRPr lang="en-US" altLang="ja-JP" sz="6000" b="1" smtClean="0">
+              <a:t>会員</a:t>
+            </a:r>
+            <a:r>
+              <a:rPr lang="ja-JP" altLang="en-US" sz="6000" b="1" dirty="0" smtClean="0">
+                <a:solidFill>
+                  <a:srgbClr val="7030A0"/>
+                </a:solidFill>
+              </a:rPr>
+              <a:t>登録</a:t>
+            </a:r>
+            <a:r>
+              <a:rPr lang="en-US" altLang="ja-JP" sz="6000" b="1" dirty="0" smtClean="0">
+                <a:solidFill>
+                  <a:srgbClr val="7030A0"/>
+                </a:solidFill>
+              </a:rPr>
+              <a:t>(</a:t>
+            </a:r>
+            <a:r>
+              <a:rPr lang="ja-JP" altLang="en-US" sz="6000" b="1" dirty="0" smtClean="0">
+                <a:solidFill>
+                  <a:srgbClr val="7030A0"/>
+                </a:solidFill>
+              </a:rPr>
+              <a:t>失敗</a:t>
+            </a:r>
+            <a:r>
+              <a:rPr lang="en-US" altLang="ja-JP" sz="6000" b="1" dirty="0" smtClean="0">
+                <a:solidFill>
+                  <a:srgbClr val="7030A0"/>
+                </a:solidFill>
+              </a:rPr>
+              <a:t>)(1)</a:t>
+            </a:r>
+            <a:endParaRPr lang="ja-JP" altLang="en-US" sz="6000" b="1" dirty="0">
               <a:solidFill>
                 <a:srgbClr val="7030A0"/>
               </a:solidFill>
@@ -5772,8 +5806,8 @@
         </p:nvSpPr>
         <p:spPr>
           <a:xfrm>
-            <a:off x="1317938" y="1677991"/>
-            <a:ext cx="5486399" cy="4059132"/>
+            <a:off x="353961" y="1442017"/>
+            <a:ext cx="5486399" cy="4472086"/>
           </a:xfrm>
           <a:prstGeom prst="rect">
             <a:avLst/>
@@ -5818,38 +5852,8 @@
         </p:nvSpPr>
         <p:spPr>
           <a:xfrm>
-            <a:off x="2689538" y="2677143"/>
-            <a:ext cx="3067664" cy="369332"/>
-          </a:xfrm>
-          <a:prstGeom prst="rect">
-            <a:avLst/>
-          </a:prstGeom>
-          <a:noFill/>
-        </p:spPr>
-        <p:txBody>
-          <a:bodyPr wrap="square" rtlCol="0">
-            <a:spAutoFit/>
-          </a:bodyPr>
-          <a:lstStyle/>
-          <a:p>
-            <a:r>
-              <a:rPr kumimoji="1" lang="ja-JP" altLang="en-US" dirty="0" smtClean="0"/>
-              <a:t>会員登録を完了しました。</a:t>
-            </a:r>
-            <a:endParaRPr kumimoji="1" lang="ja-JP" altLang="en-US" dirty="0"/>
-          </a:p>
-        </p:txBody>
-      </p:sp>
-      <p:sp>
-        <p:nvSpPr>
-          <p:cNvPr id="5" name="テキスト ボックス 4"/>
-          <p:cNvSpPr txBox="1"/>
-          <p:nvPr/>
-        </p:nvSpPr>
-        <p:spPr>
-          <a:xfrm>
-            <a:off x="2932885" y="3522891"/>
-            <a:ext cx="2256503" cy="369332"/>
+            <a:off x="3072998" y="3331809"/>
+            <a:ext cx="1683359" cy="369332"/>
           </a:xfrm>
           <a:prstGeom prst="rect">
             <a:avLst/>
@@ -5868,57 +5872,287 @@
           <a:lstStyle/>
           <a:p>
             <a:pPr algn="ctr"/>
+            <a:endParaRPr kumimoji="1" lang="ja-JP" altLang="en-US" dirty="0"/>
+          </a:p>
+        </p:txBody>
+      </p:sp>
+      <p:sp>
+        <p:nvSpPr>
+          <p:cNvPr id="5" name="テキスト ボックス 4"/>
+          <p:cNvSpPr txBox="1"/>
+          <p:nvPr/>
+        </p:nvSpPr>
+        <p:spPr>
+          <a:xfrm>
+            <a:off x="237628" y="3185615"/>
+            <a:ext cx="2772696" cy="1569660"/>
+          </a:xfrm>
+          <a:prstGeom prst="rect">
+            <a:avLst/>
+          </a:prstGeom>
+          <a:noFill/>
+        </p:spPr>
+        <p:txBody>
+          <a:bodyPr wrap="square" rtlCol="0">
+            <a:spAutoFit/>
+          </a:bodyPr>
+          <a:lstStyle/>
+          <a:p>
+            <a:pPr algn="r"/>
+            <a:r>
+              <a:rPr kumimoji="1" lang="ja-JP" altLang="en-US" sz="3200" dirty="0" smtClean="0"/>
+              <a:t>登録したい</a:t>
+            </a:r>
+            <a:r>
+              <a:rPr kumimoji="1" lang="en-US" altLang="ja-JP" sz="3200" dirty="0" smtClean="0"/>
+              <a:t>ID:</a:t>
+            </a:r>
+          </a:p>
+          <a:p>
+            <a:pPr algn="r"/>
+            <a:r>
+              <a:rPr lang="en-US" altLang="ja-JP" sz="3200" dirty="0" smtClean="0"/>
+              <a:t>PW:</a:t>
+            </a:r>
+          </a:p>
+          <a:p>
+            <a:pPr algn="r"/>
+            <a:r>
+              <a:rPr kumimoji="1" lang="ja-JP" altLang="en-US" sz="3200" dirty="0" smtClean="0"/>
+              <a:t>確認用</a:t>
+            </a:r>
+            <a:r>
+              <a:rPr kumimoji="1" lang="en-US" altLang="ja-JP" sz="3200" dirty="0" smtClean="0"/>
+              <a:t>PW:</a:t>
+            </a:r>
+            <a:endParaRPr kumimoji="1" lang="ja-JP" altLang="en-US" sz="3200" dirty="0"/>
+          </a:p>
+        </p:txBody>
+      </p:sp>
+      <p:sp>
+        <p:nvSpPr>
+          <p:cNvPr id="6" name="テキスト ボックス 5"/>
+          <p:cNvSpPr txBox="1"/>
+          <p:nvPr/>
+        </p:nvSpPr>
+        <p:spPr>
+          <a:xfrm>
+            <a:off x="3072999" y="3785779"/>
+            <a:ext cx="1683358" cy="369332"/>
+          </a:xfrm>
+          <a:prstGeom prst="rect">
+            <a:avLst/>
+          </a:prstGeom>
+          <a:noFill/>
+          <a:ln>
+            <a:solidFill>
+              <a:schemeClr val="tx1"/>
+            </a:solidFill>
+          </a:ln>
+        </p:spPr>
+        <p:txBody>
+          <a:bodyPr wrap="square" rtlCol="0">
+            <a:spAutoFit/>
+          </a:bodyPr>
+          <a:lstStyle/>
+          <a:p>
+            <a:pPr algn="ctr"/>
+            <a:endParaRPr kumimoji="1" lang="ja-JP" altLang="en-US" dirty="0"/>
+          </a:p>
+        </p:txBody>
+      </p:sp>
+      <p:sp>
+        <p:nvSpPr>
+          <p:cNvPr id="7" name="テキスト ボックス 6"/>
+          <p:cNvSpPr txBox="1"/>
+          <p:nvPr/>
+        </p:nvSpPr>
+        <p:spPr>
+          <a:xfrm>
+            <a:off x="1448016" y="5157093"/>
+            <a:ext cx="1224116" cy="369332"/>
+          </a:xfrm>
+          <a:prstGeom prst="rect">
+            <a:avLst/>
+          </a:prstGeom>
+          <a:noFill/>
+          <a:ln>
+            <a:solidFill>
+              <a:schemeClr val="tx1"/>
+            </a:solidFill>
+          </a:ln>
+        </p:spPr>
+        <p:txBody>
+          <a:bodyPr wrap="square" rtlCol="0">
+            <a:spAutoFit/>
+          </a:bodyPr>
+          <a:lstStyle/>
+          <a:p>
+            <a:pPr algn="ctr"/>
             <a:r>
               <a:rPr kumimoji="1" lang="ja-JP" altLang="en-US" dirty="0" smtClean="0"/>
-              <a:t>ログイン画面へ</a:t>
+              <a:t>送信</a:t>
             </a:r>
             <a:endParaRPr kumimoji="1" lang="ja-JP" altLang="en-US" dirty="0"/>
           </a:p>
         </p:txBody>
       </p:sp>
-      <p:cxnSp>
-        <p:nvCxnSpPr>
-          <p:cNvPr id="7" name="直線矢印コネクタ 6"/>
-          <p:cNvCxnSpPr/>
-          <p:nvPr/>
-        </p:nvCxnSpPr>
-        <p:spPr>
-          <a:xfrm flipH="1" flipV="1">
-            <a:off x="5329499" y="3687096"/>
-            <a:ext cx="1637071" cy="14748"/>
-          </a:xfrm>
-          <a:prstGeom prst="straightConnector1">
-            <a:avLst/>
-          </a:prstGeom>
-          <a:ln w="25400">
-            <a:tailEnd type="triangle"/>
+      <p:sp>
+        <p:nvSpPr>
+          <p:cNvPr id="8" name="テキスト ボックス 7"/>
+          <p:cNvSpPr txBox="1"/>
+          <p:nvPr/>
+        </p:nvSpPr>
+        <p:spPr>
+          <a:xfrm>
+            <a:off x="3150434" y="5157093"/>
+            <a:ext cx="1224116" cy="369332"/>
+          </a:xfrm>
+          <a:prstGeom prst="rect">
+            <a:avLst/>
+          </a:prstGeom>
+          <a:noFill/>
+          <a:ln>
+            <a:solidFill>
+              <a:schemeClr val="tx1"/>
+            </a:solidFill>
           </a:ln>
         </p:spPr>
+        <p:txBody>
+          <a:bodyPr wrap="square" rtlCol="0">
+            <a:spAutoFit/>
+          </a:bodyPr>
+          <a:lstStyle/>
+          <a:p>
+            <a:pPr algn="ctr"/>
+            <a:r>
+              <a:rPr lang="ja-JP" altLang="en-US" dirty="0"/>
+              <a:t>リセット</a:t>
+            </a:r>
+            <a:endParaRPr kumimoji="1" lang="ja-JP" altLang="en-US" dirty="0"/>
+          </a:p>
+        </p:txBody>
+      </p:sp>
+      <p:sp>
+        <p:nvSpPr>
+          <p:cNvPr id="9" name="テキスト ボックス 8"/>
+          <p:cNvSpPr txBox="1"/>
+          <p:nvPr/>
+        </p:nvSpPr>
+        <p:spPr>
+          <a:xfrm>
+            <a:off x="2060074" y="1713799"/>
+            <a:ext cx="1900500" cy="584775"/>
+          </a:xfrm>
+          <a:prstGeom prst="rect">
+            <a:avLst/>
+          </a:prstGeom>
+          <a:noFill/>
+        </p:spPr>
+        <p:txBody>
+          <a:bodyPr wrap="square" rtlCol="0">
+            <a:spAutoFit/>
+          </a:bodyPr>
+          <a:lstStyle/>
+          <a:p>
+            <a:r>
+              <a:rPr kumimoji="1" lang="ja-JP" altLang="en-US" sz="3200" dirty="0" smtClean="0"/>
+              <a:t>ログイン</a:t>
+            </a:r>
+            <a:endParaRPr kumimoji="1" lang="ja-JP" altLang="en-US" sz="3200" dirty="0"/>
+          </a:p>
+        </p:txBody>
+      </p:sp>
+      <p:sp>
+        <p:nvSpPr>
+          <p:cNvPr id="10" name="テキスト ボックス 9"/>
+          <p:cNvSpPr txBox="1"/>
+          <p:nvPr/>
+        </p:nvSpPr>
+        <p:spPr>
+          <a:xfrm>
+            <a:off x="3072998" y="4262428"/>
+            <a:ext cx="1683358" cy="369332"/>
+          </a:xfrm>
+          <a:prstGeom prst="rect">
+            <a:avLst/>
+          </a:prstGeom>
+          <a:noFill/>
+          <a:ln>
+            <a:solidFill>
+              <a:schemeClr val="tx1"/>
+            </a:solidFill>
+          </a:ln>
+        </p:spPr>
+        <p:txBody>
+          <a:bodyPr wrap="square" rtlCol="0">
+            <a:spAutoFit/>
+          </a:bodyPr>
+          <a:lstStyle/>
+          <a:p>
+            <a:pPr algn="ctr"/>
+            <a:endParaRPr kumimoji="1" lang="ja-JP" altLang="en-US" dirty="0"/>
+          </a:p>
+        </p:txBody>
+      </p:sp>
+      <p:sp>
+        <p:nvSpPr>
+          <p:cNvPr id="12" name="正方形/長方形 11"/>
+          <p:cNvSpPr/>
+          <p:nvPr/>
+        </p:nvSpPr>
+        <p:spPr>
+          <a:xfrm>
+            <a:off x="4999703" y="3331809"/>
+            <a:ext cx="383458" cy="369332"/>
+          </a:xfrm>
+          <a:prstGeom prst="rect">
+            <a:avLst/>
+          </a:prstGeom>
+          <a:solidFill>
+            <a:schemeClr val="accent2"/>
+          </a:solidFill>
+          <a:ln>
+            <a:solidFill>
+              <a:schemeClr val="accent2"/>
+            </a:solidFill>
+          </a:ln>
+        </p:spPr>
         <p:style>
-          <a:lnRef idx="1">
-            <a:schemeClr val="accent1"/>
+          <a:lnRef idx="2">
+            <a:schemeClr val="accent1">
+              <a:shade val="50000"/>
+            </a:schemeClr>
           </a:lnRef>
-          <a:fillRef idx="0">
+          <a:fillRef idx="1">
             <a:schemeClr val="accent1"/>
           </a:fillRef>
           <a:effectRef idx="0">
             <a:schemeClr val="accent1"/>
           </a:effectRef>
           <a:fontRef idx="minor">
-            <a:schemeClr val="tx1"/>
+            <a:schemeClr val="lt1"/>
           </a:fontRef>
         </p:style>
-      </p:cxnSp>
-      <p:sp>
-        <p:nvSpPr>
-          <p:cNvPr id="9" name="テキスト ボックス 8"/>
+        <p:txBody>
+          <a:bodyPr rtlCol="0" anchor="ctr"/>
+          <a:lstStyle/>
+          <a:p>
+            <a:pPr algn="ctr"/>
+            <a:endParaRPr kumimoji="1" lang="ja-JP" altLang="en-US"/>
+          </a:p>
+        </p:txBody>
+      </p:sp>
+      <p:sp>
+        <p:nvSpPr>
+          <p:cNvPr id="20" name="テキスト ボックス 19"/>
           <p:cNvSpPr txBox="1"/>
           <p:nvPr/>
         </p:nvSpPr>
         <p:spPr>
           <a:xfrm>
-            <a:off x="6966569" y="3046475"/>
-            <a:ext cx="4197959" cy="923330"/>
+            <a:off x="728012" y="2503436"/>
+            <a:ext cx="4844843" cy="461665"/>
           </a:xfrm>
           <a:prstGeom prst="rect">
             <a:avLst/>
@@ -5932,24 +6166,456 @@
           <a:lstStyle/>
           <a:p>
             <a:r>
-              <a:rPr lang="ja-JP" altLang="en-US" dirty="0" smtClean="0"/>
-              <a:t>ログイン画面にいけば</a:t>
-            </a:r>
-            <a:r>
-              <a:rPr lang="en-US" altLang="ja-JP" dirty="0" smtClean="0"/>
-              <a:t>1</a:t>
-            </a:r>
-            <a:r>
-              <a:rPr lang="ja-JP" altLang="en-US" dirty="0" smtClean="0"/>
-              <a:t>週間自動ログインさせるとか、そういった設定も行えるため、</a:t>
-            </a:r>
-            <a:r>
-              <a:rPr lang="en-US" altLang="ja-JP" smtClean="0"/>
-              <a:t>TOP</a:t>
-            </a:r>
-            <a:r>
-              <a:rPr lang="ja-JP" altLang="en-US" dirty="0" smtClean="0"/>
-              <a:t>に行かずログイン画面に行かせる。</a:t>
+              <a:rPr kumimoji="1" lang="en-US" altLang="ja-JP" sz="2400" dirty="0" smtClean="0">
+                <a:solidFill>
+                  <a:srgbClr val="FF0000"/>
+                </a:solidFill>
+              </a:rPr>
+              <a:t>ID</a:t>
+            </a:r>
+            <a:r>
+              <a:rPr kumimoji="1" lang="ja-JP" altLang="en-US" sz="2400" dirty="0" err="1" smtClean="0">
+                <a:solidFill>
+                  <a:srgbClr val="FF0000"/>
+                </a:solidFill>
+              </a:rPr>
+              <a:t>、</a:t>
+            </a:r>
+            <a:r>
+              <a:rPr kumimoji="1" lang="ja-JP" altLang="en-US" sz="2400" dirty="0" smtClean="0">
+                <a:solidFill>
+                  <a:srgbClr val="FF0000"/>
+                </a:solidFill>
+              </a:rPr>
+              <a:t>または</a:t>
+            </a:r>
+            <a:r>
+              <a:rPr kumimoji="1" lang="en-US" altLang="ja-JP" sz="2400" dirty="0" smtClean="0">
+                <a:solidFill>
+                  <a:srgbClr val="FF0000"/>
+                </a:solidFill>
+              </a:rPr>
+              <a:t>PW</a:t>
+            </a:r>
+            <a:r>
+              <a:rPr kumimoji="1" lang="ja-JP" altLang="en-US" sz="2400" dirty="0" smtClean="0">
+                <a:solidFill>
+                  <a:srgbClr val="FF0000"/>
+                </a:solidFill>
+              </a:rPr>
+              <a:t>が記入してありません。</a:t>
+            </a:r>
+            <a:endParaRPr kumimoji="1" lang="ja-JP" altLang="en-US" sz="2400" dirty="0">
+              <a:solidFill>
+                <a:srgbClr val="FF0000"/>
+              </a:solidFill>
+            </a:endParaRPr>
+          </a:p>
+        </p:txBody>
+      </p:sp>
+      <p:sp>
+        <p:nvSpPr>
+          <p:cNvPr id="21" name="正方形/長方形 20"/>
+          <p:cNvSpPr/>
+          <p:nvPr/>
+        </p:nvSpPr>
+        <p:spPr>
+          <a:xfrm>
+            <a:off x="6387702" y="1442017"/>
+            <a:ext cx="5486399" cy="4472086"/>
+          </a:xfrm>
+          <a:prstGeom prst="rect">
+            <a:avLst/>
+          </a:prstGeom>
+          <a:noFill/>
+          <a:ln>
+            <a:solidFill>
+              <a:schemeClr val="tx1"/>
+            </a:solidFill>
+          </a:ln>
+        </p:spPr>
+        <p:style>
+          <a:lnRef idx="2">
+            <a:schemeClr val="accent1">
+              <a:shade val="50000"/>
+            </a:schemeClr>
+          </a:lnRef>
+          <a:fillRef idx="1">
+            <a:schemeClr val="accent1"/>
+          </a:fillRef>
+          <a:effectRef idx="0">
+            <a:schemeClr val="accent1"/>
+          </a:effectRef>
+          <a:fontRef idx="minor">
+            <a:schemeClr val="lt1"/>
+          </a:fontRef>
+        </p:style>
+        <p:txBody>
+          <a:bodyPr rtlCol="0" anchor="ctr"/>
+          <a:lstStyle/>
+          <a:p>
+            <a:pPr algn="ctr"/>
+            <a:endParaRPr kumimoji="1" lang="ja-JP" altLang="en-US"/>
+          </a:p>
+        </p:txBody>
+      </p:sp>
+      <p:sp>
+        <p:nvSpPr>
+          <p:cNvPr id="23" name="テキスト ボックス 22"/>
+          <p:cNvSpPr txBox="1"/>
+          <p:nvPr/>
+        </p:nvSpPr>
+        <p:spPr>
+          <a:xfrm>
+            <a:off x="6271369" y="3185615"/>
+            <a:ext cx="2772696" cy="1569660"/>
+          </a:xfrm>
+          <a:prstGeom prst="rect">
+            <a:avLst/>
+          </a:prstGeom>
+          <a:noFill/>
+        </p:spPr>
+        <p:txBody>
+          <a:bodyPr wrap="square" rtlCol="0">
+            <a:spAutoFit/>
+          </a:bodyPr>
+          <a:lstStyle/>
+          <a:p>
+            <a:pPr algn="r"/>
+            <a:r>
+              <a:rPr kumimoji="1" lang="ja-JP" altLang="en-US" sz="3200" dirty="0" smtClean="0"/>
+              <a:t>登録したい</a:t>
+            </a:r>
+            <a:r>
+              <a:rPr kumimoji="1" lang="en-US" altLang="ja-JP" sz="3200" dirty="0" smtClean="0"/>
+              <a:t>ID:</a:t>
+            </a:r>
+          </a:p>
+          <a:p>
+            <a:pPr algn="r"/>
+            <a:r>
+              <a:rPr lang="en-US" altLang="ja-JP" sz="3200" dirty="0" smtClean="0"/>
+              <a:t>PW:</a:t>
+            </a:r>
+          </a:p>
+          <a:p>
+            <a:pPr algn="r"/>
+            <a:r>
+              <a:rPr kumimoji="1" lang="ja-JP" altLang="en-US" sz="3200" dirty="0" smtClean="0"/>
+              <a:t>確認用</a:t>
+            </a:r>
+            <a:r>
+              <a:rPr kumimoji="1" lang="en-US" altLang="ja-JP" sz="3200" dirty="0" smtClean="0"/>
+              <a:t>PW:</a:t>
+            </a:r>
+            <a:endParaRPr kumimoji="1" lang="ja-JP" altLang="en-US" sz="3200" dirty="0"/>
+          </a:p>
+        </p:txBody>
+      </p:sp>
+      <p:sp>
+        <p:nvSpPr>
+          <p:cNvPr id="25" name="テキスト ボックス 24"/>
+          <p:cNvSpPr txBox="1"/>
+          <p:nvPr/>
+        </p:nvSpPr>
+        <p:spPr>
+          <a:xfrm>
+            <a:off x="7481757" y="5157093"/>
+            <a:ext cx="1224116" cy="369332"/>
+          </a:xfrm>
+          <a:prstGeom prst="rect">
+            <a:avLst/>
+          </a:prstGeom>
+          <a:noFill/>
+          <a:ln>
+            <a:solidFill>
+              <a:schemeClr val="tx1"/>
+            </a:solidFill>
+          </a:ln>
+        </p:spPr>
+        <p:txBody>
+          <a:bodyPr wrap="square" rtlCol="0">
+            <a:spAutoFit/>
+          </a:bodyPr>
+          <a:lstStyle/>
+          <a:p>
+            <a:pPr algn="ctr"/>
+            <a:r>
+              <a:rPr kumimoji="1" lang="ja-JP" altLang="en-US" dirty="0" smtClean="0"/>
+              <a:t>送信</a:t>
+            </a:r>
+            <a:endParaRPr kumimoji="1" lang="ja-JP" altLang="en-US" dirty="0"/>
+          </a:p>
+        </p:txBody>
+      </p:sp>
+      <p:sp>
+        <p:nvSpPr>
+          <p:cNvPr id="26" name="テキスト ボックス 25"/>
+          <p:cNvSpPr txBox="1"/>
+          <p:nvPr/>
+        </p:nvSpPr>
+        <p:spPr>
+          <a:xfrm>
+            <a:off x="9184175" y="5157093"/>
+            <a:ext cx="1224116" cy="369332"/>
+          </a:xfrm>
+          <a:prstGeom prst="rect">
+            <a:avLst/>
+          </a:prstGeom>
+          <a:noFill/>
+          <a:ln>
+            <a:solidFill>
+              <a:schemeClr val="tx1"/>
+            </a:solidFill>
+          </a:ln>
+        </p:spPr>
+        <p:txBody>
+          <a:bodyPr wrap="square" rtlCol="0">
+            <a:spAutoFit/>
+          </a:bodyPr>
+          <a:lstStyle/>
+          <a:p>
+            <a:pPr algn="ctr"/>
+            <a:r>
+              <a:rPr lang="ja-JP" altLang="en-US" dirty="0"/>
+              <a:t>リセット</a:t>
+            </a:r>
+            <a:endParaRPr kumimoji="1" lang="ja-JP" altLang="en-US" dirty="0"/>
+          </a:p>
+        </p:txBody>
+      </p:sp>
+      <p:sp>
+        <p:nvSpPr>
+          <p:cNvPr id="27" name="テキスト ボックス 26"/>
+          <p:cNvSpPr txBox="1"/>
+          <p:nvPr/>
+        </p:nvSpPr>
+        <p:spPr>
+          <a:xfrm>
+            <a:off x="8093815" y="1713799"/>
+            <a:ext cx="1900500" cy="584775"/>
+          </a:xfrm>
+          <a:prstGeom prst="rect">
+            <a:avLst/>
+          </a:prstGeom>
+          <a:noFill/>
+        </p:spPr>
+        <p:txBody>
+          <a:bodyPr wrap="square" rtlCol="0">
+            <a:spAutoFit/>
+          </a:bodyPr>
+          <a:lstStyle/>
+          <a:p>
+            <a:r>
+              <a:rPr kumimoji="1" lang="ja-JP" altLang="en-US" sz="3200" dirty="0" smtClean="0"/>
+              <a:t>ログイン</a:t>
+            </a:r>
+            <a:endParaRPr kumimoji="1" lang="ja-JP" altLang="en-US" sz="3200" dirty="0"/>
+          </a:p>
+        </p:txBody>
+      </p:sp>
+      <p:sp>
+        <p:nvSpPr>
+          <p:cNvPr id="29" name="正方形/長方形 28"/>
+          <p:cNvSpPr/>
+          <p:nvPr/>
+        </p:nvSpPr>
+        <p:spPr>
+          <a:xfrm>
+            <a:off x="11033444" y="3331809"/>
+            <a:ext cx="383458" cy="369332"/>
+          </a:xfrm>
+          <a:prstGeom prst="rect">
+            <a:avLst/>
+          </a:prstGeom>
+          <a:solidFill>
+            <a:schemeClr val="accent2"/>
+          </a:solidFill>
+          <a:ln>
+            <a:solidFill>
+              <a:schemeClr val="accent2"/>
+            </a:solidFill>
+          </a:ln>
+        </p:spPr>
+        <p:style>
+          <a:lnRef idx="2">
+            <a:schemeClr val="accent1">
+              <a:shade val="50000"/>
+            </a:schemeClr>
+          </a:lnRef>
+          <a:fillRef idx="1">
+            <a:schemeClr val="accent1"/>
+          </a:fillRef>
+          <a:effectRef idx="0">
+            <a:schemeClr val="accent1"/>
+          </a:effectRef>
+          <a:fontRef idx="minor">
+            <a:schemeClr val="lt1"/>
+          </a:fontRef>
+        </p:style>
+        <p:txBody>
+          <a:bodyPr rtlCol="0" anchor="ctr"/>
+          <a:lstStyle/>
+          <a:p>
+            <a:pPr algn="ctr"/>
+            <a:endParaRPr kumimoji="1" lang="ja-JP" altLang="en-US"/>
+          </a:p>
+        </p:txBody>
+      </p:sp>
+      <p:sp>
+        <p:nvSpPr>
+          <p:cNvPr id="30" name="テキスト ボックス 29"/>
+          <p:cNvSpPr txBox="1"/>
+          <p:nvPr/>
+        </p:nvSpPr>
+        <p:spPr>
+          <a:xfrm>
+            <a:off x="6761753" y="2503436"/>
+            <a:ext cx="4844843" cy="461665"/>
+          </a:xfrm>
+          <a:prstGeom prst="rect">
+            <a:avLst/>
+          </a:prstGeom>
+          <a:noFill/>
+        </p:spPr>
+        <p:txBody>
+          <a:bodyPr wrap="square" rtlCol="0">
+            <a:spAutoFit/>
+          </a:bodyPr>
+          <a:lstStyle/>
+          <a:p>
+            <a:r>
+              <a:rPr kumimoji="1" lang="ja-JP" altLang="en-US" sz="2400" dirty="0" smtClean="0">
+                <a:solidFill>
+                  <a:srgbClr val="FF0000"/>
+                </a:solidFill>
+              </a:rPr>
+              <a:t>この</a:t>
+            </a:r>
+            <a:r>
+              <a:rPr kumimoji="1" lang="en-US" altLang="ja-JP" sz="2400" dirty="0" smtClean="0">
+                <a:solidFill>
+                  <a:srgbClr val="FF0000"/>
+                </a:solidFill>
+              </a:rPr>
+              <a:t>ID</a:t>
+            </a:r>
+            <a:r>
+              <a:rPr kumimoji="1" lang="ja-JP" altLang="en-US" sz="2400" dirty="0" smtClean="0">
+                <a:solidFill>
+                  <a:srgbClr val="FF0000"/>
+                </a:solidFill>
+              </a:rPr>
+              <a:t>は既に使われています。</a:t>
+            </a:r>
+            <a:endParaRPr kumimoji="1" lang="ja-JP" altLang="en-US" sz="2400" dirty="0">
+              <a:solidFill>
+                <a:srgbClr val="FF0000"/>
+              </a:solidFill>
+            </a:endParaRPr>
+          </a:p>
+        </p:txBody>
+      </p:sp>
+      <p:sp>
+        <p:nvSpPr>
+          <p:cNvPr id="31" name="テキスト ボックス 30"/>
+          <p:cNvSpPr txBox="1"/>
+          <p:nvPr/>
+        </p:nvSpPr>
+        <p:spPr>
+          <a:xfrm>
+            <a:off x="9034274" y="3308728"/>
+            <a:ext cx="1683358" cy="369332"/>
+          </a:xfrm>
+          <a:prstGeom prst="rect">
+            <a:avLst/>
+          </a:prstGeom>
+          <a:noFill/>
+          <a:ln>
+            <a:solidFill>
+              <a:schemeClr val="tx1"/>
+            </a:solidFill>
+          </a:ln>
+        </p:spPr>
+        <p:txBody>
+          <a:bodyPr wrap="square" rtlCol="0">
+            <a:spAutoFit/>
+          </a:bodyPr>
+          <a:lstStyle/>
+          <a:p>
+            <a:r>
+              <a:rPr kumimoji="1" lang="en-US" altLang="ja-JP" dirty="0" err="1" smtClean="0"/>
+              <a:t>hirose</a:t>
+            </a:r>
+            <a:endParaRPr kumimoji="1" lang="ja-JP" altLang="en-US" dirty="0"/>
+          </a:p>
+        </p:txBody>
+      </p:sp>
+      <p:sp>
+        <p:nvSpPr>
+          <p:cNvPr id="32" name="テキスト ボックス 31"/>
+          <p:cNvSpPr txBox="1"/>
+          <p:nvPr/>
+        </p:nvSpPr>
+        <p:spPr>
+          <a:xfrm>
+            <a:off x="9044065" y="3785779"/>
+            <a:ext cx="1683358" cy="369332"/>
+          </a:xfrm>
+          <a:prstGeom prst="rect">
+            <a:avLst/>
+          </a:prstGeom>
+          <a:noFill/>
+          <a:ln>
+            <a:solidFill>
+              <a:schemeClr val="tx1"/>
+            </a:solidFill>
+          </a:ln>
+        </p:spPr>
+        <p:txBody>
+          <a:bodyPr wrap="square" rtlCol="0">
+            <a:spAutoFit/>
+          </a:bodyPr>
+          <a:lstStyle/>
+          <a:p>
+            <a:r>
+              <a:rPr kumimoji="1" lang="en-US" altLang="ja-JP" dirty="0" smtClean="0"/>
+              <a:t>******</a:t>
+            </a:r>
+            <a:endParaRPr kumimoji="1" lang="ja-JP" altLang="en-US" dirty="0"/>
+          </a:p>
+        </p:txBody>
+      </p:sp>
+      <p:sp>
+        <p:nvSpPr>
+          <p:cNvPr id="33" name="テキスト ボックス 32"/>
+          <p:cNvSpPr txBox="1"/>
+          <p:nvPr/>
+        </p:nvSpPr>
+        <p:spPr>
+          <a:xfrm>
+            <a:off x="9039995" y="4286770"/>
+            <a:ext cx="1683358" cy="369332"/>
+          </a:xfrm>
+          <a:prstGeom prst="rect">
+            <a:avLst/>
+          </a:prstGeom>
+          <a:noFill/>
+          <a:ln>
+            <a:solidFill>
+              <a:schemeClr val="tx1"/>
+            </a:solidFill>
+          </a:ln>
+        </p:spPr>
+        <p:txBody>
+          <a:bodyPr wrap="square" rtlCol="0">
+            <a:spAutoFit/>
+          </a:bodyPr>
+          <a:lstStyle/>
+          <a:p>
+            <a:r>
+              <a:rPr kumimoji="1" lang="en-US" altLang="ja-JP" dirty="0" smtClean="0"/>
+              <a:t>******</a:t>
             </a:r>
             <a:endParaRPr kumimoji="1" lang="ja-JP" altLang="en-US" dirty="0"/>
           </a:p>
@@ -5958,7 +6624,7 @@
     </p:spTree>
     <p:extLst>
       <p:ext uri="{BB962C8B-B14F-4D97-AF65-F5344CB8AC3E}">
-        <p14:creationId xmlns:p14="http://schemas.microsoft.com/office/powerpoint/2010/main" val="172936178"/>
+        <p14:creationId xmlns:p14="http://schemas.microsoft.com/office/powerpoint/2010/main" val="2975359567"/>
       </p:ext>
     </p:extLst>
   </p:cSld>
@@ -5987,85 +6653,7 @@
       </p:grpSpPr>
       <p:sp>
         <p:nvSpPr>
-          <p:cNvPr id="3" name="正方形/長方形 2"/>
-          <p:cNvSpPr/>
-          <p:nvPr/>
-        </p:nvSpPr>
-        <p:spPr>
-          <a:xfrm>
-            <a:off x="339213" y="1545257"/>
-            <a:ext cx="4763729" cy="3506454"/>
-          </a:xfrm>
-          <a:prstGeom prst="rect">
-            <a:avLst/>
-          </a:prstGeom>
-          <a:noFill/>
-          <a:ln>
-            <a:solidFill>
-              <a:schemeClr val="tx1"/>
-            </a:solidFill>
-          </a:ln>
-        </p:spPr>
-        <p:style>
-          <a:lnRef idx="2">
-            <a:schemeClr val="accent1">
-              <a:shade val="50000"/>
-            </a:schemeClr>
-          </a:lnRef>
-          <a:fillRef idx="1">
-            <a:schemeClr val="accent1"/>
-          </a:fillRef>
-          <a:effectRef idx="0">
-            <a:schemeClr val="accent1"/>
-          </a:effectRef>
-          <a:fontRef idx="minor">
-            <a:schemeClr val="lt1"/>
-          </a:fontRef>
-        </p:style>
-        <p:txBody>
-          <a:bodyPr rtlCol="0" anchor="ctr"/>
-          <a:lstStyle/>
-          <a:p>
-            <a:pPr algn="ctr"/>
-            <a:endParaRPr kumimoji="1" lang="ja-JP" altLang="en-US"/>
-          </a:p>
-        </p:txBody>
-      </p:sp>
-      <p:sp>
-        <p:nvSpPr>
-          <p:cNvPr id="5" name="テキスト ボックス 4"/>
-          <p:cNvSpPr txBox="1"/>
-          <p:nvPr/>
-        </p:nvSpPr>
-        <p:spPr>
-          <a:xfrm>
-            <a:off x="2003738" y="2909832"/>
-            <a:ext cx="1683359" cy="369332"/>
-          </a:xfrm>
-          <a:prstGeom prst="rect">
-            <a:avLst/>
-          </a:prstGeom>
-          <a:noFill/>
-          <a:ln>
-            <a:solidFill>
-              <a:schemeClr val="tx1"/>
-            </a:solidFill>
-          </a:ln>
-        </p:spPr>
-        <p:txBody>
-          <a:bodyPr wrap="square" rtlCol="0">
-            <a:spAutoFit/>
-          </a:bodyPr>
-          <a:lstStyle/>
-          <a:p>
-            <a:pPr algn="ctr"/>
-            <a:endParaRPr kumimoji="1" lang="ja-JP" altLang="en-US" dirty="0"/>
-          </a:p>
-        </p:txBody>
-      </p:sp>
-      <p:sp>
-        <p:nvSpPr>
-          <p:cNvPr id="12" name="タイトル 1"/>
+          <p:cNvPr id="2" name="タイトル 1"/>
           <p:cNvSpPr txBox="1">
             <a:spLocks/>
           </p:cNvSpPr>
@@ -6111,7 +6699,39 @@
                   <a:srgbClr val="7030A0"/>
                 </a:solidFill>
               </a:rPr>
-              <a:t>ログイン画面</a:t>
+              <a:t>会員</a:t>
+            </a:r>
+            <a:r>
+              <a:rPr lang="ja-JP" altLang="en-US" sz="6000" b="1" dirty="0" smtClean="0">
+                <a:solidFill>
+                  <a:srgbClr val="7030A0"/>
+                </a:solidFill>
+              </a:rPr>
+              <a:t>登録</a:t>
+            </a:r>
+            <a:r>
+              <a:rPr lang="en-US" altLang="ja-JP" sz="6000" b="1" dirty="0" smtClean="0">
+                <a:solidFill>
+                  <a:srgbClr val="7030A0"/>
+                </a:solidFill>
+              </a:rPr>
+              <a:t>(</a:t>
+            </a:r>
+            <a:r>
+              <a:rPr lang="ja-JP" altLang="en-US" sz="6000" b="1" dirty="0" smtClean="0">
+                <a:solidFill>
+                  <a:srgbClr val="7030A0"/>
+                </a:solidFill>
+              </a:rPr>
+              <a:t>失敗</a:t>
+            </a:r>
+            <a:r>
+              <a:rPr lang="en-US" altLang="ja-JP" sz="6000" b="1" dirty="0" smtClean="0">
+                <a:solidFill>
+                  <a:srgbClr val="7030A0"/>
+                </a:solidFill>
+              </a:rPr>
+              <a:t>)(2)</a:t>
             </a:r>
             <a:endParaRPr lang="ja-JP" altLang="en-US" sz="6000" b="1" dirty="0">
               <a:solidFill>
@@ -6123,50 +6743,14 @@
       </p:sp>
       <p:sp>
         <p:nvSpPr>
-          <p:cNvPr id="13" name="テキスト ボックス 12"/>
-          <p:cNvSpPr txBox="1"/>
-          <p:nvPr/>
-        </p:nvSpPr>
-        <p:spPr>
-          <a:xfrm>
-            <a:off x="958647" y="2755700"/>
-            <a:ext cx="2772696" cy="1077218"/>
-          </a:xfrm>
-          <a:prstGeom prst="rect">
-            <a:avLst/>
-          </a:prstGeom>
-          <a:noFill/>
-        </p:spPr>
-        <p:txBody>
-          <a:bodyPr wrap="square" rtlCol="0">
-            <a:spAutoFit/>
-          </a:bodyPr>
-          <a:lstStyle/>
-          <a:p>
-            <a:r>
-              <a:rPr kumimoji="1" lang="en-US" altLang="ja-JP" sz="3200" dirty="0" smtClean="0"/>
-              <a:t>ID:</a:t>
-            </a:r>
-          </a:p>
-          <a:p>
-            <a:r>
-              <a:rPr lang="en-US" altLang="ja-JP" sz="3200" dirty="0" smtClean="0"/>
-              <a:t>PW:</a:t>
-            </a:r>
-            <a:endParaRPr kumimoji="1" lang="ja-JP" altLang="en-US" sz="3200" dirty="0"/>
-          </a:p>
-        </p:txBody>
-      </p:sp>
-      <p:sp>
-        <p:nvSpPr>
-          <p:cNvPr id="14" name="テキスト ボックス 13"/>
-          <p:cNvSpPr txBox="1"/>
-          <p:nvPr/>
-        </p:nvSpPr>
-        <p:spPr>
-          <a:xfrm>
-            <a:off x="2003739" y="3363802"/>
-            <a:ext cx="1683358" cy="369332"/>
+          <p:cNvPr id="3" name="正方形/長方形 2"/>
+          <p:cNvSpPr/>
+          <p:nvPr/>
+        </p:nvSpPr>
+        <p:spPr>
+          <a:xfrm>
+            <a:off x="353961" y="1442017"/>
+            <a:ext cx="5486399" cy="4472086"/>
           </a:xfrm>
           <a:prstGeom prst="rect">
             <a:avLst/>
@@ -6175,106 +6759,6 @@
           <a:ln>
             <a:solidFill>
               <a:schemeClr val="tx1"/>
-            </a:solidFill>
-          </a:ln>
-        </p:spPr>
-        <p:txBody>
-          <a:bodyPr wrap="square" rtlCol="0">
-            <a:spAutoFit/>
-          </a:bodyPr>
-          <a:lstStyle/>
-          <a:p>
-            <a:pPr algn="ctr"/>
-            <a:endParaRPr kumimoji="1" lang="ja-JP" altLang="en-US" dirty="0"/>
-          </a:p>
-        </p:txBody>
-      </p:sp>
-      <p:sp>
-        <p:nvSpPr>
-          <p:cNvPr id="15" name="テキスト ボックス 14"/>
-          <p:cNvSpPr txBox="1"/>
-          <p:nvPr/>
-        </p:nvSpPr>
-        <p:spPr>
-          <a:xfrm>
-            <a:off x="2003738" y="4425840"/>
-            <a:ext cx="1224116" cy="369332"/>
-          </a:xfrm>
-          <a:prstGeom prst="rect">
-            <a:avLst/>
-          </a:prstGeom>
-          <a:noFill/>
-          <a:ln>
-            <a:solidFill>
-              <a:schemeClr val="tx1"/>
-            </a:solidFill>
-          </a:ln>
-        </p:spPr>
-        <p:txBody>
-          <a:bodyPr wrap="square" rtlCol="0">
-            <a:spAutoFit/>
-          </a:bodyPr>
-          <a:lstStyle/>
-          <a:p>
-            <a:pPr algn="ctr"/>
-            <a:r>
-              <a:rPr kumimoji="1" lang="ja-JP" altLang="en-US" dirty="0" smtClean="0"/>
-              <a:t>送信</a:t>
-            </a:r>
-            <a:endParaRPr kumimoji="1" lang="ja-JP" altLang="en-US" dirty="0"/>
-          </a:p>
-        </p:txBody>
-      </p:sp>
-      <p:sp>
-        <p:nvSpPr>
-          <p:cNvPr id="17" name="テキスト ボックス 16"/>
-          <p:cNvSpPr txBox="1"/>
-          <p:nvPr/>
-        </p:nvSpPr>
-        <p:spPr>
-          <a:xfrm>
-            <a:off x="1786597" y="2052391"/>
-            <a:ext cx="1900500" cy="584775"/>
-          </a:xfrm>
-          <a:prstGeom prst="rect">
-            <a:avLst/>
-          </a:prstGeom>
-          <a:noFill/>
-        </p:spPr>
-        <p:txBody>
-          <a:bodyPr wrap="square" rtlCol="0">
-            <a:spAutoFit/>
-          </a:bodyPr>
-          <a:lstStyle/>
-          <a:p>
-            <a:r>
-              <a:rPr kumimoji="1" lang="ja-JP" altLang="en-US" sz="3200" dirty="0" smtClean="0"/>
-              <a:t>ログイン</a:t>
-            </a:r>
-            <a:endParaRPr kumimoji="1" lang="ja-JP" altLang="en-US" sz="3200" dirty="0"/>
-          </a:p>
-        </p:txBody>
-      </p:sp>
-      <p:sp>
-        <p:nvSpPr>
-          <p:cNvPr id="24" name="右矢印 23"/>
-          <p:cNvSpPr/>
-          <p:nvPr/>
-        </p:nvSpPr>
-        <p:spPr>
-          <a:xfrm>
-            <a:off x="5425362" y="3052179"/>
-            <a:ext cx="722671" cy="453970"/>
-          </a:xfrm>
-          <a:prstGeom prst="rightArrow">
-            <a:avLst/>
-          </a:prstGeom>
-          <a:solidFill>
-            <a:srgbClr val="00B050"/>
-          </a:solidFill>
-          <a:ln>
-            <a:solidFill>
-              <a:srgbClr val="00B050"/>
             </a:solidFill>
           </a:ln>
         </p:spPr>
@@ -6305,14 +6789,14 @@
       </p:sp>
       <p:sp>
         <p:nvSpPr>
-          <p:cNvPr id="25" name="テキスト ボックス 24"/>
+          <p:cNvPr id="5" name="テキスト ボックス 4"/>
           <p:cNvSpPr txBox="1"/>
           <p:nvPr/>
         </p:nvSpPr>
         <p:spPr>
           <a:xfrm>
-            <a:off x="5491543" y="1729923"/>
-            <a:ext cx="461665" cy="1549241"/>
+            <a:off x="237628" y="3185615"/>
+            <a:ext cx="2772696" cy="1569660"/>
           </a:xfrm>
           <a:prstGeom prst="rect">
             <a:avLst/>
@@ -6320,29 +6804,52 @@
           <a:noFill/>
         </p:spPr>
         <p:txBody>
-          <a:bodyPr vert="eaVert" wrap="square" rtlCol="0">
+          <a:bodyPr wrap="square" rtlCol="0">
             <a:spAutoFit/>
           </a:bodyPr>
           <a:lstStyle/>
           <a:p>
-            <a:r>
-              <a:rPr kumimoji="1" lang="ja-JP" altLang="en-US" dirty="0" smtClean="0"/>
-              <a:t>ログインミス</a:t>
-            </a:r>
-            <a:endParaRPr kumimoji="1" lang="ja-JP" altLang="en-US" dirty="0"/>
-          </a:p>
-        </p:txBody>
-      </p:sp>
-      <p:sp>
-        <p:nvSpPr>
-          <p:cNvPr id="26" name="正方形/長方形 25"/>
-          <p:cNvSpPr/>
-          <p:nvPr/>
-        </p:nvSpPr>
-        <p:spPr>
-          <a:xfrm>
-            <a:off x="6708475" y="1545257"/>
-            <a:ext cx="4763729" cy="3506454"/>
+            <a:pPr algn="r"/>
+            <a:r>
+              <a:rPr kumimoji="1" lang="ja-JP" altLang="en-US" sz="3200" dirty="0" smtClean="0"/>
+              <a:t>登録したい</a:t>
+            </a:r>
+            <a:r>
+              <a:rPr kumimoji="1" lang="en-US" altLang="ja-JP" sz="3200" dirty="0" smtClean="0"/>
+              <a:t>ID:</a:t>
+            </a:r>
+          </a:p>
+          <a:p>
+            <a:pPr algn="r"/>
+            <a:r>
+              <a:rPr lang="en-US" altLang="ja-JP" sz="3200" dirty="0" smtClean="0"/>
+              <a:t>PW:</a:t>
+            </a:r>
+          </a:p>
+          <a:p>
+            <a:pPr algn="r"/>
+            <a:r>
+              <a:rPr kumimoji="1" lang="ja-JP" altLang="en-US" sz="3200" dirty="0" smtClean="0"/>
+              <a:t>確認用</a:t>
+            </a:r>
+            <a:r>
+              <a:rPr kumimoji="1" lang="en-US" altLang="ja-JP" sz="3200" dirty="0" smtClean="0"/>
+              <a:t>PW:</a:t>
+            </a:r>
+            <a:endParaRPr kumimoji="1" lang="ja-JP" altLang="en-US" sz="3200" dirty="0"/>
+          </a:p>
+        </p:txBody>
+      </p:sp>
+      <p:sp>
+        <p:nvSpPr>
+          <p:cNvPr id="7" name="テキスト ボックス 6"/>
+          <p:cNvSpPr txBox="1"/>
+          <p:nvPr/>
+        </p:nvSpPr>
+        <p:spPr>
+          <a:xfrm>
+            <a:off x="1448016" y="5157093"/>
+            <a:ext cx="1224116" cy="369332"/>
           </a:xfrm>
           <a:prstGeom prst="rect">
             <a:avLst/>
@@ -6351,6 +6858,110 @@
           <a:ln>
             <a:solidFill>
               <a:schemeClr val="tx1"/>
+            </a:solidFill>
+          </a:ln>
+        </p:spPr>
+        <p:txBody>
+          <a:bodyPr wrap="square" rtlCol="0">
+            <a:spAutoFit/>
+          </a:bodyPr>
+          <a:lstStyle/>
+          <a:p>
+            <a:pPr algn="ctr"/>
+            <a:r>
+              <a:rPr kumimoji="1" lang="ja-JP" altLang="en-US" dirty="0" smtClean="0"/>
+              <a:t>送信</a:t>
+            </a:r>
+            <a:endParaRPr kumimoji="1" lang="ja-JP" altLang="en-US" dirty="0"/>
+          </a:p>
+        </p:txBody>
+      </p:sp>
+      <p:sp>
+        <p:nvSpPr>
+          <p:cNvPr id="8" name="テキスト ボックス 7"/>
+          <p:cNvSpPr txBox="1"/>
+          <p:nvPr/>
+        </p:nvSpPr>
+        <p:spPr>
+          <a:xfrm>
+            <a:off x="3150434" y="5157093"/>
+            <a:ext cx="1224116" cy="369332"/>
+          </a:xfrm>
+          <a:prstGeom prst="rect">
+            <a:avLst/>
+          </a:prstGeom>
+          <a:noFill/>
+          <a:ln>
+            <a:solidFill>
+              <a:schemeClr val="tx1"/>
+            </a:solidFill>
+          </a:ln>
+        </p:spPr>
+        <p:txBody>
+          <a:bodyPr wrap="square" rtlCol="0">
+            <a:spAutoFit/>
+          </a:bodyPr>
+          <a:lstStyle/>
+          <a:p>
+            <a:pPr algn="ctr"/>
+            <a:r>
+              <a:rPr lang="ja-JP" altLang="en-US" dirty="0"/>
+              <a:t>リセット</a:t>
+            </a:r>
+            <a:endParaRPr kumimoji="1" lang="ja-JP" altLang="en-US" dirty="0"/>
+          </a:p>
+        </p:txBody>
+      </p:sp>
+      <p:sp>
+        <p:nvSpPr>
+          <p:cNvPr id="9" name="テキスト ボックス 8"/>
+          <p:cNvSpPr txBox="1"/>
+          <p:nvPr/>
+        </p:nvSpPr>
+        <p:spPr>
+          <a:xfrm>
+            <a:off x="2060074" y="1713799"/>
+            <a:ext cx="1900500" cy="584775"/>
+          </a:xfrm>
+          <a:prstGeom prst="rect">
+            <a:avLst/>
+          </a:prstGeom>
+          <a:noFill/>
+        </p:spPr>
+        <p:txBody>
+          <a:bodyPr wrap="square" rtlCol="0">
+            <a:spAutoFit/>
+          </a:bodyPr>
+          <a:lstStyle/>
+          <a:p>
+            <a:r>
+              <a:rPr kumimoji="1" lang="ja-JP" altLang="en-US" sz="3200" dirty="0" smtClean="0"/>
+              <a:t>ログイン</a:t>
+            </a:r>
+            <a:endParaRPr kumimoji="1" lang="ja-JP" altLang="en-US" sz="3200" dirty="0"/>
+          </a:p>
+        </p:txBody>
+      </p:sp>
+      <p:sp>
+        <p:nvSpPr>
+          <p:cNvPr id="11" name="正方形/長方形 10"/>
+          <p:cNvSpPr/>
+          <p:nvPr/>
+        </p:nvSpPr>
+        <p:spPr>
+          <a:xfrm>
+            <a:off x="4999703" y="3331809"/>
+            <a:ext cx="383458" cy="369332"/>
+          </a:xfrm>
+          <a:prstGeom prst="rect">
+            <a:avLst/>
+          </a:prstGeom>
+          <a:solidFill>
+            <a:schemeClr val="accent2"/>
+          </a:solidFill>
+          <a:ln>
+            <a:solidFill>
+              <a:schemeClr val="accent2"/>
             </a:solidFill>
           </a:ln>
         </p:spPr>
@@ -6381,14 +6992,60 @@
       </p:sp>
       <p:sp>
         <p:nvSpPr>
-          <p:cNvPr id="27" name="テキスト ボックス 26"/>
+          <p:cNvPr id="12" name="テキスト ボックス 11"/>
           <p:cNvSpPr txBox="1"/>
           <p:nvPr/>
         </p:nvSpPr>
         <p:spPr>
           <a:xfrm>
-            <a:off x="8373000" y="2909832"/>
-            <a:ext cx="1683359" cy="369332"/>
+            <a:off x="728012" y="2503436"/>
+            <a:ext cx="4844843" cy="461665"/>
+          </a:xfrm>
+          <a:prstGeom prst="rect">
+            <a:avLst/>
+          </a:prstGeom>
+          <a:noFill/>
+        </p:spPr>
+        <p:txBody>
+          <a:bodyPr wrap="square" rtlCol="0">
+            <a:spAutoFit/>
+          </a:bodyPr>
+          <a:lstStyle/>
+          <a:p>
+            <a:r>
+              <a:rPr kumimoji="1" lang="en-US" altLang="ja-JP" sz="2400" dirty="0" smtClean="0">
+                <a:solidFill>
+                  <a:srgbClr val="FF0000"/>
+                </a:solidFill>
+              </a:rPr>
+              <a:t>PW</a:t>
+            </a:r>
+            <a:r>
+              <a:rPr kumimoji="1" lang="ja-JP" altLang="en-US" sz="2400" dirty="0" smtClean="0">
+                <a:solidFill>
+                  <a:srgbClr val="FF0000"/>
+                </a:solidFill>
+              </a:rPr>
+              <a:t>が一致していません。</a:t>
+            </a:r>
+            <a:endParaRPr kumimoji="1" lang="ja-JP" altLang="en-US" sz="2400" dirty="0">
+              <a:solidFill>
+                <a:srgbClr val="FF0000"/>
+              </a:solidFill>
+            </a:endParaRPr>
+          </a:p>
+        </p:txBody>
+      </p:sp>
+      <p:sp>
+        <p:nvSpPr>
+          <p:cNvPr id="23" name="テキスト ボックス 22"/>
+          <p:cNvSpPr txBox="1"/>
+          <p:nvPr/>
+        </p:nvSpPr>
+        <p:spPr>
+          <a:xfrm>
+            <a:off x="3081828" y="3328566"/>
+            <a:ext cx="1683358" cy="369332"/>
           </a:xfrm>
           <a:prstGeom prst="rect">
             <a:avLst/>
@@ -6407,8 +7064,8 @@
           <a:lstStyle/>
           <a:p>
             <a:r>
-              <a:rPr kumimoji="1" lang="en-US" altLang="ja-JP" dirty="0" smtClean="0"/>
-              <a:t>test</a:t>
+              <a:rPr kumimoji="1" lang="en-US" altLang="ja-JP" dirty="0" err="1" smtClean="0"/>
+              <a:t>hirose</a:t>
             </a:r>
             <a:endParaRPr kumimoji="1" lang="ja-JP" altLang="en-US" dirty="0"/>
           </a:p>
@@ -6416,49 +7073,13 @@
       </p:sp>
       <p:sp>
         <p:nvSpPr>
-          <p:cNvPr id="28" name="テキスト ボックス 27"/>
+          <p:cNvPr id="24" name="テキスト ボックス 23"/>
           <p:cNvSpPr txBox="1"/>
           <p:nvPr/>
         </p:nvSpPr>
         <p:spPr>
           <a:xfrm>
-            <a:off x="7422751" y="2755700"/>
-            <a:ext cx="2772696" cy="1077218"/>
-          </a:xfrm>
-          <a:prstGeom prst="rect">
-            <a:avLst/>
-          </a:prstGeom>
-          <a:noFill/>
-        </p:spPr>
-        <p:txBody>
-          <a:bodyPr wrap="square" rtlCol="0">
-            <a:spAutoFit/>
-          </a:bodyPr>
-          <a:lstStyle/>
-          <a:p>
-            <a:r>
-              <a:rPr kumimoji="1" lang="en-US" altLang="ja-JP" sz="3200" dirty="0" smtClean="0"/>
-              <a:t>ID:</a:t>
-            </a:r>
-          </a:p>
-          <a:p>
-            <a:r>
-              <a:rPr lang="en-US" altLang="ja-JP" sz="3200" dirty="0" smtClean="0"/>
-              <a:t>PW:</a:t>
-            </a:r>
-            <a:endParaRPr kumimoji="1" lang="ja-JP" altLang="en-US" sz="3200" dirty="0"/>
-          </a:p>
-        </p:txBody>
-      </p:sp>
-      <p:sp>
-        <p:nvSpPr>
-          <p:cNvPr id="29" name="テキスト ボックス 28"/>
-          <p:cNvSpPr txBox="1"/>
-          <p:nvPr/>
-        </p:nvSpPr>
-        <p:spPr>
-          <a:xfrm>
-            <a:off x="8373001" y="3363802"/>
+            <a:off x="3091619" y="3805617"/>
             <a:ext cx="1683358" cy="369332"/>
           </a:xfrm>
           <a:prstGeom prst="rect">
@@ -6478,7 +7099,7 @@
           <a:lstStyle/>
           <a:p>
             <a:r>
-              <a:rPr lang="en-US" altLang="ja-JP" dirty="0" smtClean="0"/>
+              <a:rPr kumimoji="1" lang="en-US" altLang="ja-JP" dirty="0" smtClean="0"/>
               <a:t>******</a:t>
             </a:r>
             <a:endParaRPr kumimoji="1" lang="ja-JP" altLang="en-US" dirty="0"/>
@@ -6487,14 +7108,14 @@
       </p:sp>
       <p:sp>
         <p:nvSpPr>
-          <p:cNvPr id="30" name="テキスト ボックス 29"/>
+          <p:cNvPr id="25" name="テキスト ボックス 24"/>
           <p:cNvSpPr txBox="1"/>
           <p:nvPr/>
         </p:nvSpPr>
         <p:spPr>
           <a:xfrm>
-            <a:off x="8373000" y="4428052"/>
-            <a:ext cx="1224116" cy="369332"/>
+            <a:off x="3087549" y="4306608"/>
+            <a:ext cx="1683358" cy="369332"/>
           </a:xfrm>
           <a:prstGeom prst="rect">
             <a:avLst/>
@@ -6512,102 +7133,97 @@
           </a:bodyPr>
           <a:lstStyle/>
           <a:p>
+            <a:r>
+              <a:rPr kumimoji="1" lang="en-US" altLang="ja-JP" dirty="0" smtClean="0"/>
+              <a:t>*****</a:t>
+            </a:r>
+            <a:endParaRPr kumimoji="1" lang="ja-JP" altLang="en-US" dirty="0"/>
+          </a:p>
+        </p:txBody>
+      </p:sp>
+    </p:spTree>
+    <p:extLst>
+      <p:ext uri="{BB962C8B-B14F-4D97-AF65-F5344CB8AC3E}">
+        <p14:creationId xmlns:p14="http://schemas.microsoft.com/office/powerpoint/2010/main" val="3235571568"/>
+      </p:ext>
+    </p:extLst>
+  </p:cSld>
+  <p:clrMapOvr>
+    <a:masterClrMapping/>
+  </p:clrMapOvr>
+</p:sld>
+</file>
+
+<file path=ppt/slides/slide5.xml><?xml version="1.0" encoding="utf-8"?>
+<p:sld xmlns:a="http://schemas.openxmlformats.org/drawingml/2006/main" xmlns:r="http://schemas.openxmlformats.org/officeDocument/2006/relationships" xmlns:p="http://schemas.openxmlformats.org/presentationml/2006/main">
+  <p:cSld>
+    <p:spTree>
+      <p:nvGrpSpPr>
+        <p:cNvPr id="1" name=""/>
+        <p:cNvGrpSpPr/>
+        <p:nvPr/>
+      </p:nvGrpSpPr>
+      <p:grpSpPr>
+        <a:xfrm>
+          <a:off x="0" y="0"/>
+          <a:ext cx="0" cy="0"/>
+          <a:chOff x="0" y="0"/>
+          <a:chExt cx="0" cy="0"/>
+        </a:xfrm>
+      </p:grpSpPr>
+      <p:sp>
+        <p:nvSpPr>
+          <p:cNvPr id="2" name="タイトル 1"/>
+          <p:cNvSpPr txBox="1">
+            <a:spLocks/>
+          </p:cNvSpPr>
+          <p:nvPr/>
+        </p:nvSpPr>
+        <p:spPr>
+          <a:xfrm>
+            <a:off x="1317938" y="103031"/>
+            <a:ext cx="9144000" cy="1088735"/>
+          </a:xfrm>
+          <a:prstGeom prst="rect">
+            <a:avLst/>
+          </a:prstGeom>
+        </p:spPr>
+        <p:txBody>
+          <a:bodyPr>
+            <a:normAutofit/>
+          </a:bodyPr>
+          <a:lstStyle>
+            <a:lvl1pPr algn="l" defTabSz="914400" rtl="0" eaLnBrk="1" latinLnBrk="0" hangingPunct="1">
+              <a:lnSpc>
+                <a:spcPct val="90000"/>
+              </a:lnSpc>
+              <a:spcBef>
+                <a:spcPct val="0"/>
+              </a:spcBef>
+              <a:buNone/>
+              <a:defRPr kumimoji="1" sz="4400" kern="1200">
+                <a:solidFill>
+                  <a:schemeClr val="tx1"/>
+                </a:solidFill>
+                <a:latin typeface="+mj-lt"/>
+                <a:ea typeface="+mj-ea"/>
+                <a:cs typeface="+mj-cs"/>
+              </a:defRPr>
+            </a:lvl1pPr>
+          </a:lstStyle>
+          <a:p>
             <a:pPr algn="ctr"/>
             <a:r>
-              <a:rPr kumimoji="1" lang="ja-JP" altLang="en-US" dirty="0" smtClean="0"/>
-              <a:t>送信</a:t>
-            </a:r>
-            <a:endParaRPr kumimoji="1" lang="ja-JP" altLang="en-US" dirty="0"/>
-          </a:p>
-        </p:txBody>
-      </p:sp>
-      <p:sp>
-        <p:nvSpPr>
-          <p:cNvPr id="32" name="テキスト ボックス 31"/>
-          <p:cNvSpPr txBox="1"/>
-          <p:nvPr/>
-        </p:nvSpPr>
-        <p:spPr>
-          <a:xfrm>
-            <a:off x="8155859" y="1729923"/>
-            <a:ext cx="1900500" cy="584775"/>
-          </a:xfrm>
-          <a:prstGeom prst="rect">
-            <a:avLst/>
-          </a:prstGeom>
-          <a:noFill/>
-        </p:spPr>
-        <p:txBody>
-          <a:bodyPr wrap="square" rtlCol="0">
-            <a:spAutoFit/>
-          </a:bodyPr>
-          <a:lstStyle/>
-          <a:p>
-            <a:r>
-              <a:rPr kumimoji="1" lang="ja-JP" altLang="en-US" sz="3200" dirty="0" smtClean="0"/>
-              <a:t>ログイン</a:t>
-            </a:r>
-            <a:endParaRPr kumimoji="1" lang="ja-JP" altLang="en-US" sz="3200" dirty="0"/>
-          </a:p>
-        </p:txBody>
-      </p:sp>
-      <p:sp>
-        <p:nvSpPr>
-          <p:cNvPr id="33" name="テキスト ボックス 32"/>
-          <p:cNvSpPr txBox="1"/>
-          <p:nvPr/>
-        </p:nvSpPr>
-        <p:spPr>
-          <a:xfrm>
-            <a:off x="7327909" y="2298857"/>
-            <a:ext cx="3394168" cy="369332"/>
-          </a:xfrm>
-          <a:prstGeom prst="rect">
-            <a:avLst/>
-          </a:prstGeom>
-          <a:noFill/>
-        </p:spPr>
-        <p:txBody>
-          <a:bodyPr wrap="square" rtlCol="0">
-            <a:spAutoFit/>
-          </a:bodyPr>
-          <a:lstStyle/>
-          <a:p>
-            <a:r>
-              <a:rPr kumimoji="1" lang="en-US" altLang="ja-JP" dirty="0" smtClean="0">
+              <a:rPr lang="ja-JP" altLang="en-US" sz="6000" b="1" dirty="0" smtClean="0">
                 <a:solidFill>
-                  <a:srgbClr val="FF0000"/>
+                  <a:srgbClr val="7030A0"/>
                 </a:solidFill>
               </a:rPr>
-              <a:t>ID</a:t>
-            </a:r>
-            <a:r>
-              <a:rPr kumimoji="1" lang="ja-JP" altLang="en-US" dirty="0" smtClean="0">
-                <a:solidFill>
-                  <a:srgbClr val="FF0000"/>
-                </a:solidFill>
-              </a:rPr>
-              <a:t>または</a:t>
-            </a:r>
-            <a:r>
-              <a:rPr kumimoji="1" lang="en-US" altLang="ja-JP" dirty="0" smtClean="0">
-                <a:solidFill>
-                  <a:srgbClr val="FF0000"/>
-                </a:solidFill>
-              </a:rPr>
-              <a:t>PW</a:t>
-            </a:r>
-            <a:r>
-              <a:rPr kumimoji="1" lang="ja-JP" altLang="en-US" dirty="0" smtClean="0">
-                <a:solidFill>
-                  <a:srgbClr val="FF0000"/>
-                </a:solidFill>
-              </a:rPr>
-              <a:t>が正しくありません。</a:t>
-            </a:r>
-            <a:endParaRPr kumimoji="1" lang="ja-JP" altLang="en-US" dirty="0">
+              <a:t>登録成功画面</a:t>
+            </a:r>
+            <a:endParaRPr lang="en-US" altLang="ja-JP" sz="6000" b="1" smtClean="0">
               <a:solidFill>
-                <a:srgbClr val="FF0000"/>
+                <a:srgbClr val="7030A0"/>
               </a:solidFill>
             </a:endParaRPr>
           </a:p>
@@ -6615,24 +7231,22 @@
       </p:sp>
       <p:sp>
         <p:nvSpPr>
-          <p:cNvPr id="34" name="右矢印 33"/>
+          <p:cNvPr id="3" name="正方形/長方形 2"/>
           <p:cNvSpPr/>
           <p:nvPr/>
         </p:nvSpPr>
         <p:spPr>
-          <a:xfrm rot="2332191">
-            <a:off x="5330037" y="5228208"/>
-            <a:ext cx="722671" cy="453970"/>
-          </a:xfrm>
-          <a:prstGeom prst="rightArrow">
-            <a:avLst/>
-          </a:prstGeom>
-          <a:solidFill>
-            <a:srgbClr val="00B050"/>
-          </a:solidFill>
+          <a:xfrm>
+            <a:off x="1317938" y="1677991"/>
+            <a:ext cx="5486399" cy="4059132"/>
+          </a:xfrm>
+          <a:prstGeom prst="rect">
+            <a:avLst/>
+          </a:prstGeom>
+          <a:noFill/>
           <a:ln>
             <a:solidFill>
-              <a:srgbClr val="00B050"/>
+              <a:schemeClr val="tx1"/>
             </a:solidFill>
           </a:ln>
         </p:spPr>
@@ -6663,45 +7277,14 @@
       </p:sp>
       <p:sp>
         <p:nvSpPr>
-          <p:cNvPr id="35" name="テキスト ボックス 34"/>
+          <p:cNvPr id="4" name="テキスト ボックス 3"/>
           <p:cNvSpPr txBox="1"/>
           <p:nvPr/>
         </p:nvSpPr>
         <p:spPr>
           <a:xfrm>
-            <a:off x="5579027" y="4329489"/>
-            <a:ext cx="738664" cy="1047236"/>
-          </a:xfrm>
-          <a:prstGeom prst="rect">
-            <a:avLst/>
-          </a:prstGeom>
-          <a:noFill/>
-        </p:spPr>
-        <p:txBody>
-          <a:bodyPr vert="eaVert" wrap="square" rtlCol="0">
-            <a:spAutoFit/>
-          </a:bodyPr>
-          <a:lstStyle/>
-          <a:p>
-            <a:pPr algn="ctr"/>
-            <a:r>
-              <a:rPr kumimoji="1" lang="ja-JP" altLang="en-US" dirty="0" smtClean="0"/>
-              <a:t>ログイン成功</a:t>
-            </a:r>
-            <a:endParaRPr kumimoji="1" lang="ja-JP" altLang="en-US" dirty="0"/>
-          </a:p>
-        </p:txBody>
-      </p:sp>
-      <p:sp>
-        <p:nvSpPr>
-          <p:cNvPr id="36" name="テキスト ボックス 35"/>
-          <p:cNvSpPr txBox="1"/>
-          <p:nvPr/>
-        </p:nvSpPr>
-        <p:spPr>
-          <a:xfrm>
-            <a:off x="5948359" y="5796196"/>
-            <a:ext cx="3486056" cy="369332"/>
+            <a:off x="2689538" y="2677143"/>
+            <a:ext cx="3067664" cy="369332"/>
           </a:xfrm>
           <a:prstGeom prst="rect">
             <a:avLst/>
@@ -6716,7 +7299,7 @@
           <a:p>
             <a:r>
               <a:rPr kumimoji="1" lang="ja-JP" altLang="en-US" dirty="0" smtClean="0"/>
-              <a:t>ログイン状態のトップページを表示</a:t>
+              <a:t>会員登録を完了しました。</a:t>
             </a:r>
             <a:endParaRPr kumimoji="1" lang="ja-JP" altLang="en-US" dirty="0"/>
           </a:p>
@@ -6724,14 +7307,159 @@
       </p:sp>
       <p:sp>
         <p:nvSpPr>
-          <p:cNvPr id="63" name="正方形/長方形 62"/>
+          <p:cNvPr id="5" name="テキスト ボックス 4"/>
+          <p:cNvSpPr txBox="1"/>
+          <p:nvPr/>
+        </p:nvSpPr>
+        <p:spPr>
+          <a:xfrm>
+            <a:off x="2932885" y="3522891"/>
+            <a:ext cx="2256503" cy="369332"/>
+          </a:xfrm>
+          <a:prstGeom prst="rect">
+            <a:avLst/>
+          </a:prstGeom>
+          <a:noFill/>
+          <a:ln>
+            <a:solidFill>
+              <a:schemeClr val="tx1"/>
+            </a:solidFill>
+          </a:ln>
+        </p:spPr>
+        <p:txBody>
+          <a:bodyPr wrap="square" rtlCol="0">
+            <a:spAutoFit/>
+          </a:bodyPr>
+          <a:lstStyle/>
+          <a:p>
+            <a:pPr algn="ctr"/>
+            <a:r>
+              <a:rPr kumimoji="1" lang="ja-JP" altLang="en-US" dirty="0" smtClean="0"/>
+              <a:t>ログイン画面へ</a:t>
+            </a:r>
+            <a:endParaRPr kumimoji="1" lang="ja-JP" altLang="en-US" dirty="0"/>
+          </a:p>
+        </p:txBody>
+      </p:sp>
+      <p:cxnSp>
+        <p:nvCxnSpPr>
+          <p:cNvPr id="7" name="直線矢印コネクタ 6"/>
+          <p:cNvCxnSpPr/>
+          <p:nvPr/>
+        </p:nvCxnSpPr>
+        <p:spPr>
+          <a:xfrm flipH="1" flipV="1">
+            <a:off x="5329499" y="3687096"/>
+            <a:ext cx="1637071" cy="14748"/>
+          </a:xfrm>
+          <a:prstGeom prst="straightConnector1">
+            <a:avLst/>
+          </a:prstGeom>
+          <a:ln w="25400">
+            <a:tailEnd type="triangle"/>
+          </a:ln>
+        </p:spPr>
+        <p:style>
+          <a:lnRef idx="1">
+            <a:schemeClr val="accent1"/>
+          </a:lnRef>
+          <a:fillRef idx="0">
+            <a:schemeClr val="accent1"/>
+          </a:fillRef>
+          <a:effectRef idx="0">
+            <a:schemeClr val="accent1"/>
+          </a:effectRef>
+          <a:fontRef idx="minor">
+            <a:schemeClr val="tx1"/>
+          </a:fontRef>
+        </p:style>
+      </p:cxnSp>
+      <p:sp>
+        <p:nvSpPr>
+          <p:cNvPr id="9" name="テキスト ボックス 8"/>
+          <p:cNvSpPr txBox="1"/>
+          <p:nvPr/>
+        </p:nvSpPr>
+        <p:spPr>
+          <a:xfrm>
+            <a:off x="6966569" y="3046475"/>
+            <a:ext cx="4197959" cy="923330"/>
+          </a:xfrm>
+          <a:prstGeom prst="rect">
+            <a:avLst/>
+          </a:prstGeom>
+          <a:noFill/>
+        </p:spPr>
+        <p:txBody>
+          <a:bodyPr wrap="square" rtlCol="0">
+            <a:spAutoFit/>
+          </a:bodyPr>
+          <a:lstStyle/>
+          <a:p>
+            <a:r>
+              <a:rPr lang="ja-JP" altLang="en-US" dirty="0" smtClean="0"/>
+              <a:t>ログイン画面にいけば</a:t>
+            </a:r>
+            <a:r>
+              <a:rPr lang="en-US" altLang="ja-JP" dirty="0" smtClean="0"/>
+              <a:t>1</a:t>
+            </a:r>
+            <a:r>
+              <a:rPr lang="ja-JP" altLang="en-US" dirty="0" smtClean="0"/>
+              <a:t>週間自動ログインさせるとか、そういった設定も行えるため、</a:t>
+            </a:r>
+            <a:r>
+              <a:rPr lang="en-US" altLang="ja-JP" smtClean="0"/>
+              <a:t>TOP</a:t>
+            </a:r>
+            <a:r>
+              <a:rPr lang="ja-JP" altLang="en-US" dirty="0" smtClean="0"/>
+              <a:t>に行かずログイン画面に行かせる。</a:t>
+            </a:r>
+            <a:endParaRPr kumimoji="1" lang="ja-JP" altLang="en-US" dirty="0"/>
+          </a:p>
+        </p:txBody>
+      </p:sp>
+    </p:spTree>
+    <p:extLst>
+      <p:ext uri="{BB962C8B-B14F-4D97-AF65-F5344CB8AC3E}">
+        <p14:creationId xmlns:p14="http://schemas.microsoft.com/office/powerpoint/2010/main" val="172936178"/>
+      </p:ext>
+    </p:extLst>
+  </p:cSld>
+  <p:clrMapOvr>
+    <a:masterClrMapping/>
+  </p:clrMapOvr>
+</p:sld>
+</file>
+
+<file path=ppt/slides/slide6.xml><?xml version="1.0" encoding="utf-8"?>
+<p:sld xmlns:a="http://schemas.openxmlformats.org/drawingml/2006/main" xmlns:r="http://schemas.openxmlformats.org/officeDocument/2006/relationships" xmlns:p="http://schemas.openxmlformats.org/presentationml/2006/main">
+  <p:cSld>
+    <p:spTree>
+      <p:nvGrpSpPr>
+        <p:cNvPr id="1" name=""/>
+        <p:cNvGrpSpPr/>
+        <p:nvPr/>
+      </p:nvGrpSpPr>
+      <p:grpSpPr>
+        <a:xfrm>
+          <a:off x="0" y="0"/>
+          <a:ext cx="0" cy="0"/>
+          <a:chOff x="0" y="0"/>
+          <a:chExt cx="0" cy="0"/>
+        </a:xfrm>
+      </p:grpSpPr>
+      <p:sp>
+        <p:nvSpPr>
+          <p:cNvPr id="3" name="正方形/長方形 2"/>
           <p:cNvSpPr/>
           <p:nvPr/>
         </p:nvSpPr>
         <p:spPr>
           <a:xfrm>
-            <a:off x="1219647" y="4020811"/>
-            <a:ext cx="221224" cy="233841"/>
+            <a:off x="339213" y="1545257"/>
+            <a:ext cx="4763729" cy="3506454"/>
           </a:xfrm>
           <a:prstGeom prst="rect">
             <a:avLst/>
@@ -6770,48 +7498,14 @@
       </p:sp>
       <p:sp>
         <p:nvSpPr>
-          <p:cNvPr id="64" name="テキスト ボックス 63"/>
+          <p:cNvPr id="5" name="テキスト ボックス 4"/>
           <p:cNvSpPr txBox="1"/>
           <p:nvPr/>
         </p:nvSpPr>
         <p:spPr>
           <a:xfrm>
-            <a:off x="1518062" y="3966967"/>
-            <a:ext cx="2654710" cy="369332"/>
-          </a:xfrm>
-          <a:prstGeom prst="rect">
-            <a:avLst/>
-          </a:prstGeom>
-          <a:noFill/>
-        </p:spPr>
-        <p:txBody>
-          <a:bodyPr wrap="square" rtlCol="0">
-            <a:spAutoFit/>
-          </a:bodyPr>
-          <a:lstStyle/>
-          <a:p>
-            <a:r>
-              <a:rPr kumimoji="1" lang="en-US" altLang="ja-JP" dirty="0" smtClean="0"/>
-              <a:t>1</a:t>
-            </a:r>
-            <a:r>
-              <a:rPr kumimoji="1" lang="ja-JP" altLang="en-US" dirty="0" smtClean="0"/>
-              <a:t>週間ログイン状態にする</a:t>
-            </a:r>
-            <a:endParaRPr kumimoji="1" lang="ja-JP" altLang="en-US" dirty="0"/>
-          </a:p>
-        </p:txBody>
-      </p:sp>
-      <p:sp>
-        <p:nvSpPr>
-          <p:cNvPr id="65" name="正方形/長方形 64"/>
-          <p:cNvSpPr/>
-          <p:nvPr/>
-        </p:nvSpPr>
-        <p:spPr>
-          <a:xfrm>
-            <a:off x="7624809" y="4055587"/>
-            <a:ext cx="221224" cy="233841"/>
+            <a:off x="2003738" y="2909832"/>
+            <a:ext cx="1683359" cy="369332"/>
           </a:xfrm>
           <a:prstGeom prst="rect">
             <a:avLst/>
@@ -6820,6 +7514,232 @@
           <a:ln>
             <a:solidFill>
               <a:schemeClr val="tx1"/>
+            </a:solidFill>
+          </a:ln>
+        </p:spPr>
+        <p:txBody>
+          <a:bodyPr wrap="square" rtlCol="0">
+            <a:spAutoFit/>
+          </a:bodyPr>
+          <a:lstStyle/>
+          <a:p>
+            <a:pPr algn="ctr"/>
+            <a:endParaRPr kumimoji="1" lang="ja-JP" altLang="en-US" dirty="0"/>
+          </a:p>
+        </p:txBody>
+      </p:sp>
+      <p:sp>
+        <p:nvSpPr>
+          <p:cNvPr id="12" name="タイトル 1"/>
+          <p:cNvSpPr txBox="1">
+            <a:spLocks/>
+          </p:cNvSpPr>
+          <p:nvPr/>
+        </p:nvSpPr>
+        <p:spPr>
+          <a:xfrm>
+            <a:off x="1317938" y="103031"/>
+            <a:ext cx="9144000" cy="1088735"/>
+          </a:xfrm>
+          <a:prstGeom prst="rect">
+            <a:avLst/>
+          </a:prstGeom>
+        </p:spPr>
+        <p:txBody>
+          <a:bodyPr>
+            <a:normAutofit/>
+          </a:bodyPr>
+          <a:lstStyle>
+            <a:lvl1pPr algn="l" defTabSz="914400" rtl="0" eaLnBrk="1" latinLnBrk="0" hangingPunct="1">
+              <a:lnSpc>
+                <a:spcPct val="90000"/>
+              </a:lnSpc>
+              <a:spcBef>
+                <a:spcPct val="0"/>
+              </a:spcBef>
+              <a:buNone/>
+              <a:defRPr kumimoji="1" sz="4400" kern="1200">
+                <a:solidFill>
+                  <a:schemeClr val="tx1"/>
+                </a:solidFill>
+                <a:latin typeface="+mj-lt"/>
+                <a:ea typeface="+mj-ea"/>
+                <a:cs typeface="+mj-cs"/>
+              </a:defRPr>
+            </a:lvl1pPr>
+          </a:lstStyle>
+          <a:p>
+            <a:pPr algn="ctr"/>
+            <a:r>
+              <a:rPr lang="ja-JP" altLang="en-US" sz="6000" b="1" dirty="0" smtClean="0">
+                <a:solidFill>
+                  <a:srgbClr val="7030A0"/>
+                </a:solidFill>
+              </a:rPr>
+              <a:t>ログイン画面</a:t>
+            </a:r>
+            <a:endParaRPr lang="ja-JP" altLang="en-US" sz="6000" b="1" dirty="0">
+              <a:solidFill>
+                <a:srgbClr val="7030A0"/>
+              </a:solidFill>
+            </a:endParaRPr>
+          </a:p>
+        </p:txBody>
+      </p:sp>
+      <p:sp>
+        <p:nvSpPr>
+          <p:cNvPr id="13" name="テキスト ボックス 12"/>
+          <p:cNvSpPr txBox="1"/>
+          <p:nvPr/>
+        </p:nvSpPr>
+        <p:spPr>
+          <a:xfrm>
+            <a:off x="958647" y="2755700"/>
+            <a:ext cx="2772696" cy="1077218"/>
+          </a:xfrm>
+          <a:prstGeom prst="rect">
+            <a:avLst/>
+          </a:prstGeom>
+          <a:noFill/>
+        </p:spPr>
+        <p:txBody>
+          <a:bodyPr wrap="square" rtlCol="0">
+            <a:spAutoFit/>
+          </a:bodyPr>
+          <a:lstStyle/>
+          <a:p>
+            <a:r>
+              <a:rPr kumimoji="1" lang="en-US" altLang="ja-JP" sz="3200" dirty="0" smtClean="0"/>
+              <a:t>ID:</a:t>
+            </a:r>
+          </a:p>
+          <a:p>
+            <a:r>
+              <a:rPr lang="en-US" altLang="ja-JP" sz="3200" dirty="0" smtClean="0"/>
+              <a:t>PW:</a:t>
+            </a:r>
+            <a:endParaRPr kumimoji="1" lang="ja-JP" altLang="en-US" sz="3200" dirty="0"/>
+          </a:p>
+        </p:txBody>
+      </p:sp>
+      <p:sp>
+        <p:nvSpPr>
+          <p:cNvPr id="14" name="テキスト ボックス 13"/>
+          <p:cNvSpPr txBox="1"/>
+          <p:nvPr/>
+        </p:nvSpPr>
+        <p:spPr>
+          <a:xfrm>
+            <a:off x="2003739" y="3363802"/>
+            <a:ext cx="1683358" cy="369332"/>
+          </a:xfrm>
+          <a:prstGeom prst="rect">
+            <a:avLst/>
+          </a:prstGeom>
+          <a:noFill/>
+          <a:ln>
+            <a:solidFill>
+              <a:schemeClr val="tx1"/>
+            </a:solidFill>
+          </a:ln>
+        </p:spPr>
+        <p:txBody>
+          <a:bodyPr wrap="square" rtlCol="0">
+            <a:spAutoFit/>
+          </a:bodyPr>
+          <a:lstStyle/>
+          <a:p>
+            <a:pPr algn="ctr"/>
+            <a:endParaRPr kumimoji="1" lang="ja-JP" altLang="en-US" dirty="0"/>
+          </a:p>
+        </p:txBody>
+      </p:sp>
+      <p:sp>
+        <p:nvSpPr>
+          <p:cNvPr id="15" name="テキスト ボックス 14"/>
+          <p:cNvSpPr txBox="1"/>
+          <p:nvPr/>
+        </p:nvSpPr>
+        <p:spPr>
+          <a:xfrm>
+            <a:off x="2003738" y="4425840"/>
+            <a:ext cx="1224116" cy="369332"/>
+          </a:xfrm>
+          <a:prstGeom prst="rect">
+            <a:avLst/>
+          </a:prstGeom>
+          <a:noFill/>
+          <a:ln>
+            <a:solidFill>
+              <a:schemeClr val="tx1"/>
+            </a:solidFill>
+          </a:ln>
+        </p:spPr>
+        <p:txBody>
+          <a:bodyPr wrap="square" rtlCol="0">
+            <a:spAutoFit/>
+          </a:bodyPr>
+          <a:lstStyle/>
+          <a:p>
+            <a:pPr algn="ctr"/>
+            <a:r>
+              <a:rPr kumimoji="1" lang="ja-JP" altLang="en-US" dirty="0" smtClean="0"/>
+              <a:t>送信</a:t>
+            </a:r>
+            <a:endParaRPr kumimoji="1" lang="ja-JP" altLang="en-US" dirty="0"/>
+          </a:p>
+        </p:txBody>
+      </p:sp>
+      <p:sp>
+        <p:nvSpPr>
+          <p:cNvPr id="17" name="テキスト ボックス 16"/>
+          <p:cNvSpPr txBox="1"/>
+          <p:nvPr/>
+        </p:nvSpPr>
+        <p:spPr>
+          <a:xfrm>
+            <a:off x="1786597" y="2052391"/>
+            <a:ext cx="1900500" cy="584775"/>
+          </a:xfrm>
+          <a:prstGeom prst="rect">
+            <a:avLst/>
+          </a:prstGeom>
+          <a:noFill/>
+        </p:spPr>
+        <p:txBody>
+          <a:bodyPr wrap="square" rtlCol="0">
+            <a:spAutoFit/>
+          </a:bodyPr>
+          <a:lstStyle/>
+          <a:p>
+            <a:r>
+              <a:rPr kumimoji="1" lang="ja-JP" altLang="en-US" sz="3200" dirty="0" smtClean="0"/>
+              <a:t>ログイン</a:t>
+            </a:r>
+            <a:endParaRPr kumimoji="1" lang="ja-JP" altLang="en-US" sz="3200" dirty="0"/>
+          </a:p>
+        </p:txBody>
+      </p:sp>
+      <p:sp>
+        <p:nvSpPr>
+          <p:cNvPr id="24" name="右矢印 23"/>
+          <p:cNvSpPr/>
+          <p:nvPr/>
+        </p:nvSpPr>
+        <p:spPr>
+          <a:xfrm>
+            <a:off x="5425362" y="3052179"/>
+            <a:ext cx="722671" cy="453970"/>
+          </a:xfrm>
+          <a:prstGeom prst="rightArrow">
+            <a:avLst/>
+          </a:prstGeom>
+          <a:solidFill>
+            <a:srgbClr val="00B050"/>
+          </a:solidFill>
+          <a:ln>
+            <a:solidFill>
+              <a:srgbClr val="00B050"/>
             </a:solidFill>
           </a:ln>
         </p:spPr>
@@ -6850,6 +7770,551 @@
       </p:sp>
       <p:sp>
         <p:nvSpPr>
+          <p:cNvPr id="25" name="テキスト ボックス 24"/>
+          <p:cNvSpPr txBox="1"/>
+          <p:nvPr/>
+        </p:nvSpPr>
+        <p:spPr>
+          <a:xfrm>
+            <a:off x="5491543" y="1729923"/>
+            <a:ext cx="461665" cy="1549241"/>
+          </a:xfrm>
+          <a:prstGeom prst="rect">
+            <a:avLst/>
+          </a:prstGeom>
+          <a:noFill/>
+        </p:spPr>
+        <p:txBody>
+          <a:bodyPr vert="eaVert" wrap="square" rtlCol="0">
+            <a:spAutoFit/>
+          </a:bodyPr>
+          <a:lstStyle/>
+          <a:p>
+            <a:r>
+              <a:rPr kumimoji="1" lang="ja-JP" altLang="en-US" dirty="0" smtClean="0"/>
+              <a:t>ログインミス</a:t>
+            </a:r>
+            <a:endParaRPr kumimoji="1" lang="ja-JP" altLang="en-US" dirty="0"/>
+          </a:p>
+        </p:txBody>
+      </p:sp>
+      <p:sp>
+        <p:nvSpPr>
+          <p:cNvPr id="26" name="正方形/長方形 25"/>
+          <p:cNvSpPr/>
+          <p:nvPr/>
+        </p:nvSpPr>
+        <p:spPr>
+          <a:xfrm>
+            <a:off x="6708475" y="1545257"/>
+            <a:ext cx="4763729" cy="3506454"/>
+          </a:xfrm>
+          <a:prstGeom prst="rect">
+            <a:avLst/>
+          </a:prstGeom>
+          <a:noFill/>
+          <a:ln>
+            <a:solidFill>
+              <a:schemeClr val="tx1"/>
+            </a:solidFill>
+          </a:ln>
+        </p:spPr>
+        <p:style>
+          <a:lnRef idx="2">
+            <a:schemeClr val="accent1">
+              <a:shade val="50000"/>
+            </a:schemeClr>
+          </a:lnRef>
+          <a:fillRef idx="1">
+            <a:schemeClr val="accent1"/>
+          </a:fillRef>
+          <a:effectRef idx="0">
+            <a:schemeClr val="accent1"/>
+          </a:effectRef>
+          <a:fontRef idx="minor">
+            <a:schemeClr val="lt1"/>
+          </a:fontRef>
+        </p:style>
+        <p:txBody>
+          <a:bodyPr rtlCol="0" anchor="ctr"/>
+          <a:lstStyle/>
+          <a:p>
+            <a:pPr algn="ctr"/>
+            <a:endParaRPr kumimoji="1" lang="ja-JP" altLang="en-US"/>
+          </a:p>
+        </p:txBody>
+      </p:sp>
+      <p:sp>
+        <p:nvSpPr>
+          <p:cNvPr id="27" name="テキスト ボックス 26"/>
+          <p:cNvSpPr txBox="1"/>
+          <p:nvPr/>
+        </p:nvSpPr>
+        <p:spPr>
+          <a:xfrm>
+            <a:off x="8373000" y="2909832"/>
+            <a:ext cx="1683359" cy="369332"/>
+          </a:xfrm>
+          <a:prstGeom prst="rect">
+            <a:avLst/>
+          </a:prstGeom>
+          <a:noFill/>
+          <a:ln>
+            <a:solidFill>
+              <a:schemeClr val="tx1"/>
+            </a:solidFill>
+          </a:ln>
+        </p:spPr>
+        <p:txBody>
+          <a:bodyPr wrap="square" rtlCol="0">
+            <a:spAutoFit/>
+          </a:bodyPr>
+          <a:lstStyle/>
+          <a:p>
+            <a:r>
+              <a:rPr kumimoji="1" lang="en-US" altLang="ja-JP" dirty="0" smtClean="0"/>
+              <a:t>test</a:t>
+            </a:r>
+            <a:endParaRPr kumimoji="1" lang="ja-JP" altLang="en-US" dirty="0"/>
+          </a:p>
+        </p:txBody>
+      </p:sp>
+      <p:sp>
+        <p:nvSpPr>
+          <p:cNvPr id="28" name="テキスト ボックス 27"/>
+          <p:cNvSpPr txBox="1"/>
+          <p:nvPr/>
+        </p:nvSpPr>
+        <p:spPr>
+          <a:xfrm>
+            <a:off x="7422751" y="2755700"/>
+            <a:ext cx="2772696" cy="1077218"/>
+          </a:xfrm>
+          <a:prstGeom prst="rect">
+            <a:avLst/>
+          </a:prstGeom>
+          <a:noFill/>
+        </p:spPr>
+        <p:txBody>
+          <a:bodyPr wrap="square" rtlCol="0">
+            <a:spAutoFit/>
+          </a:bodyPr>
+          <a:lstStyle/>
+          <a:p>
+            <a:r>
+              <a:rPr kumimoji="1" lang="en-US" altLang="ja-JP" sz="3200" dirty="0" smtClean="0"/>
+              <a:t>ID:</a:t>
+            </a:r>
+          </a:p>
+          <a:p>
+            <a:r>
+              <a:rPr lang="en-US" altLang="ja-JP" sz="3200" dirty="0" smtClean="0"/>
+              <a:t>PW:</a:t>
+            </a:r>
+            <a:endParaRPr kumimoji="1" lang="ja-JP" altLang="en-US" sz="3200" dirty="0"/>
+          </a:p>
+        </p:txBody>
+      </p:sp>
+      <p:sp>
+        <p:nvSpPr>
+          <p:cNvPr id="29" name="テキスト ボックス 28"/>
+          <p:cNvSpPr txBox="1"/>
+          <p:nvPr/>
+        </p:nvSpPr>
+        <p:spPr>
+          <a:xfrm>
+            <a:off x="8373001" y="3363802"/>
+            <a:ext cx="1683358" cy="369332"/>
+          </a:xfrm>
+          <a:prstGeom prst="rect">
+            <a:avLst/>
+          </a:prstGeom>
+          <a:noFill/>
+          <a:ln>
+            <a:solidFill>
+              <a:schemeClr val="tx1"/>
+            </a:solidFill>
+          </a:ln>
+        </p:spPr>
+        <p:txBody>
+          <a:bodyPr wrap="square" rtlCol="0">
+            <a:spAutoFit/>
+          </a:bodyPr>
+          <a:lstStyle/>
+          <a:p>
+            <a:r>
+              <a:rPr lang="en-US" altLang="ja-JP" dirty="0" smtClean="0"/>
+              <a:t>******</a:t>
+            </a:r>
+            <a:endParaRPr kumimoji="1" lang="ja-JP" altLang="en-US" dirty="0"/>
+          </a:p>
+        </p:txBody>
+      </p:sp>
+      <p:sp>
+        <p:nvSpPr>
+          <p:cNvPr id="30" name="テキスト ボックス 29"/>
+          <p:cNvSpPr txBox="1"/>
+          <p:nvPr/>
+        </p:nvSpPr>
+        <p:spPr>
+          <a:xfrm>
+            <a:off x="8373000" y="4428052"/>
+            <a:ext cx="1224116" cy="369332"/>
+          </a:xfrm>
+          <a:prstGeom prst="rect">
+            <a:avLst/>
+          </a:prstGeom>
+          <a:noFill/>
+          <a:ln>
+            <a:solidFill>
+              <a:schemeClr val="tx1"/>
+            </a:solidFill>
+          </a:ln>
+        </p:spPr>
+        <p:txBody>
+          <a:bodyPr wrap="square" rtlCol="0">
+            <a:spAutoFit/>
+          </a:bodyPr>
+          <a:lstStyle/>
+          <a:p>
+            <a:pPr algn="ctr"/>
+            <a:r>
+              <a:rPr kumimoji="1" lang="ja-JP" altLang="en-US" dirty="0" smtClean="0"/>
+              <a:t>送信</a:t>
+            </a:r>
+            <a:endParaRPr kumimoji="1" lang="ja-JP" altLang="en-US" dirty="0"/>
+          </a:p>
+        </p:txBody>
+      </p:sp>
+      <p:sp>
+        <p:nvSpPr>
+          <p:cNvPr id="32" name="テキスト ボックス 31"/>
+          <p:cNvSpPr txBox="1"/>
+          <p:nvPr/>
+        </p:nvSpPr>
+        <p:spPr>
+          <a:xfrm>
+            <a:off x="8155859" y="1729923"/>
+            <a:ext cx="1900500" cy="584775"/>
+          </a:xfrm>
+          <a:prstGeom prst="rect">
+            <a:avLst/>
+          </a:prstGeom>
+          <a:noFill/>
+        </p:spPr>
+        <p:txBody>
+          <a:bodyPr wrap="square" rtlCol="0">
+            <a:spAutoFit/>
+          </a:bodyPr>
+          <a:lstStyle/>
+          <a:p>
+            <a:r>
+              <a:rPr kumimoji="1" lang="ja-JP" altLang="en-US" sz="3200" dirty="0" smtClean="0"/>
+              <a:t>ログイン</a:t>
+            </a:r>
+            <a:endParaRPr kumimoji="1" lang="ja-JP" altLang="en-US" sz="3200" dirty="0"/>
+          </a:p>
+        </p:txBody>
+      </p:sp>
+      <p:sp>
+        <p:nvSpPr>
+          <p:cNvPr id="33" name="テキスト ボックス 32"/>
+          <p:cNvSpPr txBox="1"/>
+          <p:nvPr/>
+        </p:nvSpPr>
+        <p:spPr>
+          <a:xfrm>
+            <a:off x="7327909" y="2298857"/>
+            <a:ext cx="3394168" cy="369332"/>
+          </a:xfrm>
+          <a:prstGeom prst="rect">
+            <a:avLst/>
+          </a:prstGeom>
+          <a:noFill/>
+        </p:spPr>
+        <p:txBody>
+          <a:bodyPr wrap="square" rtlCol="0">
+            <a:spAutoFit/>
+          </a:bodyPr>
+          <a:lstStyle/>
+          <a:p>
+            <a:r>
+              <a:rPr kumimoji="1" lang="en-US" altLang="ja-JP" dirty="0" smtClean="0">
+                <a:solidFill>
+                  <a:srgbClr val="FF0000"/>
+                </a:solidFill>
+              </a:rPr>
+              <a:t>ID</a:t>
+            </a:r>
+            <a:r>
+              <a:rPr kumimoji="1" lang="ja-JP" altLang="en-US" dirty="0" smtClean="0">
+                <a:solidFill>
+                  <a:srgbClr val="FF0000"/>
+                </a:solidFill>
+              </a:rPr>
+              <a:t>または</a:t>
+            </a:r>
+            <a:r>
+              <a:rPr kumimoji="1" lang="en-US" altLang="ja-JP" dirty="0" smtClean="0">
+                <a:solidFill>
+                  <a:srgbClr val="FF0000"/>
+                </a:solidFill>
+              </a:rPr>
+              <a:t>PW</a:t>
+            </a:r>
+            <a:r>
+              <a:rPr kumimoji="1" lang="ja-JP" altLang="en-US" dirty="0" smtClean="0">
+                <a:solidFill>
+                  <a:srgbClr val="FF0000"/>
+                </a:solidFill>
+              </a:rPr>
+              <a:t>が正しくありません。</a:t>
+            </a:r>
+            <a:endParaRPr kumimoji="1" lang="ja-JP" altLang="en-US" dirty="0">
+              <a:solidFill>
+                <a:srgbClr val="FF0000"/>
+              </a:solidFill>
+            </a:endParaRPr>
+          </a:p>
+        </p:txBody>
+      </p:sp>
+      <p:sp>
+        <p:nvSpPr>
+          <p:cNvPr id="34" name="右矢印 33"/>
+          <p:cNvSpPr/>
+          <p:nvPr/>
+        </p:nvSpPr>
+        <p:spPr>
+          <a:xfrm rot="2332191">
+            <a:off x="5330037" y="5228208"/>
+            <a:ext cx="722671" cy="453970"/>
+          </a:xfrm>
+          <a:prstGeom prst="rightArrow">
+            <a:avLst/>
+          </a:prstGeom>
+          <a:solidFill>
+            <a:srgbClr val="00B050"/>
+          </a:solidFill>
+          <a:ln>
+            <a:solidFill>
+              <a:srgbClr val="00B050"/>
+            </a:solidFill>
+          </a:ln>
+        </p:spPr>
+        <p:style>
+          <a:lnRef idx="2">
+            <a:schemeClr val="accent1">
+              <a:shade val="50000"/>
+            </a:schemeClr>
+          </a:lnRef>
+          <a:fillRef idx="1">
+            <a:schemeClr val="accent1"/>
+          </a:fillRef>
+          <a:effectRef idx="0">
+            <a:schemeClr val="accent1"/>
+          </a:effectRef>
+          <a:fontRef idx="minor">
+            <a:schemeClr val="lt1"/>
+          </a:fontRef>
+        </p:style>
+        <p:txBody>
+          <a:bodyPr rtlCol="0" anchor="ctr"/>
+          <a:lstStyle/>
+          <a:p>
+            <a:pPr algn="ctr"/>
+            <a:endParaRPr kumimoji="1" lang="ja-JP" altLang="en-US"/>
+          </a:p>
+        </p:txBody>
+      </p:sp>
+      <p:sp>
+        <p:nvSpPr>
+          <p:cNvPr id="35" name="テキスト ボックス 34"/>
+          <p:cNvSpPr txBox="1"/>
+          <p:nvPr/>
+        </p:nvSpPr>
+        <p:spPr>
+          <a:xfrm>
+            <a:off x="5579027" y="4329489"/>
+            <a:ext cx="738664" cy="1047236"/>
+          </a:xfrm>
+          <a:prstGeom prst="rect">
+            <a:avLst/>
+          </a:prstGeom>
+          <a:noFill/>
+        </p:spPr>
+        <p:txBody>
+          <a:bodyPr vert="eaVert" wrap="square" rtlCol="0">
+            <a:spAutoFit/>
+          </a:bodyPr>
+          <a:lstStyle/>
+          <a:p>
+            <a:pPr algn="ctr"/>
+            <a:r>
+              <a:rPr kumimoji="1" lang="ja-JP" altLang="en-US" dirty="0" smtClean="0"/>
+              <a:t>ログイン成功</a:t>
+            </a:r>
+            <a:endParaRPr kumimoji="1" lang="ja-JP" altLang="en-US" dirty="0"/>
+          </a:p>
+        </p:txBody>
+      </p:sp>
+      <p:sp>
+        <p:nvSpPr>
+          <p:cNvPr id="36" name="テキスト ボックス 35"/>
+          <p:cNvSpPr txBox="1"/>
+          <p:nvPr/>
+        </p:nvSpPr>
+        <p:spPr>
+          <a:xfrm>
+            <a:off x="5948359" y="5796196"/>
+            <a:ext cx="3486056" cy="369332"/>
+          </a:xfrm>
+          <a:prstGeom prst="rect">
+            <a:avLst/>
+          </a:prstGeom>
+          <a:noFill/>
+        </p:spPr>
+        <p:txBody>
+          <a:bodyPr wrap="square" rtlCol="0">
+            <a:spAutoFit/>
+          </a:bodyPr>
+          <a:lstStyle/>
+          <a:p>
+            <a:r>
+              <a:rPr kumimoji="1" lang="ja-JP" altLang="en-US" dirty="0" smtClean="0"/>
+              <a:t>ログイン状態のトップページを表示</a:t>
+            </a:r>
+            <a:endParaRPr kumimoji="1" lang="ja-JP" altLang="en-US" dirty="0"/>
+          </a:p>
+        </p:txBody>
+      </p:sp>
+      <p:sp>
+        <p:nvSpPr>
+          <p:cNvPr id="63" name="正方形/長方形 62"/>
+          <p:cNvSpPr/>
+          <p:nvPr/>
+        </p:nvSpPr>
+        <p:spPr>
+          <a:xfrm>
+            <a:off x="1219647" y="4020811"/>
+            <a:ext cx="221224" cy="233841"/>
+          </a:xfrm>
+          <a:prstGeom prst="rect">
+            <a:avLst/>
+          </a:prstGeom>
+          <a:noFill/>
+          <a:ln>
+            <a:solidFill>
+              <a:schemeClr val="tx1"/>
+            </a:solidFill>
+          </a:ln>
+        </p:spPr>
+        <p:style>
+          <a:lnRef idx="2">
+            <a:schemeClr val="accent1">
+              <a:shade val="50000"/>
+            </a:schemeClr>
+          </a:lnRef>
+          <a:fillRef idx="1">
+            <a:schemeClr val="accent1"/>
+          </a:fillRef>
+          <a:effectRef idx="0">
+            <a:schemeClr val="accent1"/>
+          </a:effectRef>
+          <a:fontRef idx="minor">
+            <a:schemeClr val="lt1"/>
+          </a:fontRef>
+        </p:style>
+        <p:txBody>
+          <a:bodyPr rtlCol="0" anchor="ctr"/>
+          <a:lstStyle/>
+          <a:p>
+            <a:pPr algn="ctr"/>
+            <a:endParaRPr kumimoji="1" lang="ja-JP" altLang="en-US"/>
+          </a:p>
+        </p:txBody>
+      </p:sp>
+      <p:sp>
+        <p:nvSpPr>
+          <p:cNvPr id="64" name="テキスト ボックス 63"/>
+          <p:cNvSpPr txBox="1"/>
+          <p:nvPr/>
+        </p:nvSpPr>
+        <p:spPr>
+          <a:xfrm>
+            <a:off x="1518062" y="3966967"/>
+            <a:ext cx="2654710" cy="369332"/>
+          </a:xfrm>
+          <a:prstGeom prst="rect">
+            <a:avLst/>
+          </a:prstGeom>
+          <a:noFill/>
+        </p:spPr>
+        <p:txBody>
+          <a:bodyPr wrap="square" rtlCol="0">
+            <a:spAutoFit/>
+          </a:bodyPr>
+          <a:lstStyle/>
+          <a:p>
+            <a:r>
+              <a:rPr kumimoji="1" lang="en-US" altLang="ja-JP" dirty="0" smtClean="0"/>
+              <a:t>1</a:t>
+            </a:r>
+            <a:r>
+              <a:rPr kumimoji="1" lang="ja-JP" altLang="en-US" dirty="0" smtClean="0"/>
+              <a:t>週間ログイン状態にする</a:t>
+            </a:r>
+            <a:endParaRPr kumimoji="1" lang="ja-JP" altLang="en-US" dirty="0"/>
+          </a:p>
+        </p:txBody>
+      </p:sp>
+      <p:sp>
+        <p:nvSpPr>
+          <p:cNvPr id="65" name="正方形/長方形 64"/>
+          <p:cNvSpPr/>
+          <p:nvPr/>
+        </p:nvSpPr>
+        <p:spPr>
+          <a:xfrm>
+            <a:off x="7624809" y="4055587"/>
+            <a:ext cx="221224" cy="233841"/>
+          </a:xfrm>
+          <a:prstGeom prst="rect">
+            <a:avLst/>
+          </a:prstGeom>
+          <a:noFill/>
+          <a:ln>
+            <a:solidFill>
+              <a:schemeClr val="tx1"/>
+            </a:solidFill>
+          </a:ln>
+        </p:spPr>
+        <p:style>
+          <a:lnRef idx="2">
+            <a:schemeClr val="accent1">
+              <a:shade val="50000"/>
+            </a:schemeClr>
+          </a:lnRef>
+          <a:fillRef idx="1">
+            <a:schemeClr val="accent1"/>
+          </a:fillRef>
+          <a:effectRef idx="0">
+            <a:schemeClr val="accent1"/>
+          </a:effectRef>
+          <a:fontRef idx="minor">
+            <a:schemeClr val="lt1"/>
+          </a:fontRef>
+        </p:style>
+        <p:txBody>
+          <a:bodyPr rtlCol="0" anchor="ctr"/>
+          <a:lstStyle/>
+          <a:p>
+            <a:pPr algn="ctr"/>
+            <a:endParaRPr kumimoji="1" lang="ja-JP" altLang="en-US"/>
+          </a:p>
+        </p:txBody>
+      </p:sp>
+      <p:sp>
+        <p:nvSpPr>
           <p:cNvPr id="66" name="テキスト ボックス 65"/>
           <p:cNvSpPr txBox="1"/>
           <p:nvPr/>
@@ -6895,7 +8360,7 @@
 </p:sld>
 </file>
 
-<file path=ppt/slides/slide5.xml><?xml version="1.0" encoding="utf-8"?>
+<file path=ppt/slides/slide7.xml><?xml version="1.0" encoding="utf-8"?>
 <p:sld xmlns:a="http://schemas.openxmlformats.org/drawingml/2006/main" xmlns:r="http://schemas.openxmlformats.org/officeDocument/2006/relationships" xmlns:p="http://schemas.openxmlformats.org/presentationml/2006/main">
   <p:cSld>
     <p:spTree>

--- a/design/HTMLページ設計.pptx
+++ b/design/HTMLページ設計.pptx
@@ -5,7 +5,7 @@
     <p:sldMasterId id="2147483648" r:id="rId1"/>
   </p:sldMasterIdLst>
   <p:notesMasterIdLst>
-    <p:notesMasterId r:id="rId9"/>
+    <p:notesMasterId r:id="rId10"/>
   </p:notesMasterIdLst>
   <p:sldIdLst>
     <p:sldId id="256" r:id="rId2"/>
@@ -15,6 +15,7 @@
     <p:sldId id="260" r:id="rId6"/>
     <p:sldId id="257" r:id="rId7"/>
     <p:sldId id="259" r:id="rId8"/>
+    <p:sldId id="263" r:id="rId9"/>
   </p:sldIdLst>
   <p:sldSz cx="12192000" cy="6858000"/>
   <p:notesSz cx="6858000" cy="9144000"/>
@@ -215,7 +216,7 @@
           <a:p>
             <a:fld id="{90F65A9B-149C-45BC-B72F-FB324D6DE1AA}" type="datetimeFigureOut">
               <a:rPr kumimoji="1" lang="ja-JP" altLang="en-US" smtClean="0"/>
-              <a:t>2013/12/30</a:t>
+              <a:t>2013/12/31</a:t>
             </a:fld>
             <a:endParaRPr kumimoji="1" lang="ja-JP" altLang="en-US"/>
           </a:p>
@@ -1080,6 +1081,94 @@
 </p:notes>
 </file>
 
+<file path=ppt/notesSlides/notesSlide6.xml><?xml version="1.0" encoding="utf-8"?>
+<p:notes xmlns:a="http://schemas.openxmlformats.org/drawingml/2006/main" xmlns:r="http://schemas.openxmlformats.org/officeDocument/2006/relationships" xmlns:p="http://schemas.openxmlformats.org/presentationml/2006/main">
+  <p:cSld>
+    <p:spTree>
+      <p:nvGrpSpPr>
+        <p:cNvPr id="1" name=""/>
+        <p:cNvGrpSpPr/>
+        <p:nvPr/>
+      </p:nvGrpSpPr>
+      <p:grpSpPr>
+        <a:xfrm>
+          <a:off x="0" y="0"/>
+          <a:ext cx="0" cy="0"/>
+          <a:chOff x="0" y="0"/>
+          <a:chExt cx="0" cy="0"/>
+        </a:xfrm>
+      </p:grpSpPr>
+      <p:sp>
+        <p:nvSpPr>
+          <p:cNvPr id="2" name="スライド イメージ プレースホルダー 1"/>
+          <p:cNvSpPr>
+            <a:spLocks noGrp="1" noRot="1" noChangeAspect="1"/>
+          </p:cNvSpPr>
+          <p:nvPr>
+            <p:ph type="sldImg"/>
+          </p:nvPr>
+        </p:nvSpPr>
+        <p:spPr/>
+      </p:sp>
+      <p:sp>
+        <p:nvSpPr>
+          <p:cNvPr id="3" name="ノート プレースホルダー 2"/>
+          <p:cNvSpPr>
+            <a:spLocks noGrp="1"/>
+          </p:cNvSpPr>
+          <p:nvPr>
+            <p:ph type="body" idx="1"/>
+          </p:nvPr>
+        </p:nvSpPr>
+        <p:spPr/>
+        <p:txBody>
+          <a:bodyPr/>
+          <a:lstStyle/>
+          <a:p>
+            <a:r>
+              <a:rPr kumimoji="1" lang="ja-JP" altLang="en-US" dirty="0" smtClean="0"/>
+              <a:t>ランキングの詳細がまだ決まっていないためこれしか書けない。</a:t>
+            </a:r>
+            <a:endParaRPr kumimoji="1" lang="ja-JP" altLang="en-US" dirty="0"/>
+          </a:p>
+        </p:txBody>
+      </p:sp>
+      <p:sp>
+        <p:nvSpPr>
+          <p:cNvPr id="4" name="スライド番号プレースホルダー 3"/>
+          <p:cNvSpPr>
+            <a:spLocks noGrp="1"/>
+          </p:cNvSpPr>
+          <p:nvPr>
+            <p:ph type="sldNum" sz="quarter" idx="10"/>
+          </p:nvPr>
+        </p:nvSpPr>
+        <p:spPr/>
+        <p:txBody>
+          <a:bodyPr/>
+          <a:lstStyle/>
+          <a:p>
+            <a:fld id="{28450F27-BAD8-47D7-9E11-CABD4386BDCC}" type="slidenum">
+              <a:rPr kumimoji="1" lang="ja-JP" altLang="en-US" smtClean="0"/>
+              <a:t>8</a:t>
+            </a:fld>
+            <a:endParaRPr kumimoji="1" lang="ja-JP" altLang="en-US"/>
+          </a:p>
+        </p:txBody>
+      </p:sp>
+    </p:spTree>
+    <p:extLst>
+      <p:ext uri="{BB962C8B-B14F-4D97-AF65-F5344CB8AC3E}">
+        <p14:creationId xmlns:p14="http://schemas.microsoft.com/office/powerpoint/2010/main" val="2164259621"/>
+      </p:ext>
+    </p:extLst>
+  </p:cSld>
+  <p:clrMapOvr>
+    <a:masterClrMapping/>
+  </p:clrMapOvr>
+</p:notes>
+</file>
+
 <file path=ppt/slideLayouts/slideLayout1.xml><?xml version="1.0" encoding="utf-8"?>
 <p:sldLayout xmlns:a="http://schemas.openxmlformats.org/drawingml/2006/main" xmlns:r="http://schemas.openxmlformats.org/officeDocument/2006/relationships" xmlns:p="http://schemas.openxmlformats.org/presentationml/2006/main" type="title" preserve="1">
   <p:cSld name="タイトル スライド">
@@ -1211,7 +1300,7 @@
           <a:p>
             <a:fld id="{33B14540-D9AA-459A-A398-A04CAB222349}" type="datetimeFigureOut">
               <a:rPr kumimoji="1" lang="ja-JP" altLang="en-US" smtClean="0"/>
-              <a:t>2013/12/30</a:t>
+              <a:t>2013/12/31</a:t>
             </a:fld>
             <a:endParaRPr kumimoji="1" lang="ja-JP" altLang="en-US"/>
           </a:p>
@@ -1413,7 +1502,7 @@
           <a:p>
             <a:fld id="{33B14540-D9AA-459A-A398-A04CAB222349}" type="datetimeFigureOut">
               <a:rPr kumimoji="1" lang="ja-JP" altLang="en-US" smtClean="0"/>
-              <a:t>2013/12/30</a:t>
+              <a:t>2013/12/31</a:t>
             </a:fld>
             <a:endParaRPr kumimoji="1" lang="ja-JP" altLang="en-US"/>
           </a:p>
@@ -1625,7 +1714,7 @@
           <a:p>
             <a:fld id="{33B14540-D9AA-459A-A398-A04CAB222349}" type="datetimeFigureOut">
               <a:rPr kumimoji="1" lang="ja-JP" altLang="en-US" smtClean="0"/>
-              <a:t>2013/12/30</a:t>
+              <a:t>2013/12/31</a:t>
             </a:fld>
             <a:endParaRPr kumimoji="1" lang="ja-JP" altLang="en-US"/>
           </a:p>
@@ -1827,7 +1916,7 @@
           <a:p>
             <a:fld id="{33B14540-D9AA-459A-A398-A04CAB222349}" type="datetimeFigureOut">
               <a:rPr kumimoji="1" lang="ja-JP" altLang="en-US" smtClean="0"/>
-              <a:t>2013/12/30</a:t>
+              <a:t>2013/12/31</a:t>
             </a:fld>
             <a:endParaRPr kumimoji="1" lang="ja-JP" altLang="en-US"/>
           </a:p>
@@ -2073,7 +2162,7 @@
           <a:p>
             <a:fld id="{33B14540-D9AA-459A-A398-A04CAB222349}" type="datetimeFigureOut">
               <a:rPr kumimoji="1" lang="ja-JP" altLang="en-US" smtClean="0"/>
-              <a:t>2013/12/30</a:t>
+              <a:t>2013/12/31</a:t>
             </a:fld>
             <a:endParaRPr kumimoji="1" lang="ja-JP" altLang="en-US"/>
           </a:p>
@@ -2369,7 +2458,7 @@
           <a:p>
             <a:fld id="{33B14540-D9AA-459A-A398-A04CAB222349}" type="datetimeFigureOut">
               <a:rPr kumimoji="1" lang="ja-JP" altLang="en-US" smtClean="0"/>
-              <a:t>2013/12/30</a:t>
+              <a:t>2013/12/31</a:t>
             </a:fld>
             <a:endParaRPr kumimoji="1" lang="ja-JP" altLang="en-US"/>
           </a:p>
@@ -2800,7 +2889,7 @@
           <a:p>
             <a:fld id="{33B14540-D9AA-459A-A398-A04CAB222349}" type="datetimeFigureOut">
               <a:rPr kumimoji="1" lang="ja-JP" altLang="en-US" smtClean="0"/>
-              <a:t>2013/12/30</a:t>
+              <a:t>2013/12/31</a:t>
             </a:fld>
             <a:endParaRPr kumimoji="1" lang="ja-JP" altLang="en-US"/>
           </a:p>
@@ -2918,7 +3007,7 @@
           <a:p>
             <a:fld id="{33B14540-D9AA-459A-A398-A04CAB222349}" type="datetimeFigureOut">
               <a:rPr kumimoji="1" lang="ja-JP" altLang="en-US" smtClean="0"/>
-              <a:t>2013/12/30</a:t>
+              <a:t>2013/12/31</a:t>
             </a:fld>
             <a:endParaRPr kumimoji="1" lang="ja-JP" altLang="en-US"/>
           </a:p>
@@ -3013,7 +3102,7 @@
           <a:p>
             <a:fld id="{33B14540-D9AA-459A-A398-A04CAB222349}" type="datetimeFigureOut">
               <a:rPr kumimoji="1" lang="ja-JP" altLang="en-US" smtClean="0"/>
-              <a:t>2013/12/30</a:t>
+              <a:t>2013/12/31</a:t>
             </a:fld>
             <a:endParaRPr kumimoji="1" lang="ja-JP" altLang="en-US"/>
           </a:p>
@@ -3322,7 +3411,7 @@
           <a:p>
             <a:fld id="{33B14540-D9AA-459A-A398-A04CAB222349}" type="datetimeFigureOut">
               <a:rPr kumimoji="1" lang="ja-JP" altLang="en-US" smtClean="0"/>
-              <a:t>2013/12/30</a:t>
+              <a:t>2013/12/31</a:t>
             </a:fld>
             <a:endParaRPr kumimoji="1" lang="ja-JP" altLang="en-US"/>
           </a:p>
@@ -3575,7 +3664,7 @@
           <a:p>
             <a:fld id="{33B14540-D9AA-459A-A398-A04CAB222349}" type="datetimeFigureOut">
               <a:rPr kumimoji="1" lang="ja-JP" altLang="en-US" smtClean="0"/>
-              <a:t>2013/12/30</a:t>
+              <a:t>2013/12/31</a:t>
             </a:fld>
             <a:endParaRPr kumimoji="1" lang="ja-JP" altLang="en-US"/>
           </a:p>
@@ -3820,7 +3909,7 @@
           <a:p>
             <a:fld id="{33B14540-D9AA-459A-A398-A04CAB222349}" type="datetimeFigureOut">
               <a:rPr kumimoji="1" lang="ja-JP" altLang="en-US" smtClean="0"/>
-              <a:t>2013/12/30</a:t>
+              <a:t>2013/12/31</a:t>
             </a:fld>
             <a:endParaRPr kumimoji="1" lang="ja-JP" altLang="en-US"/>
           </a:p>
@@ -4237,7 +4326,7 @@
         </p:nvSpPr>
         <p:spPr>
           <a:xfrm>
-            <a:off x="1317938" y="103031"/>
+            <a:off x="2158596" y="123477"/>
             <a:ext cx="9144000" cy="1088735"/>
           </a:xfrm>
         </p:spPr>
@@ -4271,7 +4360,7 @@
         </p:nvCxnSpPr>
         <p:spPr>
           <a:xfrm flipH="1">
-            <a:off x="3864077" y="1560004"/>
+            <a:off x="4704735" y="1580450"/>
             <a:ext cx="2" cy="4368848"/>
           </a:xfrm>
           <a:prstGeom prst="line">
@@ -4306,7 +4395,7 @@
         </p:nvSpPr>
         <p:spPr>
           <a:xfrm>
-            <a:off x="1696066" y="1560004"/>
+            <a:off x="2536724" y="1580450"/>
             <a:ext cx="8318090" cy="4368848"/>
           </a:xfrm>
           <a:prstGeom prst="rect">
@@ -4352,7 +4441,7 @@
         </p:nvSpPr>
         <p:spPr>
           <a:xfrm>
-            <a:off x="2160639" y="2198217"/>
+            <a:off x="3001297" y="2218663"/>
             <a:ext cx="1224116" cy="646331"/>
           </a:xfrm>
           <a:prstGeom prst="rect">
@@ -4396,7 +4485,7 @@
         </p:nvSpPr>
         <p:spPr>
           <a:xfrm>
-            <a:off x="2089352" y="4109597"/>
+            <a:off x="2941683" y="3934446"/>
             <a:ext cx="1442278" cy="369332"/>
           </a:xfrm>
           <a:prstGeom prst="rect">
@@ -4432,7 +4521,7 @@
         </p:nvSpPr>
         <p:spPr>
           <a:xfrm>
-            <a:off x="5134896" y="1921218"/>
+            <a:off x="5975554" y="1941664"/>
             <a:ext cx="4191000" cy="923330"/>
           </a:xfrm>
           <a:prstGeom prst="rect">
@@ -4476,7 +4565,7 @@
         </p:nvSpPr>
         <p:spPr>
           <a:xfrm>
-            <a:off x="5125063" y="3286342"/>
+            <a:off x="5965721" y="3306788"/>
             <a:ext cx="4191000" cy="923330"/>
           </a:xfrm>
           <a:prstGeom prst="rect">
@@ -4520,7 +4609,7 @@
         </p:nvSpPr>
         <p:spPr>
           <a:xfrm>
-            <a:off x="5134896" y="4621563"/>
+            <a:off x="5975554" y="4642009"/>
             <a:ext cx="4191000" cy="923330"/>
           </a:xfrm>
           <a:prstGeom prst="rect">
@@ -4564,7 +4653,7 @@
         </p:nvCxnSpPr>
         <p:spPr>
           <a:xfrm>
-            <a:off x="1696065" y="1191766"/>
+            <a:off x="2536723" y="1212212"/>
             <a:ext cx="663677" cy="1006451"/>
           </a:xfrm>
           <a:prstGeom prst="straightConnector1">
@@ -4597,7 +4686,7 @@
         </p:nvSpPr>
         <p:spPr>
           <a:xfrm>
-            <a:off x="272845" y="356710"/>
+            <a:off x="744793" y="274484"/>
             <a:ext cx="3111910" cy="923330"/>
           </a:xfrm>
           <a:prstGeom prst="rect">
@@ -4627,7 +4716,7 @@
         </p:nvCxnSpPr>
         <p:spPr>
           <a:xfrm rot="10800000">
-            <a:off x="2772699" y="5928853"/>
+            <a:off x="3613357" y="5949299"/>
             <a:ext cx="612057" cy="453546"/>
           </a:xfrm>
           <a:prstGeom prst="bentConnector3">
@@ -4662,7 +4751,7 @@
         </p:nvSpPr>
         <p:spPr>
           <a:xfrm>
-            <a:off x="3384755" y="6059233"/>
+            <a:off x="4225413" y="6079679"/>
             <a:ext cx="5110316" cy="646331"/>
           </a:xfrm>
           <a:prstGeom prst="rect">
@@ -4707,7 +4796,7 @@
         </p:nvSpPr>
         <p:spPr>
           <a:xfrm>
-            <a:off x="2168013" y="3213671"/>
+            <a:off x="3008671" y="3234117"/>
             <a:ext cx="1224116" cy="369332"/>
           </a:xfrm>
           <a:prstGeom prst="rect">
@@ -4747,7 +4836,7 @@
         </p:nvCxnSpPr>
         <p:spPr>
           <a:xfrm>
-            <a:off x="1460090" y="3398337"/>
+            <a:off x="2300748" y="3418783"/>
             <a:ext cx="650773" cy="1"/>
           </a:xfrm>
           <a:prstGeom prst="straightConnector1">
@@ -4780,7 +4869,7 @@
         </p:nvSpPr>
         <p:spPr>
           <a:xfrm>
-            <a:off x="520490" y="2713729"/>
+            <a:off x="1361148" y="2734175"/>
             <a:ext cx="738664" cy="1680609"/>
           </a:xfrm>
           <a:prstGeom prst="rect">
@@ -4810,7 +4899,7 @@
         </p:nvCxnSpPr>
         <p:spPr>
           <a:xfrm flipH="1" flipV="1">
-            <a:off x="9474454" y="2382884"/>
+            <a:off x="10315112" y="2403330"/>
             <a:ext cx="672436" cy="6355"/>
           </a:xfrm>
           <a:prstGeom prst="straightConnector1">
@@ -4843,7 +4932,7 @@
         </p:nvCxnSpPr>
         <p:spPr>
           <a:xfrm flipH="1" flipV="1">
-            <a:off x="9492200" y="3721662"/>
+            <a:off x="10332858" y="3742108"/>
             <a:ext cx="672436" cy="6355"/>
           </a:xfrm>
           <a:prstGeom prst="straightConnector1">
@@ -4876,7 +4965,7 @@
         </p:nvSpPr>
         <p:spPr>
           <a:xfrm>
-            <a:off x="10275316" y="1694992"/>
+            <a:off x="11115974" y="1715438"/>
             <a:ext cx="738664" cy="2926572"/>
           </a:xfrm>
           <a:prstGeom prst="rect">
@@ -4906,7 +4995,7 @@
         </p:nvSpPr>
         <p:spPr>
           <a:xfrm>
-            <a:off x="16281" y="1332898"/>
+            <a:off x="759610" y="1486355"/>
             <a:ext cx="1626633" cy="923330"/>
           </a:xfrm>
           <a:prstGeom prst="rect">
@@ -4925,6 +5014,149 @@
               <a:t>スタートボタンを押したらゲーム画面へ</a:t>
             </a:r>
             <a:endParaRPr kumimoji="1" lang="ja-JP" altLang="en-US" dirty="0"/>
+          </a:p>
+        </p:txBody>
+      </p:sp>
+      <p:sp>
+        <p:nvSpPr>
+          <p:cNvPr id="21" name="テキスト ボックス 20"/>
+          <p:cNvSpPr txBox="1"/>
+          <p:nvPr/>
+        </p:nvSpPr>
+        <p:spPr>
+          <a:xfrm>
+            <a:off x="2951521" y="4551462"/>
+            <a:ext cx="1442278" cy="369332"/>
+          </a:xfrm>
+          <a:prstGeom prst="rect">
+            <a:avLst/>
+          </a:prstGeom>
+          <a:noFill/>
+          <a:ln>
+            <a:solidFill>
+              <a:schemeClr val="tx1"/>
+            </a:solidFill>
+          </a:ln>
+        </p:spPr>
+        <p:txBody>
+          <a:bodyPr wrap="square" rtlCol="0">
+            <a:spAutoFit/>
+          </a:bodyPr>
+          <a:lstStyle/>
+          <a:p>
+            <a:pPr algn="ctr"/>
+            <a:r>
+              <a:rPr kumimoji="1" lang="ja-JP" altLang="en-US" dirty="0" smtClean="0"/>
+              <a:t>ランキング</a:t>
+            </a:r>
+            <a:endParaRPr kumimoji="1" lang="ja-JP" altLang="en-US" dirty="0"/>
+          </a:p>
+        </p:txBody>
+      </p:sp>
+      <p:sp>
+        <p:nvSpPr>
+          <p:cNvPr id="22" name="テキスト ボックス 21"/>
+          <p:cNvSpPr txBox="1"/>
+          <p:nvPr/>
+        </p:nvSpPr>
+        <p:spPr>
+          <a:xfrm>
+            <a:off x="2899591" y="5126449"/>
+            <a:ext cx="1442278" cy="646331"/>
+          </a:xfrm>
+          <a:prstGeom prst="rect">
+            <a:avLst/>
+          </a:prstGeom>
+          <a:noFill/>
+          <a:ln>
+            <a:solidFill>
+              <a:schemeClr val="tx1"/>
+            </a:solidFill>
+          </a:ln>
+        </p:spPr>
+        <p:txBody>
+          <a:bodyPr wrap="square" rtlCol="0">
+            <a:spAutoFit/>
+          </a:bodyPr>
+          <a:lstStyle/>
+          <a:p>
+            <a:pPr algn="ctr"/>
+            <a:r>
+              <a:rPr kumimoji="1" lang="ja-JP" altLang="en-US" dirty="0" smtClean="0"/>
+              <a:t>掲示板</a:t>
+            </a:r>
+            <a:r>
+              <a:rPr kumimoji="1" lang="en-US" altLang="ja-JP" dirty="0" smtClean="0"/>
+              <a:t>/</a:t>
+            </a:r>
+            <a:r>
+              <a:rPr kumimoji="1" lang="ja-JP" altLang="en-US" dirty="0" smtClean="0"/>
+              <a:t>チャット</a:t>
+            </a:r>
+            <a:endParaRPr kumimoji="1" lang="ja-JP" altLang="en-US" dirty="0"/>
+          </a:p>
+        </p:txBody>
+      </p:sp>
+      <p:cxnSp>
+        <p:nvCxnSpPr>
+          <p:cNvPr id="23" name="直線矢印コネクタ 22"/>
+          <p:cNvCxnSpPr/>
+          <p:nvPr/>
+        </p:nvCxnSpPr>
+        <p:spPr>
+          <a:xfrm>
+            <a:off x="2133410" y="5440662"/>
+            <a:ext cx="650773" cy="1"/>
+          </a:xfrm>
+          <a:prstGeom prst="straightConnector1">
+            <a:avLst/>
+          </a:prstGeom>
+          <a:ln w="25400">
+            <a:tailEnd type="triangle"/>
+          </a:ln>
+        </p:spPr>
+        <p:style>
+          <a:lnRef idx="1">
+            <a:schemeClr val="accent1"/>
+          </a:lnRef>
+          <a:fillRef idx="0">
+            <a:schemeClr val="accent1"/>
+          </a:fillRef>
+          <a:effectRef idx="0">
+            <a:schemeClr val="accent1"/>
+          </a:effectRef>
+          <a:fontRef idx="minor">
+            <a:schemeClr val="tx1"/>
+          </a:fontRef>
+        </p:style>
+      </p:cxnSp>
+      <p:sp>
+        <p:nvSpPr>
+          <p:cNvPr id="24" name="テキスト ボックス 23"/>
+          <p:cNvSpPr txBox="1"/>
+          <p:nvPr/>
+        </p:nvSpPr>
+        <p:spPr>
+          <a:xfrm>
+            <a:off x="347138" y="4752570"/>
+            <a:ext cx="1775845" cy="1477328"/>
+          </a:xfrm>
+          <a:prstGeom prst="rect">
+            <a:avLst/>
+          </a:prstGeom>
+          <a:noFill/>
+        </p:spPr>
+        <p:txBody>
+          <a:bodyPr wrap="square" rtlCol="0">
+            <a:spAutoFit/>
+          </a:bodyPr>
+          <a:lstStyle/>
+          <a:p>
+            <a:r>
+              <a:rPr kumimoji="1" lang="ja-JP" altLang="en-US" dirty="0" smtClean="0"/>
+              <a:t>掲示板にするのかチャットにするのかによって置く場所が変わるため、悩み中</a:t>
+            </a:r>
+            <a:endParaRPr kumimoji="1" lang="en-US" altLang="ja-JP" dirty="0" smtClean="0"/>
           </a:p>
         </p:txBody>
       </p:sp>
@@ -5756,15 +5988,7 @@
                   <a:srgbClr val="7030A0"/>
                 </a:solidFill>
               </a:rPr>
-              <a:t>会員</a:t>
-            </a:r>
-            <a:r>
-              <a:rPr lang="ja-JP" altLang="en-US" sz="6000" b="1" dirty="0" smtClean="0">
-                <a:solidFill>
-                  <a:srgbClr val="7030A0"/>
-                </a:solidFill>
-              </a:rPr>
-              <a:t>登録</a:t>
+              <a:t>会員登録</a:t>
             </a:r>
             <a:r>
               <a:rPr lang="en-US" altLang="ja-JP" sz="6000" b="1" dirty="0" smtClean="0">
@@ -6699,15 +6923,7 @@
                   <a:srgbClr val="7030A0"/>
                 </a:solidFill>
               </a:rPr>
-              <a:t>会員</a:t>
-            </a:r>
-            <a:r>
-              <a:rPr lang="ja-JP" altLang="en-US" sz="6000" b="1" dirty="0" smtClean="0">
-                <a:solidFill>
-                  <a:srgbClr val="7030A0"/>
-                </a:solidFill>
-              </a:rPr>
-              <a:t>登録</a:t>
+              <a:t>会員登録</a:t>
             </a:r>
             <a:r>
               <a:rPr lang="en-US" altLang="ja-JP" sz="6000" b="1" dirty="0" smtClean="0">
@@ -8630,6 +8846,405 @@
     <p:extLst>
       <p:ext uri="{BB962C8B-B14F-4D97-AF65-F5344CB8AC3E}">
         <p14:creationId xmlns:p14="http://schemas.microsoft.com/office/powerpoint/2010/main" val="2853457174"/>
+      </p:ext>
+    </p:extLst>
+  </p:cSld>
+  <p:clrMapOvr>
+    <a:masterClrMapping/>
+  </p:clrMapOvr>
+</p:sld>
+</file>
+
+<file path=ppt/slides/slide8.xml><?xml version="1.0" encoding="utf-8"?>
+<p:sld xmlns:a="http://schemas.openxmlformats.org/drawingml/2006/main" xmlns:r="http://schemas.openxmlformats.org/officeDocument/2006/relationships" xmlns:p="http://schemas.openxmlformats.org/presentationml/2006/main">
+  <p:cSld>
+    <p:spTree>
+      <p:nvGrpSpPr>
+        <p:cNvPr id="1" name=""/>
+        <p:cNvGrpSpPr/>
+        <p:nvPr/>
+      </p:nvGrpSpPr>
+      <p:grpSpPr>
+        <a:xfrm>
+          <a:off x="0" y="0"/>
+          <a:ext cx="0" cy="0"/>
+          <a:chOff x="0" y="0"/>
+          <a:chExt cx="0" cy="0"/>
+        </a:xfrm>
+      </p:grpSpPr>
+      <p:sp>
+        <p:nvSpPr>
+          <p:cNvPr id="2" name="タイトル 1"/>
+          <p:cNvSpPr txBox="1">
+            <a:spLocks/>
+          </p:cNvSpPr>
+          <p:nvPr/>
+        </p:nvSpPr>
+        <p:spPr>
+          <a:xfrm>
+            <a:off x="1317938" y="103031"/>
+            <a:ext cx="9144000" cy="1088735"/>
+          </a:xfrm>
+          <a:prstGeom prst="rect">
+            <a:avLst/>
+          </a:prstGeom>
+        </p:spPr>
+        <p:txBody>
+          <a:bodyPr>
+            <a:normAutofit/>
+          </a:bodyPr>
+          <a:lstStyle>
+            <a:lvl1pPr algn="l" defTabSz="914400" rtl="0" eaLnBrk="1" latinLnBrk="0" hangingPunct="1">
+              <a:lnSpc>
+                <a:spcPct val="90000"/>
+              </a:lnSpc>
+              <a:spcBef>
+                <a:spcPct val="0"/>
+              </a:spcBef>
+              <a:buNone/>
+              <a:defRPr kumimoji="1" sz="4400" kern="1200">
+                <a:solidFill>
+                  <a:schemeClr val="tx1"/>
+                </a:solidFill>
+                <a:latin typeface="+mj-lt"/>
+                <a:ea typeface="+mj-ea"/>
+                <a:cs typeface="+mj-cs"/>
+              </a:defRPr>
+            </a:lvl1pPr>
+          </a:lstStyle>
+          <a:p>
+            <a:pPr algn="ctr"/>
+            <a:r>
+              <a:rPr lang="ja-JP" altLang="en-US" sz="6000" b="1" dirty="0" smtClean="0">
+                <a:solidFill>
+                  <a:srgbClr val="7030A0"/>
+                </a:solidFill>
+              </a:rPr>
+              <a:t>ランキングページ</a:t>
+            </a:r>
+            <a:endParaRPr lang="ja-JP" altLang="en-US" sz="6000" b="1" dirty="0">
+              <a:solidFill>
+                <a:srgbClr val="7030A0"/>
+              </a:solidFill>
+            </a:endParaRPr>
+          </a:p>
+        </p:txBody>
+      </p:sp>
+      <p:cxnSp>
+        <p:nvCxnSpPr>
+          <p:cNvPr id="21" name="直線コネクタ 20"/>
+          <p:cNvCxnSpPr/>
+          <p:nvPr/>
+        </p:nvCxnSpPr>
+        <p:spPr>
+          <a:xfrm flipH="1">
+            <a:off x="3864077" y="1560004"/>
+            <a:ext cx="2" cy="4368848"/>
+          </a:xfrm>
+          <a:prstGeom prst="line">
+            <a:avLst/>
+          </a:prstGeom>
+          <a:ln w="12700">
+            <a:solidFill>
+              <a:schemeClr val="tx1"/>
+            </a:solidFill>
+          </a:ln>
+        </p:spPr>
+        <p:style>
+          <a:lnRef idx="1">
+            <a:schemeClr val="accent1"/>
+          </a:lnRef>
+          <a:fillRef idx="0">
+            <a:schemeClr val="accent1"/>
+          </a:fillRef>
+          <a:effectRef idx="0">
+            <a:schemeClr val="accent1"/>
+          </a:effectRef>
+          <a:fontRef idx="minor">
+            <a:schemeClr val="tx1"/>
+          </a:fontRef>
+        </p:style>
+      </p:cxnSp>
+      <p:sp>
+        <p:nvSpPr>
+          <p:cNvPr id="22" name="正方形/長方形 21"/>
+          <p:cNvSpPr/>
+          <p:nvPr/>
+        </p:nvSpPr>
+        <p:spPr>
+          <a:xfrm>
+            <a:off x="1696066" y="1560004"/>
+            <a:ext cx="8318090" cy="4368848"/>
+          </a:xfrm>
+          <a:prstGeom prst="rect">
+            <a:avLst/>
+          </a:prstGeom>
+          <a:noFill/>
+          <a:ln>
+            <a:solidFill>
+              <a:schemeClr val="tx1"/>
+            </a:solidFill>
+          </a:ln>
+        </p:spPr>
+        <p:style>
+          <a:lnRef idx="2">
+            <a:schemeClr val="accent1">
+              <a:shade val="50000"/>
+            </a:schemeClr>
+          </a:lnRef>
+          <a:fillRef idx="1">
+            <a:schemeClr val="accent1"/>
+          </a:fillRef>
+          <a:effectRef idx="0">
+            <a:schemeClr val="accent1"/>
+          </a:effectRef>
+          <a:fontRef idx="minor">
+            <a:schemeClr val="lt1"/>
+          </a:fontRef>
+        </p:style>
+        <p:txBody>
+          <a:bodyPr rtlCol="0" anchor="ctr"/>
+          <a:lstStyle/>
+          <a:p>
+            <a:pPr algn="ctr"/>
+            <a:endParaRPr kumimoji="1" lang="ja-JP" altLang="en-US"/>
+          </a:p>
+        </p:txBody>
+      </p:sp>
+      <p:sp>
+        <p:nvSpPr>
+          <p:cNvPr id="23" name="テキスト ボックス 22"/>
+          <p:cNvSpPr txBox="1"/>
+          <p:nvPr/>
+        </p:nvSpPr>
+        <p:spPr>
+          <a:xfrm>
+            <a:off x="2160639" y="2198217"/>
+            <a:ext cx="1224116" cy="646331"/>
+          </a:xfrm>
+          <a:prstGeom prst="rect">
+            <a:avLst/>
+          </a:prstGeom>
+          <a:noFill/>
+          <a:ln>
+            <a:solidFill>
+              <a:schemeClr val="tx1"/>
+            </a:solidFill>
+          </a:ln>
+        </p:spPr>
+        <p:txBody>
+          <a:bodyPr wrap="square" rtlCol="0">
+            <a:spAutoFit/>
+          </a:bodyPr>
+          <a:lstStyle/>
+          <a:p>
+            <a:pPr algn="ctr"/>
+            <a:r>
+              <a:rPr lang="ja-JP" altLang="en-US" dirty="0" smtClean="0"/>
+              <a:t>ログイン</a:t>
+            </a:r>
+            <a:r>
+              <a:rPr lang="en-US" altLang="ja-JP" dirty="0" smtClean="0"/>
+              <a:t>/</a:t>
+            </a:r>
+            <a:r>
+              <a:rPr lang="ja-JP" altLang="en-US" dirty="0" smtClean="0"/>
+              <a:t>スタート</a:t>
+            </a:r>
+            <a:endParaRPr kumimoji="1" lang="ja-JP" altLang="en-US" dirty="0"/>
+          </a:p>
+        </p:txBody>
+      </p:sp>
+      <p:sp>
+        <p:nvSpPr>
+          <p:cNvPr id="24" name="テキスト ボックス 23"/>
+          <p:cNvSpPr txBox="1"/>
+          <p:nvPr/>
+        </p:nvSpPr>
+        <p:spPr>
+          <a:xfrm>
+            <a:off x="2101025" y="3914000"/>
+            <a:ext cx="1442278" cy="369332"/>
+          </a:xfrm>
+          <a:prstGeom prst="rect">
+            <a:avLst/>
+          </a:prstGeom>
+          <a:noFill/>
+          <a:ln>
+            <a:solidFill>
+              <a:schemeClr val="tx1"/>
+            </a:solidFill>
+          </a:ln>
+        </p:spPr>
+        <p:txBody>
+          <a:bodyPr wrap="square" rtlCol="0">
+            <a:spAutoFit/>
+          </a:bodyPr>
+          <a:lstStyle/>
+          <a:p>
+            <a:pPr algn="ctr"/>
+            <a:r>
+              <a:rPr lang="ja-JP" altLang="en-US" dirty="0" smtClean="0"/>
+              <a:t>ゲームガイド</a:t>
+            </a:r>
+            <a:endParaRPr kumimoji="1" lang="ja-JP" altLang="en-US" dirty="0"/>
+          </a:p>
+        </p:txBody>
+      </p:sp>
+      <p:sp>
+        <p:nvSpPr>
+          <p:cNvPr id="25" name="テキスト ボックス 24"/>
+          <p:cNvSpPr txBox="1"/>
+          <p:nvPr/>
+        </p:nvSpPr>
+        <p:spPr>
+          <a:xfrm>
+            <a:off x="4843617" y="3213671"/>
+            <a:ext cx="4191000" cy="923330"/>
+          </a:xfrm>
+          <a:prstGeom prst="rect">
+            <a:avLst/>
+          </a:prstGeom>
+          <a:noFill/>
+          <a:ln>
+            <a:solidFill>
+              <a:schemeClr val="tx1"/>
+            </a:solidFill>
+          </a:ln>
+        </p:spPr>
+        <p:txBody>
+          <a:bodyPr wrap="square" rtlCol="0">
+            <a:spAutoFit/>
+          </a:bodyPr>
+          <a:lstStyle/>
+          <a:p>
+            <a:pPr algn="ctr"/>
+            <a:endParaRPr lang="en-US" altLang="ja-JP" dirty="0" smtClean="0"/>
+          </a:p>
+          <a:p>
+            <a:pPr algn="ctr"/>
+            <a:r>
+              <a:rPr lang="ja-JP" altLang="en-US" dirty="0" smtClean="0"/>
+              <a:t>ランキング</a:t>
+            </a:r>
+            <a:endParaRPr kumimoji="1" lang="en-US" altLang="ja-JP" dirty="0" smtClean="0"/>
+          </a:p>
+          <a:p>
+            <a:pPr algn="ctr"/>
+            <a:endParaRPr kumimoji="1" lang="ja-JP" altLang="en-US" dirty="0"/>
+          </a:p>
+        </p:txBody>
+      </p:sp>
+      <p:sp>
+        <p:nvSpPr>
+          <p:cNvPr id="29" name="テキスト ボックス 28"/>
+          <p:cNvSpPr txBox="1"/>
+          <p:nvPr/>
+        </p:nvSpPr>
+        <p:spPr>
+          <a:xfrm>
+            <a:off x="2168013" y="3213671"/>
+            <a:ext cx="1224116" cy="369332"/>
+          </a:xfrm>
+          <a:prstGeom prst="rect">
+            <a:avLst/>
+          </a:prstGeom>
+          <a:noFill/>
+          <a:ln>
+            <a:solidFill>
+              <a:schemeClr val="tx1"/>
+            </a:solidFill>
+          </a:ln>
+        </p:spPr>
+        <p:txBody>
+          <a:bodyPr wrap="square" rtlCol="0">
+            <a:spAutoFit/>
+          </a:bodyPr>
+          <a:lstStyle/>
+          <a:p>
+            <a:pPr algn="ctr"/>
+            <a:r>
+              <a:rPr lang="ja-JP" altLang="en-US" dirty="0" smtClean="0"/>
+              <a:t>会員</a:t>
+            </a:r>
+            <a:r>
+              <a:rPr lang="ja-JP" altLang="en-US" dirty="0"/>
+              <a:t>登録</a:t>
+            </a:r>
+            <a:endParaRPr kumimoji="1" lang="ja-JP" altLang="en-US" dirty="0"/>
+          </a:p>
+        </p:txBody>
+      </p:sp>
+      <p:sp>
+        <p:nvSpPr>
+          <p:cNvPr id="33" name="テキスト ボックス 32"/>
+          <p:cNvSpPr txBox="1"/>
+          <p:nvPr/>
+        </p:nvSpPr>
+        <p:spPr>
+          <a:xfrm>
+            <a:off x="2110863" y="4531016"/>
+            <a:ext cx="1442278" cy="369332"/>
+          </a:xfrm>
+          <a:prstGeom prst="rect">
+            <a:avLst/>
+          </a:prstGeom>
+          <a:noFill/>
+          <a:ln>
+            <a:solidFill>
+              <a:schemeClr val="tx1"/>
+            </a:solidFill>
+          </a:ln>
+        </p:spPr>
+        <p:txBody>
+          <a:bodyPr wrap="square" rtlCol="0">
+            <a:spAutoFit/>
+          </a:bodyPr>
+          <a:lstStyle/>
+          <a:p>
+            <a:pPr algn="ctr"/>
+            <a:r>
+              <a:rPr kumimoji="1" lang="ja-JP" altLang="en-US" dirty="0" smtClean="0"/>
+              <a:t>ランキング</a:t>
+            </a:r>
+            <a:endParaRPr kumimoji="1" lang="ja-JP" altLang="en-US" dirty="0"/>
+          </a:p>
+        </p:txBody>
+      </p:sp>
+      <p:sp>
+        <p:nvSpPr>
+          <p:cNvPr id="34" name="テキスト ボックス 33"/>
+          <p:cNvSpPr txBox="1"/>
+          <p:nvPr/>
+        </p:nvSpPr>
+        <p:spPr>
+          <a:xfrm>
+            <a:off x="4843617" y="2521382"/>
+            <a:ext cx="4350774" cy="369332"/>
+          </a:xfrm>
+          <a:prstGeom prst="rect">
+            <a:avLst/>
+          </a:prstGeom>
+          <a:noFill/>
+        </p:spPr>
+        <p:txBody>
+          <a:bodyPr wrap="square" rtlCol="0">
+            <a:spAutoFit/>
+          </a:bodyPr>
+          <a:lstStyle/>
+          <a:p>
+            <a:r>
+              <a:rPr lang="ja-JP" altLang="en-US" dirty="0" smtClean="0"/>
+              <a:t>タブを入れて各ランキングを見れるといい</a:t>
+            </a:r>
+            <a:endParaRPr kumimoji="1" lang="ja-JP" altLang="en-US" dirty="0"/>
+          </a:p>
+        </p:txBody>
+      </p:sp>
+    </p:spTree>
+    <p:extLst>
+      <p:ext uri="{BB962C8B-B14F-4D97-AF65-F5344CB8AC3E}">
+        <p14:creationId xmlns:p14="http://schemas.microsoft.com/office/powerpoint/2010/main" val="1451896133"/>
       </p:ext>
     </p:extLst>
   </p:cSld>

--- a/design/HTMLページ設計.pptx
+++ b/design/HTMLページ設計.pptx
@@ -826,11 +826,7 @@
           <a:bodyPr/>
           <a:lstStyle/>
           <a:p>
-            <a:r>
-              <a:rPr kumimoji="1" lang="ja-JP" altLang="en-US" dirty="0" smtClean="0"/>
-              <a:t>ここはかなり簡素でいいと思う。でもちゃんと登録できたことを伝えないといけないため、必要な画面。</a:t>
-            </a:r>
-            <a:endParaRPr kumimoji="1" lang="en-US" altLang="ja-JP" smtClean="0"/>
+            <a:endParaRPr kumimoji="1" lang="en-US" altLang="ja-JP" dirty="0" smtClean="0"/>
           </a:p>
         </p:txBody>
       </p:sp>
@@ -851,7 +847,7 @@
           <a:p>
             <a:fld id="{28450F27-BAD8-47D7-9E11-CABD4386BDCC}" type="slidenum">
               <a:rPr kumimoji="1" lang="ja-JP" altLang="en-US" smtClean="0"/>
-              <a:t>5</a:t>
+              <a:t>3</a:t>
             </a:fld>
             <a:endParaRPr kumimoji="1" lang="ja-JP" altLang="en-US"/>
           </a:p>
@@ -860,7 +856,7 @@
     </p:spTree>
     <p:extLst>
       <p:ext uri="{BB962C8B-B14F-4D97-AF65-F5344CB8AC3E}">
-        <p14:creationId xmlns:p14="http://schemas.microsoft.com/office/powerpoint/2010/main" val="4069607440"/>
+        <p14:creationId xmlns:p14="http://schemas.microsoft.com/office/powerpoint/2010/main" val="4157501950"/>
       </p:ext>
     </p:extLst>
   </p:cSld>
@@ -916,44 +912,9 @@
           <a:p>
             <a:r>
               <a:rPr kumimoji="1" lang="ja-JP" altLang="en-US" dirty="0" smtClean="0"/>
-              <a:t>ここは</a:t>
-            </a:r>
-            <a:r>
-              <a:rPr kumimoji="1" lang="en-US" altLang="ja-JP" dirty="0" smtClean="0"/>
-              <a:t>PHP</a:t>
-            </a:r>
-            <a:r>
-              <a:rPr kumimoji="1" lang="ja-JP" altLang="en-US" dirty="0" smtClean="0"/>
-              <a:t>でチェックをする。送信する前に違うって分かったら総当たりとか簡単にされてヤバ</a:t>
-            </a:r>
-            <a:r>
-              <a:rPr kumimoji="1" lang="ja-JP" altLang="en-US" dirty="0" err="1" smtClean="0"/>
-              <a:t>い</a:t>
-            </a:r>
-            <a:r>
-              <a:rPr kumimoji="1" lang="en-US" altLang="ja-JP" dirty="0" smtClean="0"/>
-              <a:t>(</a:t>
-            </a:r>
-            <a:r>
-              <a:rPr kumimoji="1" lang="ja-JP" altLang="en-US" dirty="0" smtClean="0"/>
-              <a:t>汗</a:t>
-            </a:r>
-            <a:r>
-              <a:rPr kumimoji="1" lang="en-US" altLang="ja-JP" smtClean="0"/>
-              <a:t>)</a:t>
-            </a:r>
-            <a:r>
-              <a:rPr kumimoji="1" lang="ja-JP" altLang="en-US" dirty="0" err="1" smtClean="0"/>
-              <a:t>。</a:t>
-            </a:r>
-            <a:endParaRPr kumimoji="1" lang="en-US" altLang="ja-JP" dirty="0" smtClean="0"/>
-          </a:p>
-          <a:p>
-            <a:r>
-              <a:rPr kumimoji="1" lang="ja-JP" altLang="en-US" dirty="0" smtClean="0"/>
-              <a:t>そういえば何回もミスったら何か特別な制限をかけるべきなのだろうか？</a:t>
-            </a:r>
-            <a:endParaRPr kumimoji="1" lang="ja-JP" altLang="en-US" dirty="0"/>
+              <a:t>ここはかなり簡素でいいと思う。でもちゃんと登録できたことを伝えないといけないため、必要な画面。</a:t>
+            </a:r>
+            <a:endParaRPr kumimoji="1" lang="en-US" altLang="ja-JP" smtClean="0"/>
           </a:p>
         </p:txBody>
       </p:sp>
@@ -974,7 +935,7 @@
           <a:p>
             <a:fld id="{28450F27-BAD8-47D7-9E11-CABD4386BDCC}" type="slidenum">
               <a:rPr kumimoji="1" lang="ja-JP" altLang="en-US" smtClean="0"/>
-              <a:t>6</a:t>
+              <a:t>5</a:t>
             </a:fld>
             <a:endParaRPr kumimoji="1" lang="ja-JP" altLang="en-US"/>
           </a:p>
@@ -983,7 +944,7 @@
     </p:spTree>
     <p:extLst>
       <p:ext uri="{BB962C8B-B14F-4D97-AF65-F5344CB8AC3E}">
-        <p14:creationId xmlns:p14="http://schemas.microsoft.com/office/powerpoint/2010/main" val="717784142"/>
+        <p14:creationId xmlns:p14="http://schemas.microsoft.com/office/powerpoint/2010/main" val="4069607440"/>
       </p:ext>
     </p:extLst>
   </p:cSld>
@@ -1039,6 +1000,129 @@
           <a:p>
             <a:r>
               <a:rPr kumimoji="1" lang="ja-JP" altLang="en-US" dirty="0" smtClean="0"/>
+              <a:t>ここは</a:t>
+            </a:r>
+            <a:r>
+              <a:rPr kumimoji="1" lang="en-US" altLang="ja-JP" dirty="0" smtClean="0"/>
+              <a:t>PHP</a:t>
+            </a:r>
+            <a:r>
+              <a:rPr kumimoji="1" lang="ja-JP" altLang="en-US" dirty="0" smtClean="0"/>
+              <a:t>でチェックをする。送信する前に違うって分かったら総当たりとか簡単にされてヤバ</a:t>
+            </a:r>
+            <a:r>
+              <a:rPr kumimoji="1" lang="ja-JP" altLang="en-US" dirty="0" err="1" smtClean="0"/>
+              <a:t>い</a:t>
+            </a:r>
+            <a:r>
+              <a:rPr kumimoji="1" lang="en-US" altLang="ja-JP" dirty="0" smtClean="0"/>
+              <a:t>(</a:t>
+            </a:r>
+            <a:r>
+              <a:rPr kumimoji="1" lang="ja-JP" altLang="en-US" dirty="0" smtClean="0"/>
+              <a:t>汗</a:t>
+            </a:r>
+            <a:r>
+              <a:rPr kumimoji="1" lang="en-US" altLang="ja-JP" smtClean="0"/>
+              <a:t>)</a:t>
+            </a:r>
+            <a:r>
+              <a:rPr kumimoji="1" lang="ja-JP" altLang="en-US" dirty="0" err="1" smtClean="0"/>
+              <a:t>。</a:t>
+            </a:r>
+            <a:endParaRPr kumimoji="1" lang="en-US" altLang="ja-JP" dirty="0" smtClean="0"/>
+          </a:p>
+          <a:p>
+            <a:r>
+              <a:rPr kumimoji="1" lang="ja-JP" altLang="en-US" dirty="0" smtClean="0"/>
+              <a:t>そういえば何回もミスったら何か特別な制限をかけるべきなのだろうか？</a:t>
+            </a:r>
+            <a:endParaRPr kumimoji="1" lang="ja-JP" altLang="en-US" dirty="0"/>
+          </a:p>
+        </p:txBody>
+      </p:sp>
+      <p:sp>
+        <p:nvSpPr>
+          <p:cNvPr id="4" name="スライド番号プレースホルダー 3"/>
+          <p:cNvSpPr>
+            <a:spLocks noGrp="1"/>
+          </p:cNvSpPr>
+          <p:nvPr>
+            <p:ph type="sldNum" sz="quarter" idx="10"/>
+          </p:nvPr>
+        </p:nvSpPr>
+        <p:spPr/>
+        <p:txBody>
+          <a:bodyPr/>
+          <a:lstStyle/>
+          <a:p>
+            <a:fld id="{28450F27-BAD8-47D7-9E11-CABD4386BDCC}" type="slidenum">
+              <a:rPr kumimoji="1" lang="ja-JP" altLang="en-US" smtClean="0"/>
+              <a:t>6</a:t>
+            </a:fld>
+            <a:endParaRPr kumimoji="1" lang="ja-JP" altLang="en-US"/>
+          </a:p>
+        </p:txBody>
+      </p:sp>
+    </p:spTree>
+    <p:extLst>
+      <p:ext uri="{BB962C8B-B14F-4D97-AF65-F5344CB8AC3E}">
+        <p14:creationId xmlns:p14="http://schemas.microsoft.com/office/powerpoint/2010/main" val="717784142"/>
+      </p:ext>
+    </p:extLst>
+  </p:cSld>
+  <p:clrMapOvr>
+    <a:masterClrMapping/>
+  </p:clrMapOvr>
+</p:notes>
+</file>
+
+<file path=ppt/notesSlides/notesSlide6.xml><?xml version="1.0" encoding="utf-8"?>
+<p:notes xmlns:a="http://schemas.openxmlformats.org/drawingml/2006/main" xmlns:r="http://schemas.openxmlformats.org/officeDocument/2006/relationships" xmlns:p="http://schemas.openxmlformats.org/presentationml/2006/main">
+  <p:cSld>
+    <p:spTree>
+      <p:nvGrpSpPr>
+        <p:cNvPr id="1" name=""/>
+        <p:cNvGrpSpPr/>
+        <p:nvPr/>
+      </p:nvGrpSpPr>
+      <p:grpSpPr>
+        <a:xfrm>
+          <a:off x="0" y="0"/>
+          <a:ext cx="0" cy="0"/>
+          <a:chOff x="0" y="0"/>
+          <a:chExt cx="0" cy="0"/>
+        </a:xfrm>
+      </p:grpSpPr>
+      <p:sp>
+        <p:nvSpPr>
+          <p:cNvPr id="2" name="スライド イメージ プレースホルダー 1"/>
+          <p:cNvSpPr>
+            <a:spLocks noGrp="1" noRot="1" noChangeAspect="1"/>
+          </p:cNvSpPr>
+          <p:nvPr>
+            <p:ph type="sldImg"/>
+          </p:nvPr>
+        </p:nvSpPr>
+        <p:spPr/>
+      </p:sp>
+      <p:sp>
+        <p:nvSpPr>
+          <p:cNvPr id="3" name="ノート プレースホルダー 2"/>
+          <p:cNvSpPr>
+            <a:spLocks noGrp="1"/>
+          </p:cNvSpPr>
+          <p:nvPr>
+            <p:ph type="body" idx="1"/>
+          </p:nvPr>
+        </p:nvSpPr>
+        <p:spPr/>
+        <p:txBody>
+          <a:bodyPr/>
+          <a:lstStyle/>
+          <a:p>
+            <a:r>
+              <a:rPr kumimoji="1" lang="ja-JP" altLang="en-US" dirty="0" smtClean="0"/>
               <a:t>今は全然ないが、おそらく一番ページ数が多くなるところ。ゲームの内容が結構あるため、他のゲームサイトのガイドを参考にして設計していきたい。</a:t>
             </a:r>
             <a:endParaRPr kumimoji="1" lang="ja-JP" altLang="en-US" dirty="0"/>
@@ -1081,7 +1165,7 @@
 </p:notes>
 </file>
 
-<file path=ppt/notesSlides/notesSlide6.xml><?xml version="1.0" encoding="utf-8"?>
+<file path=ppt/notesSlides/notesSlide7.xml><?xml version="1.0" encoding="utf-8"?>
 <p:notes xmlns:a="http://schemas.openxmlformats.org/drawingml/2006/main" xmlns:r="http://schemas.openxmlformats.org/officeDocument/2006/relationships" xmlns:p="http://schemas.openxmlformats.org/presentationml/2006/main">
   <p:cSld>
     <p:spTree>
@@ -5256,8 +5340,8 @@
         </p:nvSpPr>
         <p:spPr>
           <a:xfrm>
-            <a:off x="2846439" y="1574753"/>
-            <a:ext cx="5486399" cy="4059132"/>
+            <a:off x="2846439" y="1191766"/>
+            <a:ext cx="5486399" cy="4442119"/>
           </a:xfrm>
           <a:prstGeom prst="rect">
             <a:avLst/>
@@ -5302,7 +5386,7 @@
         </p:nvSpPr>
         <p:spPr>
           <a:xfrm>
-            <a:off x="5565476" y="2992597"/>
+            <a:off x="5584325" y="2516750"/>
             <a:ext cx="1683359" cy="369332"/>
           </a:xfrm>
           <a:prstGeom prst="rect">
@@ -5334,8 +5418,8 @@
         </p:nvSpPr>
         <p:spPr>
           <a:xfrm>
-            <a:off x="2730106" y="2846403"/>
-            <a:ext cx="2772696" cy="1569660"/>
+            <a:off x="2748955" y="2370556"/>
+            <a:ext cx="2772696" cy="2062103"/>
           </a:xfrm>
           <a:prstGeom prst="rect">
             <a:avLst/>
@@ -5355,8 +5439,24 @@
             </a:r>
             <a:r>
               <a:rPr kumimoji="1" lang="en-US" altLang="ja-JP" sz="3200" dirty="0" smtClean="0"/>
-              <a:t>ID:</a:t>
-            </a:r>
+              <a:t>ID</a:t>
+            </a:r>
+            <a:r>
+              <a:rPr kumimoji="1" lang="en-US" altLang="ja-JP" sz="3200" dirty="0" smtClean="0"/>
+              <a:t>:</a:t>
+            </a:r>
+          </a:p>
+          <a:p>
+            <a:pPr algn="r"/>
+            <a:r>
+              <a:rPr lang="ja-JP" altLang="en-US" sz="3200" dirty="0" smtClean="0"/>
+              <a:t>ニックネーム</a:t>
+            </a:r>
+            <a:r>
+              <a:rPr lang="ja-JP" altLang="en-US" sz="3200" dirty="0"/>
+              <a:t>：</a:t>
+            </a:r>
+            <a:endParaRPr kumimoji="1" lang="en-US" altLang="ja-JP" sz="3200" dirty="0" smtClean="0"/>
           </a:p>
           <a:p>
             <a:pPr algn="r"/>
@@ -5387,7 +5487,7 @@
         </p:nvSpPr>
         <p:spPr>
           <a:xfrm>
-            <a:off x="5565477" y="3446567"/>
+            <a:off x="5584326" y="2970720"/>
             <a:ext cx="1683358" cy="369332"/>
           </a:xfrm>
           <a:prstGeom prst="rect">
@@ -5491,7 +5591,7 @@
         </p:nvSpPr>
         <p:spPr>
           <a:xfrm>
-            <a:off x="4552552" y="1846535"/>
+            <a:off x="4571401" y="1370688"/>
             <a:ext cx="1900500" cy="584775"/>
           </a:xfrm>
           <a:prstGeom prst="rect">
@@ -5521,7 +5621,7 @@
         </p:nvSpPr>
         <p:spPr>
           <a:xfrm>
-            <a:off x="5565476" y="3923216"/>
+            <a:off x="5584325" y="3447369"/>
             <a:ext cx="1683358" cy="369332"/>
           </a:xfrm>
           <a:prstGeom prst="rect">
@@ -5553,7 +5653,7 @@
         </p:nvSpPr>
         <p:spPr>
           <a:xfrm>
-            <a:off x="8449171" y="1996099"/>
+            <a:off x="8468020" y="1520252"/>
             <a:ext cx="3593276" cy="646331"/>
           </a:xfrm>
           <a:prstGeom prst="rect">
@@ -5607,7 +5707,7 @@
         </p:nvSpPr>
         <p:spPr>
           <a:xfrm>
-            <a:off x="7492181" y="2992597"/>
+            <a:off x="7511030" y="2516750"/>
             <a:ext cx="383458" cy="369332"/>
           </a:xfrm>
           <a:prstGeom prst="rect">
@@ -5655,7 +5755,7 @@
         </p:nvCxnSpPr>
         <p:spPr>
           <a:xfrm flipH="1">
-            <a:off x="7896934" y="2370247"/>
+            <a:off x="7915783" y="1894400"/>
             <a:ext cx="573532" cy="544365"/>
           </a:xfrm>
           <a:prstGeom prst="straightConnector1">
@@ -5688,7 +5788,7 @@
         </p:nvSpPr>
         <p:spPr>
           <a:xfrm>
-            <a:off x="9017075" y="2824164"/>
+            <a:off x="9628071" y="4592906"/>
             <a:ext cx="2400934" cy="646331"/>
           </a:xfrm>
           <a:prstGeom prst="rect">
@@ -5817,7 +5917,7 @@
         </p:nvCxnSpPr>
         <p:spPr>
           <a:xfrm flipH="1">
-            <a:off x="7439734" y="4114800"/>
+            <a:off x="7458583" y="3638953"/>
             <a:ext cx="1165122" cy="0"/>
           </a:xfrm>
           <a:prstGeom prst="straightConnector1">
@@ -5850,7 +5950,7 @@
         </p:nvSpPr>
         <p:spPr>
           <a:xfrm>
-            <a:off x="8787245" y="3675478"/>
+            <a:off x="8806094" y="3199631"/>
             <a:ext cx="2917127" cy="923330"/>
           </a:xfrm>
           <a:prstGeom prst="rect">
@@ -5905,6 +6005,149 @@
             <a:r>
               <a:rPr kumimoji="1" lang="ja-JP" altLang="en-US" dirty="0" smtClean="0"/>
               <a:t>ここでは基本的に送信する前からエラーを見つけてエラーがなくなるまで送信させないようにしたい。</a:t>
+            </a:r>
+            <a:endParaRPr kumimoji="1" lang="ja-JP" altLang="en-US" dirty="0"/>
+          </a:p>
+        </p:txBody>
+      </p:sp>
+      <p:sp>
+        <p:nvSpPr>
+          <p:cNvPr id="21" name="テキスト ボックス 20"/>
+          <p:cNvSpPr txBox="1"/>
+          <p:nvPr/>
+        </p:nvSpPr>
+        <p:spPr>
+          <a:xfrm>
+            <a:off x="5584325" y="3979881"/>
+            <a:ext cx="1683358" cy="369332"/>
+          </a:xfrm>
+          <a:prstGeom prst="rect">
+            <a:avLst/>
+          </a:prstGeom>
+          <a:noFill/>
+          <a:ln>
+            <a:solidFill>
+              <a:schemeClr val="tx1"/>
+            </a:solidFill>
+          </a:ln>
+        </p:spPr>
+        <p:txBody>
+          <a:bodyPr wrap="square" rtlCol="0">
+            <a:spAutoFit/>
+          </a:bodyPr>
+          <a:lstStyle/>
+          <a:p>
+            <a:pPr algn="ctr"/>
+            <a:endParaRPr kumimoji="1" lang="ja-JP" altLang="en-US" dirty="0"/>
+          </a:p>
+        </p:txBody>
+      </p:sp>
+      <p:sp>
+        <p:nvSpPr>
+          <p:cNvPr id="25" name="正方形/長方形 24"/>
+          <p:cNvSpPr/>
+          <p:nvPr/>
+        </p:nvSpPr>
+        <p:spPr>
+          <a:xfrm>
+            <a:off x="7511030" y="2977014"/>
+            <a:ext cx="383458" cy="369332"/>
+          </a:xfrm>
+          <a:prstGeom prst="rect">
+            <a:avLst/>
+          </a:prstGeom>
+          <a:solidFill>
+            <a:schemeClr val="accent2"/>
+          </a:solidFill>
+          <a:ln>
+            <a:solidFill>
+              <a:schemeClr val="accent2"/>
+            </a:solidFill>
+          </a:ln>
+        </p:spPr>
+        <p:style>
+          <a:lnRef idx="2">
+            <a:schemeClr val="accent1">
+              <a:shade val="50000"/>
+            </a:schemeClr>
+          </a:lnRef>
+          <a:fillRef idx="1">
+            <a:schemeClr val="accent1"/>
+          </a:fillRef>
+          <a:effectRef idx="0">
+            <a:schemeClr val="accent1"/>
+          </a:effectRef>
+          <a:fontRef idx="minor">
+            <a:schemeClr val="lt1"/>
+          </a:fontRef>
+        </p:style>
+        <p:txBody>
+          <a:bodyPr rtlCol="0" anchor="ctr"/>
+          <a:lstStyle/>
+          <a:p>
+            <a:pPr algn="ctr"/>
+            <a:endParaRPr kumimoji="1" lang="ja-JP" altLang="en-US"/>
+          </a:p>
+        </p:txBody>
+      </p:sp>
+      <p:cxnSp>
+        <p:nvCxnSpPr>
+          <p:cNvPr id="26" name="直線矢印コネクタ 25"/>
+          <p:cNvCxnSpPr/>
+          <p:nvPr/>
+        </p:nvCxnSpPr>
+        <p:spPr>
+          <a:xfrm flipH="1">
+            <a:off x="7978481" y="2812913"/>
+            <a:ext cx="597703" cy="342473"/>
+          </a:xfrm>
+          <a:prstGeom prst="straightConnector1">
+            <a:avLst/>
+          </a:prstGeom>
+          <a:ln w="25400">
+            <a:tailEnd type="triangle"/>
+          </a:ln>
+        </p:spPr>
+        <p:style>
+          <a:lnRef idx="1">
+            <a:schemeClr val="accent1"/>
+          </a:lnRef>
+          <a:fillRef idx="0">
+            <a:schemeClr val="accent1"/>
+          </a:fillRef>
+          <a:effectRef idx="0">
+            <a:schemeClr val="accent1"/>
+          </a:effectRef>
+          <a:fontRef idx="minor">
+            <a:schemeClr val="tx1"/>
+          </a:fontRef>
+        </p:style>
+      </p:cxnSp>
+      <p:sp>
+        <p:nvSpPr>
+          <p:cNvPr id="17" name="テキスト ボックス 16"/>
+          <p:cNvSpPr txBox="1"/>
+          <p:nvPr/>
+        </p:nvSpPr>
+        <p:spPr>
+          <a:xfrm>
+            <a:off x="8660177" y="2572010"/>
+            <a:ext cx="2917127" cy="369332"/>
+          </a:xfrm>
+          <a:prstGeom prst="rect">
+            <a:avLst/>
+          </a:prstGeom>
+          <a:noFill/>
+        </p:spPr>
+        <p:txBody>
+          <a:bodyPr wrap="square" rtlCol="0">
+            <a:spAutoFit/>
+          </a:bodyPr>
+          <a:lstStyle/>
+          <a:p>
+            <a:r>
+              <a:rPr kumimoji="1" lang="ja-JP" altLang="en-US" dirty="0" smtClean="0"/>
+              <a:t>これも重複チェックする？</a:t>
             </a:r>
             <a:endParaRPr kumimoji="1" lang="ja-JP" altLang="en-US" dirty="0"/>
           </a:p>
@@ -6030,8 +6273,8 @@
         </p:nvSpPr>
         <p:spPr>
           <a:xfrm>
-            <a:off x="353961" y="1442017"/>
-            <a:ext cx="5486399" cy="4472086"/>
+            <a:off x="353961" y="1076632"/>
+            <a:ext cx="5486399" cy="4837471"/>
           </a:xfrm>
           <a:prstGeom prst="rect">
             <a:avLst/>
@@ -6076,7 +6319,7 @@
         </p:nvSpPr>
         <p:spPr>
           <a:xfrm>
-            <a:off x="3072998" y="3331809"/>
+            <a:off x="3043501" y="2809776"/>
             <a:ext cx="1683359" cy="369332"/>
           </a:xfrm>
           <a:prstGeom prst="rect">
@@ -6108,8 +6351,8 @@
         </p:nvSpPr>
         <p:spPr>
           <a:xfrm>
-            <a:off x="237628" y="3185615"/>
-            <a:ext cx="2772696" cy="1569660"/>
+            <a:off x="208131" y="2663582"/>
+            <a:ext cx="2772696" cy="2062103"/>
           </a:xfrm>
           <a:prstGeom prst="rect">
             <a:avLst/>
@@ -6129,8 +6372,24 @@
             </a:r>
             <a:r>
               <a:rPr kumimoji="1" lang="en-US" altLang="ja-JP" sz="3200" dirty="0" smtClean="0"/>
-              <a:t>ID:</a:t>
-            </a:r>
+              <a:t>ID</a:t>
+            </a:r>
+            <a:r>
+              <a:rPr kumimoji="1" lang="en-US" altLang="ja-JP" sz="3200" dirty="0" smtClean="0"/>
+              <a:t>:</a:t>
+            </a:r>
+          </a:p>
+          <a:p>
+            <a:pPr algn="r"/>
+            <a:r>
+              <a:rPr lang="ja-JP" altLang="en-US" sz="3200" dirty="0" smtClean="0"/>
+              <a:t>ニックネーム</a:t>
+            </a:r>
+            <a:r>
+              <a:rPr lang="ja-JP" altLang="en-US" sz="3200" dirty="0"/>
+              <a:t>：</a:t>
+            </a:r>
+            <a:endParaRPr kumimoji="1" lang="en-US" altLang="ja-JP" sz="3200" dirty="0" smtClean="0"/>
           </a:p>
           <a:p>
             <a:pPr algn="r"/>
@@ -6161,7 +6420,7 @@
         </p:nvSpPr>
         <p:spPr>
           <a:xfrm>
-            <a:off x="3072999" y="3785779"/>
+            <a:off x="3043502" y="3263746"/>
             <a:ext cx="1683358" cy="369332"/>
           </a:xfrm>
           <a:prstGeom prst="rect">
@@ -6265,7 +6524,7 @@
         </p:nvSpPr>
         <p:spPr>
           <a:xfrm>
-            <a:off x="2060074" y="1713799"/>
+            <a:off x="2030577" y="1191766"/>
             <a:ext cx="1900500" cy="584775"/>
           </a:xfrm>
           <a:prstGeom prst="rect">
@@ -6295,7 +6554,7 @@
         </p:nvSpPr>
         <p:spPr>
           <a:xfrm>
-            <a:off x="3072998" y="4262428"/>
+            <a:off x="3043501" y="3740395"/>
             <a:ext cx="1683358" cy="369332"/>
           </a:xfrm>
           <a:prstGeom prst="rect">
@@ -6327,7 +6586,7 @@
         </p:nvSpPr>
         <p:spPr>
           <a:xfrm>
-            <a:off x="4999703" y="3331809"/>
+            <a:off x="4995378" y="2791762"/>
             <a:ext cx="383458" cy="369332"/>
           </a:xfrm>
           <a:prstGeom prst="rect">
@@ -6375,7 +6634,7 @@
         </p:nvSpPr>
         <p:spPr>
           <a:xfrm>
-            <a:off x="728012" y="2503436"/>
+            <a:off x="698515" y="1981403"/>
             <a:ext cx="4844843" cy="461665"/>
           </a:xfrm>
           <a:prstGeom prst="rect">
@@ -6445,8 +6704,8 @@
         </p:nvSpPr>
         <p:spPr>
           <a:xfrm>
-            <a:off x="6387702" y="1442017"/>
-            <a:ext cx="5486399" cy="4472086"/>
+            <a:off x="6387702" y="1076632"/>
+            <a:ext cx="5486399" cy="4837471"/>
           </a:xfrm>
           <a:prstGeom prst="rect">
             <a:avLst/>
@@ -6491,8 +6750,8 @@
         </p:nvSpPr>
         <p:spPr>
           <a:xfrm>
-            <a:off x="6271369" y="3185615"/>
-            <a:ext cx="2772696" cy="1569660"/>
+            <a:off x="6241872" y="2663582"/>
+            <a:ext cx="2772696" cy="2062103"/>
           </a:xfrm>
           <a:prstGeom prst="rect">
             <a:avLst/>
@@ -6512,8 +6771,24 @@
             </a:r>
             <a:r>
               <a:rPr kumimoji="1" lang="en-US" altLang="ja-JP" sz="3200" dirty="0" smtClean="0"/>
-              <a:t>ID:</a:t>
-            </a:r>
+              <a:t>ID</a:t>
+            </a:r>
+            <a:r>
+              <a:rPr kumimoji="1" lang="en-US" altLang="ja-JP" sz="3200" dirty="0" smtClean="0"/>
+              <a:t>:</a:t>
+            </a:r>
+          </a:p>
+          <a:p>
+            <a:pPr algn="r"/>
+            <a:r>
+              <a:rPr lang="ja-JP" altLang="en-US" sz="3200" dirty="0" smtClean="0"/>
+              <a:t>ニックネーム</a:t>
+            </a:r>
+            <a:r>
+              <a:rPr lang="ja-JP" altLang="en-US" sz="3200" dirty="0"/>
+              <a:t>：</a:t>
+            </a:r>
+            <a:endParaRPr kumimoji="1" lang="en-US" altLang="ja-JP" sz="3200" dirty="0" smtClean="0"/>
           </a:p>
           <a:p>
             <a:pPr algn="r"/>
@@ -6616,7 +6891,7 @@
         </p:nvSpPr>
         <p:spPr>
           <a:xfrm>
-            <a:off x="8093815" y="1713799"/>
+            <a:off x="8064318" y="1191766"/>
             <a:ext cx="1900500" cy="584775"/>
           </a:xfrm>
           <a:prstGeom prst="rect">
@@ -6646,7 +6921,7 @@
         </p:nvSpPr>
         <p:spPr>
           <a:xfrm>
-            <a:off x="11033444" y="3331809"/>
+            <a:off x="10897660" y="2786695"/>
             <a:ext cx="383458" cy="369332"/>
           </a:xfrm>
           <a:prstGeom prst="rect">
@@ -6694,7 +6969,7 @@
         </p:nvSpPr>
         <p:spPr>
           <a:xfrm>
-            <a:off x="6761753" y="2503436"/>
+            <a:off x="6732256" y="1981403"/>
             <a:ext cx="4844843" cy="461665"/>
           </a:xfrm>
           <a:prstGeom prst="rect">
@@ -6748,7 +7023,7 @@
         </p:nvSpPr>
         <p:spPr>
           <a:xfrm>
-            <a:off x="9034274" y="3308728"/>
+            <a:off x="9004777" y="2786695"/>
             <a:ext cx="1683358" cy="369332"/>
           </a:xfrm>
           <a:prstGeom prst="rect">
@@ -6783,7 +7058,7 @@
         </p:nvSpPr>
         <p:spPr>
           <a:xfrm>
-            <a:off x="9044065" y="3785779"/>
+            <a:off x="9012533" y="4267790"/>
             <a:ext cx="1683358" cy="369332"/>
           </a:xfrm>
           <a:prstGeom prst="rect">
@@ -6818,7 +7093,7 @@
         </p:nvSpPr>
         <p:spPr>
           <a:xfrm>
-            <a:off x="9039995" y="4286770"/>
+            <a:off x="9010498" y="3764737"/>
             <a:ext cx="1683358" cy="369332"/>
           </a:xfrm>
           <a:prstGeom prst="rect">
@@ -6840,6 +7115,207 @@
             <a:r>
               <a:rPr kumimoji="1" lang="en-US" altLang="ja-JP" dirty="0" smtClean="0"/>
               <a:t>******</a:t>
+            </a:r>
+            <a:endParaRPr kumimoji="1" lang="ja-JP" altLang="en-US" dirty="0"/>
+          </a:p>
+        </p:txBody>
+      </p:sp>
+      <p:sp>
+        <p:nvSpPr>
+          <p:cNvPr id="24" name="テキスト ボックス 23"/>
+          <p:cNvSpPr txBox="1"/>
+          <p:nvPr/>
+        </p:nvSpPr>
+        <p:spPr>
+          <a:xfrm>
+            <a:off x="3043501" y="4264078"/>
+            <a:ext cx="1683358" cy="369332"/>
+          </a:xfrm>
+          <a:prstGeom prst="rect">
+            <a:avLst/>
+          </a:prstGeom>
+          <a:noFill/>
+          <a:ln>
+            <a:solidFill>
+              <a:schemeClr val="tx1"/>
+            </a:solidFill>
+          </a:ln>
+        </p:spPr>
+        <p:txBody>
+          <a:bodyPr wrap="square" rtlCol="0">
+            <a:spAutoFit/>
+          </a:bodyPr>
+          <a:lstStyle/>
+          <a:p>
+            <a:pPr algn="ctr"/>
+            <a:endParaRPr kumimoji="1" lang="ja-JP" altLang="en-US" dirty="0"/>
+          </a:p>
+        </p:txBody>
+      </p:sp>
+      <p:sp>
+        <p:nvSpPr>
+          <p:cNvPr id="34" name="正方形/長方形 33"/>
+          <p:cNvSpPr/>
+          <p:nvPr/>
+        </p:nvSpPr>
+        <p:spPr>
+          <a:xfrm>
+            <a:off x="4978406" y="3263746"/>
+            <a:ext cx="383458" cy="369332"/>
+          </a:xfrm>
+          <a:prstGeom prst="rect">
+            <a:avLst/>
+          </a:prstGeom>
+          <a:solidFill>
+            <a:schemeClr val="accent2"/>
+          </a:solidFill>
+          <a:ln>
+            <a:solidFill>
+              <a:schemeClr val="accent2"/>
+            </a:solidFill>
+          </a:ln>
+        </p:spPr>
+        <p:style>
+          <a:lnRef idx="2">
+            <a:schemeClr val="accent1">
+              <a:shade val="50000"/>
+            </a:schemeClr>
+          </a:lnRef>
+          <a:fillRef idx="1">
+            <a:schemeClr val="accent1"/>
+          </a:fillRef>
+          <a:effectRef idx="0">
+            <a:schemeClr val="accent1"/>
+          </a:effectRef>
+          <a:fontRef idx="minor">
+            <a:schemeClr val="lt1"/>
+          </a:fontRef>
+        </p:style>
+        <p:txBody>
+          <a:bodyPr rtlCol="0" anchor="ctr"/>
+          <a:lstStyle/>
+          <a:p>
+            <a:pPr algn="ctr"/>
+            <a:endParaRPr kumimoji="1" lang="ja-JP" altLang="en-US"/>
+          </a:p>
+        </p:txBody>
+      </p:sp>
+      <p:sp>
+        <p:nvSpPr>
+          <p:cNvPr id="35" name="正方形/長方形 34"/>
+          <p:cNvSpPr/>
+          <p:nvPr/>
+        </p:nvSpPr>
+        <p:spPr>
+          <a:xfrm>
+            <a:off x="10897660" y="3287496"/>
+            <a:ext cx="383458" cy="369332"/>
+          </a:xfrm>
+          <a:prstGeom prst="rect">
+            <a:avLst/>
+          </a:prstGeom>
+          <a:solidFill>
+            <a:schemeClr val="accent2"/>
+          </a:solidFill>
+          <a:ln>
+            <a:solidFill>
+              <a:schemeClr val="accent2"/>
+            </a:solidFill>
+          </a:ln>
+        </p:spPr>
+        <p:style>
+          <a:lnRef idx="2">
+            <a:schemeClr val="accent1">
+              <a:shade val="50000"/>
+            </a:schemeClr>
+          </a:lnRef>
+          <a:fillRef idx="1">
+            <a:schemeClr val="accent1"/>
+          </a:fillRef>
+          <a:effectRef idx="0">
+            <a:schemeClr val="accent1"/>
+          </a:effectRef>
+          <a:fontRef idx="minor">
+            <a:schemeClr val="lt1"/>
+          </a:fontRef>
+        </p:style>
+        <p:txBody>
+          <a:bodyPr rtlCol="0" anchor="ctr"/>
+          <a:lstStyle/>
+          <a:p>
+            <a:pPr algn="ctr"/>
+            <a:endParaRPr kumimoji="1" lang="ja-JP" altLang="en-US"/>
+          </a:p>
+        </p:txBody>
+      </p:sp>
+      <p:sp>
+        <p:nvSpPr>
+          <p:cNvPr id="36" name="テキスト ボックス 35"/>
+          <p:cNvSpPr txBox="1"/>
+          <p:nvPr/>
+        </p:nvSpPr>
+        <p:spPr>
+          <a:xfrm>
+            <a:off x="9004777" y="3275716"/>
+            <a:ext cx="1683358" cy="369332"/>
+          </a:xfrm>
+          <a:prstGeom prst="rect">
+            <a:avLst/>
+          </a:prstGeom>
+          <a:noFill/>
+          <a:ln>
+            <a:solidFill>
+              <a:schemeClr val="tx1"/>
+            </a:solidFill>
+          </a:ln>
+        </p:spPr>
+        <p:txBody>
+          <a:bodyPr wrap="square" rtlCol="0">
+            <a:spAutoFit/>
+          </a:bodyPr>
+          <a:lstStyle/>
+          <a:p>
+            <a:r>
+              <a:rPr kumimoji="1" lang="ja-JP" altLang="en-US" dirty="0" smtClean="0"/>
+              <a:t>広瀬太郎</a:t>
+            </a:r>
+            <a:endParaRPr kumimoji="1" lang="ja-JP" altLang="en-US" dirty="0"/>
+          </a:p>
+        </p:txBody>
+      </p:sp>
+      <p:sp>
+        <p:nvSpPr>
+          <p:cNvPr id="11" name="テキスト ボックス 10"/>
+          <p:cNvSpPr txBox="1"/>
+          <p:nvPr/>
+        </p:nvSpPr>
+        <p:spPr>
+          <a:xfrm>
+            <a:off x="879753" y="6068454"/>
+            <a:ext cx="4550703" cy="646331"/>
+          </a:xfrm>
+          <a:prstGeom prst="rect">
+            <a:avLst/>
+          </a:prstGeom>
+          <a:noFill/>
+        </p:spPr>
+        <p:txBody>
+          <a:bodyPr wrap="square" rtlCol="0">
+            <a:spAutoFit/>
+          </a:bodyPr>
+          <a:lstStyle/>
+          <a:p>
+            <a:r>
+              <a:rPr kumimoji="1" lang="ja-JP" altLang="en-US" dirty="0" smtClean="0"/>
+              <a:t>エラー部分は赤字にするか</a:t>
+            </a:r>
+            <a:r>
+              <a:rPr kumimoji="1" lang="en-US" altLang="ja-JP" dirty="0" smtClean="0"/>
+              <a:t>※</a:t>
+            </a:r>
+            <a:r>
+              <a:rPr lang="ja-JP" altLang="en-US" dirty="0" smtClean="0"/>
+              <a:t>をつけるようにするといいかもしれない。</a:t>
             </a:r>
             <a:endParaRPr kumimoji="1" lang="ja-JP" altLang="en-US" dirty="0"/>
           </a:p>
@@ -6965,8 +7441,8 @@
         </p:nvSpPr>
         <p:spPr>
           <a:xfrm>
-            <a:off x="353961" y="1442017"/>
-            <a:ext cx="5486399" cy="4472086"/>
+            <a:off x="353961" y="1191766"/>
+            <a:ext cx="5486399" cy="4722337"/>
           </a:xfrm>
           <a:prstGeom prst="rect">
             <a:avLst/>
@@ -7011,8 +7487,8 @@
         </p:nvSpPr>
         <p:spPr>
           <a:xfrm>
-            <a:off x="237628" y="3185615"/>
-            <a:ext cx="2772696" cy="1569660"/>
+            <a:off x="353961" y="2833119"/>
+            <a:ext cx="2772696" cy="2062103"/>
           </a:xfrm>
           <a:prstGeom prst="rect">
             <a:avLst/>
@@ -7032,8 +7508,20 @@
             </a:r>
             <a:r>
               <a:rPr kumimoji="1" lang="en-US" altLang="ja-JP" sz="3200" dirty="0" smtClean="0"/>
-              <a:t>ID:</a:t>
-            </a:r>
+              <a:t>ID</a:t>
+            </a:r>
+            <a:r>
+              <a:rPr kumimoji="1" lang="en-US" altLang="ja-JP" sz="3200" dirty="0" smtClean="0"/>
+              <a:t>:</a:t>
+            </a:r>
+          </a:p>
+          <a:p>
+            <a:pPr algn="r"/>
+            <a:r>
+              <a:rPr lang="ja-JP" altLang="en-US" sz="3200" dirty="0"/>
+              <a:t>ニックネーム</a:t>
+            </a:r>
+            <a:endParaRPr kumimoji="1" lang="en-US" altLang="ja-JP" sz="3200" dirty="0" smtClean="0"/>
           </a:p>
           <a:p>
             <a:pPr algn="r"/>
@@ -7136,7 +7624,7 @@
         </p:nvSpPr>
         <p:spPr>
           <a:xfrm>
-            <a:off x="2060074" y="1713799"/>
+            <a:off x="2176407" y="1361303"/>
             <a:ext cx="1900500" cy="584775"/>
           </a:xfrm>
           <a:prstGeom prst="rect">
@@ -7166,7 +7654,7 @@
         </p:nvSpPr>
         <p:spPr>
           <a:xfrm>
-            <a:off x="4999703" y="3331809"/>
+            <a:off x="5116036" y="2979313"/>
             <a:ext cx="383458" cy="369332"/>
           </a:xfrm>
           <a:prstGeom prst="rect">
@@ -7214,7 +7702,7 @@
         </p:nvSpPr>
         <p:spPr>
           <a:xfrm>
-            <a:off x="728012" y="2503436"/>
+            <a:off x="844345" y="2150940"/>
             <a:ext cx="4844843" cy="461665"/>
           </a:xfrm>
           <a:prstGeom prst="rect">
@@ -7260,7 +7748,7 @@
         </p:nvSpPr>
         <p:spPr>
           <a:xfrm>
-            <a:off x="3081828" y="3328566"/>
+            <a:off x="3198161" y="2976070"/>
             <a:ext cx="1683358" cy="369332"/>
           </a:xfrm>
           <a:prstGeom prst="rect">
@@ -7295,7 +7783,7 @@
         </p:nvSpPr>
         <p:spPr>
           <a:xfrm>
-            <a:off x="3091619" y="3805617"/>
+            <a:off x="3198161" y="3923305"/>
             <a:ext cx="1683358" cy="369332"/>
           </a:xfrm>
           <a:prstGeom prst="rect">
@@ -7330,7 +7818,7 @@
         </p:nvSpPr>
         <p:spPr>
           <a:xfrm>
-            <a:off x="3087549" y="4306608"/>
+            <a:off x="3194091" y="4424296"/>
             <a:ext cx="1683358" cy="369332"/>
           </a:xfrm>
           <a:prstGeom prst="rect">
@@ -7354,6 +7842,93 @@
               <a:t>*****</a:t>
             </a:r>
             <a:endParaRPr kumimoji="1" lang="ja-JP" altLang="en-US" dirty="0"/>
+          </a:p>
+        </p:txBody>
+      </p:sp>
+      <p:sp>
+        <p:nvSpPr>
+          <p:cNvPr id="13" name="テキスト ボックス 12"/>
+          <p:cNvSpPr txBox="1"/>
+          <p:nvPr/>
+        </p:nvSpPr>
+        <p:spPr>
+          <a:xfrm>
+            <a:off x="3185258" y="3438070"/>
+            <a:ext cx="1683358" cy="369332"/>
+          </a:xfrm>
+          <a:prstGeom prst="rect">
+            <a:avLst/>
+          </a:prstGeom>
+          <a:noFill/>
+          <a:ln>
+            <a:solidFill>
+              <a:schemeClr val="tx1"/>
+            </a:solidFill>
+          </a:ln>
+        </p:spPr>
+        <p:txBody>
+          <a:bodyPr wrap="square" rtlCol="0">
+            <a:spAutoFit/>
+          </a:bodyPr>
+          <a:lstStyle/>
+          <a:p>
+            <a:r>
+              <a:rPr lang="ja-JP" altLang="en-US" dirty="0" smtClean="0"/>
+              <a:t>広瀬</a:t>
+            </a:r>
+            <a:r>
+              <a:rPr lang="ja-JP" altLang="en-US" dirty="0"/>
+              <a:t>太郎</a:t>
+            </a:r>
+            <a:endParaRPr kumimoji="1" lang="ja-JP" altLang="en-US" dirty="0"/>
+          </a:p>
+        </p:txBody>
+      </p:sp>
+      <p:sp>
+        <p:nvSpPr>
+          <p:cNvPr id="14" name="正方形/長方形 13"/>
+          <p:cNvSpPr/>
+          <p:nvPr/>
+        </p:nvSpPr>
+        <p:spPr>
+          <a:xfrm>
+            <a:off x="5116036" y="3425017"/>
+            <a:ext cx="383458" cy="369332"/>
+          </a:xfrm>
+          <a:prstGeom prst="rect">
+            <a:avLst/>
+          </a:prstGeom>
+          <a:solidFill>
+            <a:schemeClr val="accent2"/>
+          </a:solidFill>
+          <a:ln>
+            <a:solidFill>
+              <a:schemeClr val="accent2"/>
+            </a:solidFill>
+          </a:ln>
+        </p:spPr>
+        <p:style>
+          <a:lnRef idx="2">
+            <a:schemeClr val="accent1">
+              <a:shade val="50000"/>
+            </a:schemeClr>
+          </a:lnRef>
+          <a:fillRef idx="1">
+            <a:schemeClr val="accent1"/>
+          </a:fillRef>
+          <a:effectRef idx="0">
+            <a:schemeClr val="accent1"/>
+          </a:effectRef>
+          <a:fontRef idx="minor">
+            <a:schemeClr val="lt1"/>
+          </a:fontRef>
+        </p:style>
+        <p:txBody>
+          <a:bodyPr rtlCol="0" anchor="ctr"/>
+          <a:lstStyle/>
+          <a:p>
+            <a:pPr algn="ctr"/>
+            <a:endParaRPr kumimoji="1" lang="ja-JP" altLang="en-US"/>
           </a:p>
         </p:txBody>
       </p:sp>

--- a/design/HTMLページ設計.pptx
+++ b/design/HTMLページ設計.pptx
@@ -5607,7 +5607,7 @@
           <a:p>
             <a:r>
               <a:rPr kumimoji="1" lang="ja-JP" altLang="en-US" sz="3200" dirty="0" smtClean="0"/>
-              <a:t>ログイン</a:t>
+              <a:t>会員登録</a:t>
             </a:r>
             <a:endParaRPr kumimoji="1" lang="ja-JP" altLang="en-US" sz="3200" dirty="0"/>
           </a:p>
@@ -6539,8 +6539,12 @@
           <a:lstStyle/>
           <a:p>
             <a:r>
-              <a:rPr kumimoji="1" lang="ja-JP" altLang="en-US" sz="3200" dirty="0" smtClean="0"/>
-              <a:t>ログイン</a:t>
+              <a:rPr lang="ja-JP" altLang="en-US" sz="3200" dirty="0" smtClean="0"/>
+              <a:t>会員</a:t>
+            </a:r>
+            <a:r>
+              <a:rPr lang="ja-JP" altLang="en-US" sz="3200" dirty="0"/>
+              <a:t>登録</a:t>
             </a:r>
             <a:endParaRPr kumimoji="1" lang="ja-JP" altLang="en-US" sz="3200" dirty="0"/>
           </a:p>
@@ -6906,8 +6910,12 @@
           <a:lstStyle/>
           <a:p>
             <a:r>
-              <a:rPr kumimoji="1" lang="ja-JP" altLang="en-US" sz="3200" dirty="0" smtClean="0"/>
-              <a:t>ログイン</a:t>
+              <a:rPr lang="ja-JP" altLang="en-US" sz="3200" dirty="0" smtClean="0"/>
+              <a:t>会員</a:t>
+            </a:r>
+            <a:r>
+              <a:rPr lang="ja-JP" altLang="en-US" sz="3200" dirty="0"/>
+              <a:t>登録</a:t>
             </a:r>
             <a:endParaRPr kumimoji="1" lang="ja-JP" altLang="en-US" sz="3200" dirty="0"/>
           </a:p>
@@ -7518,8 +7526,8 @@
           <a:p>
             <a:pPr algn="r"/>
             <a:r>
-              <a:rPr lang="ja-JP" altLang="en-US" sz="3200" dirty="0"/>
-              <a:t>ニックネーム</a:t>
+              <a:rPr lang="ja-JP" altLang="en-US" sz="3200" dirty="0" smtClean="0"/>
+              <a:t>ニックネーム：</a:t>
             </a:r>
             <a:endParaRPr kumimoji="1" lang="en-US" altLang="ja-JP" sz="3200" dirty="0" smtClean="0"/>
           </a:p>
@@ -7640,7 +7648,7 @@
           <a:p>
             <a:r>
               <a:rPr kumimoji="1" lang="ja-JP" altLang="en-US" sz="3200" dirty="0" smtClean="0"/>
-              <a:t>ログイン</a:t>
+              <a:t>会員登録</a:t>
             </a:r>
             <a:endParaRPr kumimoji="1" lang="ja-JP" altLang="en-US" sz="3200" dirty="0"/>
           </a:p>

--- a/design/HTMLページ設計.pptx
+++ b/design/HTMLページ設計.pptx
@@ -5,7 +5,7 @@
     <p:sldMasterId id="2147483648" r:id="rId1"/>
   </p:sldMasterIdLst>
   <p:notesMasterIdLst>
-    <p:notesMasterId r:id="rId10"/>
+    <p:notesMasterId r:id="rId11"/>
   </p:notesMasterIdLst>
   <p:sldIdLst>
     <p:sldId id="256" r:id="rId2"/>
@@ -14,8 +14,9 @@
     <p:sldId id="262" r:id="rId5"/>
     <p:sldId id="260" r:id="rId6"/>
     <p:sldId id="257" r:id="rId7"/>
-    <p:sldId id="259" r:id="rId8"/>
-    <p:sldId id="263" r:id="rId9"/>
+    <p:sldId id="264" r:id="rId8"/>
+    <p:sldId id="259" r:id="rId9"/>
+    <p:sldId id="263" r:id="rId10"/>
   </p:sldIdLst>
   <p:sldSz cx="12192000" cy="6858000"/>
   <p:notesSz cx="6858000" cy="9144000"/>
@@ -216,7 +217,7 @@
           <a:p>
             <a:fld id="{90F65A9B-149C-45BC-B72F-FB324D6DE1AA}" type="datetimeFigureOut">
               <a:rPr kumimoji="1" lang="ja-JP" altLang="en-US" smtClean="0"/>
-              <a:t>2013/12/31</a:t>
+              <a:t>2014/1/3</a:t>
             </a:fld>
             <a:endParaRPr kumimoji="1" lang="ja-JP" altLang="en-US"/>
           </a:p>
@@ -1123,7 +1124,68 @@
           <a:p>
             <a:r>
               <a:rPr kumimoji="1" lang="ja-JP" altLang="en-US" dirty="0" smtClean="0"/>
-              <a:t>今は全然ないが、おそらく一番ページ数が多くなるところ。ゲームの内容が結構あるため、他のゲームサイトのガイドを参考にして設計していきたい。</a:t>
+              <a:t>失敗の出力を</a:t>
+            </a:r>
+            <a:r>
+              <a:rPr kumimoji="1" lang="en-US" altLang="ja-JP" dirty="0" smtClean="0"/>
+              <a:t>2</a:t>
+            </a:r>
+            <a:r>
+              <a:rPr kumimoji="1" lang="ja-JP" altLang="en-US" dirty="0" smtClean="0"/>
+              <a:t>種類に分けた。</a:t>
+            </a:r>
+            <a:endParaRPr kumimoji="1" lang="en-US" altLang="ja-JP" dirty="0" smtClean="0"/>
+          </a:p>
+          <a:p>
+            <a:r>
+              <a:rPr kumimoji="1" lang="ja-JP" altLang="en-US" dirty="0" smtClean="0"/>
+              <a:t>そもそも</a:t>
+            </a:r>
+            <a:r>
+              <a:rPr kumimoji="1" lang="en-US" altLang="ja-JP" dirty="0" smtClean="0"/>
+              <a:t>ID</a:t>
+            </a:r>
+            <a:r>
+              <a:rPr kumimoji="1" lang="ja-JP" altLang="en-US" dirty="0" err="1" smtClean="0"/>
+              <a:t>が存</a:t>
+            </a:r>
+            <a:r>
+              <a:rPr kumimoji="1" lang="ja-JP" altLang="en-US" dirty="0" smtClean="0"/>
+              <a:t>在していない時はそのことを伝えるようにした。</a:t>
+            </a:r>
+            <a:endParaRPr kumimoji="1" lang="en-US" altLang="ja-JP" dirty="0" smtClean="0"/>
+          </a:p>
+          <a:p>
+            <a:r>
+              <a:rPr kumimoji="1" lang="ja-JP" altLang="en-US" dirty="0" smtClean="0"/>
+              <a:t>これによってこの</a:t>
+            </a:r>
+            <a:r>
+              <a:rPr kumimoji="1" lang="en-US" altLang="ja-JP" dirty="0" smtClean="0"/>
+              <a:t>ID</a:t>
+            </a:r>
+            <a:r>
+              <a:rPr kumimoji="1" lang="ja-JP" altLang="en-US" dirty="0" smtClean="0"/>
+              <a:t>に対して攻撃を行うことが出来てしまうが、</a:t>
+            </a:r>
+            <a:endParaRPr kumimoji="1" lang="en-US" altLang="ja-JP" dirty="0" smtClean="0"/>
+          </a:p>
+          <a:p>
+            <a:r>
+              <a:rPr kumimoji="1" lang="ja-JP" altLang="en-US" dirty="0" smtClean="0"/>
+              <a:t>ユーザーにとってそもそもこの</a:t>
+            </a:r>
+            <a:r>
+              <a:rPr kumimoji="1" lang="en-US" altLang="ja-JP" dirty="0" smtClean="0"/>
+              <a:t>ID</a:t>
+            </a:r>
+            <a:r>
+              <a:rPr kumimoji="1" lang="ja-JP" altLang="en-US" dirty="0" smtClean="0"/>
+              <a:t>で良かったか知りたい</a:t>
+            </a:r>
+            <a:r>
+              <a:rPr kumimoji="1" lang="ja-JP" altLang="en-US" smtClean="0"/>
+              <a:t>時があるため、分かった方がいいと思った。</a:t>
             </a:r>
             <a:endParaRPr kumimoji="1" lang="ja-JP" altLang="en-US" dirty="0"/>
           </a:p>
@@ -1155,7 +1217,7 @@
     </p:spTree>
     <p:extLst>
       <p:ext uri="{BB962C8B-B14F-4D97-AF65-F5344CB8AC3E}">
-        <p14:creationId xmlns:p14="http://schemas.microsoft.com/office/powerpoint/2010/main" val="2982639238"/>
+        <p14:creationId xmlns:p14="http://schemas.microsoft.com/office/powerpoint/2010/main" val="3918677499"/>
       </p:ext>
     </p:extLst>
   </p:cSld>
@@ -1211,7 +1273,7 @@
           <a:p>
             <a:r>
               <a:rPr kumimoji="1" lang="ja-JP" altLang="en-US" dirty="0" smtClean="0"/>
-              <a:t>ランキングの詳細がまだ決まっていないためこれしか書けない。</a:t>
+              <a:t>今は全然ないが、おそらく一番ページ数が多くなるところ。ゲームの内容が結構あるため、他のゲームサイトのガイドを参考にして設計していきたい。</a:t>
             </a:r>
             <a:endParaRPr kumimoji="1" lang="ja-JP" altLang="en-US" dirty="0"/>
           </a:p>
@@ -1235,6 +1297,94 @@
             <a:fld id="{28450F27-BAD8-47D7-9E11-CABD4386BDCC}" type="slidenum">
               <a:rPr kumimoji="1" lang="ja-JP" altLang="en-US" smtClean="0"/>
               <a:t>8</a:t>
+            </a:fld>
+            <a:endParaRPr kumimoji="1" lang="ja-JP" altLang="en-US"/>
+          </a:p>
+        </p:txBody>
+      </p:sp>
+    </p:spTree>
+    <p:extLst>
+      <p:ext uri="{BB962C8B-B14F-4D97-AF65-F5344CB8AC3E}">
+        <p14:creationId xmlns:p14="http://schemas.microsoft.com/office/powerpoint/2010/main" val="2982639238"/>
+      </p:ext>
+    </p:extLst>
+  </p:cSld>
+  <p:clrMapOvr>
+    <a:masterClrMapping/>
+  </p:clrMapOvr>
+</p:notes>
+</file>
+
+<file path=ppt/notesSlides/notesSlide8.xml><?xml version="1.0" encoding="utf-8"?>
+<p:notes xmlns:a="http://schemas.openxmlformats.org/drawingml/2006/main" xmlns:r="http://schemas.openxmlformats.org/officeDocument/2006/relationships" xmlns:p="http://schemas.openxmlformats.org/presentationml/2006/main">
+  <p:cSld>
+    <p:spTree>
+      <p:nvGrpSpPr>
+        <p:cNvPr id="1" name=""/>
+        <p:cNvGrpSpPr/>
+        <p:nvPr/>
+      </p:nvGrpSpPr>
+      <p:grpSpPr>
+        <a:xfrm>
+          <a:off x="0" y="0"/>
+          <a:ext cx="0" cy="0"/>
+          <a:chOff x="0" y="0"/>
+          <a:chExt cx="0" cy="0"/>
+        </a:xfrm>
+      </p:grpSpPr>
+      <p:sp>
+        <p:nvSpPr>
+          <p:cNvPr id="2" name="スライド イメージ プレースホルダー 1"/>
+          <p:cNvSpPr>
+            <a:spLocks noGrp="1" noRot="1" noChangeAspect="1"/>
+          </p:cNvSpPr>
+          <p:nvPr>
+            <p:ph type="sldImg"/>
+          </p:nvPr>
+        </p:nvSpPr>
+        <p:spPr/>
+      </p:sp>
+      <p:sp>
+        <p:nvSpPr>
+          <p:cNvPr id="3" name="ノート プレースホルダー 2"/>
+          <p:cNvSpPr>
+            <a:spLocks noGrp="1"/>
+          </p:cNvSpPr>
+          <p:nvPr>
+            <p:ph type="body" idx="1"/>
+          </p:nvPr>
+        </p:nvSpPr>
+        <p:spPr/>
+        <p:txBody>
+          <a:bodyPr/>
+          <a:lstStyle/>
+          <a:p>
+            <a:r>
+              <a:rPr kumimoji="1" lang="ja-JP" altLang="en-US" dirty="0" smtClean="0"/>
+              <a:t>ランキングの詳細がまだ決まっていないためこれしか書けない。</a:t>
+            </a:r>
+            <a:endParaRPr kumimoji="1" lang="ja-JP" altLang="en-US" dirty="0"/>
+          </a:p>
+        </p:txBody>
+      </p:sp>
+      <p:sp>
+        <p:nvSpPr>
+          <p:cNvPr id="4" name="スライド番号プレースホルダー 3"/>
+          <p:cNvSpPr>
+            <a:spLocks noGrp="1"/>
+          </p:cNvSpPr>
+          <p:nvPr>
+            <p:ph type="sldNum" sz="quarter" idx="10"/>
+          </p:nvPr>
+        </p:nvSpPr>
+        <p:spPr/>
+        <p:txBody>
+          <a:bodyPr/>
+          <a:lstStyle/>
+          <a:p>
+            <a:fld id="{28450F27-BAD8-47D7-9E11-CABD4386BDCC}" type="slidenum">
+              <a:rPr kumimoji="1" lang="ja-JP" altLang="en-US" smtClean="0"/>
+              <a:t>9</a:t>
             </a:fld>
             <a:endParaRPr kumimoji="1" lang="ja-JP" altLang="en-US"/>
           </a:p>
@@ -1384,7 +1534,7 @@
           <a:p>
             <a:fld id="{33B14540-D9AA-459A-A398-A04CAB222349}" type="datetimeFigureOut">
               <a:rPr kumimoji="1" lang="ja-JP" altLang="en-US" smtClean="0"/>
-              <a:t>2013/12/31</a:t>
+              <a:t>2014/1/3</a:t>
             </a:fld>
             <a:endParaRPr kumimoji="1" lang="ja-JP" altLang="en-US"/>
           </a:p>
@@ -1586,7 +1736,7 @@
           <a:p>
             <a:fld id="{33B14540-D9AA-459A-A398-A04CAB222349}" type="datetimeFigureOut">
               <a:rPr kumimoji="1" lang="ja-JP" altLang="en-US" smtClean="0"/>
-              <a:t>2013/12/31</a:t>
+              <a:t>2014/1/3</a:t>
             </a:fld>
             <a:endParaRPr kumimoji="1" lang="ja-JP" altLang="en-US"/>
           </a:p>
@@ -1798,7 +1948,7 @@
           <a:p>
             <a:fld id="{33B14540-D9AA-459A-A398-A04CAB222349}" type="datetimeFigureOut">
               <a:rPr kumimoji="1" lang="ja-JP" altLang="en-US" smtClean="0"/>
-              <a:t>2013/12/31</a:t>
+              <a:t>2014/1/3</a:t>
             </a:fld>
             <a:endParaRPr kumimoji="1" lang="ja-JP" altLang="en-US"/>
           </a:p>
@@ -2000,7 +2150,7 @@
           <a:p>
             <a:fld id="{33B14540-D9AA-459A-A398-A04CAB222349}" type="datetimeFigureOut">
               <a:rPr kumimoji="1" lang="ja-JP" altLang="en-US" smtClean="0"/>
-              <a:t>2013/12/31</a:t>
+              <a:t>2014/1/3</a:t>
             </a:fld>
             <a:endParaRPr kumimoji="1" lang="ja-JP" altLang="en-US"/>
           </a:p>
@@ -2246,7 +2396,7 @@
           <a:p>
             <a:fld id="{33B14540-D9AA-459A-A398-A04CAB222349}" type="datetimeFigureOut">
               <a:rPr kumimoji="1" lang="ja-JP" altLang="en-US" smtClean="0"/>
-              <a:t>2013/12/31</a:t>
+              <a:t>2014/1/3</a:t>
             </a:fld>
             <a:endParaRPr kumimoji="1" lang="ja-JP" altLang="en-US"/>
           </a:p>
@@ -2542,7 +2692,7 @@
           <a:p>
             <a:fld id="{33B14540-D9AA-459A-A398-A04CAB222349}" type="datetimeFigureOut">
               <a:rPr kumimoji="1" lang="ja-JP" altLang="en-US" smtClean="0"/>
-              <a:t>2013/12/31</a:t>
+              <a:t>2014/1/3</a:t>
             </a:fld>
             <a:endParaRPr kumimoji="1" lang="ja-JP" altLang="en-US"/>
           </a:p>
@@ -2973,7 +3123,7 @@
           <a:p>
             <a:fld id="{33B14540-D9AA-459A-A398-A04CAB222349}" type="datetimeFigureOut">
               <a:rPr kumimoji="1" lang="ja-JP" altLang="en-US" smtClean="0"/>
-              <a:t>2013/12/31</a:t>
+              <a:t>2014/1/3</a:t>
             </a:fld>
             <a:endParaRPr kumimoji="1" lang="ja-JP" altLang="en-US"/>
           </a:p>
@@ -3091,7 +3241,7 @@
           <a:p>
             <a:fld id="{33B14540-D9AA-459A-A398-A04CAB222349}" type="datetimeFigureOut">
               <a:rPr kumimoji="1" lang="ja-JP" altLang="en-US" smtClean="0"/>
-              <a:t>2013/12/31</a:t>
+              <a:t>2014/1/3</a:t>
             </a:fld>
             <a:endParaRPr kumimoji="1" lang="ja-JP" altLang="en-US"/>
           </a:p>
@@ -3186,7 +3336,7 @@
           <a:p>
             <a:fld id="{33B14540-D9AA-459A-A398-A04CAB222349}" type="datetimeFigureOut">
               <a:rPr kumimoji="1" lang="ja-JP" altLang="en-US" smtClean="0"/>
-              <a:t>2013/12/31</a:t>
+              <a:t>2014/1/3</a:t>
             </a:fld>
             <a:endParaRPr kumimoji="1" lang="ja-JP" altLang="en-US"/>
           </a:p>
@@ -3495,7 +3645,7 @@
           <a:p>
             <a:fld id="{33B14540-D9AA-459A-A398-A04CAB222349}" type="datetimeFigureOut">
               <a:rPr kumimoji="1" lang="ja-JP" altLang="en-US" smtClean="0"/>
-              <a:t>2013/12/31</a:t>
+              <a:t>2014/1/3</a:t>
             </a:fld>
             <a:endParaRPr kumimoji="1" lang="ja-JP" altLang="en-US"/>
           </a:p>
@@ -3748,7 +3898,7 @@
           <a:p>
             <a:fld id="{33B14540-D9AA-459A-A398-A04CAB222349}" type="datetimeFigureOut">
               <a:rPr kumimoji="1" lang="ja-JP" altLang="en-US" smtClean="0"/>
-              <a:t>2013/12/31</a:t>
+              <a:t>2014/1/3</a:t>
             </a:fld>
             <a:endParaRPr kumimoji="1" lang="ja-JP" altLang="en-US"/>
           </a:p>
@@ -3993,7 +4143,7 @@
           <a:p>
             <a:fld id="{33B14540-D9AA-459A-A398-A04CAB222349}" type="datetimeFigureOut">
               <a:rPr kumimoji="1" lang="ja-JP" altLang="en-US" smtClean="0"/>
-              <a:t>2013/12/31</a:t>
+              <a:t>2014/1/3</a:t>
             </a:fld>
             <a:endParaRPr kumimoji="1" lang="ja-JP" altLang="en-US"/>
           </a:p>
@@ -5439,11 +5589,7 @@
             </a:r>
             <a:r>
               <a:rPr kumimoji="1" lang="en-US" altLang="ja-JP" sz="3200" dirty="0" smtClean="0"/>
-              <a:t>ID</a:t>
-            </a:r>
-            <a:r>
-              <a:rPr kumimoji="1" lang="en-US" altLang="ja-JP" sz="3200" dirty="0" smtClean="0"/>
-              <a:t>:</a:t>
+              <a:t>ID:</a:t>
             </a:r>
           </a:p>
           <a:p>
@@ -6372,11 +6518,7 @@
             </a:r>
             <a:r>
               <a:rPr kumimoji="1" lang="en-US" altLang="ja-JP" sz="3200" dirty="0" smtClean="0"/>
-              <a:t>ID</a:t>
-            </a:r>
-            <a:r>
-              <a:rPr kumimoji="1" lang="en-US" altLang="ja-JP" sz="3200" dirty="0" smtClean="0"/>
-              <a:t>:</a:t>
+              <a:t>ID:</a:t>
             </a:r>
           </a:p>
           <a:p>
@@ -6775,11 +6917,7 @@
             </a:r>
             <a:r>
               <a:rPr kumimoji="1" lang="en-US" altLang="ja-JP" sz="3200" dirty="0" smtClean="0"/>
-              <a:t>ID</a:t>
-            </a:r>
-            <a:r>
-              <a:rPr kumimoji="1" lang="en-US" altLang="ja-JP" sz="3200" dirty="0" smtClean="0"/>
-              <a:t>:</a:t>
+              <a:t>ID:</a:t>
             </a:r>
           </a:p>
           <a:p>
@@ -7516,11 +7654,7 @@
             </a:r>
             <a:r>
               <a:rPr kumimoji="1" lang="en-US" altLang="ja-JP" sz="3200" dirty="0" smtClean="0"/>
-              <a:t>ID</a:t>
-            </a:r>
-            <a:r>
-              <a:rPr kumimoji="1" lang="en-US" altLang="ja-JP" sz="3200" dirty="0" smtClean="0"/>
-              <a:t>:</a:t>
+              <a:t>ID:</a:t>
             </a:r>
           </a:p>
           <a:p>
@@ -8671,8 +8805,8 @@
           <a:lstStyle/>
           <a:p>
             <a:r>
-              <a:rPr kumimoji="1" lang="en-US" altLang="ja-JP" dirty="0" smtClean="0"/>
-              <a:t>test</a:t>
+              <a:rPr kumimoji="1" lang="en-US" altLang="ja-JP" dirty="0" err="1" smtClean="0"/>
+              <a:t>hirose</a:t>
             </a:r>
             <a:endParaRPr kumimoji="1" lang="ja-JP" altLang="en-US" dirty="0"/>
           </a:p>
@@ -8687,7 +8821,7 @@
         <p:spPr>
           <a:xfrm>
             <a:off x="7422751" y="2755700"/>
-            <a:ext cx="2772696" cy="1077218"/>
+            <a:ext cx="2812630" cy="1077218"/>
           </a:xfrm>
           <a:prstGeom prst="rect">
             <a:avLst/>
@@ -8823,8 +8957,8 @@
         </p:nvSpPr>
         <p:spPr>
           <a:xfrm>
-            <a:off x="7327909" y="2298857"/>
-            <a:ext cx="3394168" cy="369332"/>
+            <a:off x="7798835" y="2329231"/>
+            <a:ext cx="2583007" cy="369332"/>
           </a:xfrm>
           <a:prstGeom prst="rect">
             <a:avLst/>
@@ -8837,22 +8971,6 @@
           </a:bodyPr>
           <a:lstStyle/>
           <a:p>
-            <a:r>
-              <a:rPr kumimoji="1" lang="en-US" altLang="ja-JP" dirty="0" smtClean="0">
-                <a:solidFill>
-                  <a:srgbClr val="FF0000"/>
-                </a:solidFill>
-              </a:rPr>
-              <a:t>ID</a:t>
-            </a:r>
-            <a:r>
-              <a:rPr kumimoji="1" lang="ja-JP" altLang="en-US" dirty="0" smtClean="0">
-                <a:solidFill>
-                  <a:srgbClr val="FF0000"/>
-                </a:solidFill>
-              </a:rPr>
-              <a:t>または</a:t>
-            </a:r>
             <a:r>
               <a:rPr kumimoji="1" lang="en-US" altLang="ja-JP" dirty="0" smtClean="0">
                 <a:solidFill>
@@ -9178,7 +9296,7 @@
       </p:grpSpPr>
       <p:sp>
         <p:nvSpPr>
-          <p:cNvPr id="2" name="タイトル 1"/>
+          <p:cNvPr id="4" name="タイトル 1"/>
           <p:cNvSpPr txBox="1">
             <a:spLocks/>
           </p:cNvSpPr>
@@ -9224,7 +9342,23 @@
                   <a:srgbClr val="7030A0"/>
                 </a:solidFill>
               </a:rPr>
-              <a:t>ゲームガイド</a:t>
+              <a:t>ログイン</a:t>
+            </a:r>
+            <a:r>
+              <a:rPr lang="ja-JP" altLang="en-US" sz="6000" b="1" dirty="0" smtClean="0">
+                <a:solidFill>
+                  <a:srgbClr val="7030A0"/>
+                </a:solidFill>
+              </a:rPr>
+              <a:t>画面（失敗</a:t>
+            </a:r>
+            <a:r>
+              <a:rPr lang="en-US" altLang="ja-JP" sz="6000" b="1" dirty="0" smtClean="0">
+                <a:solidFill>
+                  <a:srgbClr val="7030A0"/>
+                </a:solidFill>
+              </a:rPr>
+              <a:t>)</a:t>
             </a:r>
             <a:endParaRPr lang="ja-JP" altLang="en-US" sz="6000" b="1" dirty="0">
               <a:solidFill>
@@ -9234,51 +9368,16 @@
           </a:p>
         </p:txBody>
       </p:sp>
-      <p:cxnSp>
-        <p:nvCxnSpPr>
-          <p:cNvPr id="3" name="直線コネクタ 2"/>
-          <p:cNvCxnSpPr/>
-          <p:nvPr/>
-        </p:nvCxnSpPr>
-        <p:spPr>
-          <a:xfrm flipH="1">
-            <a:off x="4311859" y="1530507"/>
-            <a:ext cx="2" cy="3247970"/>
-          </a:xfrm>
-          <a:prstGeom prst="line">
-            <a:avLst/>
-          </a:prstGeom>
-          <a:ln w="12700">
-            <a:solidFill>
-              <a:schemeClr val="tx1"/>
-            </a:solidFill>
-          </a:ln>
-        </p:spPr>
-        <p:style>
-          <a:lnRef idx="1">
-            <a:schemeClr val="accent1"/>
-          </a:lnRef>
-          <a:fillRef idx="0">
-            <a:schemeClr val="accent1"/>
-          </a:fillRef>
-          <a:effectRef idx="0">
-            <a:schemeClr val="accent1"/>
-          </a:effectRef>
-          <a:fontRef idx="minor">
-            <a:schemeClr val="tx1"/>
-          </a:fontRef>
-        </p:style>
-      </p:cxnSp>
-      <p:sp>
-        <p:nvSpPr>
-          <p:cNvPr id="4" name="正方形/長方形 3"/>
+      <p:sp>
+        <p:nvSpPr>
+          <p:cNvPr id="11" name="正方形/長方形 10"/>
           <p:cNvSpPr/>
           <p:nvPr/>
         </p:nvSpPr>
         <p:spPr>
           <a:xfrm>
-            <a:off x="2143848" y="1530507"/>
-            <a:ext cx="8318090" cy="3218473"/>
+            <a:off x="6708475" y="1545257"/>
+            <a:ext cx="4763729" cy="3506454"/>
           </a:xfrm>
           <a:prstGeom prst="rect">
             <a:avLst/>
@@ -9317,6 +9416,825 @@
       </p:sp>
       <p:sp>
         <p:nvSpPr>
+          <p:cNvPr id="12" name="テキスト ボックス 11"/>
+          <p:cNvSpPr txBox="1"/>
+          <p:nvPr/>
+        </p:nvSpPr>
+        <p:spPr>
+          <a:xfrm>
+            <a:off x="8373000" y="2909832"/>
+            <a:ext cx="1683359" cy="369332"/>
+          </a:xfrm>
+          <a:prstGeom prst="rect">
+            <a:avLst/>
+          </a:prstGeom>
+          <a:noFill/>
+          <a:ln>
+            <a:solidFill>
+              <a:schemeClr val="tx1"/>
+            </a:solidFill>
+          </a:ln>
+        </p:spPr>
+        <p:txBody>
+          <a:bodyPr wrap="square" rtlCol="0">
+            <a:spAutoFit/>
+          </a:bodyPr>
+          <a:lstStyle/>
+          <a:p>
+            <a:r>
+              <a:rPr kumimoji="1" lang="en-US" altLang="ja-JP" dirty="0" err="1" smtClean="0"/>
+              <a:t>hirose</a:t>
+            </a:r>
+            <a:endParaRPr kumimoji="1" lang="ja-JP" altLang="en-US" dirty="0"/>
+          </a:p>
+        </p:txBody>
+      </p:sp>
+      <p:sp>
+        <p:nvSpPr>
+          <p:cNvPr id="13" name="テキスト ボックス 12"/>
+          <p:cNvSpPr txBox="1"/>
+          <p:nvPr/>
+        </p:nvSpPr>
+        <p:spPr>
+          <a:xfrm>
+            <a:off x="7422751" y="2755700"/>
+            <a:ext cx="2812630" cy="1077218"/>
+          </a:xfrm>
+          <a:prstGeom prst="rect">
+            <a:avLst/>
+          </a:prstGeom>
+          <a:noFill/>
+        </p:spPr>
+        <p:txBody>
+          <a:bodyPr wrap="square" rtlCol="0">
+            <a:spAutoFit/>
+          </a:bodyPr>
+          <a:lstStyle/>
+          <a:p>
+            <a:r>
+              <a:rPr kumimoji="1" lang="en-US" altLang="ja-JP" sz="3200" dirty="0" smtClean="0"/>
+              <a:t>ID:</a:t>
+            </a:r>
+          </a:p>
+          <a:p>
+            <a:r>
+              <a:rPr lang="en-US" altLang="ja-JP" sz="3200" dirty="0" smtClean="0"/>
+              <a:t>PW:</a:t>
+            </a:r>
+            <a:endParaRPr kumimoji="1" lang="ja-JP" altLang="en-US" sz="3200" dirty="0"/>
+          </a:p>
+        </p:txBody>
+      </p:sp>
+      <p:sp>
+        <p:nvSpPr>
+          <p:cNvPr id="14" name="テキスト ボックス 13"/>
+          <p:cNvSpPr txBox="1"/>
+          <p:nvPr/>
+        </p:nvSpPr>
+        <p:spPr>
+          <a:xfrm>
+            <a:off x="8373001" y="3363802"/>
+            <a:ext cx="1683358" cy="369332"/>
+          </a:xfrm>
+          <a:prstGeom prst="rect">
+            <a:avLst/>
+          </a:prstGeom>
+          <a:noFill/>
+          <a:ln>
+            <a:solidFill>
+              <a:schemeClr val="tx1"/>
+            </a:solidFill>
+          </a:ln>
+        </p:spPr>
+        <p:txBody>
+          <a:bodyPr wrap="square" rtlCol="0">
+            <a:spAutoFit/>
+          </a:bodyPr>
+          <a:lstStyle/>
+          <a:p>
+            <a:r>
+              <a:rPr lang="en-US" altLang="ja-JP" dirty="0" smtClean="0"/>
+              <a:t>******</a:t>
+            </a:r>
+            <a:endParaRPr kumimoji="1" lang="ja-JP" altLang="en-US" dirty="0"/>
+          </a:p>
+        </p:txBody>
+      </p:sp>
+      <p:sp>
+        <p:nvSpPr>
+          <p:cNvPr id="15" name="テキスト ボックス 14"/>
+          <p:cNvSpPr txBox="1"/>
+          <p:nvPr/>
+        </p:nvSpPr>
+        <p:spPr>
+          <a:xfrm>
+            <a:off x="8373000" y="4428052"/>
+            <a:ext cx="1224116" cy="369332"/>
+          </a:xfrm>
+          <a:prstGeom prst="rect">
+            <a:avLst/>
+          </a:prstGeom>
+          <a:noFill/>
+          <a:ln>
+            <a:solidFill>
+              <a:schemeClr val="tx1"/>
+            </a:solidFill>
+          </a:ln>
+        </p:spPr>
+        <p:txBody>
+          <a:bodyPr wrap="square" rtlCol="0">
+            <a:spAutoFit/>
+          </a:bodyPr>
+          <a:lstStyle/>
+          <a:p>
+            <a:pPr algn="ctr"/>
+            <a:r>
+              <a:rPr kumimoji="1" lang="ja-JP" altLang="en-US" dirty="0" smtClean="0"/>
+              <a:t>送信</a:t>
+            </a:r>
+            <a:endParaRPr kumimoji="1" lang="ja-JP" altLang="en-US" dirty="0"/>
+          </a:p>
+        </p:txBody>
+      </p:sp>
+      <p:sp>
+        <p:nvSpPr>
+          <p:cNvPr id="16" name="テキスト ボックス 15"/>
+          <p:cNvSpPr txBox="1"/>
+          <p:nvPr/>
+        </p:nvSpPr>
+        <p:spPr>
+          <a:xfrm>
+            <a:off x="8155859" y="1729923"/>
+            <a:ext cx="1900500" cy="584775"/>
+          </a:xfrm>
+          <a:prstGeom prst="rect">
+            <a:avLst/>
+          </a:prstGeom>
+          <a:noFill/>
+        </p:spPr>
+        <p:txBody>
+          <a:bodyPr wrap="square" rtlCol="0">
+            <a:spAutoFit/>
+          </a:bodyPr>
+          <a:lstStyle/>
+          <a:p>
+            <a:r>
+              <a:rPr kumimoji="1" lang="ja-JP" altLang="en-US" sz="3200" dirty="0" smtClean="0"/>
+              <a:t>ログイン</a:t>
+            </a:r>
+            <a:endParaRPr kumimoji="1" lang="ja-JP" altLang="en-US" sz="3200" dirty="0"/>
+          </a:p>
+        </p:txBody>
+      </p:sp>
+      <p:sp>
+        <p:nvSpPr>
+          <p:cNvPr id="17" name="テキスト ボックス 16"/>
+          <p:cNvSpPr txBox="1"/>
+          <p:nvPr/>
+        </p:nvSpPr>
+        <p:spPr>
+          <a:xfrm>
+            <a:off x="7798835" y="2329231"/>
+            <a:ext cx="2583007" cy="369332"/>
+          </a:xfrm>
+          <a:prstGeom prst="rect">
+            <a:avLst/>
+          </a:prstGeom>
+          <a:noFill/>
+        </p:spPr>
+        <p:txBody>
+          <a:bodyPr wrap="square" rtlCol="0">
+            <a:spAutoFit/>
+          </a:bodyPr>
+          <a:lstStyle/>
+          <a:p>
+            <a:r>
+              <a:rPr kumimoji="1" lang="en-US" altLang="ja-JP" dirty="0" smtClean="0">
+                <a:solidFill>
+                  <a:srgbClr val="FF0000"/>
+                </a:solidFill>
+              </a:rPr>
+              <a:t>PW</a:t>
+            </a:r>
+            <a:r>
+              <a:rPr kumimoji="1" lang="ja-JP" altLang="en-US" dirty="0" smtClean="0">
+                <a:solidFill>
+                  <a:srgbClr val="FF0000"/>
+                </a:solidFill>
+              </a:rPr>
+              <a:t>が正しくありません。</a:t>
+            </a:r>
+            <a:endParaRPr kumimoji="1" lang="ja-JP" altLang="en-US" dirty="0">
+              <a:solidFill>
+                <a:srgbClr val="FF0000"/>
+              </a:solidFill>
+            </a:endParaRPr>
+          </a:p>
+        </p:txBody>
+      </p:sp>
+      <p:sp>
+        <p:nvSpPr>
+          <p:cNvPr id="23" name="正方形/長方形 22"/>
+          <p:cNvSpPr/>
+          <p:nvPr/>
+        </p:nvSpPr>
+        <p:spPr>
+          <a:xfrm>
+            <a:off x="7624809" y="4055587"/>
+            <a:ext cx="221224" cy="233841"/>
+          </a:xfrm>
+          <a:prstGeom prst="rect">
+            <a:avLst/>
+          </a:prstGeom>
+          <a:noFill/>
+          <a:ln>
+            <a:solidFill>
+              <a:schemeClr val="tx1"/>
+            </a:solidFill>
+          </a:ln>
+        </p:spPr>
+        <p:style>
+          <a:lnRef idx="2">
+            <a:schemeClr val="accent1">
+              <a:shade val="50000"/>
+            </a:schemeClr>
+          </a:lnRef>
+          <a:fillRef idx="1">
+            <a:schemeClr val="accent1"/>
+          </a:fillRef>
+          <a:effectRef idx="0">
+            <a:schemeClr val="accent1"/>
+          </a:effectRef>
+          <a:fontRef idx="minor">
+            <a:schemeClr val="lt1"/>
+          </a:fontRef>
+        </p:style>
+        <p:txBody>
+          <a:bodyPr rtlCol="0" anchor="ctr"/>
+          <a:lstStyle/>
+          <a:p>
+            <a:pPr algn="ctr"/>
+            <a:endParaRPr kumimoji="1" lang="ja-JP" altLang="en-US"/>
+          </a:p>
+        </p:txBody>
+      </p:sp>
+      <p:sp>
+        <p:nvSpPr>
+          <p:cNvPr id="24" name="テキスト ボックス 23"/>
+          <p:cNvSpPr txBox="1"/>
+          <p:nvPr/>
+        </p:nvSpPr>
+        <p:spPr>
+          <a:xfrm>
+            <a:off x="7923224" y="4001743"/>
+            <a:ext cx="2654710" cy="369332"/>
+          </a:xfrm>
+          <a:prstGeom prst="rect">
+            <a:avLst/>
+          </a:prstGeom>
+          <a:noFill/>
+        </p:spPr>
+        <p:txBody>
+          <a:bodyPr wrap="square" rtlCol="0">
+            <a:spAutoFit/>
+          </a:bodyPr>
+          <a:lstStyle/>
+          <a:p>
+            <a:r>
+              <a:rPr kumimoji="1" lang="en-US" altLang="ja-JP" dirty="0" smtClean="0"/>
+              <a:t>1</a:t>
+            </a:r>
+            <a:r>
+              <a:rPr kumimoji="1" lang="ja-JP" altLang="en-US" dirty="0" smtClean="0"/>
+              <a:t>週間ログイン状態にする</a:t>
+            </a:r>
+            <a:endParaRPr kumimoji="1" lang="ja-JP" altLang="en-US" dirty="0"/>
+          </a:p>
+        </p:txBody>
+      </p:sp>
+      <p:sp>
+        <p:nvSpPr>
+          <p:cNvPr id="25" name="正方形/長方形 24"/>
+          <p:cNvSpPr/>
+          <p:nvPr/>
+        </p:nvSpPr>
+        <p:spPr>
+          <a:xfrm>
+            <a:off x="854384" y="1549619"/>
+            <a:ext cx="4763729" cy="3506454"/>
+          </a:xfrm>
+          <a:prstGeom prst="rect">
+            <a:avLst/>
+          </a:prstGeom>
+          <a:noFill/>
+          <a:ln>
+            <a:solidFill>
+              <a:schemeClr val="tx1"/>
+            </a:solidFill>
+          </a:ln>
+        </p:spPr>
+        <p:style>
+          <a:lnRef idx="2">
+            <a:schemeClr val="accent1">
+              <a:shade val="50000"/>
+            </a:schemeClr>
+          </a:lnRef>
+          <a:fillRef idx="1">
+            <a:schemeClr val="accent1"/>
+          </a:fillRef>
+          <a:effectRef idx="0">
+            <a:schemeClr val="accent1"/>
+          </a:effectRef>
+          <a:fontRef idx="minor">
+            <a:schemeClr val="lt1"/>
+          </a:fontRef>
+        </p:style>
+        <p:txBody>
+          <a:bodyPr rtlCol="0" anchor="ctr"/>
+          <a:lstStyle/>
+          <a:p>
+            <a:pPr algn="ctr"/>
+            <a:endParaRPr kumimoji="1" lang="ja-JP" altLang="en-US"/>
+          </a:p>
+        </p:txBody>
+      </p:sp>
+      <p:sp>
+        <p:nvSpPr>
+          <p:cNvPr id="26" name="テキスト ボックス 25"/>
+          <p:cNvSpPr txBox="1"/>
+          <p:nvPr/>
+        </p:nvSpPr>
+        <p:spPr>
+          <a:xfrm>
+            <a:off x="2518909" y="2914194"/>
+            <a:ext cx="1683359" cy="369332"/>
+          </a:xfrm>
+          <a:prstGeom prst="rect">
+            <a:avLst/>
+          </a:prstGeom>
+          <a:noFill/>
+          <a:ln>
+            <a:solidFill>
+              <a:schemeClr val="tx1"/>
+            </a:solidFill>
+          </a:ln>
+        </p:spPr>
+        <p:txBody>
+          <a:bodyPr wrap="square" rtlCol="0">
+            <a:spAutoFit/>
+          </a:bodyPr>
+          <a:lstStyle/>
+          <a:p>
+            <a:r>
+              <a:rPr kumimoji="1" lang="en-US" altLang="ja-JP" dirty="0" smtClean="0"/>
+              <a:t>test</a:t>
+            </a:r>
+            <a:endParaRPr kumimoji="1" lang="ja-JP" altLang="en-US" dirty="0"/>
+          </a:p>
+        </p:txBody>
+      </p:sp>
+      <p:sp>
+        <p:nvSpPr>
+          <p:cNvPr id="27" name="テキスト ボックス 26"/>
+          <p:cNvSpPr txBox="1"/>
+          <p:nvPr/>
+        </p:nvSpPr>
+        <p:spPr>
+          <a:xfrm>
+            <a:off x="1568660" y="2760062"/>
+            <a:ext cx="2796863" cy="1077218"/>
+          </a:xfrm>
+          <a:prstGeom prst="rect">
+            <a:avLst/>
+          </a:prstGeom>
+          <a:noFill/>
+        </p:spPr>
+        <p:txBody>
+          <a:bodyPr wrap="square" rtlCol="0">
+            <a:spAutoFit/>
+          </a:bodyPr>
+          <a:lstStyle/>
+          <a:p>
+            <a:r>
+              <a:rPr kumimoji="1" lang="en-US" altLang="ja-JP" sz="3200" dirty="0" smtClean="0"/>
+              <a:t>ID:</a:t>
+            </a:r>
+          </a:p>
+          <a:p>
+            <a:r>
+              <a:rPr lang="en-US" altLang="ja-JP" sz="3200" dirty="0" smtClean="0"/>
+              <a:t>PW:</a:t>
+            </a:r>
+            <a:endParaRPr kumimoji="1" lang="ja-JP" altLang="en-US" sz="3200" dirty="0"/>
+          </a:p>
+        </p:txBody>
+      </p:sp>
+      <p:sp>
+        <p:nvSpPr>
+          <p:cNvPr id="28" name="テキスト ボックス 27"/>
+          <p:cNvSpPr txBox="1"/>
+          <p:nvPr/>
+        </p:nvSpPr>
+        <p:spPr>
+          <a:xfrm>
+            <a:off x="2518910" y="3368164"/>
+            <a:ext cx="1683358" cy="369332"/>
+          </a:xfrm>
+          <a:prstGeom prst="rect">
+            <a:avLst/>
+          </a:prstGeom>
+          <a:noFill/>
+          <a:ln>
+            <a:solidFill>
+              <a:schemeClr val="tx1"/>
+            </a:solidFill>
+          </a:ln>
+        </p:spPr>
+        <p:txBody>
+          <a:bodyPr wrap="square" rtlCol="0">
+            <a:spAutoFit/>
+          </a:bodyPr>
+          <a:lstStyle/>
+          <a:p>
+            <a:r>
+              <a:rPr lang="en-US" altLang="ja-JP" dirty="0" smtClean="0"/>
+              <a:t>******</a:t>
+            </a:r>
+            <a:endParaRPr kumimoji="1" lang="ja-JP" altLang="en-US" dirty="0"/>
+          </a:p>
+        </p:txBody>
+      </p:sp>
+      <p:sp>
+        <p:nvSpPr>
+          <p:cNvPr id="29" name="テキスト ボックス 28"/>
+          <p:cNvSpPr txBox="1"/>
+          <p:nvPr/>
+        </p:nvSpPr>
+        <p:spPr>
+          <a:xfrm>
+            <a:off x="2518909" y="4432414"/>
+            <a:ext cx="1224116" cy="369332"/>
+          </a:xfrm>
+          <a:prstGeom prst="rect">
+            <a:avLst/>
+          </a:prstGeom>
+          <a:noFill/>
+          <a:ln>
+            <a:solidFill>
+              <a:schemeClr val="tx1"/>
+            </a:solidFill>
+          </a:ln>
+        </p:spPr>
+        <p:txBody>
+          <a:bodyPr wrap="square" rtlCol="0">
+            <a:spAutoFit/>
+          </a:bodyPr>
+          <a:lstStyle/>
+          <a:p>
+            <a:pPr algn="ctr"/>
+            <a:r>
+              <a:rPr kumimoji="1" lang="ja-JP" altLang="en-US" dirty="0" smtClean="0"/>
+              <a:t>送信</a:t>
+            </a:r>
+            <a:endParaRPr kumimoji="1" lang="ja-JP" altLang="en-US" dirty="0"/>
+          </a:p>
+        </p:txBody>
+      </p:sp>
+      <p:sp>
+        <p:nvSpPr>
+          <p:cNvPr id="30" name="テキスト ボックス 29"/>
+          <p:cNvSpPr txBox="1"/>
+          <p:nvPr/>
+        </p:nvSpPr>
+        <p:spPr>
+          <a:xfrm>
+            <a:off x="2301768" y="1734285"/>
+            <a:ext cx="1900500" cy="584775"/>
+          </a:xfrm>
+          <a:prstGeom prst="rect">
+            <a:avLst/>
+          </a:prstGeom>
+          <a:noFill/>
+        </p:spPr>
+        <p:txBody>
+          <a:bodyPr wrap="square" rtlCol="0">
+            <a:spAutoFit/>
+          </a:bodyPr>
+          <a:lstStyle/>
+          <a:p>
+            <a:r>
+              <a:rPr kumimoji="1" lang="ja-JP" altLang="en-US" sz="3200" dirty="0" smtClean="0"/>
+              <a:t>ログイン</a:t>
+            </a:r>
+            <a:endParaRPr kumimoji="1" lang="ja-JP" altLang="en-US" sz="3200" dirty="0"/>
+          </a:p>
+        </p:txBody>
+      </p:sp>
+      <p:sp>
+        <p:nvSpPr>
+          <p:cNvPr id="31" name="テキスト ボックス 30"/>
+          <p:cNvSpPr txBox="1"/>
+          <p:nvPr/>
+        </p:nvSpPr>
+        <p:spPr>
+          <a:xfrm>
+            <a:off x="1785177" y="2331827"/>
+            <a:ext cx="3150822" cy="369332"/>
+          </a:xfrm>
+          <a:prstGeom prst="rect">
+            <a:avLst/>
+          </a:prstGeom>
+          <a:noFill/>
+        </p:spPr>
+        <p:txBody>
+          <a:bodyPr wrap="square" rtlCol="0">
+            <a:spAutoFit/>
+          </a:bodyPr>
+          <a:lstStyle/>
+          <a:p>
+            <a:r>
+              <a:rPr kumimoji="1" lang="ja-JP" altLang="en-US" dirty="0" smtClean="0">
+                <a:solidFill>
+                  <a:srgbClr val="FF0000"/>
+                </a:solidFill>
+              </a:rPr>
+              <a:t>この</a:t>
+            </a:r>
+            <a:r>
+              <a:rPr kumimoji="1" lang="en-US" altLang="ja-JP" dirty="0" smtClean="0">
+                <a:solidFill>
+                  <a:srgbClr val="FF0000"/>
+                </a:solidFill>
+              </a:rPr>
+              <a:t>ID</a:t>
+            </a:r>
+            <a:r>
+              <a:rPr kumimoji="1" lang="ja-JP" altLang="en-US" dirty="0" smtClean="0">
+                <a:solidFill>
+                  <a:srgbClr val="FF0000"/>
+                </a:solidFill>
+              </a:rPr>
+              <a:t>は使われていません。</a:t>
+            </a:r>
+            <a:endParaRPr kumimoji="1" lang="ja-JP" altLang="en-US" dirty="0">
+              <a:solidFill>
+                <a:srgbClr val="FF0000"/>
+              </a:solidFill>
+            </a:endParaRPr>
+          </a:p>
+        </p:txBody>
+      </p:sp>
+      <p:sp>
+        <p:nvSpPr>
+          <p:cNvPr id="32" name="正方形/長方形 31"/>
+          <p:cNvSpPr/>
+          <p:nvPr/>
+        </p:nvSpPr>
+        <p:spPr>
+          <a:xfrm>
+            <a:off x="1770718" y="4059949"/>
+            <a:ext cx="221224" cy="233841"/>
+          </a:xfrm>
+          <a:prstGeom prst="rect">
+            <a:avLst/>
+          </a:prstGeom>
+          <a:noFill/>
+          <a:ln>
+            <a:solidFill>
+              <a:schemeClr val="tx1"/>
+            </a:solidFill>
+          </a:ln>
+        </p:spPr>
+        <p:style>
+          <a:lnRef idx="2">
+            <a:schemeClr val="accent1">
+              <a:shade val="50000"/>
+            </a:schemeClr>
+          </a:lnRef>
+          <a:fillRef idx="1">
+            <a:schemeClr val="accent1"/>
+          </a:fillRef>
+          <a:effectRef idx="0">
+            <a:schemeClr val="accent1"/>
+          </a:effectRef>
+          <a:fontRef idx="minor">
+            <a:schemeClr val="lt1"/>
+          </a:fontRef>
+        </p:style>
+        <p:txBody>
+          <a:bodyPr rtlCol="0" anchor="ctr"/>
+          <a:lstStyle/>
+          <a:p>
+            <a:pPr algn="ctr"/>
+            <a:endParaRPr kumimoji="1" lang="ja-JP" altLang="en-US"/>
+          </a:p>
+        </p:txBody>
+      </p:sp>
+      <p:sp>
+        <p:nvSpPr>
+          <p:cNvPr id="33" name="テキスト ボックス 32"/>
+          <p:cNvSpPr txBox="1"/>
+          <p:nvPr/>
+        </p:nvSpPr>
+        <p:spPr>
+          <a:xfrm>
+            <a:off x="2069133" y="4006105"/>
+            <a:ext cx="2654710" cy="369332"/>
+          </a:xfrm>
+          <a:prstGeom prst="rect">
+            <a:avLst/>
+          </a:prstGeom>
+          <a:noFill/>
+        </p:spPr>
+        <p:txBody>
+          <a:bodyPr wrap="square" rtlCol="0">
+            <a:spAutoFit/>
+          </a:bodyPr>
+          <a:lstStyle/>
+          <a:p>
+            <a:r>
+              <a:rPr kumimoji="1" lang="en-US" altLang="ja-JP" dirty="0" smtClean="0"/>
+              <a:t>1</a:t>
+            </a:r>
+            <a:r>
+              <a:rPr kumimoji="1" lang="ja-JP" altLang="en-US" dirty="0" smtClean="0"/>
+              <a:t>週間ログイン状態にする</a:t>
+            </a:r>
+            <a:endParaRPr kumimoji="1" lang="ja-JP" altLang="en-US" dirty="0"/>
+          </a:p>
+        </p:txBody>
+      </p:sp>
+    </p:spTree>
+    <p:extLst>
+      <p:ext uri="{BB962C8B-B14F-4D97-AF65-F5344CB8AC3E}">
+        <p14:creationId xmlns:p14="http://schemas.microsoft.com/office/powerpoint/2010/main" val="3010542836"/>
+      </p:ext>
+    </p:extLst>
+  </p:cSld>
+  <p:clrMapOvr>
+    <a:masterClrMapping/>
+  </p:clrMapOvr>
+</p:sld>
+</file>
+
+<file path=ppt/slides/slide8.xml><?xml version="1.0" encoding="utf-8"?>
+<p:sld xmlns:a="http://schemas.openxmlformats.org/drawingml/2006/main" xmlns:r="http://schemas.openxmlformats.org/officeDocument/2006/relationships" xmlns:p="http://schemas.openxmlformats.org/presentationml/2006/main">
+  <p:cSld>
+    <p:spTree>
+      <p:nvGrpSpPr>
+        <p:cNvPr id="1" name=""/>
+        <p:cNvGrpSpPr/>
+        <p:nvPr/>
+      </p:nvGrpSpPr>
+      <p:grpSpPr>
+        <a:xfrm>
+          <a:off x="0" y="0"/>
+          <a:ext cx="0" cy="0"/>
+          <a:chOff x="0" y="0"/>
+          <a:chExt cx="0" cy="0"/>
+        </a:xfrm>
+      </p:grpSpPr>
+      <p:sp>
+        <p:nvSpPr>
+          <p:cNvPr id="2" name="タイトル 1"/>
+          <p:cNvSpPr txBox="1">
+            <a:spLocks/>
+          </p:cNvSpPr>
+          <p:nvPr/>
+        </p:nvSpPr>
+        <p:spPr>
+          <a:xfrm>
+            <a:off x="1317938" y="103031"/>
+            <a:ext cx="9144000" cy="1088735"/>
+          </a:xfrm>
+          <a:prstGeom prst="rect">
+            <a:avLst/>
+          </a:prstGeom>
+        </p:spPr>
+        <p:txBody>
+          <a:bodyPr>
+            <a:normAutofit/>
+          </a:bodyPr>
+          <a:lstStyle>
+            <a:lvl1pPr algn="l" defTabSz="914400" rtl="0" eaLnBrk="1" latinLnBrk="0" hangingPunct="1">
+              <a:lnSpc>
+                <a:spcPct val="90000"/>
+              </a:lnSpc>
+              <a:spcBef>
+                <a:spcPct val="0"/>
+              </a:spcBef>
+              <a:buNone/>
+              <a:defRPr kumimoji="1" sz="4400" kern="1200">
+                <a:solidFill>
+                  <a:schemeClr val="tx1"/>
+                </a:solidFill>
+                <a:latin typeface="+mj-lt"/>
+                <a:ea typeface="+mj-ea"/>
+                <a:cs typeface="+mj-cs"/>
+              </a:defRPr>
+            </a:lvl1pPr>
+          </a:lstStyle>
+          <a:p>
+            <a:pPr algn="ctr"/>
+            <a:r>
+              <a:rPr lang="ja-JP" altLang="en-US" sz="6000" b="1" dirty="0" smtClean="0">
+                <a:solidFill>
+                  <a:srgbClr val="7030A0"/>
+                </a:solidFill>
+              </a:rPr>
+              <a:t>ゲームガイド</a:t>
+            </a:r>
+            <a:endParaRPr lang="ja-JP" altLang="en-US" sz="6000" b="1" dirty="0">
+              <a:solidFill>
+                <a:srgbClr val="7030A0"/>
+              </a:solidFill>
+            </a:endParaRPr>
+          </a:p>
+        </p:txBody>
+      </p:sp>
+      <p:cxnSp>
+        <p:nvCxnSpPr>
+          <p:cNvPr id="3" name="直線コネクタ 2"/>
+          <p:cNvCxnSpPr/>
+          <p:nvPr/>
+        </p:nvCxnSpPr>
+        <p:spPr>
+          <a:xfrm flipH="1">
+            <a:off x="4311859" y="1530507"/>
+            <a:ext cx="2" cy="3247970"/>
+          </a:xfrm>
+          <a:prstGeom prst="line">
+            <a:avLst/>
+          </a:prstGeom>
+          <a:ln w="12700">
+            <a:solidFill>
+              <a:schemeClr val="tx1"/>
+            </a:solidFill>
+          </a:ln>
+        </p:spPr>
+        <p:style>
+          <a:lnRef idx="1">
+            <a:schemeClr val="accent1"/>
+          </a:lnRef>
+          <a:fillRef idx="0">
+            <a:schemeClr val="accent1"/>
+          </a:fillRef>
+          <a:effectRef idx="0">
+            <a:schemeClr val="accent1"/>
+          </a:effectRef>
+          <a:fontRef idx="minor">
+            <a:schemeClr val="tx1"/>
+          </a:fontRef>
+        </p:style>
+      </p:cxnSp>
+      <p:sp>
+        <p:nvSpPr>
+          <p:cNvPr id="4" name="正方形/長方形 3"/>
+          <p:cNvSpPr/>
+          <p:nvPr/>
+        </p:nvSpPr>
+        <p:spPr>
+          <a:xfrm>
+            <a:off x="2143848" y="1530507"/>
+            <a:ext cx="8318090" cy="3218473"/>
+          </a:xfrm>
+          <a:prstGeom prst="rect">
+            <a:avLst/>
+          </a:prstGeom>
+          <a:noFill/>
+          <a:ln>
+            <a:solidFill>
+              <a:schemeClr val="tx1"/>
+            </a:solidFill>
+          </a:ln>
+        </p:spPr>
+        <p:style>
+          <a:lnRef idx="2">
+            <a:schemeClr val="accent1">
+              <a:shade val="50000"/>
+            </a:schemeClr>
+          </a:lnRef>
+          <a:fillRef idx="1">
+            <a:schemeClr val="accent1"/>
+          </a:fillRef>
+          <a:effectRef idx="0">
+            <a:schemeClr val="accent1"/>
+          </a:effectRef>
+          <a:fontRef idx="minor">
+            <a:schemeClr val="lt1"/>
+          </a:fontRef>
+        </p:style>
+        <p:txBody>
+          <a:bodyPr rtlCol="0" anchor="ctr"/>
+          <a:lstStyle/>
+          <a:p>
+            <a:pPr algn="ctr"/>
+            <a:endParaRPr kumimoji="1" lang="ja-JP" altLang="en-US"/>
+          </a:p>
+        </p:txBody>
+      </p:sp>
+      <p:sp>
+        <p:nvSpPr>
           <p:cNvPr id="6" name="テキスト ボックス 5"/>
           <p:cNvSpPr txBox="1"/>
           <p:nvPr/>
@@ -9438,7 +10356,7 @@
 </p:sld>
 </file>
 
-<file path=ppt/slides/slide8.xml><?xml version="1.0" encoding="utf-8"?>
+<file path=ppt/slides/slide9.xml><?xml version="1.0" encoding="utf-8"?>
 <p:sld xmlns:a="http://schemas.openxmlformats.org/drawingml/2006/main" xmlns:r="http://schemas.openxmlformats.org/officeDocument/2006/relationships" xmlns:p="http://schemas.openxmlformats.org/presentationml/2006/main">
   <p:cSld>
     <p:spTree>

--- a/design/HTMLページ設計.pptx
+++ b/design/HTMLページ設計.pptx
@@ -217,7 +217,7 @@
           <a:p>
             <a:fld id="{90F65A9B-149C-45BC-B72F-FB324D6DE1AA}" type="datetimeFigureOut">
               <a:rPr kumimoji="1" lang="ja-JP" altLang="en-US" smtClean="0"/>
-              <a:t>2014/1/3</a:t>
+              <a:t>2014/1/4</a:t>
             </a:fld>
             <a:endParaRPr kumimoji="1" lang="ja-JP" altLang="en-US"/>
           </a:p>
@@ -1534,7 +1534,7 @@
           <a:p>
             <a:fld id="{33B14540-D9AA-459A-A398-A04CAB222349}" type="datetimeFigureOut">
               <a:rPr kumimoji="1" lang="ja-JP" altLang="en-US" smtClean="0"/>
-              <a:t>2014/1/3</a:t>
+              <a:t>2014/1/4</a:t>
             </a:fld>
             <a:endParaRPr kumimoji="1" lang="ja-JP" altLang="en-US"/>
           </a:p>
@@ -1736,7 +1736,7 @@
           <a:p>
             <a:fld id="{33B14540-D9AA-459A-A398-A04CAB222349}" type="datetimeFigureOut">
               <a:rPr kumimoji="1" lang="ja-JP" altLang="en-US" smtClean="0"/>
-              <a:t>2014/1/3</a:t>
+              <a:t>2014/1/4</a:t>
             </a:fld>
             <a:endParaRPr kumimoji="1" lang="ja-JP" altLang="en-US"/>
           </a:p>
@@ -1948,7 +1948,7 @@
           <a:p>
             <a:fld id="{33B14540-D9AA-459A-A398-A04CAB222349}" type="datetimeFigureOut">
               <a:rPr kumimoji="1" lang="ja-JP" altLang="en-US" smtClean="0"/>
-              <a:t>2014/1/3</a:t>
+              <a:t>2014/1/4</a:t>
             </a:fld>
             <a:endParaRPr kumimoji="1" lang="ja-JP" altLang="en-US"/>
           </a:p>
@@ -2150,7 +2150,7 @@
           <a:p>
             <a:fld id="{33B14540-D9AA-459A-A398-A04CAB222349}" type="datetimeFigureOut">
               <a:rPr kumimoji="1" lang="ja-JP" altLang="en-US" smtClean="0"/>
-              <a:t>2014/1/3</a:t>
+              <a:t>2014/1/4</a:t>
             </a:fld>
             <a:endParaRPr kumimoji="1" lang="ja-JP" altLang="en-US"/>
           </a:p>
@@ -2396,7 +2396,7 @@
           <a:p>
             <a:fld id="{33B14540-D9AA-459A-A398-A04CAB222349}" type="datetimeFigureOut">
               <a:rPr kumimoji="1" lang="ja-JP" altLang="en-US" smtClean="0"/>
-              <a:t>2014/1/3</a:t>
+              <a:t>2014/1/4</a:t>
             </a:fld>
             <a:endParaRPr kumimoji="1" lang="ja-JP" altLang="en-US"/>
           </a:p>
@@ -2692,7 +2692,7 @@
           <a:p>
             <a:fld id="{33B14540-D9AA-459A-A398-A04CAB222349}" type="datetimeFigureOut">
               <a:rPr kumimoji="1" lang="ja-JP" altLang="en-US" smtClean="0"/>
-              <a:t>2014/1/3</a:t>
+              <a:t>2014/1/4</a:t>
             </a:fld>
             <a:endParaRPr kumimoji="1" lang="ja-JP" altLang="en-US"/>
           </a:p>
@@ -3123,7 +3123,7 @@
           <a:p>
             <a:fld id="{33B14540-D9AA-459A-A398-A04CAB222349}" type="datetimeFigureOut">
               <a:rPr kumimoji="1" lang="ja-JP" altLang="en-US" smtClean="0"/>
-              <a:t>2014/1/3</a:t>
+              <a:t>2014/1/4</a:t>
             </a:fld>
             <a:endParaRPr kumimoji="1" lang="ja-JP" altLang="en-US"/>
           </a:p>
@@ -3241,7 +3241,7 @@
           <a:p>
             <a:fld id="{33B14540-D9AA-459A-A398-A04CAB222349}" type="datetimeFigureOut">
               <a:rPr kumimoji="1" lang="ja-JP" altLang="en-US" smtClean="0"/>
-              <a:t>2014/1/3</a:t>
+              <a:t>2014/1/4</a:t>
             </a:fld>
             <a:endParaRPr kumimoji="1" lang="ja-JP" altLang="en-US"/>
           </a:p>
@@ -3336,7 +3336,7 @@
           <a:p>
             <a:fld id="{33B14540-D9AA-459A-A398-A04CAB222349}" type="datetimeFigureOut">
               <a:rPr kumimoji="1" lang="ja-JP" altLang="en-US" smtClean="0"/>
-              <a:t>2014/1/3</a:t>
+              <a:t>2014/1/4</a:t>
             </a:fld>
             <a:endParaRPr kumimoji="1" lang="ja-JP" altLang="en-US"/>
           </a:p>
@@ -3645,7 +3645,7 @@
           <a:p>
             <a:fld id="{33B14540-D9AA-459A-A398-A04CAB222349}" type="datetimeFigureOut">
               <a:rPr kumimoji="1" lang="ja-JP" altLang="en-US" smtClean="0"/>
-              <a:t>2014/1/3</a:t>
+              <a:t>2014/1/4</a:t>
             </a:fld>
             <a:endParaRPr kumimoji="1" lang="ja-JP" altLang="en-US"/>
           </a:p>
@@ -3898,7 +3898,7 @@
           <a:p>
             <a:fld id="{33B14540-D9AA-459A-A398-A04CAB222349}" type="datetimeFigureOut">
               <a:rPr kumimoji="1" lang="ja-JP" altLang="en-US" smtClean="0"/>
-              <a:t>2014/1/3</a:t>
+              <a:t>2014/1/4</a:t>
             </a:fld>
             <a:endParaRPr kumimoji="1" lang="ja-JP" altLang="en-US"/>
           </a:p>
@@ -4143,7 +4143,7 @@
           <a:p>
             <a:fld id="{33B14540-D9AA-459A-A398-A04CAB222349}" type="datetimeFigureOut">
               <a:rPr kumimoji="1" lang="ja-JP" altLang="en-US" smtClean="0"/>
-              <a:t>2014/1/3</a:t>
+              <a:t>2014/1/4</a:t>
             </a:fld>
             <a:endParaRPr kumimoji="1" lang="ja-JP" altLang="en-US"/>
           </a:p>
@@ -4675,8 +4675,8 @@
         </p:nvSpPr>
         <p:spPr>
           <a:xfrm>
-            <a:off x="3001297" y="2218663"/>
-            <a:ext cx="1224116" cy="646331"/>
+            <a:off x="2999143" y="1796488"/>
+            <a:ext cx="1224116" cy="369332"/>
           </a:xfrm>
           <a:prstGeom prst="rect">
             <a:avLst/>
@@ -4697,14 +4697,6 @@
             <a:pPr algn="ctr"/>
             <a:r>
               <a:rPr lang="ja-JP" altLang="en-US" dirty="0" smtClean="0"/>
-              <a:t>ログイン</a:t>
-            </a:r>
-            <a:r>
-              <a:rPr lang="en-US" altLang="ja-JP" dirty="0" smtClean="0"/>
-              <a:t>/</a:t>
-            </a:r>
-            <a:r>
-              <a:rPr lang="ja-JP" altLang="en-US" dirty="0" smtClean="0"/>
               <a:t>スタート</a:t>
             </a:r>
             <a:endParaRPr kumimoji="1" lang="ja-JP" altLang="en-US" dirty="0"/>
@@ -4887,8 +4879,8 @@
         </p:nvCxnSpPr>
         <p:spPr>
           <a:xfrm>
-            <a:off x="2536723" y="1212212"/>
-            <a:ext cx="663677" cy="1006451"/>
+            <a:off x="2168448" y="2095445"/>
+            <a:ext cx="773235" cy="492328"/>
           </a:xfrm>
           <a:prstGeom prst="straightConnector1">
             <a:avLst/>
@@ -4920,8 +4912,8 @@
         </p:nvSpPr>
         <p:spPr>
           <a:xfrm>
-            <a:off x="744793" y="274484"/>
-            <a:ext cx="3111910" cy="923330"/>
+            <a:off x="129058" y="1110445"/>
+            <a:ext cx="2039390" cy="1477328"/>
           </a:xfrm>
           <a:prstGeom prst="rect">
             <a:avLst/>
@@ -4936,7 +4928,23 @@
           <a:p>
             <a:r>
               <a:rPr kumimoji="1" lang="ja-JP" altLang="en-US" dirty="0" smtClean="0"/>
-              <a:t>まだログインしていなければログインボタン、ログインしていたらスタートボタンを表示する</a:t>
+              <a:t>まだログインしていなければログインボタン、ログインして</a:t>
+            </a:r>
+            <a:r>
+              <a:rPr kumimoji="1" lang="ja-JP" altLang="en-US" dirty="0" smtClean="0"/>
+              <a:t>いたら</a:t>
+            </a:r>
+            <a:r>
+              <a:rPr lang="ja-JP" altLang="en-US" dirty="0"/>
+              <a:t>ログアウト</a:t>
+            </a:r>
+            <a:r>
+              <a:rPr kumimoji="1" lang="ja-JP" altLang="en-US" dirty="0" smtClean="0"/>
+              <a:t>ボタン</a:t>
+            </a:r>
+            <a:r>
+              <a:rPr kumimoji="1" lang="ja-JP" altLang="en-US" dirty="0" smtClean="0"/>
+              <a:t>を表示する</a:t>
             </a:r>
             <a:endParaRPr kumimoji="1" lang="ja-JP" altLang="en-US" dirty="0"/>
           </a:p>
@@ -5229,8 +5237,8 @@
         </p:nvSpPr>
         <p:spPr>
           <a:xfrm>
-            <a:off x="759610" y="1486355"/>
-            <a:ext cx="1626633" cy="923330"/>
+            <a:off x="2458796" y="176302"/>
+            <a:ext cx="1984779" cy="1200329"/>
           </a:xfrm>
           <a:prstGeom prst="rect">
             <a:avLst/>
@@ -5245,7 +5253,7 @@
           <a:p>
             <a:r>
               <a:rPr kumimoji="1" lang="ja-JP" altLang="en-US" dirty="0" smtClean="0"/>
-              <a:t>スタートボタンを押したらゲーム画面へ</a:t>
+              <a:t>ログインしていない時はスタート出来ないようにするといいかも。</a:t>
             </a:r>
             <a:endParaRPr kumimoji="1" lang="ja-JP" altLang="en-US" dirty="0"/>
           </a:p>
@@ -5394,6 +5402,83 @@
           </a:p>
         </p:txBody>
       </p:sp>
+      <p:sp>
+        <p:nvSpPr>
+          <p:cNvPr id="26" name="テキスト ボックス 25"/>
+          <p:cNvSpPr txBox="1"/>
+          <p:nvPr/>
+        </p:nvSpPr>
+        <p:spPr>
+          <a:xfrm>
+            <a:off x="2999143" y="2371475"/>
+            <a:ext cx="1224116" cy="646331"/>
+          </a:xfrm>
+          <a:prstGeom prst="rect">
+            <a:avLst/>
+          </a:prstGeom>
+          <a:noFill/>
+          <a:ln>
+            <a:solidFill>
+              <a:schemeClr val="tx1"/>
+            </a:solidFill>
+          </a:ln>
+        </p:spPr>
+        <p:txBody>
+          <a:bodyPr wrap="square" rtlCol="0">
+            <a:spAutoFit/>
+          </a:bodyPr>
+          <a:lstStyle/>
+          <a:p>
+            <a:pPr algn="ctr"/>
+            <a:r>
+              <a:rPr lang="ja-JP" altLang="en-US" dirty="0" smtClean="0"/>
+              <a:t>ログイン</a:t>
+            </a:r>
+            <a:r>
+              <a:rPr lang="en-US" altLang="ja-JP" dirty="0" smtClean="0"/>
+              <a:t>/</a:t>
+            </a:r>
+            <a:r>
+              <a:rPr lang="ja-JP" altLang="en-US" dirty="0" smtClean="0"/>
+              <a:t>ログアウト</a:t>
+            </a:r>
+            <a:endParaRPr kumimoji="1" lang="ja-JP" altLang="en-US" dirty="0"/>
+          </a:p>
+        </p:txBody>
+      </p:sp>
+      <p:cxnSp>
+        <p:nvCxnSpPr>
+          <p:cNvPr id="28" name="直線矢印コネクタ 27"/>
+          <p:cNvCxnSpPr/>
+          <p:nvPr/>
+        </p:nvCxnSpPr>
+        <p:spPr>
+          <a:xfrm>
+            <a:off x="3460714" y="1396404"/>
+            <a:ext cx="0" cy="368092"/>
+          </a:xfrm>
+          <a:prstGeom prst="straightConnector1">
+            <a:avLst/>
+          </a:prstGeom>
+          <a:ln w="25400">
+            <a:tailEnd type="triangle"/>
+          </a:ln>
+        </p:spPr>
+        <p:style>
+          <a:lnRef idx="1">
+            <a:schemeClr val="accent1"/>
+          </a:lnRef>
+          <a:fillRef idx="0">
+            <a:schemeClr val="accent1"/>
+          </a:fillRef>
+          <a:effectRef idx="0">
+            <a:schemeClr val="accent1"/>
+          </a:effectRef>
+          <a:fontRef idx="minor">
+            <a:schemeClr val="tx1"/>
+          </a:fontRef>
+        </p:style>
+      </p:cxnSp>
     </p:spTree>
     <p:extLst>
       <p:ext uri="{BB962C8B-B14F-4D97-AF65-F5344CB8AC3E}">
@@ -9342,15 +9427,7 @@
                   <a:srgbClr val="7030A0"/>
                 </a:solidFill>
               </a:rPr>
-              <a:t>ログイン</a:t>
-            </a:r>
-            <a:r>
-              <a:rPr lang="ja-JP" altLang="en-US" sz="6000" b="1" dirty="0" smtClean="0">
-                <a:solidFill>
-                  <a:srgbClr val="7030A0"/>
-                </a:solidFill>
-              </a:rPr>
-              <a:t>画面（失敗</a:t>
+              <a:t>ログイン画面（失敗</a:t>
             </a:r>
             <a:r>
               <a:rPr lang="en-US" altLang="ja-JP" sz="6000" b="1" dirty="0" smtClean="0">

--- a/design/HTMLページ設計.pptx
+++ b/design/HTMLページ設計.pptx
@@ -5,7 +5,7 @@
     <p:sldMasterId id="2147483648" r:id="rId1"/>
   </p:sldMasterIdLst>
   <p:notesMasterIdLst>
-    <p:notesMasterId r:id="rId11"/>
+    <p:notesMasterId r:id="rId12"/>
   </p:notesMasterIdLst>
   <p:sldIdLst>
     <p:sldId id="256" r:id="rId2"/>
@@ -17,6 +17,7 @@
     <p:sldId id="264" r:id="rId8"/>
     <p:sldId id="259" r:id="rId9"/>
     <p:sldId id="263" r:id="rId10"/>
+    <p:sldId id="265" r:id="rId11"/>
   </p:sldIdLst>
   <p:sldSz cx="12192000" cy="6858000"/>
   <p:notesSz cx="6858000" cy="9144000"/>
@@ -217,7 +218,7 @@
           <a:p>
             <a:fld id="{90F65A9B-149C-45BC-B72F-FB324D6DE1AA}" type="datetimeFigureOut">
               <a:rPr kumimoji="1" lang="ja-JP" altLang="en-US" smtClean="0"/>
-              <a:t>2014/1/4</a:t>
+              <a:t>2014/1/19</a:t>
             </a:fld>
             <a:endParaRPr kumimoji="1" lang="ja-JP" altLang="en-US"/>
           </a:p>
@@ -1403,6 +1404,94 @@
 </p:notes>
 </file>
 
+<file path=ppt/notesSlides/notesSlide9.xml><?xml version="1.0" encoding="utf-8"?>
+<p:notes xmlns:a="http://schemas.openxmlformats.org/drawingml/2006/main" xmlns:r="http://schemas.openxmlformats.org/officeDocument/2006/relationships" xmlns:p="http://schemas.openxmlformats.org/presentationml/2006/main">
+  <p:cSld>
+    <p:spTree>
+      <p:nvGrpSpPr>
+        <p:cNvPr id="1" name=""/>
+        <p:cNvGrpSpPr/>
+        <p:nvPr/>
+      </p:nvGrpSpPr>
+      <p:grpSpPr>
+        <a:xfrm>
+          <a:off x="0" y="0"/>
+          <a:ext cx="0" cy="0"/>
+          <a:chOff x="0" y="0"/>
+          <a:chExt cx="0" cy="0"/>
+        </a:xfrm>
+      </p:grpSpPr>
+      <p:sp>
+        <p:nvSpPr>
+          <p:cNvPr id="2" name="スライド イメージ プレースホルダー 1"/>
+          <p:cNvSpPr>
+            <a:spLocks noGrp="1" noRot="1" noChangeAspect="1"/>
+          </p:cNvSpPr>
+          <p:nvPr>
+            <p:ph type="sldImg"/>
+          </p:nvPr>
+        </p:nvSpPr>
+        <p:spPr/>
+      </p:sp>
+      <p:sp>
+        <p:nvSpPr>
+          <p:cNvPr id="3" name="ノート プレースホルダー 2"/>
+          <p:cNvSpPr>
+            <a:spLocks noGrp="1"/>
+          </p:cNvSpPr>
+          <p:nvPr>
+            <p:ph type="body" idx="1"/>
+          </p:nvPr>
+        </p:nvSpPr>
+        <p:spPr/>
+        <p:txBody>
+          <a:bodyPr/>
+          <a:lstStyle/>
+          <a:p>
+            <a:r>
+              <a:rPr kumimoji="1" lang="ja-JP" altLang="en-US" smtClean="0"/>
+              <a:t>掲示板の中身の削除は管理者のみ出来るようにするといい。</a:t>
+            </a:r>
+            <a:endParaRPr kumimoji="1" lang="ja-JP" altLang="en-US" dirty="0"/>
+          </a:p>
+        </p:txBody>
+      </p:sp>
+      <p:sp>
+        <p:nvSpPr>
+          <p:cNvPr id="4" name="スライド番号プレースホルダー 3"/>
+          <p:cNvSpPr>
+            <a:spLocks noGrp="1"/>
+          </p:cNvSpPr>
+          <p:nvPr>
+            <p:ph type="sldNum" sz="quarter" idx="10"/>
+          </p:nvPr>
+        </p:nvSpPr>
+        <p:spPr/>
+        <p:txBody>
+          <a:bodyPr/>
+          <a:lstStyle/>
+          <a:p>
+            <a:fld id="{28450F27-BAD8-47D7-9E11-CABD4386BDCC}" type="slidenum">
+              <a:rPr kumimoji="1" lang="ja-JP" altLang="en-US" smtClean="0"/>
+              <a:t>10</a:t>
+            </a:fld>
+            <a:endParaRPr kumimoji="1" lang="ja-JP" altLang="en-US"/>
+          </a:p>
+        </p:txBody>
+      </p:sp>
+    </p:spTree>
+    <p:extLst>
+      <p:ext uri="{BB962C8B-B14F-4D97-AF65-F5344CB8AC3E}">
+        <p14:creationId xmlns:p14="http://schemas.microsoft.com/office/powerpoint/2010/main" val="992829491"/>
+      </p:ext>
+    </p:extLst>
+  </p:cSld>
+  <p:clrMapOvr>
+    <a:masterClrMapping/>
+  </p:clrMapOvr>
+</p:notes>
+</file>
+
 <file path=ppt/slideLayouts/slideLayout1.xml><?xml version="1.0" encoding="utf-8"?>
 <p:sldLayout xmlns:a="http://schemas.openxmlformats.org/drawingml/2006/main" xmlns:r="http://schemas.openxmlformats.org/officeDocument/2006/relationships" xmlns:p="http://schemas.openxmlformats.org/presentationml/2006/main" type="title" preserve="1">
   <p:cSld name="タイトル スライド">
@@ -1534,7 +1623,7 @@
           <a:p>
             <a:fld id="{33B14540-D9AA-459A-A398-A04CAB222349}" type="datetimeFigureOut">
               <a:rPr kumimoji="1" lang="ja-JP" altLang="en-US" smtClean="0"/>
-              <a:t>2014/1/4</a:t>
+              <a:t>2014/1/19</a:t>
             </a:fld>
             <a:endParaRPr kumimoji="1" lang="ja-JP" altLang="en-US"/>
           </a:p>
@@ -1736,7 +1825,7 @@
           <a:p>
             <a:fld id="{33B14540-D9AA-459A-A398-A04CAB222349}" type="datetimeFigureOut">
               <a:rPr kumimoji="1" lang="ja-JP" altLang="en-US" smtClean="0"/>
-              <a:t>2014/1/4</a:t>
+              <a:t>2014/1/19</a:t>
             </a:fld>
             <a:endParaRPr kumimoji="1" lang="ja-JP" altLang="en-US"/>
           </a:p>
@@ -1948,7 +2037,7 @@
           <a:p>
             <a:fld id="{33B14540-D9AA-459A-A398-A04CAB222349}" type="datetimeFigureOut">
               <a:rPr kumimoji="1" lang="ja-JP" altLang="en-US" smtClean="0"/>
-              <a:t>2014/1/4</a:t>
+              <a:t>2014/1/19</a:t>
             </a:fld>
             <a:endParaRPr kumimoji="1" lang="ja-JP" altLang="en-US"/>
           </a:p>
@@ -2150,7 +2239,7 @@
           <a:p>
             <a:fld id="{33B14540-D9AA-459A-A398-A04CAB222349}" type="datetimeFigureOut">
               <a:rPr kumimoji="1" lang="ja-JP" altLang="en-US" smtClean="0"/>
-              <a:t>2014/1/4</a:t>
+              <a:t>2014/1/19</a:t>
             </a:fld>
             <a:endParaRPr kumimoji="1" lang="ja-JP" altLang="en-US"/>
           </a:p>
@@ -2396,7 +2485,7 @@
           <a:p>
             <a:fld id="{33B14540-D9AA-459A-A398-A04CAB222349}" type="datetimeFigureOut">
               <a:rPr kumimoji="1" lang="ja-JP" altLang="en-US" smtClean="0"/>
-              <a:t>2014/1/4</a:t>
+              <a:t>2014/1/19</a:t>
             </a:fld>
             <a:endParaRPr kumimoji="1" lang="ja-JP" altLang="en-US"/>
           </a:p>
@@ -2692,7 +2781,7 @@
           <a:p>
             <a:fld id="{33B14540-D9AA-459A-A398-A04CAB222349}" type="datetimeFigureOut">
               <a:rPr kumimoji="1" lang="ja-JP" altLang="en-US" smtClean="0"/>
-              <a:t>2014/1/4</a:t>
+              <a:t>2014/1/19</a:t>
             </a:fld>
             <a:endParaRPr kumimoji="1" lang="ja-JP" altLang="en-US"/>
           </a:p>
@@ -3123,7 +3212,7 @@
           <a:p>
             <a:fld id="{33B14540-D9AA-459A-A398-A04CAB222349}" type="datetimeFigureOut">
               <a:rPr kumimoji="1" lang="ja-JP" altLang="en-US" smtClean="0"/>
-              <a:t>2014/1/4</a:t>
+              <a:t>2014/1/19</a:t>
             </a:fld>
             <a:endParaRPr kumimoji="1" lang="ja-JP" altLang="en-US"/>
           </a:p>
@@ -3241,7 +3330,7 @@
           <a:p>
             <a:fld id="{33B14540-D9AA-459A-A398-A04CAB222349}" type="datetimeFigureOut">
               <a:rPr kumimoji="1" lang="ja-JP" altLang="en-US" smtClean="0"/>
-              <a:t>2014/1/4</a:t>
+              <a:t>2014/1/19</a:t>
             </a:fld>
             <a:endParaRPr kumimoji="1" lang="ja-JP" altLang="en-US"/>
           </a:p>
@@ -3336,7 +3425,7 @@
           <a:p>
             <a:fld id="{33B14540-D9AA-459A-A398-A04CAB222349}" type="datetimeFigureOut">
               <a:rPr kumimoji="1" lang="ja-JP" altLang="en-US" smtClean="0"/>
-              <a:t>2014/1/4</a:t>
+              <a:t>2014/1/19</a:t>
             </a:fld>
             <a:endParaRPr kumimoji="1" lang="ja-JP" altLang="en-US"/>
           </a:p>
@@ -3645,7 +3734,7 @@
           <a:p>
             <a:fld id="{33B14540-D9AA-459A-A398-A04CAB222349}" type="datetimeFigureOut">
               <a:rPr kumimoji="1" lang="ja-JP" altLang="en-US" smtClean="0"/>
-              <a:t>2014/1/4</a:t>
+              <a:t>2014/1/19</a:t>
             </a:fld>
             <a:endParaRPr kumimoji="1" lang="ja-JP" altLang="en-US"/>
           </a:p>
@@ -3898,7 +3987,7 @@
           <a:p>
             <a:fld id="{33B14540-D9AA-459A-A398-A04CAB222349}" type="datetimeFigureOut">
               <a:rPr kumimoji="1" lang="ja-JP" altLang="en-US" smtClean="0"/>
-              <a:t>2014/1/4</a:t>
+              <a:t>2014/1/19</a:t>
             </a:fld>
             <a:endParaRPr kumimoji="1" lang="ja-JP" altLang="en-US"/>
           </a:p>
@@ -4143,7 +4232,7 @@
           <a:p>
             <a:fld id="{33B14540-D9AA-459A-A398-A04CAB222349}" type="datetimeFigureOut">
               <a:rPr kumimoji="1" lang="ja-JP" altLang="en-US" smtClean="0"/>
-              <a:t>2014/1/4</a:t>
+              <a:t>2014/1/19</a:t>
             </a:fld>
             <a:endParaRPr kumimoji="1" lang="ja-JP" altLang="en-US"/>
           </a:p>
@@ -4928,11 +5017,7 @@
           <a:p>
             <a:r>
               <a:rPr kumimoji="1" lang="ja-JP" altLang="en-US" dirty="0" smtClean="0"/>
-              <a:t>まだログインしていなければログインボタン、ログインして</a:t>
-            </a:r>
-            <a:r>
-              <a:rPr kumimoji="1" lang="ja-JP" altLang="en-US" dirty="0" smtClean="0"/>
-              <a:t>いたら</a:t>
+              <a:t>まだログインしていなければログインボタン、ログインしていたら</a:t>
             </a:r>
             <a:r>
               <a:rPr lang="ja-JP" altLang="en-US" dirty="0"/>
@@ -4940,11 +5025,7 @@
             </a:r>
             <a:r>
               <a:rPr kumimoji="1" lang="ja-JP" altLang="en-US" dirty="0" smtClean="0"/>
-              <a:t>ボタン</a:t>
-            </a:r>
-            <a:r>
-              <a:rPr kumimoji="1" lang="ja-JP" altLang="en-US" dirty="0" smtClean="0"/>
-              <a:t>を表示する</a:t>
+              <a:t>ボタンを表示する</a:t>
             </a:r>
             <a:endParaRPr kumimoji="1" lang="ja-JP" altLang="en-US" dirty="0"/>
           </a:p>
@@ -5303,8 +5384,8 @@
         </p:nvSpPr>
         <p:spPr>
           <a:xfrm>
-            <a:off x="2899591" y="5126449"/>
-            <a:ext cx="1442278" cy="646331"/>
+            <a:off x="2899591" y="5168478"/>
+            <a:ext cx="1442278" cy="369332"/>
           </a:xfrm>
           <a:prstGeom prst="rect">
             <a:avLst/>
@@ -5327,78 +5408,7 @@
               <a:rPr kumimoji="1" lang="ja-JP" altLang="en-US" dirty="0" smtClean="0"/>
               <a:t>掲示板</a:t>
             </a:r>
-            <a:r>
-              <a:rPr kumimoji="1" lang="en-US" altLang="ja-JP" dirty="0" smtClean="0"/>
-              <a:t>/</a:t>
-            </a:r>
-            <a:r>
-              <a:rPr kumimoji="1" lang="ja-JP" altLang="en-US" dirty="0" smtClean="0"/>
-              <a:t>チャット</a:t>
-            </a:r>
             <a:endParaRPr kumimoji="1" lang="ja-JP" altLang="en-US" dirty="0"/>
-          </a:p>
-        </p:txBody>
-      </p:sp>
-      <p:cxnSp>
-        <p:nvCxnSpPr>
-          <p:cNvPr id="23" name="直線矢印コネクタ 22"/>
-          <p:cNvCxnSpPr/>
-          <p:nvPr/>
-        </p:nvCxnSpPr>
-        <p:spPr>
-          <a:xfrm>
-            <a:off x="2133410" y="5440662"/>
-            <a:ext cx="650773" cy="1"/>
-          </a:xfrm>
-          <a:prstGeom prst="straightConnector1">
-            <a:avLst/>
-          </a:prstGeom>
-          <a:ln w="25400">
-            <a:tailEnd type="triangle"/>
-          </a:ln>
-        </p:spPr>
-        <p:style>
-          <a:lnRef idx="1">
-            <a:schemeClr val="accent1"/>
-          </a:lnRef>
-          <a:fillRef idx="0">
-            <a:schemeClr val="accent1"/>
-          </a:fillRef>
-          <a:effectRef idx="0">
-            <a:schemeClr val="accent1"/>
-          </a:effectRef>
-          <a:fontRef idx="minor">
-            <a:schemeClr val="tx1"/>
-          </a:fontRef>
-        </p:style>
-      </p:cxnSp>
-      <p:sp>
-        <p:nvSpPr>
-          <p:cNvPr id="24" name="テキスト ボックス 23"/>
-          <p:cNvSpPr txBox="1"/>
-          <p:nvPr/>
-        </p:nvSpPr>
-        <p:spPr>
-          <a:xfrm>
-            <a:off x="347138" y="4752570"/>
-            <a:ext cx="1775845" cy="1477328"/>
-          </a:xfrm>
-          <a:prstGeom prst="rect">
-            <a:avLst/>
-          </a:prstGeom>
-          <a:noFill/>
-        </p:spPr>
-        <p:txBody>
-          <a:bodyPr wrap="square" rtlCol="0">
-            <a:spAutoFit/>
-          </a:bodyPr>
-          <a:lstStyle/>
-          <a:p>
-            <a:r>
-              <a:rPr kumimoji="1" lang="ja-JP" altLang="en-US" dirty="0" smtClean="0"/>
-              <a:t>掲示板にするのかチャットにするのかによって置く場所が変わるため、悩み中</a:t>
-            </a:r>
-            <a:endParaRPr kumimoji="1" lang="en-US" altLang="ja-JP" dirty="0" smtClean="0"/>
           </a:p>
         </p:txBody>
       </p:sp>
@@ -5483,6 +5493,869 @@
     <p:extLst>
       <p:ext uri="{BB962C8B-B14F-4D97-AF65-F5344CB8AC3E}">
         <p14:creationId xmlns:p14="http://schemas.microsoft.com/office/powerpoint/2010/main" val="3350122419"/>
+      </p:ext>
+    </p:extLst>
+  </p:cSld>
+  <p:clrMapOvr>
+    <a:masterClrMapping/>
+  </p:clrMapOvr>
+</p:sld>
+</file>
+
+<file path=ppt/slides/slide10.xml><?xml version="1.0" encoding="utf-8"?>
+<p:sld xmlns:a="http://schemas.openxmlformats.org/drawingml/2006/main" xmlns:r="http://schemas.openxmlformats.org/officeDocument/2006/relationships" xmlns:p="http://schemas.openxmlformats.org/presentationml/2006/main">
+  <p:cSld>
+    <p:spTree>
+      <p:nvGrpSpPr>
+        <p:cNvPr id="1" name=""/>
+        <p:cNvGrpSpPr/>
+        <p:nvPr/>
+      </p:nvGrpSpPr>
+      <p:grpSpPr>
+        <a:xfrm>
+          <a:off x="0" y="0"/>
+          <a:ext cx="0" cy="0"/>
+          <a:chOff x="0" y="0"/>
+          <a:chExt cx="0" cy="0"/>
+        </a:xfrm>
+      </p:grpSpPr>
+      <p:sp>
+        <p:nvSpPr>
+          <p:cNvPr id="2" name="タイトル 1"/>
+          <p:cNvSpPr txBox="1">
+            <a:spLocks/>
+          </p:cNvSpPr>
+          <p:nvPr/>
+        </p:nvSpPr>
+        <p:spPr>
+          <a:xfrm>
+            <a:off x="1317938" y="103031"/>
+            <a:ext cx="9144000" cy="1088735"/>
+          </a:xfrm>
+          <a:prstGeom prst="rect">
+            <a:avLst/>
+          </a:prstGeom>
+        </p:spPr>
+        <p:txBody>
+          <a:bodyPr>
+            <a:normAutofit/>
+          </a:bodyPr>
+          <a:lstStyle>
+            <a:lvl1pPr algn="l" defTabSz="914400" rtl="0" eaLnBrk="1" latinLnBrk="0" hangingPunct="1">
+              <a:lnSpc>
+                <a:spcPct val="90000"/>
+              </a:lnSpc>
+              <a:spcBef>
+                <a:spcPct val="0"/>
+              </a:spcBef>
+              <a:buNone/>
+              <a:defRPr kumimoji="1" sz="4400" kern="1200">
+                <a:solidFill>
+                  <a:schemeClr val="tx1"/>
+                </a:solidFill>
+                <a:latin typeface="+mj-lt"/>
+                <a:ea typeface="+mj-ea"/>
+                <a:cs typeface="+mj-cs"/>
+              </a:defRPr>
+            </a:lvl1pPr>
+          </a:lstStyle>
+          <a:p>
+            <a:pPr algn="ctr"/>
+            <a:r>
+              <a:rPr lang="ja-JP" altLang="en-US" sz="6000" b="1" dirty="0" smtClean="0">
+                <a:solidFill>
+                  <a:srgbClr val="7030A0"/>
+                </a:solidFill>
+              </a:rPr>
+              <a:t>掲示板の</a:t>
+            </a:r>
+            <a:r>
+              <a:rPr lang="en-US" altLang="ja-JP" sz="6000" b="1" dirty="0" smtClean="0">
+                <a:solidFill>
+                  <a:srgbClr val="7030A0"/>
+                </a:solidFill>
+              </a:rPr>
+              <a:t>TOP</a:t>
+            </a:r>
+            <a:endParaRPr lang="ja-JP" altLang="en-US" sz="6000" b="1" dirty="0">
+              <a:solidFill>
+                <a:srgbClr val="7030A0"/>
+              </a:solidFill>
+            </a:endParaRPr>
+          </a:p>
+        </p:txBody>
+      </p:sp>
+      <p:cxnSp>
+        <p:nvCxnSpPr>
+          <p:cNvPr id="3" name="直線コネクタ 2"/>
+          <p:cNvCxnSpPr/>
+          <p:nvPr/>
+        </p:nvCxnSpPr>
+        <p:spPr>
+          <a:xfrm flipH="1">
+            <a:off x="3864077" y="1560004"/>
+            <a:ext cx="2" cy="4368848"/>
+          </a:xfrm>
+          <a:prstGeom prst="line">
+            <a:avLst/>
+          </a:prstGeom>
+          <a:ln w="12700">
+            <a:solidFill>
+              <a:schemeClr val="tx1"/>
+            </a:solidFill>
+          </a:ln>
+        </p:spPr>
+        <p:style>
+          <a:lnRef idx="1">
+            <a:schemeClr val="accent1"/>
+          </a:lnRef>
+          <a:fillRef idx="0">
+            <a:schemeClr val="accent1"/>
+          </a:fillRef>
+          <a:effectRef idx="0">
+            <a:schemeClr val="accent1"/>
+          </a:effectRef>
+          <a:fontRef idx="minor">
+            <a:schemeClr val="tx1"/>
+          </a:fontRef>
+        </p:style>
+      </p:cxnSp>
+      <p:sp>
+        <p:nvSpPr>
+          <p:cNvPr id="4" name="正方形/長方形 3"/>
+          <p:cNvSpPr/>
+          <p:nvPr/>
+        </p:nvSpPr>
+        <p:spPr>
+          <a:xfrm>
+            <a:off x="1696066" y="1560004"/>
+            <a:ext cx="8318090" cy="4368848"/>
+          </a:xfrm>
+          <a:prstGeom prst="rect">
+            <a:avLst/>
+          </a:prstGeom>
+          <a:noFill/>
+          <a:ln>
+            <a:solidFill>
+              <a:schemeClr val="tx1"/>
+            </a:solidFill>
+          </a:ln>
+        </p:spPr>
+        <p:style>
+          <a:lnRef idx="2">
+            <a:schemeClr val="accent1">
+              <a:shade val="50000"/>
+            </a:schemeClr>
+          </a:lnRef>
+          <a:fillRef idx="1">
+            <a:schemeClr val="accent1"/>
+          </a:fillRef>
+          <a:effectRef idx="0">
+            <a:schemeClr val="accent1"/>
+          </a:effectRef>
+          <a:fontRef idx="minor">
+            <a:schemeClr val="lt1"/>
+          </a:fontRef>
+        </p:style>
+        <p:txBody>
+          <a:bodyPr rtlCol="0" anchor="ctr"/>
+          <a:lstStyle/>
+          <a:p>
+            <a:pPr algn="ctr"/>
+            <a:endParaRPr kumimoji="1" lang="ja-JP" altLang="en-US"/>
+          </a:p>
+        </p:txBody>
+      </p:sp>
+      <p:sp>
+        <p:nvSpPr>
+          <p:cNvPr id="5" name="テキスト ボックス 4"/>
+          <p:cNvSpPr txBox="1"/>
+          <p:nvPr/>
+        </p:nvSpPr>
+        <p:spPr>
+          <a:xfrm>
+            <a:off x="2160639" y="2198217"/>
+            <a:ext cx="1224116" cy="646331"/>
+          </a:xfrm>
+          <a:prstGeom prst="rect">
+            <a:avLst/>
+          </a:prstGeom>
+          <a:noFill/>
+          <a:ln>
+            <a:solidFill>
+              <a:schemeClr val="tx1"/>
+            </a:solidFill>
+          </a:ln>
+        </p:spPr>
+        <p:txBody>
+          <a:bodyPr wrap="square" rtlCol="0">
+            <a:spAutoFit/>
+          </a:bodyPr>
+          <a:lstStyle/>
+          <a:p>
+            <a:pPr algn="ctr"/>
+            <a:r>
+              <a:rPr lang="ja-JP" altLang="en-US" dirty="0" smtClean="0"/>
+              <a:t>ログイン</a:t>
+            </a:r>
+            <a:r>
+              <a:rPr lang="en-US" altLang="ja-JP" dirty="0" smtClean="0"/>
+              <a:t>/</a:t>
+            </a:r>
+            <a:r>
+              <a:rPr lang="ja-JP" altLang="en-US" dirty="0" smtClean="0"/>
+              <a:t>スタート</a:t>
+            </a:r>
+            <a:endParaRPr kumimoji="1" lang="ja-JP" altLang="en-US" dirty="0"/>
+          </a:p>
+        </p:txBody>
+      </p:sp>
+      <p:sp>
+        <p:nvSpPr>
+          <p:cNvPr id="6" name="テキスト ボックス 5"/>
+          <p:cNvSpPr txBox="1"/>
+          <p:nvPr/>
+        </p:nvSpPr>
+        <p:spPr>
+          <a:xfrm>
+            <a:off x="2101025" y="3914000"/>
+            <a:ext cx="1442278" cy="369332"/>
+          </a:xfrm>
+          <a:prstGeom prst="rect">
+            <a:avLst/>
+          </a:prstGeom>
+          <a:noFill/>
+          <a:ln>
+            <a:solidFill>
+              <a:schemeClr val="tx1"/>
+            </a:solidFill>
+          </a:ln>
+        </p:spPr>
+        <p:txBody>
+          <a:bodyPr wrap="square" rtlCol="0">
+            <a:spAutoFit/>
+          </a:bodyPr>
+          <a:lstStyle/>
+          <a:p>
+            <a:pPr algn="ctr"/>
+            <a:r>
+              <a:rPr lang="ja-JP" altLang="en-US" dirty="0" smtClean="0"/>
+              <a:t>ゲームガイド</a:t>
+            </a:r>
+            <a:endParaRPr kumimoji="1" lang="ja-JP" altLang="en-US" dirty="0"/>
+          </a:p>
+        </p:txBody>
+      </p:sp>
+      <p:sp>
+        <p:nvSpPr>
+          <p:cNvPr id="8" name="テキスト ボックス 7"/>
+          <p:cNvSpPr txBox="1"/>
+          <p:nvPr/>
+        </p:nvSpPr>
+        <p:spPr>
+          <a:xfrm>
+            <a:off x="2168013" y="3213671"/>
+            <a:ext cx="1224116" cy="369332"/>
+          </a:xfrm>
+          <a:prstGeom prst="rect">
+            <a:avLst/>
+          </a:prstGeom>
+          <a:noFill/>
+          <a:ln>
+            <a:solidFill>
+              <a:schemeClr val="tx1"/>
+            </a:solidFill>
+          </a:ln>
+        </p:spPr>
+        <p:txBody>
+          <a:bodyPr wrap="square" rtlCol="0">
+            <a:spAutoFit/>
+          </a:bodyPr>
+          <a:lstStyle/>
+          <a:p>
+            <a:pPr algn="ctr"/>
+            <a:r>
+              <a:rPr lang="ja-JP" altLang="en-US" dirty="0" smtClean="0"/>
+              <a:t>会員</a:t>
+            </a:r>
+            <a:r>
+              <a:rPr lang="ja-JP" altLang="en-US" dirty="0"/>
+              <a:t>登録</a:t>
+            </a:r>
+            <a:endParaRPr kumimoji="1" lang="ja-JP" altLang="en-US" dirty="0"/>
+          </a:p>
+        </p:txBody>
+      </p:sp>
+      <p:sp>
+        <p:nvSpPr>
+          <p:cNvPr id="9" name="テキスト ボックス 8"/>
+          <p:cNvSpPr txBox="1"/>
+          <p:nvPr/>
+        </p:nvSpPr>
+        <p:spPr>
+          <a:xfrm>
+            <a:off x="2110863" y="4531016"/>
+            <a:ext cx="1442278" cy="369332"/>
+          </a:xfrm>
+          <a:prstGeom prst="rect">
+            <a:avLst/>
+          </a:prstGeom>
+          <a:noFill/>
+          <a:ln>
+            <a:solidFill>
+              <a:schemeClr val="tx1"/>
+            </a:solidFill>
+          </a:ln>
+        </p:spPr>
+        <p:txBody>
+          <a:bodyPr wrap="square" rtlCol="0">
+            <a:spAutoFit/>
+          </a:bodyPr>
+          <a:lstStyle/>
+          <a:p>
+            <a:pPr algn="ctr"/>
+            <a:r>
+              <a:rPr kumimoji="1" lang="ja-JP" altLang="en-US" dirty="0" smtClean="0"/>
+              <a:t>ランキング</a:t>
+            </a:r>
+            <a:endParaRPr kumimoji="1" lang="ja-JP" altLang="en-US" dirty="0"/>
+          </a:p>
+        </p:txBody>
+      </p:sp>
+      <p:sp>
+        <p:nvSpPr>
+          <p:cNvPr id="11" name="テキスト ボックス 10"/>
+          <p:cNvSpPr txBox="1"/>
+          <p:nvPr/>
+        </p:nvSpPr>
+        <p:spPr>
+          <a:xfrm>
+            <a:off x="2116393" y="5148032"/>
+            <a:ext cx="1442278" cy="369332"/>
+          </a:xfrm>
+          <a:prstGeom prst="rect">
+            <a:avLst/>
+          </a:prstGeom>
+          <a:noFill/>
+          <a:ln>
+            <a:solidFill>
+              <a:schemeClr val="tx1"/>
+            </a:solidFill>
+          </a:ln>
+        </p:spPr>
+        <p:txBody>
+          <a:bodyPr wrap="square" rtlCol="0">
+            <a:spAutoFit/>
+          </a:bodyPr>
+          <a:lstStyle/>
+          <a:p>
+            <a:pPr algn="ctr"/>
+            <a:r>
+              <a:rPr kumimoji="1" lang="ja-JP" altLang="en-US" dirty="0" smtClean="0"/>
+              <a:t>掲示板</a:t>
+            </a:r>
+            <a:endParaRPr kumimoji="1" lang="ja-JP" altLang="en-US" dirty="0"/>
+          </a:p>
+        </p:txBody>
+      </p:sp>
+      <p:graphicFrame>
+        <p:nvGraphicFramePr>
+          <p:cNvPr id="13" name="表 12"/>
+          <p:cNvGraphicFramePr>
+            <a:graphicFrameLocks noGrp="1"/>
+          </p:cNvGraphicFramePr>
+          <p:nvPr>
+            <p:extLst>
+              <p:ext uri="{D42A27DB-BD31-4B8C-83A1-F6EECF244321}">
+                <p14:modId xmlns:p14="http://schemas.microsoft.com/office/powerpoint/2010/main" val="2560520497"/>
+              </p:ext>
+            </p:extLst>
+          </p:nvPr>
+        </p:nvGraphicFramePr>
+        <p:xfrm>
+          <a:off x="4022625" y="3686492"/>
+          <a:ext cx="5724012" cy="1860187"/>
+        </p:xfrm>
+        <a:graphic>
+          <a:graphicData uri="http://schemas.openxmlformats.org/drawingml/2006/table">
+            <a:tbl>
+              <a:tblPr firstRow="1" bandRow="1">
+                <a:tableStyleId>{5C22544A-7EE6-4342-B048-85BDC9FD1C3A}</a:tableStyleId>
+              </a:tblPr>
+              <a:tblGrid>
+                <a:gridCol w="785100"/>
+                <a:gridCol w="2283757"/>
+                <a:gridCol w="1224152"/>
+                <a:gridCol w="1431003"/>
+              </a:tblGrid>
+              <a:tr h="401918">
+                <a:tc>
+                  <a:txBody>
+                    <a:bodyPr/>
+                    <a:lstStyle/>
+                    <a:p>
+                      <a:r>
+                        <a:rPr kumimoji="1" lang="en-US" altLang="ja-JP" dirty="0" smtClean="0"/>
+                        <a:t>No.</a:t>
+                      </a:r>
+                      <a:endParaRPr kumimoji="1" lang="ja-JP" altLang="en-US" dirty="0"/>
+                    </a:p>
+                  </a:txBody>
+                  <a:tcPr/>
+                </a:tc>
+                <a:tc>
+                  <a:txBody>
+                    <a:bodyPr/>
+                    <a:lstStyle/>
+                    <a:p>
+                      <a:r>
+                        <a:rPr kumimoji="1" lang="ja-JP" altLang="en-US" dirty="0" smtClean="0"/>
+                        <a:t>タイトル</a:t>
+                      </a:r>
+                      <a:endParaRPr kumimoji="1" lang="ja-JP" altLang="en-US" dirty="0"/>
+                    </a:p>
+                  </a:txBody>
+                  <a:tcPr/>
+                </a:tc>
+                <a:tc>
+                  <a:txBody>
+                    <a:bodyPr/>
+                    <a:lstStyle/>
+                    <a:p>
+                      <a:r>
+                        <a:rPr kumimoji="1" lang="ja-JP" altLang="en-US" dirty="0" smtClean="0"/>
+                        <a:t>作成者</a:t>
+                      </a:r>
+                      <a:endParaRPr kumimoji="1" lang="ja-JP" altLang="en-US" dirty="0"/>
+                    </a:p>
+                  </a:txBody>
+                  <a:tcPr/>
+                </a:tc>
+                <a:tc>
+                  <a:txBody>
+                    <a:bodyPr/>
+                    <a:lstStyle/>
+                    <a:p>
+                      <a:r>
+                        <a:rPr kumimoji="1" lang="ja-JP" altLang="en-US" dirty="0" smtClean="0"/>
+                        <a:t>作成日</a:t>
+                      </a:r>
+                      <a:endParaRPr kumimoji="1" lang="ja-JP" altLang="en-US" dirty="0"/>
+                    </a:p>
+                  </a:txBody>
+                  <a:tcPr/>
+                </a:tc>
+              </a:tr>
+              <a:tr h="401918">
+                <a:tc>
+                  <a:txBody>
+                    <a:bodyPr/>
+                    <a:lstStyle/>
+                    <a:p>
+                      <a:r>
+                        <a:rPr kumimoji="1" lang="en-US" altLang="ja-JP" dirty="0" smtClean="0"/>
+                        <a:t>3</a:t>
+                      </a:r>
+                    </a:p>
+                  </a:txBody>
+                  <a:tcPr/>
+                </a:tc>
+                <a:tc>
+                  <a:txBody>
+                    <a:bodyPr/>
+                    <a:lstStyle/>
+                    <a:p>
+                      <a:r>
+                        <a:rPr kumimoji="1" lang="ja-JP" altLang="en-US" dirty="0" smtClean="0"/>
+                        <a:t>オセロの必勝法</a:t>
+                      </a:r>
+                      <a:endParaRPr kumimoji="1" lang="ja-JP" altLang="en-US" dirty="0"/>
+                    </a:p>
+                  </a:txBody>
+                  <a:tcPr/>
+                </a:tc>
+                <a:tc>
+                  <a:txBody>
+                    <a:bodyPr/>
+                    <a:lstStyle/>
+                    <a:p>
+                      <a:r>
+                        <a:rPr kumimoji="1" lang="ja-JP" altLang="en-US" dirty="0" smtClean="0"/>
+                        <a:t>広瀬太郎</a:t>
+                      </a:r>
+                      <a:endParaRPr kumimoji="1" lang="ja-JP" altLang="en-US" dirty="0"/>
+                    </a:p>
+                  </a:txBody>
+                  <a:tcPr/>
+                </a:tc>
+                <a:tc>
+                  <a:txBody>
+                    <a:bodyPr/>
+                    <a:lstStyle/>
+                    <a:p>
+                      <a:r>
+                        <a:rPr kumimoji="1" lang="en-US" altLang="ja-JP" dirty="0" smtClean="0"/>
+                        <a:t>2014/1/19</a:t>
+                      </a:r>
+                      <a:endParaRPr kumimoji="1" lang="ja-JP" altLang="en-US" dirty="0"/>
+                    </a:p>
+                  </a:txBody>
+                  <a:tcPr/>
+                </a:tc>
+              </a:tr>
+              <a:tr h="401918">
+                <a:tc>
+                  <a:txBody>
+                    <a:bodyPr/>
+                    <a:lstStyle/>
+                    <a:p>
+                      <a:r>
+                        <a:rPr kumimoji="1" lang="en-US" altLang="ja-JP" dirty="0" smtClean="0"/>
+                        <a:t>2</a:t>
+                      </a:r>
+                      <a:endParaRPr kumimoji="1" lang="ja-JP" altLang="en-US" dirty="0"/>
+                    </a:p>
+                  </a:txBody>
+                  <a:tcPr/>
+                </a:tc>
+                <a:tc>
+                  <a:txBody>
+                    <a:bodyPr/>
+                    <a:lstStyle/>
+                    <a:p>
+                      <a:r>
+                        <a:rPr kumimoji="1" lang="en-US" altLang="ja-JP" dirty="0" smtClean="0"/>
+                        <a:t>CPU</a:t>
+                      </a:r>
+                      <a:r>
+                        <a:rPr kumimoji="1" lang="ja-JP" altLang="en-US" dirty="0" smtClean="0"/>
+                        <a:t>との対戦</a:t>
+                      </a:r>
+                      <a:endParaRPr kumimoji="1" lang="ja-JP" altLang="en-US" dirty="0"/>
+                    </a:p>
+                  </a:txBody>
+                  <a:tcPr/>
+                </a:tc>
+                <a:tc>
+                  <a:txBody>
+                    <a:bodyPr/>
+                    <a:lstStyle/>
+                    <a:p>
+                      <a:r>
+                        <a:rPr kumimoji="1" lang="ja-JP" altLang="en-US" dirty="0" smtClean="0"/>
+                        <a:t>広瀬太郎</a:t>
+                      </a:r>
+                      <a:endParaRPr kumimoji="1" lang="ja-JP" altLang="en-US" dirty="0"/>
+                    </a:p>
+                  </a:txBody>
+                  <a:tcPr/>
+                </a:tc>
+                <a:tc>
+                  <a:txBody>
+                    <a:bodyPr/>
+                    <a:lstStyle/>
+                    <a:p>
+                      <a:r>
+                        <a:rPr kumimoji="1" lang="en-US" altLang="ja-JP" dirty="0" smtClean="0"/>
+                        <a:t>2014/1/19</a:t>
+                      </a:r>
+                      <a:endParaRPr kumimoji="1" lang="ja-JP" altLang="en-US" dirty="0"/>
+                    </a:p>
+                  </a:txBody>
+                  <a:tcPr/>
+                </a:tc>
+              </a:tr>
+              <a:tr h="654433">
+                <a:tc>
+                  <a:txBody>
+                    <a:bodyPr/>
+                    <a:lstStyle/>
+                    <a:p>
+                      <a:r>
+                        <a:rPr kumimoji="1" lang="en-US" altLang="ja-JP" dirty="0" smtClean="0"/>
+                        <a:t>1</a:t>
+                      </a:r>
+                      <a:endParaRPr kumimoji="1" lang="ja-JP" altLang="en-US" dirty="0"/>
+                    </a:p>
+                  </a:txBody>
+                  <a:tcPr/>
+                </a:tc>
+                <a:tc>
+                  <a:txBody>
+                    <a:bodyPr/>
+                    <a:lstStyle/>
+                    <a:p>
+                      <a:r>
+                        <a:rPr kumimoji="1" lang="ja-JP" altLang="en-US" dirty="0" smtClean="0"/>
+                        <a:t>このゲームについて</a:t>
+                      </a:r>
+                      <a:endParaRPr kumimoji="1" lang="ja-JP" altLang="en-US" dirty="0"/>
+                    </a:p>
+                  </a:txBody>
+                  <a:tcPr/>
+                </a:tc>
+                <a:tc>
+                  <a:txBody>
+                    <a:bodyPr/>
+                    <a:lstStyle/>
+                    <a:p>
+                      <a:r>
+                        <a:rPr kumimoji="1" lang="ja-JP" altLang="en-US" dirty="0" smtClean="0"/>
+                        <a:t>広瀬太郎</a:t>
+                      </a:r>
+                      <a:endParaRPr kumimoji="1" lang="ja-JP" altLang="en-US" dirty="0"/>
+                    </a:p>
+                  </a:txBody>
+                  <a:tcPr/>
+                </a:tc>
+                <a:tc>
+                  <a:txBody>
+                    <a:bodyPr/>
+                    <a:lstStyle/>
+                    <a:p>
+                      <a:r>
+                        <a:rPr kumimoji="1" lang="en-US" altLang="ja-JP" dirty="0" smtClean="0"/>
+                        <a:t>2014/1/19</a:t>
+                      </a:r>
+                      <a:endParaRPr kumimoji="1" lang="ja-JP" altLang="en-US" dirty="0"/>
+                    </a:p>
+                  </a:txBody>
+                  <a:tcPr/>
+                </a:tc>
+              </a:tr>
+            </a:tbl>
+          </a:graphicData>
+        </a:graphic>
+      </p:graphicFrame>
+      <p:sp>
+        <p:nvSpPr>
+          <p:cNvPr id="7" name="テキスト ボックス 6"/>
+          <p:cNvSpPr txBox="1"/>
+          <p:nvPr/>
+        </p:nvSpPr>
+        <p:spPr>
+          <a:xfrm>
+            <a:off x="3978887" y="1936607"/>
+            <a:ext cx="5685502" cy="523220"/>
+          </a:xfrm>
+          <a:prstGeom prst="rect">
+            <a:avLst/>
+          </a:prstGeom>
+          <a:noFill/>
+        </p:spPr>
+        <p:txBody>
+          <a:bodyPr wrap="square" rtlCol="0">
+            <a:spAutoFit/>
+          </a:bodyPr>
+          <a:lstStyle/>
+          <a:p>
+            <a:pPr algn="ctr"/>
+            <a:r>
+              <a:rPr kumimoji="1" lang="ja-JP" altLang="en-US" sz="2800" b="1" dirty="0" smtClean="0"/>
+              <a:t>掲示板</a:t>
+            </a:r>
+            <a:endParaRPr kumimoji="1" lang="ja-JP" altLang="en-US" sz="2800" b="1" dirty="0"/>
+          </a:p>
+        </p:txBody>
+      </p:sp>
+      <p:cxnSp>
+        <p:nvCxnSpPr>
+          <p:cNvPr id="12" name="直線矢印コネクタ 11"/>
+          <p:cNvCxnSpPr/>
+          <p:nvPr/>
+        </p:nvCxnSpPr>
+        <p:spPr>
+          <a:xfrm flipH="1">
+            <a:off x="9779198" y="3860002"/>
+            <a:ext cx="551022" cy="0"/>
+          </a:xfrm>
+          <a:prstGeom prst="straightConnector1">
+            <a:avLst/>
+          </a:prstGeom>
+          <a:ln w="25400">
+            <a:solidFill>
+              <a:srgbClr val="00B050"/>
+            </a:solidFill>
+            <a:tailEnd type="triangle"/>
+          </a:ln>
+        </p:spPr>
+        <p:style>
+          <a:lnRef idx="1">
+            <a:schemeClr val="accent1"/>
+          </a:lnRef>
+          <a:fillRef idx="0">
+            <a:schemeClr val="accent1"/>
+          </a:fillRef>
+          <a:effectRef idx="0">
+            <a:schemeClr val="accent1"/>
+          </a:effectRef>
+          <a:fontRef idx="minor">
+            <a:schemeClr val="tx1"/>
+          </a:fontRef>
+        </p:style>
+      </p:cxnSp>
+      <p:sp>
+        <p:nvSpPr>
+          <p:cNvPr id="15" name="テキスト ボックス 14"/>
+          <p:cNvSpPr txBox="1"/>
+          <p:nvPr/>
+        </p:nvSpPr>
+        <p:spPr>
+          <a:xfrm>
+            <a:off x="10330220" y="3367768"/>
+            <a:ext cx="1587494" cy="923330"/>
+          </a:xfrm>
+          <a:prstGeom prst="rect">
+            <a:avLst/>
+          </a:prstGeom>
+          <a:noFill/>
+        </p:spPr>
+        <p:txBody>
+          <a:bodyPr wrap="square" rtlCol="0">
+            <a:spAutoFit/>
+          </a:bodyPr>
+          <a:lstStyle/>
+          <a:p>
+            <a:r>
+              <a:rPr kumimoji="1" lang="ja-JP" altLang="en-US" dirty="0" smtClean="0"/>
+              <a:t>テーブルでそれなりにきれいにしておく。</a:t>
+            </a:r>
+            <a:endParaRPr kumimoji="1" lang="ja-JP" altLang="en-US" dirty="0"/>
+          </a:p>
+        </p:txBody>
+      </p:sp>
+      <p:sp>
+        <p:nvSpPr>
+          <p:cNvPr id="16" name="テキスト ボックス 15"/>
+          <p:cNvSpPr txBox="1"/>
+          <p:nvPr/>
+        </p:nvSpPr>
+        <p:spPr>
+          <a:xfrm>
+            <a:off x="4826410" y="2603113"/>
+            <a:ext cx="4177482" cy="646331"/>
+          </a:xfrm>
+          <a:prstGeom prst="rect">
+            <a:avLst/>
+          </a:prstGeom>
+          <a:noFill/>
+        </p:spPr>
+        <p:txBody>
+          <a:bodyPr wrap="square" rtlCol="0">
+            <a:spAutoFit/>
+          </a:bodyPr>
+          <a:lstStyle/>
+          <a:p>
+            <a:pPr algn="ctr"/>
+            <a:r>
+              <a:rPr kumimoji="1" lang="ja-JP" altLang="en-US" u="sng" dirty="0" smtClean="0">
+                <a:solidFill>
+                  <a:srgbClr val="0070C0"/>
+                </a:solidFill>
+              </a:rPr>
+              <a:t>掲示板を作成する</a:t>
+            </a:r>
+            <a:r>
+              <a:rPr lang="ja-JP" altLang="en-US" dirty="0"/>
+              <a:t> </a:t>
+            </a:r>
+            <a:r>
+              <a:rPr kumimoji="1" lang="en-US" altLang="ja-JP" dirty="0" smtClean="0"/>
+              <a:t>/</a:t>
+            </a:r>
+          </a:p>
+          <a:p>
+            <a:pPr algn="ctr"/>
+            <a:r>
+              <a:rPr kumimoji="1" lang="en-US" altLang="ja-JP" dirty="0" smtClean="0"/>
+              <a:t> </a:t>
+            </a:r>
+            <a:r>
+              <a:rPr kumimoji="1" lang="ja-JP" altLang="en-US" u="sng" dirty="0" smtClean="0">
+                <a:solidFill>
+                  <a:srgbClr val="0070C0"/>
+                </a:solidFill>
+              </a:rPr>
+              <a:t>ログインして掲示板を作成する</a:t>
+            </a:r>
+            <a:endParaRPr kumimoji="1" lang="ja-JP" altLang="en-US" u="sng" dirty="0">
+              <a:solidFill>
+                <a:srgbClr val="0070C0"/>
+              </a:solidFill>
+            </a:endParaRPr>
+          </a:p>
+        </p:txBody>
+      </p:sp>
+      <p:cxnSp>
+        <p:nvCxnSpPr>
+          <p:cNvPr id="17" name="直線矢印コネクタ 16"/>
+          <p:cNvCxnSpPr/>
+          <p:nvPr/>
+        </p:nvCxnSpPr>
+        <p:spPr>
+          <a:xfrm flipH="1">
+            <a:off x="8052619" y="1342103"/>
+            <a:ext cx="1726579" cy="1392746"/>
+          </a:xfrm>
+          <a:prstGeom prst="straightConnector1">
+            <a:avLst/>
+          </a:prstGeom>
+          <a:ln w="25400">
+            <a:solidFill>
+              <a:srgbClr val="00B050"/>
+            </a:solidFill>
+            <a:tailEnd type="triangle"/>
+          </a:ln>
+        </p:spPr>
+        <p:style>
+          <a:lnRef idx="1">
+            <a:schemeClr val="accent1"/>
+          </a:lnRef>
+          <a:fillRef idx="0">
+            <a:schemeClr val="accent1"/>
+          </a:fillRef>
+          <a:effectRef idx="0">
+            <a:schemeClr val="accent1"/>
+          </a:effectRef>
+          <a:fontRef idx="minor">
+            <a:schemeClr val="tx1"/>
+          </a:fontRef>
+        </p:style>
+      </p:cxnSp>
+      <p:sp>
+        <p:nvSpPr>
+          <p:cNvPr id="20" name="テキスト ボックス 19"/>
+          <p:cNvSpPr txBox="1"/>
+          <p:nvPr/>
+        </p:nvSpPr>
+        <p:spPr>
+          <a:xfrm>
+            <a:off x="8845241" y="476444"/>
+            <a:ext cx="2969958" cy="923330"/>
+          </a:xfrm>
+          <a:prstGeom prst="rect">
+            <a:avLst/>
+          </a:prstGeom>
+          <a:noFill/>
+        </p:spPr>
+        <p:txBody>
+          <a:bodyPr wrap="square" rtlCol="0">
+            <a:spAutoFit/>
+          </a:bodyPr>
+          <a:lstStyle/>
+          <a:p>
+            <a:r>
+              <a:rPr kumimoji="1" lang="ja-JP" altLang="en-US" dirty="0" smtClean="0"/>
+              <a:t>ログインしないと掲示板は作成できないため、ログインしてないならログインを促す</a:t>
+            </a:r>
+            <a:endParaRPr kumimoji="1" lang="ja-JP" altLang="en-US" dirty="0"/>
+          </a:p>
+        </p:txBody>
+      </p:sp>
+    </p:spTree>
+    <p:extLst>
+      <p:ext uri="{BB962C8B-B14F-4D97-AF65-F5344CB8AC3E}">
+        <p14:creationId xmlns:p14="http://schemas.microsoft.com/office/powerpoint/2010/main" val="1664840571"/>
       </p:ext>
     </p:extLst>
   </p:cSld>
@@ -10814,6 +11687,42 @@
             <a:r>
               <a:rPr lang="ja-JP" altLang="en-US" dirty="0" smtClean="0"/>
               <a:t>タブを入れて各ランキングを見れるといい</a:t>
+            </a:r>
+            <a:endParaRPr kumimoji="1" lang="ja-JP" altLang="en-US" dirty="0"/>
+          </a:p>
+        </p:txBody>
+      </p:sp>
+      <p:sp>
+        <p:nvSpPr>
+          <p:cNvPr id="11" name="テキスト ボックス 10"/>
+          <p:cNvSpPr txBox="1"/>
+          <p:nvPr/>
+        </p:nvSpPr>
+        <p:spPr>
+          <a:xfrm>
+            <a:off x="2101940" y="5148032"/>
+            <a:ext cx="1442278" cy="369332"/>
+          </a:xfrm>
+          <a:prstGeom prst="rect">
+            <a:avLst/>
+          </a:prstGeom>
+          <a:noFill/>
+          <a:ln>
+            <a:solidFill>
+              <a:schemeClr val="tx1"/>
+            </a:solidFill>
+          </a:ln>
+        </p:spPr>
+        <p:txBody>
+          <a:bodyPr wrap="square" rtlCol="0">
+            <a:spAutoFit/>
+          </a:bodyPr>
+          <a:lstStyle/>
+          <a:p>
+            <a:pPr algn="ctr"/>
+            <a:r>
+              <a:rPr kumimoji="1" lang="ja-JP" altLang="en-US" dirty="0" smtClean="0"/>
+              <a:t>掲示板</a:t>
             </a:r>
             <a:endParaRPr kumimoji="1" lang="ja-JP" altLang="en-US" dirty="0"/>
           </a:p>

--- a/design/HTMLページ設計.pptx
+++ b/design/HTMLページ設計.pptx
@@ -5,7 +5,7 @@
     <p:sldMasterId id="2147483648" r:id="rId1"/>
   </p:sldMasterIdLst>
   <p:notesMasterIdLst>
-    <p:notesMasterId r:id="rId12"/>
+    <p:notesMasterId r:id="rId13"/>
   </p:notesMasterIdLst>
   <p:sldIdLst>
     <p:sldId id="256" r:id="rId2"/>
@@ -18,6 +18,7 @@
     <p:sldId id="259" r:id="rId9"/>
     <p:sldId id="263" r:id="rId10"/>
     <p:sldId id="265" r:id="rId11"/>
+    <p:sldId id="266" r:id="rId12"/>
   </p:sldIdLst>
   <p:sldSz cx="12192000" cy="6858000"/>
   <p:notesSz cx="6858000" cy="9144000"/>
@@ -653,6 +654,94 @@
 </p:notes>
 </file>
 
+<file path=ppt/notesSlides/notesSlide10.xml><?xml version="1.0" encoding="utf-8"?>
+<p:notes xmlns:a="http://schemas.openxmlformats.org/drawingml/2006/main" xmlns:r="http://schemas.openxmlformats.org/officeDocument/2006/relationships" xmlns:p="http://schemas.openxmlformats.org/presentationml/2006/main">
+  <p:cSld>
+    <p:spTree>
+      <p:nvGrpSpPr>
+        <p:cNvPr id="1" name=""/>
+        <p:cNvGrpSpPr/>
+        <p:nvPr/>
+      </p:nvGrpSpPr>
+      <p:grpSpPr>
+        <a:xfrm>
+          <a:off x="0" y="0"/>
+          <a:ext cx="0" cy="0"/>
+          <a:chOff x="0" y="0"/>
+          <a:chExt cx="0" cy="0"/>
+        </a:xfrm>
+      </p:grpSpPr>
+      <p:sp>
+        <p:nvSpPr>
+          <p:cNvPr id="2" name="スライド イメージ プレースホルダー 1"/>
+          <p:cNvSpPr>
+            <a:spLocks noGrp="1" noRot="1" noChangeAspect="1"/>
+          </p:cNvSpPr>
+          <p:nvPr>
+            <p:ph type="sldImg"/>
+          </p:nvPr>
+        </p:nvSpPr>
+        <p:spPr/>
+      </p:sp>
+      <p:sp>
+        <p:nvSpPr>
+          <p:cNvPr id="3" name="ノート プレースホルダー 2"/>
+          <p:cNvSpPr>
+            <a:spLocks noGrp="1"/>
+          </p:cNvSpPr>
+          <p:nvPr>
+            <p:ph type="body" idx="1"/>
+          </p:nvPr>
+        </p:nvSpPr>
+        <p:spPr/>
+        <p:txBody>
+          <a:bodyPr/>
+          <a:lstStyle/>
+          <a:p>
+            <a:r>
+              <a:rPr kumimoji="1" lang="ja-JP" altLang="en-US" dirty="0" smtClean="0"/>
+              <a:t>ここも同じようにコメントを削除できるのは管理者のみとしたい。</a:t>
+            </a:r>
+            <a:endParaRPr kumimoji="1" lang="ja-JP" altLang="en-US" dirty="0"/>
+          </a:p>
+        </p:txBody>
+      </p:sp>
+      <p:sp>
+        <p:nvSpPr>
+          <p:cNvPr id="4" name="スライド番号プレースホルダー 3"/>
+          <p:cNvSpPr>
+            <a:spLocks noGrp="1"/>
+          </p:cNvSpPr>
+          <p:nvPr>
+            <p:ph type="sldNum" sz="quarter" idx="10"/>
+          </p:nvPr>
+        </p:nvSpPr>
+        <p:spPr/>
+        <p:txBody>
+          <a:bodyPr/>
+          <a:lstStyle/>
+          <a:p>
+            <a:fld id="{28450F27-BAD8-47D7-9E11-CABD4386BDCC}" type="slidenum">
+              <a:rPr kumimoji="1" lang="ja-JP" altLang="en-US" smtClean="0"/>
+              <a:t>11</a:t>
+            </a:fld>
+            <a:endParaRPr kumimoji="1" lang="ja-JP" altLang="en-US"/>
+          </a:p>
+        </p:txBody>
+      </p:sp>
+    </p:spTree>
+    <p:extLst>
+      <p:ext uri="{BB962C8B-B14F-4D97-AF65-F5344CB8AC3E}">
+        <p14:creationId xmlns:p14="http://schemas.microsoft.com/office/powerpoint/2010/main" val="2287159324"/>
+      </p:ext>
+    </p:extLst>
+  </p:cSld>
+  <p:clrMapOvr>
+    <a:masterClrMapping/>
+  </p:clrMapOvr>
+</p:notes>
+</file>
+
 <file path=ppt/notesSlides/notesSlide2.xml><?xml version="1.0" encoding="utf-8"?>
 <p:notes xmlns:a="http://schemas.openxmlformats.org/drawingml/2006/main" xmlns:r="http://schemas.openxmlformats.org/officeDocument/2006/relationships" xmlns:p="http://schemas.openxmlformats.org/presentationml/2006/main">
   <p:cSld>
@@ -1449,7 +1538,7 @@
           <a:lstStyle/>
           <a:p>
             <a:r>
-              <a:rPr kumimoji="1" lang="ja-JP" altLang="en-US" smtClean="0"/>
+              <a:rPr kumimoji="1" lang="ja-JP" altLang="en-US" dirty="0" smtClean="0"/>
               <a:t>掲示板の中身の削除は管理者のみ出来るようにするといい。</a:t>
             </a:r>
             <a:endParaRPr kumimoji="1" lang="ja-JP" altLang="en-US" dirty="0"/>
@@ -6356,6 +6445,1072 @@
     <p:extLst>
       <p:ext uri="{BB962C8B-B14F-4D97-AF65-F5344CB8AC3E}">
         <p14:creationId xmlns:p14="http://schemas.microsoft.com/office/powerpoint/2010/main" val="1664840571"/>
+      </p:ext>
+    </p:extLst>
+  </p:cSld>
+  <p:clrMapOvr>
+    <a:masterClrMapping/>
+  </p:clrMapOvr>
+</p:sld>
+</file>
+
+<file path=ppt/slides/slide11.xml><?xml version="1.0" encoding="utf-8"?>
+<p:sld xmlns:a="http://schemas.openxmlformats.org/drawingml/2006/main" xmlns:r="http://schemas.openxmlformats.org/officeDocument/2006/relationships" xmlns:p="http://schemas.openxmlformats.org/presentationml/2006/main">
+  <p:cSld>
+    <p:spTree>
+      <p:nvGrpSpPr>
+        <p:cNvPr id="1" name=""/>
+        <p:cNvGrpSpPr/>
+        <p:nvPr/>
+      </p:nvGrpSpPr>
+      <p:grpSpPr>
+        <a:xfrm>
+          <a:off x="0" y="0"/>
+          <a:ext cx="0" cy="0"/>
+          <a:chOff x="0" y="0"/>
+          <a:chExt cx="0" cy="0"/>
+        </a:xfrm>
+      </p:grpSpPr>
+      <p:sp>
+        <p:nvSpPr>
+          <p:cNvPr id="2" name="タイトル 1"/>
+          <p:cNvSpPr txBox="1">
+            <a:spLocks/>
+          </p:cNvSpPr>
+          <p:nvPr/>
+        </p:nvSpPr>
+        <p:spPr>
+          <a:xfrm>
+            <a:off x="1317938" y="103031"/>
+            <a:ext cx="9144000" cy="1088735"/>
+          </a:xfrm>
+          <a:prstGeom prst="rect">
+            <a:avLst/>
+          </a:prstGeom>
+        </p:spPr>
+        <p:txBody>
+          <a:bodyPr>
+            <a:normAutofit/>
+          </a:bodyPr>
+          <a:lstStyle>
+            <a:lvl1pPr algn="l" defTabSz="914400" rtl="0" eaLnBrk="1" latinLnBrk="0" hangingPunct="1">
+              <a:lnSpc>
+                <a:spcPct val="90000"/>
+              </a:lnSpc>
+              <a:spcBef>
+                <a:spcPct val="0"/>
+              </a:spcBef>
+              <a:buNone/>
+              <a:defRPr kumimoji="1" sz="4400" kern="1200">
+                <a:solidFill>
+                  <a:schemeClr val="tx1"/>
+                </a:solidFill>
+                <a:latin typeface="+mj-lt"/>
+                <a:ea typeface="+mj-ea"/>
+                <a:cs typeface="+mj-cs"/>
+              </a:defRPr>
+            </a:lvl1pPr>
+          </a:lstStyle>
+          <a:p>
+            <a:pPr algn="ctr"/>
+            <a:r>
+              <a:rPr lang="ja-JP" altLang="en-US" sz="6000" b="1" dirty="0" smtClean="0">
+                <a:solidFill>
+                  <a:srgbClr val="7030A0"/>
+                </a:solidFill>
+              </a:rPr>
+              <a:t>掲示板の詳細ページ</a:t>
+            </a:r>
+            <a:endParaRPr lang="ja-JP" altLang="en-US" sz="6000" b="1" dirty="0">
+              <a:solidFill>
+                <a:srgbClr val="7030A0"/>
+              </a:solidFill>
+            </a:endParaRPr>
+          </a:p>
+        </p:txBody>
+      </p:sp>
+      <p:cxnSp>
+        <p:nvCxnSpPr>
+          <p:cNvPr id="3" name="直線コネクタ 2"/>
+          <p:cNvCxnSpPr/>
+          <p:nvPr/>
+        </p:nvCxnSpPr>
+        <p:spPr>
+          <a:xfrm flipH="1">
+            <a:off x="3829035" y="1186302"/>
+            <a:ext cx="4396" cy="5457584"/>
+          </a:xfrm>
+          <a:prstGeom prst="line">
+            <a:avLst/>
+          </a:prstGeom>
+          <a:ln w="12700">
+            <a:solidFill>
+              <a:schemeClr val="tx1"/>
+            </a:solidFill>
+          </a:ln>
+        </p:spPr>
+        <p:style>
+          <a:lnRef idx="1">
+            <a:schemeClr val="accent1"/>
+          </a:lnRef>
+          <a:fillRef idx="0">
+            <a:schemeClr val="accent1"/>
+          </a:fillRef>
+          <a:effectRef idx="0">
+            <a:schemeClr val="accent1"/>
+          </a:effectRef>
+          <a:fontRef idx="minor">
+            <a:schemeClr val="tx1"/>
+          </a:fontRef>
+        </p:style>
+      </p:cxnSp>
+      <p:sp>
+        <p:nvSpPr>
+          <p:cNvPr id="4" name="正方形/長方形 3"/>
+          <p:cNvSpPr/>
+          <p:nvPr/>
+        </p:nvSpPr>
+        <p:spPr>
+          <a:xfrm>
+            <a:off x="1858297" y="1191766"/>
+            <a:ext cx="8190686" cy="5457583"/>
+          </a:xfrm>
+          <a:prstGeom prst="rect">
+            <a:avLst/>
+          </a:prstGeom>
+          <a:noFill/>
+          <a:ln>
+            <a:solidFill>
+              <a:schemeClr val="tx1"/>
+            </a:solidFill>
+          </a:ln>
+        </p:spPr>
+        <p:style>
+          <a:lnRef idx="2">
+            <a:schemeClr val="accent1">
+              <a:shade val="50000"/>
+            </a:schemeClr>
+          </a:lnRef>
+          <a:fillRef idx="1">
+            <a:schemeClr val="accent1"/>
+          </a:fillRef>
+          <a:effectRef idx="0">
+            <a:schemeClr val="accent1"/>
+          </a:effectRef>
+          <a:fontRef idx="minor">
+            <a:schemeClr val="lt1"/>
+          </a:fontRef>
+        </p:style>
+        <p:txBody>
+          <a:bodyPr rtlCol="0" anchor="ctr"/>
+          <a:lstStyle/>
+          <a:p>
+            <a:pPr algn="ctr"/>
+            <a:endParaRPr kumimoji="1" lang="ja-JP" altLang="en-US"/>
+          </a:p>
+        </p:txBody>
+      </p:sp>
+      <p:sp>
+        <p:nvSpPr>
+          <p:cNvPr id="5" name="テキスト ボックス 4"/>
+          <p:cNvSpPr txBox="1"/>
+          <p:nvPr/>
+        </p:nvSpPr>
+        <p:spPr>
+          <a:xfrm>
+            <a:off x="2195466" y="1829979"/>
+            <a:ext cx="1224116" cy="646331"/>
+          </a:xfrm>
+          <a:prstGeom prst="rect">
+            <a:avLst/>
+          </a:prstGeom>
+          <a:noFill/>
+          <a:ln>
+            <a:solidFill>
+              <a:schemeClr val="tx1"/>
+            </a:solidFill>
+          </a:ln>
+        </p:spPr>
+        <p:txBody>
+          <a:bodyPr wrap="square" rtlCol="0">
+            <a:spAutoFit/>
+          </a:bodyPr>
+          <a:lstStyle/>
+          <a:p>
+            <a:pPr algn="ctr"/>
+            <a:r>
+              <a:rPr lang="ja-JP" altLang="en-US" dirty="0" smtClean="0"/>
+              <a:t>ログイン</a:t>
+            </a:r>
+            <a:r>
+              <a:rPr lang="en-US" altLang="ja-JP" dirty="0" smtClean="0"/>
+              <a:t>/</a:t>
+            </a:r>
+            <a:r>
+              <a:rPr lang="ja-JP" altLang="en-US" dirty="0" smtClean="0"/>
+              <a:t>スタート</a:t>
+            </a:r>
+            <a:endParaRPr kumimoji="1" lang="ja-JP" altLang="en-US" dirty="0"/>
+          </a:p>
+        </p:txBody>
+      </p:sp>
+      <p:sp>
+        <p:nvSpPr>
+          <p:cNvPr id="6" name="テキスト ボックス 5"/>
+          <p:cNvSpPr txBox="1"/>
+          <p:nvPr/>
+        </p:nvSpPr>
+        <p:spPr>
+          <a:xfrm>
+            <a:off x="2135852" y="3545762"/>
+            <a:ext cx="1442278" cy="369332"/>
+          </a:xfrm>
+          <a:prstGeom prst="rect">
+            <a:avLst/>
+          </a:prstGeom>
+          <a:noFill/>
+          <a:ln>
+            <a:solidFill>
+              <a:schemeClr val="tx1"/>
+            </a:solidFill>
+          </a:ln>
+        </p:spPr>
+        <p:txBody>
+          <a:bodyPr wrap="square" rtlCol="0">
+            <a:spAutoFit/>
+          </a:bodyPr>
+          <a:lstStyle/>
+          <a:p>
+            <a:pPr algn="ctr"/>
+            <a:r>
+              <a:rPr lang="ja-JP" altLang="en-US" dirty="0" smtClean="0"/>
+              <a:t>ゲームガイド</a:t>
+            </a:r>
+            <a:endParaRPr kumimoji="1" lang="ja-JP" altLang="en-US" dirty="0"/>
+          </a:p>
+        </p:txBody>
+      </p:sp>
+      <p:sp>
+        <p:nvSpPr>
+          <p:cNvPr id="7" name="テキスト ボックス 6"/>
+          <p:cNvSpPr txBox="1"/>
+          <p:nvPr/>
+        </p:nvSpPr>
+        <p:spPr>
+          <a:xfrm>
+            <a:off x="2202840" y="2845433"/>
+            <a:ext cx="1224116" cy="369332"/>
+          </a:xfrm>
+          <a:prstGeom prst="rect">
+            <a:avLst/>
+          </a:prstGeom>
+          <a:noFill/>
+          <a:ln>
+            <a:solidFill>
+              <a:schemeClr val="tx1"/>
+            </a:solidFill>
+          </a:ln>
+        </p:spPr>
+        <p:txBody>
+          <a:bodyPr wrap="square" rtlCol="0">
+            <a:spAutoFit/>
+          </a:bodyPr>
+          <a:lstStyle/>
+          <a:p>
+            <a:pPr algn="ctr"/>
+            <a:r>
+              <a:rPr lang="ja-JP" altLang="en-US" dirty="0" smtClean="0"/>
+              <a:t>会員</a:t>
+            </a:r>
+            <a:r>
+              <a:rPr lang="ja-JP" altLang="en-US" dirty="0"/>
+              <a:t>登録</a:t>
+            </a:r>
+            <a:endParaRPr kumimoji="1" lang="ja-JP" altLang="en-US" dirty="0"/>
+          </a:p>
+        </p:txBody>
+      </p:sp>
+      <p:sp>
+        <p:nvSpPr>
+          <p:cNvPr id="8" name="テキスト ボックス 7"/>
+          <p:cNvSpPr txBox="1"/>
+          <p:nvPr/>
+        </p:nvSpPr>
+        <p:spPr>
+          <a:xfrm>
+            <a:off x="2145690" y="4162778"/>
+            <a:ext cx="1442278" cy="369332"/>
+          </a:xfrm>
+          <a:prstGeom prst="rect">
+            <a:avLst/>
+          </a:prstGeom>
+          <a:noFill/>
+          <a:ln>
+            <a:solidFill>
+              <a:schemeClr val="tx1"/>
+            </a:solidFill>
+          </a:ln>
+        </p:spPr>
+        <p:txBody>
+          <a:bodyPr wrap="square" rtlCol="0">
+            <a:spAutoFit/>
+          </a:bodyPr>
+          <a:lstStyle/>
+          <a:p>
+            <a:pPr algn="ctr"/>
+            <a:r>
+              <a:rPr kumimoji="1" lang="ja-JP" altLang="en-US" dirty="0" smtClean="0"/>
+              <a:t>ランキング</a:t>
+            </a:r>
+            <a:endParaRPr kumimoji="1" lang="ja-JP" altLang="en-US" dirty="0"/>
+          </a:p>
+        </p:txBody>
+      </p:sp>
+      <p:sp>
+        <p:nvSpPr>
+          <p:cNvPr id="9" name="テキスト ボックス 8"/>
+          <p:cNvSpPr txBox="1"/>
+          <p:nvPr/>
+        </p:nvSpPr>
+        <p:spPr>
+          <a:xfrm>
+            <a:off x="2151220" y="4779794"/>
+            <a:ext cx="1442278" cy="369332"/>
+          </a:xfrm>
+          <a:prstGeom prst="rect">
+            <a:avLst/>
+          </a:prstGeom>
+          <a:noFill/>
+          <a:ln>
+            <a:solidFill>
+              <a:schemeClr val="tx1"/>
+            </a:solidFill>
+          </a:ln>
+        </p:spPr>
+        <p:txBody>
+          <a:bodyPr wrap="square" rtlCol="0">
+            <a:spAutoFit/>
+          </a:bodyPr>
+          <a:lstStyle/>
+          <a:p>
+            <a:pPr algn="ctr"/>
+            <a:r>
+              <a:rPr kumimoji="1" lang="ja-JP" altLang="en-US" dirty="0" smtClean="0"/>
+              <a:t>掲示板</a:t>
+            </a:r>
+            <a:endParaRPr kumimoji="1" lang="ja-JP" altLang="en-US" dirty="0"/>
+          </a:p>
+        </p:txBody>
+      </p:sp>
+      <p:graphicFrame>
+        <p:nvGraphicFramePr>
+          <p:cNvPr id="17" name="表 16"/>
+          <p:cNvGraphicFramePr>
+            <a:graphicFrameLocks noGrp="1"/>
+          </p:cNvGraphicFramePr>
+          <p:nvPr>
+            <p:extLst>
+              <p:ext uri="{D42A27DB-BD31-4B8C-83A1-F6EECF244321}">
+                <p14:modId xmlns:p14="http://schemas.microsoft.com/office/powerpoint/2010/main" val="453423471"/>
+              </p:ext>
+            </p:extLst>
+          </p:nvPr>
+        </p:nvGraphicFramePr>
+        <p:xfrm>
+          <a:off x="4162280" y="1446497"/>
+          <a:ext cx="5763385" cy="1930400"/>
+        </p:xfrm>
+        <a:graphic>
+          <a:graphicData uri="http://schemas.openxmlformats.org/drawingml/2006/table">
+            <a:tbl>
+              <a:tblPr firstRow="1" bandRow="1">
+                <a:tableStyleId>{5C22544A-7EE6-4342-B048-85BDC9FD1C3A}</a:tableStyleId>
+              </a:tblPr>
+              <a:tblGrid>
+                <a:gridCol w="1118561"/>
+                <a:gridCol w="1636153"/>
+                <a:gridCol w="929148"/>
+                <a:gridCol w="2079523"/>
+              </a:tblGrid>
+              <a:tr h="370840">
+                <a:tc>
+                  <a:txBody>
+                    <a:bodyPr/>
+                    <a:lstStyle/>
+                    <a:p>
+                      <a:r>
+                        <a:rPr kumimoji="1" lang="ja-JP" altLang="en-US" dirty="0" smtClean="0"/>
+                        <a:t>タイトル</a:t>
+                      </a:r>
+                      <a:endParaRPr kumimoji="1" lang="ja-JP" altLang="en-US" dirty="0"/>
+                    </a:p>
+                  </a:txBody>
+                  <a:tcPr/>
+                </a:tc>
+                <a:tc gridSpan="3">
+                  <a:txBody>
+                    <a:bodyPr/>
+                    <a:lstStyle/>
+                    <a:p>
+                      <a:r>
+                        <a:rPr kumimoji="1" lang="ja-JP" altLang="en-US" dirty="0" smtClean="0"/>
+                        <a:t>このゲームについて</a:t>
+                      </a:r>
+                      <a:endParaRPr kumimoji="1" lang="ja-JP" altLang="en-US" dirty="0"/>
+                    </a:p>
+                  </a:txBody>
+                  <a:tcPr/>
+                </a:tc>
+                <a:tc hMerge="1">
+                  <a:txBody>
+                    <a:bodyPr/>
+                    <a:lstStyle/>
+                    <a:p>
+                      <a:endParaRPr kumimoji="1" lang="ja-JP" altLang="en-US" dirty="0"/>
+                    </a:p>
+                  </a:txBody>
+                  <a:tcPr/>
+                </a:tc>
+                <a:tc hMerge="1">
+                  <a:txBody>
+                    <a:bodyPr/>
+                    <a:lstStyle/>
+                    <a:p>
+                      <a:endParaRPr kumimoji="1" lang="ja-JP" altLang="en-US" dirty="0"/>
+                    </a:p>
+                  </a:txBody>
+                  <a:tcPr/>
+                </a:tc>
+              </a:tr>
+              <a:tr h="370840">
+                <a:tc>
+                  <a:txBody>
+                    <a:bodyPr/>
+                    <a:lstStyle/>
+                    <a:p>
+                      <a:r>
+                        <a:rPr kumimoji="1" lang="ja-JP" altLang="en-US" dirty="0" smtClean="0"/>
+                        <a:t>作成者</a:t>
+                      </a:r>
+                      <a:endParaRPr kumimoji="1" lang="ja-JP" altLang="en-US" dirty="0"/>
+                    </a:p>
+                  </a:txBody>
+                  <a:tcPr/>
+                </a:tc>
+                <a:tc>
+                  <a:txBody>
+                    <a:bodyPr/>
+                    <a:lstStyle/>
+                    <a:p>
+                      <a:r>
+                        <a:rPr kumimoji="1" lang="ja-JP" altLang="en-US" dirty="0" smtClean="0"/>
+                        <a:t>広瀬太郎</a:t>
+                      </a:r>
+                      <a:endParaRPr kumimoji="1" lang="ja-JP" altLang="en-US" dirty="0"/>
+                    </a:p>
+                  </a:txBody>
+                  <a:tcPr/>
+                </a:tc>
+                <a:tc>
+                  <a:txBody>
+                    <a:bodyPr/>
+                    <a:lstStyle/>
+                    <a:p>
+                      <a:r>
+                        <a:rPr kumimoji="1" lang="ja-JP" altLang="en-US" dirty="0" smtClean="0"/>
+                        <a:t>作成日</a:t>
+                      </a:r>
+                      <a:endParaRPr kumimoji="1" lang="ja-JP" altLang="en-US" dirty="0"/>
+                    </a:p>
+                  </a:txBody>
+                  <a:tcPr/>
+                </a:tc>
+                <a:tc>
+                  <a:txBody>
+                    <a:bodyPr/>
+                    <a:lstStyle/>
+                    <a:p>
+                      <a:r>
+                        <a:rPr kumimoji="1" lang="en-US" altLang="ja-JP" dirty="0" smtClean="0"/>
+                        <a:t>2014/1/19</a:t>
+                      </a:r>
+                      <a:r>
+                        <a:rPr kumimoji="1" lang="en-US" altLang="ja-JP" baseline="0" dirty="0" smtClean="0"/>
+                        <a:t> 11:50:30</a:t>
+                      </a:r>
+                      <a:endParaRPr kumimoji="1" lang="ja-JP" altLang="en-US" dirty="0"/>
+                    </a:p>
+                  </a:txBody>
+                  <a:tcPr/>
+                </a:tc>
+              </a:tr>
+              <a:tr h="370840">
+                <a:tc gridSpan="4">
+                  <a:txBody>
+                    <a:bodyPr/>
+                    <a:lstStyle/>
+                    <a:p>
+                      <a:r>
+                        <a:rPr kumimoji="1" lang="ja-JP" altLang="en-US" dirty="0" smtClean="0"/>
+                        <a:t>このゲームはインターネット上で対戦できるオセロです。</a:t>
+                      </a:r>
+                      <a:endParaRPr kumimoji="1" lang="en-US" altLang="ja-JP" dirty="0" smtClean="0"/>
+                    </a:p>
+                    <a:p>
+                      <a:r>
+                        <a:rPr kumimoji="1" lang="ja-JP" altLang="en-US" dirty="0" smtClean="0"/>
+                        <a:t>いわゆるオンラインオセロです。</a:t>
+                      </a:r>
+                      <a:endParaRPr kumimoji="1" lang="en-US" altLang="ja-JP" dirty="0" smtClean="0"/>
+                    </a:p>
+                    <a:p>
+                      <a:r>
+                        <a:rPr kumimoji="1" lang="ja-JP" altLang="en-US" dirty="0" smtClean="0"/>
+                        <a:t>ちゃんとした機能が出来るか分かりませんが、どうぞ楽しんでいって下さい！</a:t>
+                      </a:r>
+                      <a:endParaRPr kumimoji="1" lang="ja-JP" altLang="en-US" dirty="0"/>
+                    </a:p>
+                  </a:txBody>
+                  <a:tcPr/>
+                </a:tc>
+                <a:tc hMerge="1">
+                  <a:txBody>
+                    <a:bodyPr/>
+                    <a:lstStyle/>
+                    <a:p>
+                      <a:endParaRPr kumimoji="1" lang="ja-JP" altLang="en-US" dirty="0"/>
+                    </a:p>
+                  </a:txBody>
+                  <a:tcPr/>
+                </a:tc>
+                <a:tc hMerge="1">
+                  <a:txBody>
+                    <a:bodyPr/>
+                    <a:lstStyle/>
+                    <a:p>
+                      <a:endParaRPr kumimoji="1" lang="ja-JP" altLang="en-US" dirty="0"/>
+                    </a:p>
+                  </a:txBody>
+                  <a:tcPr/>
+                </a:tc>
+                <a:tc hMerge="1">
+                  <a:txBody>
+                    <a:bodyPr/>
+                    <a:lstStyle/>
+                    <a:p>
+                      <a:endParaRPr kumimoji="1" lang="ja-JP" altLang="en-US" dirty="0"/>
+                    </a:p>
+                  </a:txBody>
+                  <a:tcPr/>
+                </a:tc>
+              </a:tr>
+            </a:tbl>
+          </a:graphicData>
+        </a:graphic>
+      </p:graphicFrame>
+      <p:sp>
+        <p:nvSpPr>
+          <p:cNvPr id="19" name="テキスト ボックス 18"/>
+          <p:cNvSpPr txBox="1"/>
+          <p:nvPr/>
+        </p:nvSpPr>
+        <p:spPr>
+          <a:xfrm>
+            <a:off x="4170528" y="5883702"/>
+            <a:ext cx="1548581" cy="369332"/>
+          </a:xfrm>
+          <a:prstGeom prst="rect">
+            <a:avLst/>
+          </a:prstGeom>
+          <a:noFill/>
+        </p:spPr>
+        <p:txBody>
+          <a:bodyPr wrap="square" rtlCol="0">
+            <a:spAutoFit/>
+          </a:bodyPr>
+          <a:lstStyle/>
+          <a:p>
+            <a:r>
+              <a:rPr kumimoji="1" lang="ja-JP" altLang="en-US" u="sng" dirty="0" smtClean="0">
+                <a:solidFill>
+                  <a:srgbClr val="0070C0"/>
+                </a:solidFill>
+              </a:rPr>
+              <a:t>コメントする</a:t>
+            </a:r>
+            <a:endParaRPr kumimoji="1" lang="ja-JP" altLang="en-US" u="sng" dirty="0">
+              <a:solidFill>
+                <a:srgbClr val="0070C0"/>
+              </a:solidFill>
+            </a:endParaRPr>
+          </a:p>
+        </p:txBody>
+      </p:sp>
+      <p:sp>
+        <p:nvSpPr>
+          <p:cNvPr id="29" name="テキスト ボックス 28"/>
+          <p:cNvSpPr txBox="1"/>
+          <p:nvPr/>
+        </p:nvSpPr>
+        <p:spPr>
+          <a:xfrm>
+            <a:off x="4214774" y="5258891"/>
+            <a:ext cx="3735992" cy="646331"/>
+          </a:xfrm>
+          <a:prstGeom prst="rect">
+            <a:avLst/>
+          </a:prstGeom>
+          <a:noFill/>
+          <a:ln>
+            <a:solidFill>
+              <a:schemeClr val="tx1"/>
+            </a:solidFill>
+          </a:ln>
+        </p:spPr>
+        <p:txBody>
+          <a:bodyPr wrap="square" rtlCol="0">
+            <a:spAutoFit/>
+          </a:bodyPr>
+          <a:lstStyle/>
+          <a:p>
+            <a:r>
+              <a:rPr lang="ja-JP" altLang="en-US" dirty="0" smtClean="0"/>
+              <a:t>これ</a:t>
+            </a:r>
+            <a:r>
+              <a:rPr lang="en-US" altLang="ja-JP" dirty="0" smtClean="0"/>
+              <a:t>PHP</a:t>
+            </a:r>
+            <a:r>
+              <a:rPr lang="ja-JP" altLang="en-US" dirty="0" smtClean="0"/>
+              <a:t>の課題だからゲームばかりだとちょっとマズいので</a:t>
+            </a:r>
+            <a:r>
+              <a:rPr lang="en-US" altLang="ja-JP" dirty="0" smtClean="0"/>
+              <a:t>(^_^;)</a:t>
+            </a:r>
+            <a:endParaRPr kumimoji="1" lang="ja-JP" altLang="en-US" dirty="0"/>
+          </a:p>
+        </p:txBody>
+      </p:sp>
+      <p:sp>
+        <p:nvSpPr>
+          <p:cNvPr id="30" name="テキスト ボックス 29"/>
+          <p:cNvSpPr txBox="1"/>
+          <p:nvPr/>
+        </p:nvSpPr>
+        <p:spPr>
+          <a:xfrm>
+            <a:off x="4140230" y="4464756"/>
+            <a:ext cx="4207941" cy="646331"/>
+          </a:xfrm>
+          <a:prstGeom prst="rect">
+            <a:avLst/>
+          </a:prstGeom>
+          <a:noFill/>
+        </p:spPr>
+        <p:txBody>
+          <a:bodyPr wrap="square" rtlCol="0">
+            <a:spAutoFit/>
+          </a:bodyPr>
+          <a:lstStyle/>
+          <a:p>
+            <a:r>
+              <a:rPr lang="ja-JP" altLang="en-US" dirty="0" smtClean="0"/>
+              <a:t>はな</a:t>
+            </a:r>
+            <a:r>
+              <a:rPr lang="ja-JP" altLang="en-US" dirty="0"/>
+              <a:t>こ</a:t>
+            </a:r>
+            <a:r>
+              <a:rPr kumimoji="1" lang="ja-JP" altLang="en-US" dirty="0" smtClean="0"/>
+              <a:t>さん　</a:t>
+            </a:r>
+            <a:r>
+              <a:rPr kumimoji="1" lang="en-US" altLang="ja-JP" dirty="0" smtClean="0"/>
+              <a:t>2014/1/19 11:55:20</a:t>
+            </a:r>
+          </a:p>
+          <a:p>
+            <a:r>
+              <a:rPr lang="ja-JP" altLang="en-US" dirty="0"/>
+              <a:t>楽</a:t>
+            </a:r>
+            <a:r>
+              <a:rPr lang="ja-JP" altLang="en-US" dirty="0" smtClean="0"/>
+              <a:t>しみにしています。</a:t>
+            </a:r>
+            <a:endParaRPr kumimoji="1" lang="ja-JP" altLang="en-US" dirty="0"/>
+          </a:p>
+        </p:txBody>
+      </p:sp>
+      <p:sp>
+        <p:nvSpPr>
+          <p:cNvPr id="31" name="テキスト ボックス 30"/>
+          <p:cNvSpPr txBox="1"/>
+          <p:nvPr/>
+        </p:nvSpPr>
+        <p:spPr>
+          <a:xfrm>
+            <a:off x="4140229" y="3580919"/>
+            <a:ext cx="4207941" cy="923330"/>
+          </a:xfrm>
+          <a:prstGeom prst="rect">
+            <a:avLst/>
+          </a:prstGeom>
+          <a:noFill/>
+        </p:spPr>
+        <p:txBody>
+          <a:bodyPr wrap="square" rtlCol="0">
+            <a:spAutoFit/>
+          </a:bodyPr>
+          <a:lstStyle/>
+          <a:p>
+            <a:r>
+              <a:rPr lang="ja-JP" altLang="en-US" dirty="0" smtClean="0"/>
+              <a:t>たろ</a:t>
+            </a:r>
+            <a:r>
+              <a:rPr lang="ja-JP" altLang="en-US" dirty="0"/>
+              <a:t>う</a:t>
+            </a:r>
+            <a:r>
+              <a:rPr kumimoji="1" lang="ja-JP" altLang="en-US" dirty="0" smtClean="0"/>
+              <a:t>さん　</a:t>
+            </a:r>
+            <a:r>
+              <a:rPr kumimoji="1" lang="en-US" altLang="ja-JP" dirty="0" smtClean="0"/>
+              <a:t>2014/1/19 11:55:10</a:t>
+            </a:r>
+          </a:p>
+          <a:p>
+            <a:r>
+              <a:rPr lang="ja-JP" altLang="en-US" dirty="0" smtClean="0"/>
+              <a:t>これを作るよりもオセロを作った方がいいんじゃ・・・・・</a:t>
+            </a:r>
+            <a:endParaRPr kumimoji="1" lang="ja-JP" altLang="en-US" dirty="0"/>
+          </a:p>
+        </p:txBody>
+      </p:sp>
+      <p:cxnSp>
+        <p:nvCxnSpPr>
+          <p:cNvPr id="33" name="直線矢印コネクタ 32"/>
+          <p:cNvCxnSpPr/>
+          <p:nvPr/>
+        </p:nvCxnSpPr>
+        <p:spPr>
+          <a:xfrm flipH="1">
+            <a:off x="8117859" y="5606194"/>
+            <a:ext cx="2205798" cy="0"/>
+          </a:xfrm>
+          <a:prstGeom prst="straightConnector1">
+            <a:avLst/>
+          </a:prstGeom>
+          <a:ln w="25400">
+            <a:solidFill>
+              <a:srgbClr val="00B050"/>
+            </a:solidFill>
+            <a:tailEnd type="triangle"/>
+          </a:ln>
+        </p:spPr>
+        <p:style>
+          <a:lnRef idx="1">
+            <a:schemeClr val="accent1"/>
+          </a:lnRef>
+          <a:fillRef idx="0">
+            <a:schemeClr val="accent1"/>
+          </a:fillRef>
+          <a:effectRef idx="0">
+            <a:schemeClr val="accent1"/>
+          </a:effectRef>
+          <a:fontRef idx="minor">
+            <a:schemeClr val="tx1"/>
+          </a:fontRef>
+        </p:style>
+      </p:cxnSp>
+      <p:sp>
+        <p:nvSpPr>
+          <p:cNvPr id="38" name="テキスト ボックス 37"/>
+          <p:cNvSpPr txBox="1"/>
+          <p:nvPr/>
+        </p:nvSpPr>
+        <p:spPr>
+          <a:xfrm>
+            <a:off x="10323657" y="4867530"/>
+            <a:ext cx="1696064" cy="1477328"/>
+          </a:xfrm>
+          <a:prstGeom prst="rect">
+            <a:avLst/>
+          </a:prstGeom>
+          <a:noFill/>
+        </p:spPr>
+        <p:txBody>
+          <a:bodyPr wrap="square" rtlCol="0">
+            <a:spAutoFit/>
+          </a:bodyPr>
+          <a:lstStyle/>
+          <a:p>
+            <a:r>
+              <a:rPr kumimoji="1" lang="ja-JP" altLang="en-US" dirty="0" smtClean="0"/>
+              <a:t>広瀬太郎（作成者）のコメントの書き込み。</a:t>
+            </a:r>
+            <a:endParaRPr kumimoji="1" lang="en-US" altLang="ja-JP" dirty="0" smtClean="0"/>
+          </a:p>
+          <a:p>
+            <a:r>
+              <a:rPr lang="ja-JP" altLang="en-US" dirty="0" smtClean="0"/>
+              <a:t>これも可能にする。</a:t>
+            </a:r>
+            <a:endParaRPr kumimoji="1" lang="ja-JP" altLang="en-US" dirty="0"/>
+          </a:p>
+        </p:txBody>
+      </p:sp>
+      <p:sp>
+        <p:nvSpPr>
+          <p:cNvPr id="40" name="左中かっこ 39"/>
+          <p:cNvSpPr/>
+          <p:nvPr/>
+        </p:nvSpPr>
+        <p:spPr>
+          <a:xfrm>
+            <a:off x="3948398" y="5258891"/>
+            <a:ext cx="210886" cy="888962"/>
+          </a:xfrm>
+          <a:prstGeom prst="leftBrace">
+            <a:avLst>
+              <a:gd name="adj1" fmla="val 43895"/>
+              <a:gd name="adj2" fmla="val 50000"/>
+            </a:avLst>
+          </a:prstGeom>
+          <a:ln w="25400">
+            <a:solidFill>
+              <a:srgbClr val="00B050"/>
+            </a:solidFill>
+          </a:ln>
+        </p:spPr>
+        <p:style>
+          <a:lnRef idx="1">
+            <a:schemeClr val="accent1"/>
+          </a:lnRef>
+          <a:fillRef idx="0">
+            <a:schemeClr val="accent1"/>
+          </a:fillRef>
+          <a:effectRef idx="0">
+            <a:schemeClr val="accent1"/>
+          </a:effectRef>
+          <a:fontRef idx="minor">
+            <a:schemeClr val="tx1"/>
+          </a:fontRef>
+        </p:style>
+        <p:txBody>
+          <a:bodyPr rtlCol="0" anchor="ctr"/>
+          <a:lstStyle/>
+          <a:p>
+            <a:pPr algn="ctr"/>
+            <a:endParaRPr kumimoji="1" lang="ja-JP" altLang="en-US"/>
+          </a:p>
+        </p:txBody>
+      </p:sp>
+      <p:cxnSp>
+        <p:nvCxnSpPr>
+          <p:cNvPr id="42" name="直線矢印コネクタ 41"/>
+          <p:cNvCxnSpPr/>
+          <p:nvPr/>
+        </p:nvCxnSpPr>
+        <p:spPr>
+          <a:xfrm>
+            <a:off x="1551499" y="5687518"/>
+            <a:ext cx="2083633" cy="0"/>
+          </a:xfrm>
+          <a:prstGeom prst="straightConnector1">
+            <a:avLst/>
+          </a:prstGeom>
+          <a:ln w="25400">
+            <a:solidFill>
+              <a:srgbClr val="00B050"/>
+            </a:solidFill>
+            <a:tailEnd type="triangle"/>
+          </a:ln>
+        </p:spPr>
+        <p:style>
+          <a:lnRef idx="1">
+            <a:schemeClr val="accent1"/>
+          </a:lnRef>
+          <a:fillRef idx="0">
+            <a:schemeClr val="accent1"/>
+          </a:fillRef>
+          <a:effectRef idx="0">
+            <a:schemeClr val="accent1"/>
+          </a:effectRef>
+          <a:fontRef idx="minor">
+            <a:schemeClr val="tx1"/>
+          </a:fontRef>
+        </p:style>
+      </p:cxnSp>
+      <p:sp>
+        <p:nvSpPr>
+          <p:cNvPr id="43" name="テキスト ボックス 42"/>
+          <p:cNvSpPr txBox="1"/>
+          <p:nvPr/>
+        </p:nvSpPr>
+        <p:spPr>
+          <a:xfrm>
+            <a:off x="106155" y="4948854"/>
+            <a:ext cx="1445343" cy="1477328"/>
+          </a:xfrm>
+          <a:prstGeom prst="rect">
+            <a:avLst/>
+          </a:prstGeom>
+          <a:noFill/>
+        </p:spPr>
+        <p:txBody>
+          <a:bodyPr wrap="square" rtlCol="0">
+            <a:spAutoFit/>
+          </a:bodyPr>
+          <a:lstStyle/>
+          <a:p>
+            <a:r>
+              <a:rPr kumimoji="1" lang="ja-JP" altLang="en-US" dirty="0" smtClean="0"/>
+              <a:t>ログインしていなかったら「</a:t>
+            </a:r>
+            <a:r>
+              <a:rPr kumimoji="1" lang="ja-JP" altLang="en-US" u="sng" dirty="0" smtClean="0">
+                <a:solidFill>
+                  <a:srgbClr val="0070C0"/>
+                </a:solidFill>
+              </a:rPr>
+              <a:t>ログインしてコメントする</a:t>
+            </a:r>
+            <a:r>
+              <a:rPr kumimoji="1" lang="ja-JP" altLang="en-US" dirty="0" smtClean="0"/>
+              <a:t>」にする</a:t>
+            </a:r>
+            <a:endParaRPr kumimoji="1" lang="ja-JP" altLang="en-US" dirty="0"/>
+          </a:p>
+        </p:txBody>
+      </p:sp>
+      <p:sp>
+        <p:nvSpPr>
+          <p:cNvPr id="44" name="テキスト ボックス 43"/>
+          <p:cNvSpPr txBox="1"/>
+          <p:nvPr/>
+        </p:nvSpPr>
+        <p:spPr>
+          <a:xfrm>
+            <a:off x="4145119" y="6280017"/>
+            <a:ext cx="1489588" cy="369332"/>
+          </a:xfrm>
+          <a:prstGeom prst="rect">
+            <a:avLst/>
+          </a:prstGeom>
+          <a:noFill/>
+        </p:spPr>
+        <p:txBody>
+          <a:bodyPr wrap="square" rtlCol="0">
+            <a:spAutoFit/>
+          </a:bodyPr>
+          <a:lstStyle/>
+          <a:p>
+            <a:r>
+              <a:rPr kumimoji="1" lang="ja-JP" altLang="en-US" u="sng" dirty="0" smtClean="0">
+                <a:solidFill>
+                  <a:srgbClr val="0070C0"/>
+                </a:solidFill>
+              </a:rPr>
+              <a:t>一覧へ戻る</a:t>
+            </a:r>
+            <a:endParaRPr kumimoji="1" lang="ja-JP" altLang="en-US" u="sng" dirty="0">
+              <a:solidFill>
+                <a:srgbClr val="0070C0"/>
+              </a:solidFill>
+            </a:endParaRPr>
+          </a:p>
+        </p:txBody>
+      </p:sp>
+      <p:cxnSp>
+        <p:nvCxnSpPr>
+          <p:cNvPr id="46" name="カギ線コネクタ 45"/>
+          <p:cNvCxnSpPr/>
+          <p:nvPr/>
+        </p:nvCxnSpPr>
+        <p:spPr>
+          <a:xfrm rot="10800000" flipV="1">
+            <a:off x="5469998" y="3915093"/>
+            <a:ext cx="4829890" cy="2549589"/>
+          </a:xfrm>
+          <a:prstGeom prst="bentConnector3">
+            <a:avLst>
+              <a:gd name="adj1" fmla="val 16411"/>
+            </a:avLst>
+          </a:prstGeom>
+          <a:ln w="25400">
+            <a:solidFill>
+              <a:srgbClr val="00B050"/>
+            </a:solidFill>
+            <a:tailEnd type="triangle"/>
+          </a:ln>
+        </p:spPr>
+        <p:style>
+          <a:lnRef idx="1">
+            <a:schemeClr val="accent1"/>
+          </a:lnRef>
+          <a:fillRef idx="0">
+            <a:schemeClr val="accent1"/>
+          </a:fillRef>
+          <a:effectRef idx="0">
+            <a:schemeClr val="accent1"/>
+          </a:effectRef>
+          <a:fontRef idx="minor">
+            <a:schemeClr val="tx1"/>
+          </a:fontRef>
+        </p:style>
+      </p:cxnSp>
+      <p:sp>
+        <p:nvSpPr>
+          <p:cNvPr id="60" name="テキスト ボックス 59"/>
+          <p:cNvSpPr txBox="1"/>
+          <p:nvPr/>
+        </p:nvSpPr>
+        <p:spPr>
+          <a:xfrm>
+            <a:off x="10309917" y="1967819"/>
+            <a:ext cx="1709804" cy="2585323"/>
+          </a:xfrm>
+          <a:prstGeom prst="rect">
+            <a:avLst/>
+          </a:prstGeom>
+          <a:noFill/>
+        </p:spPr>
+        <p:txBody>
+          <a:bodyPr wrap="square" rtlCol="0">
+            <a:spAutoFit/>
+          </a:bodyPr>
+          <a:lstStyle/>
+          <a:p>
+            <a:r>
+              <a:rPr kumimoji="1" lang="ja-JP" altLang="en-US" dirty="0" smtClean="0"/>
+              <a:t>このリンクの配置は結構悩むところ。</a:t>
+            </a:r>
+            <a:endParaRPr kumimoji="1" lang="en-US" altLang="ja-JP" dirty="0" smtClean="0"/>
+          </a:p>
+          <a:p>
+            <a:r>
+              <a:rPr lang="ja-JP" altLang="en-US" dirty="0"/>
+              <a:t>一番下</a:t>
+            </a:r>
+            <a:r>
+              <a:rPr lang="ja-JP" altLang="en-US" dirty="0" smtClean="0"/>
+              <a:t>だと下がるのが大変で、掲示板の下だとコメントみた後に一覧に戻りにくくなるし。</a:t>
+            </a:r>
+            <a:endParaRPr kumimoji="1" lang="ja-JP" altLang="en-US" dirty="0"/>
+          </a:p>
+        </p:txBody>
+      </p:sp>
+    </p:spTree>
+    <p:extLst>
+      <p:ext uri="{BB962C8B-B14F-4D97-AF65-F5344CB8AC3E}">
+        <p14:creationId xmlns:p14="http://schemas.microsoft.com/office/powerpoint/2010/main" val="4069757653"/>
       </p:ext>
     </p:extLst>
   </p:cSld>

--- a/design/HTMLページ設計.pptx
+++ b/design/HTMLページ設計.pptx
@@ -5,7 +5,7 @@
     <p:sldMasterId id="2147483648" r:id="rId1"/>
   </p:sldMasterIdLst>
   <p:notesMasterIdLst>
-    <p:notesMasterId r:id="rId13"/>
+    <p:notesMasterId r:id="rId16"/>
   </p:notesMasterIdLst>
   <p:sldIdLst>
     <p:sldId id="256" r:id="rId2"/>
@@ -19,6 +19,9 @@
     <p:sldId id="263" r:id="rId10"/>
     <p:sldId id="265" r:id="rId11"/>
     <p:sldId id="266" r:id="rId12"/>
+    <p:sldId id="267" r:id="rId13"/>
+    <p:sldId id="268" r:id="rId14"/>
+    <p:sldId id="269" r:id="rId15"/>
   </p:sldIdLst>
   <p:sldSz cx="12192000" cy="6858000"/>
   <p:notesSz cx="6858000" cy="9144000"/>
@@ -219,7 +222,7 @@
           <a:p>
             <a:fld id="{90F65A9B-149C-45BC-B72F-FB324D6DE1AA}" type="datetimeFigureOut">
               <a:rPr kumimoji="1" lang="ja-JP" altLang="en-US" smtClean="0"/>
-              <a:t>2014/1/19</a:t>
+              <a:t>2014/2/17</a:t>
             </a:fld>
             <a:endParaRPr kumimoji="1" lang="ja-JP" altLang="en-US"/>
           </a:p>
@@ -742,6 +745,198 @@
 </p:notes>
 </file>
 
+<file path=ppt/notesSlides/notesSlide11.xml><?xml version="1.0" encoding="utf-8"?>
+<p:notes xmlns:a="http://schemas.openxmlformats.org/drawingml/2006/main" xmlns:r="http://schemas.openxmlformats.org/officeDocument/2006/relationships" xmlns:p="http://schemas.openxmlformats.org/presentationml/2006/main">
+  <p:cSld>
+    <p:spTree>
+      <p:nvGrpSpPr>
+        <p:cNvPr id="1" name=""/>
+        <p:cNvGrpSpPr/>
+        <p:nvPr/>
+      </p:nvGrpSpPr>
+      <p:grpSpPr>
+        <a:xfrm>
+          <a:off x="0" y="0"/>
+          <a:ext cx="0" cy="0"/>
+          <a:chOff x="0" y="0"/>
+          <a:chExt cx="0" cy="0"/>
+        </a:xfrm>
+      </p:grpSpPr>
+      <p:sp>
+        <p:nvSpPr>
+          <p:cNvPr id="2" name="スライド イメージ プレースホルダー 1"/>
+          <p:cNvSpPr>
+            <a:spLocks noGrp="1" noRot="1" noChangeAspect="1"/>
+          </p:cNvSpPr>
+          <p:nvPr>
+            <p:ph type="sldImg"/>
+          </p:nvPr>
+        </p:nvSpPr>
+        <p:spPr/>
+      </p:sp>
+      <p:sp>
+        <p:nvSpPr>
+          <p:cNvPr id="3" name="ノート プレースホルダー 2"/>
+          <p:cNvSpPr>
+            <a:spLocks noGrp="1"/>
+          </p:cNvSpPr>
+          <p:nvPr>
+            <p:ph type="body" idx="1"/>
+          </p:nvPr>
+        </p:nvSpPr>
+        <p:spPr/>
+        <p:txBody>
+          <a:bodyPr/>
+          <a:lstStyle/>
+          <a:p>
+            <a:r>
+              <a:rPr kumimoji="1" lang="ja-JP" altLang="en-US" dirty="0" smtClean="0"/>
+              <a:t>待機中。相手が来て初めてゲームが始まる。</a:t>
+            </a:r>
+            <a:endParaRPr kumimoji="1" lang="ja-JP" altLang="en-US" dirty="0"/>
+          </a:p>
+        </p:txBody>
+      </p:sp>
+      <p:sp>
+        <p:nvSpPr>
+          <p:cNvPr id="4" name="スライド番号プレースホルダー 3"/>
+          <p:cNvSpPr>
+            <a:spLocks noGrp="1"/>
+          </p:cNvSpPr>
+          <p:nvPr>
+            <p:ph type="sldNum" sz="quarter" idx="10"/>
+          </p:nvPr>
+        </p:nvSpPr>
+        <p:spPr/>
+        <p:txBody>
+          <a:bodyPr/>
+          <a:lstStyle/>
+          <a:p>
+            <a:fld id="{28450F27-BAD8-47D7-9E11-CABD4386BDCC}" type="slidenum">
+              <a:rPr kumimoji="1" lang="ja-JP" altLang="en-US" smtClean="0"/>
+              <a:t>13</a:t>
+            </a:fld>
+            <a:endParaRPr kumimoji="1" lang="ja-JP" altLang="en-US"/>
+          </a:p>
+        </p:txBody>
+      </p:sp>
+    </p:spTree>
+    <p:extLst>
+      <p:ext uri="{BB962C8B-B14F-4D97-AF65-F5344CB8AC3E}">
+        <p14:creationId xmlns:p14="http://schemas.microsoft.com/office/powerpoint/2010/main" val="112690506"/>
+      </p:ext>
+    </p:extLst>
+  </p:cSld>
+  <p:clrMapOvr>
+    <a:masterClrMapping/>
+  </p:clrMapOvr>
+</p:notes>
+</file>
+
+<file path=ppt/notesSlides/notesSlide12.xml><?xml version="1.0" encoding="utf-8"?>
+<p:notes xmlns:a="http://schemas.openxmlformats.org/drawingml/2006/main" xmlns:r="http://schemas.openxmlformats.org/officeDocument/2006/relationships" xmlns:p="http://schemas.openxmlformats.org/presentationml/2006/main">
+  <p:cSld>
+    <p:spTree>
+      <p:nvGrpSpPr>
+        <p:cNvPr id="1" name=""/>
+        <p:cNvGrpSpPr/>
+        <p:nvPr/>
+      </p:nvGrpSpPr>
+      <p:grpSpPr>
+        <a:xfrm>
+          <a:off x="0" y="0"/>
+          <a:ext cx="0" cy="0"/>
+          <a:chOff x="0" y="0"/>
+          <a:chExt cx="0" cy="0"/>
+        </a:xfrm>
+      </p:grpSpPr>
+      <p:sp>
+        <p:nvSpPr>
+          <p:cNvPr id="2" name="スライド イメージ プレースホルダー 1"/>
+          <p:cNvSpPr>
+            <a:spLocks noGrp="1" noRot="1" noChangeAspect="1"/>
+          </p:cNvSpPr>
+          <p:nvPr>
+            <p:ph type="sldImg"/>
+          </p:nvPr>
+        </p:nvSpPr>
+        <p:spPr/>
+      </p:sp>
+      <p:sp>
+        <p:nvSpPr>
+          <p:cNvPr id="3" name="ノート プレースホルダー 2"/>
+          <p:cNvSpPr>
+            <a:spLocks noGrp="1"/>
+          </p:cNvSpPr>
+          <p:nvPr>
+            <p:ph type="body" idx="1"/>
+          </p:nvPr>
+        </p:nvSpPr>
+        <p:spPr/>
+        <p:txBody>
+          <a:bodyPr/>
+          <a:lstStyle/>
+          <a:p>
+            <a:r>
+              <a:rPr kumimoji="1" lang="ja-JP" altLang="en-US" dirty="0" smtClean="0"/>
+              <a:t>もう勝手にやってくれたらいいんじゃないかな？</a:t>
+            </a:r>
+            <a:r>
+              <a:rPr kumimoji="1" lang="en-US" altLang="ja-JP" dirty="0" smtClean="0"/>
+              <a:t>(</a:t>
+            </a:r>
+            <a:r>
+              <a:rPr kumimoji="1" lang="ja-JP" altLang="en-US" dirty="0" smtClean="0"/>
+              <a:t>笑</a:t>
+            </a:r>
+            <a:r>
+              <a:rPr kumimoji="1" lang="en-US" altLang="ja-JP" dirty="0" smtClean="0"/>
+              <a:t>)</a:t>
+            </a:r>
+            <a:r>
+              <a:rPr kumimoji="1" lang="ja-JP" altLang="en-US" smtClean="0"/>
+              <a:t>。</a:t>
+            </a:r>
+            <a:endParaRPr kumimoji="1" lang="ja-JP" altLang="en-US"/>
+          </a:p>
+        </p:txBody>
+      </p:sp>
+      <p:sp>
+        <p:nvSpPr>
+          <p:cNvPr id="4" name="スライド番号プレースホルダー 3"/>
+          <p:cNvSpPr>
+            <a:spLocks noGrp="1"/>
+          </p:cNvSpPr>
+          <p:nvPr>
+            <p:ph type="sldNum" sz="quarter" idx="10"/>
+          </p:nvPr>
+        </p:nvSpPr>
+        <p:spPr/>
+        <p:txBody>
+          <a:bodyPr/>
+          <a:lstStyle/>
+          <a:p>
+            <a:fld id="{28450F27-BAD8-47D7-9E11-CABD4386BDCC}" type="slidenum">
+              <a:rPr kumimoji="1" lang="ja-JP" altLang="en-US" smtClean="0"/>
+              <a:t>14</a:t>
+            </a:fld>
+            <a:endParaRPr kumimoji="1" lang="ja-JP" altLang="en-US"/>
+          </a:p>
+        </p:txBody>
+      </p:sp>
+    </p:spTree>
+    <p:extLst>
+      <p:ext uri="{BB962C8B-B14F-4D97-AF65-F5344CB8AC3E}">
+        <p14:creationId xmlns:p14="http://schemas.microsoft.com/office/powerpoint/2010/main" val="3876030955"/>
+      </p:ext>
+    </p:extLst>
+  </p:cSld>
+  <p:clrMapOvr>
+    <a:masterClrMapping/>
+  </p:clrMapOvr>
+</p:notes>
+</file>
+
 <file path=ppt/notesSlides/notesSlide2.xml><?xml version="1.0" encoding="utf-8"?>
 <p:notes xmlns:a="http://schemas.openxmlformats.org/drawingml/2006/main" xmlns:r="http://schemas.openxmlformats.org/officeDocument/2006/relationships" xmlns:p="http://schemas.openxmlformats.org/presentationml/2006/main">
   <p:cSld>
@@ -1712,7 +1907,7 @@
           <a:p>
             <a:fld id="{33B14540-D9AA-459A-A398-A04CAB222349}" type="datetimeFigureOut">
               <a:rPr kumimoji="1" lang="ja-JP" altLang="en-US" smtClean="0"/>
-              <a:t>2014/1/19</a:t>
+              <a:t>2014/2/17</a:t>
             </a:fld>
             <a:endParaRPr kumimoji="1" lang="ja-JP" altLang="en-US"/>
           </a:p>
@@ -1914,7 +2109,7 @@
           <a:p>
             <a:fld id="{33B14540-D9AA-459A-A398-A04CAB222349}" type="datetimeFigureOut">
               <a:rPr kumimoji="1" lang="ja-JP" altLang="en-US" smtClean="0"/>
-              <a:t>2014/1/19</a:t>
+              <a:t>2014/2/17</a:t>
             </a:fld>
             <a:endParaRPr kumimoji="1" lang="ja-JP" altLang="en-US"/>
           </a:p>
@@ -2126,7 +2321,7 @@
           <a:p>
             <a:fld id="{33B14540-D9AA-459A-A398-A04CAB222349}" type="datetimeFigureOut">
               <a:rPr kumimoji="1" lang="ja-JP" altLang="en-US" smtClean="0"/>
-              <a:t>2014/1/19</a:t>
+              <a:t>2014/2/17</a:t>
             </a:fld>
             <a:endParaRPr kumimoji="1" lang="ja-JP" altLang="en-US"/>
           </a:p>
@@ -2328,7 +2523,7 @@
           <a:p>
             <a:fld id="{33B14540-D9AA-459A-A398-A04CAB222349}" type="datetimeFigureOut">
               <a:rPr kumimoji="1" lang="ja-JP" altLang="en-US" smtClean="0"/>
-              <a:t>2014/1/19</a:t>
+              <a:t>2014/2/17</a:t>
             </a:fld>
             <a:endParaRPr kumimoji="1" lang="ja-JP" altLang="en-US"/>
           </a:p>
@@ -2574,7 +2769,7 @@
           <a:p>
             <a:fld id="{33B14540-D9AA-459A-A398-A04CAB222349}" type="datetimeFigureOut">
               <a:rPr kumimoji="1" lang="ja-JP" altLang="en-US" smtClean="0"/>
-              <a:t>2014/1/19</a:t>
+              <a:t>2014/2/17</a:t>
             </a:fld>
             <a:endParaRPr kumimoji="1" lang="ja-JP" altLang="en-US"/>
           </a:p>
@@ -2870,7 +3065,7 @@
           <a:p>
             <a:fld id="{33B14540-D9AA-459A-A398-A04CAB222349}" type="datetimeFigureOut">
               <a:rPr kumimoji="1" lang="ja-JP" altLang="en-US" smtClean="0"/>
-              <a:t>2014/1/19</a:t>
+              <a:t>2014/2/17</a:t>
             </a:fld>
             <a:endParaRPr kumimoji="1" lang="ja-JP" altLang="en-US"/>
           </a:p>
@@ -3301,7 +3496,7 @@
           <a:p>
             <a:fld id="{33B14540-D9AA-459A-A398-A04CAB222349}" type="datetimeFigureOut">
               <a:rPr kumimoji="1" lang="ja-JP" altLang="en-US" smtClean="0"/>
-              <a:t>2014/1/19</a:t>
+              <a:t>2014/2/17</a:t>
             </a:fld>
             <a:endParaRPr kumimoji="1" lang="ja-JP" altLang="en-US"/>
           </a:p>
@@ -3419,7 +3614,7 @@
           <a:p>
             <a:fld id="{33B14540-D9AA-459A-A398-A04CAB222349}" type="datetimeFigureOut">
               <a:rPr kumimoji="1" lang="ja-JP" altLang="en-US" smtClean="0"/>
-              <a:t>2014/1/19</a:t>
+              <a:t>2014/2/17</a:t>
             </a:fld>
             <a:endParaRPr kumimoji="1" lang="ja-JP" altLang="en-US"/>
           </a:p>
@@ -3514,7 +3709,7 @@
           <a:p>
             <a:fld id="{33B14540-D9AA-459A-A398-A04CAB222349}" type="datetimeFigureOut">
               <a:rPr kumimoji="1" lang="ja-JP" altLang="en-US" smtClean="0"/>
-              <a:t>2014/1/19</a:t>
+              <a:t>2014/2/17</a:t>
             </a:fld>
             <a:endParaRPr kumimoji="1" lang="ja-JP" altLang="en-US"/>
           </a:p>
@@ -3823,7 +4018,7 @@
           <a:p>
             <a:fld id="{33B14540-D9AA-459A-A398-A04CAB222349}" type="datetimeFigureOut">
               <a:rPr kumimoji="1" lang="ja-JP" altLang="en-US" smtClean="0"/>
-              <a:t>2014/1/19</a:t>
+              <a:t>2014/2/17</a:t>
             </a:fld>
             <a:endParaRPr kumimoji="1" lang="ja-JP" altLang="en-US"/>
           </a:p>
@@ -4076,7 +4271,7 @@
           <a:p>
             <a:fld id="{33B14540-D9AA-459A-A398-A04CAB222349}" type="datetimeFigureOut">
               <a:rPr kumimoji="1" lang="ja-JP" altLang="en-US" smtClean="0"/>
-              <a:t>2014/1/19</a:t>
+              <a:t>2014/2/17</a:t>
             </a:fld>
             <a:endParaRPr kumimoji="1" lang="ja-JP" altLang="en-US"/>
           </a:p>
@@ -4321,7 +4516,7 @@
           <a:p>
             <a:fld id="{33B14540-D9AA-459A-A398-A04CAB222349}" type="datetimeFigureOut">
               <a:rPr kumimoji="1" lang="ja-JP" altLang="en-US" smtClean="0"/>
-              <a:t>2014/1/19</a:t>
+              <a:t>2014/2/17</a:t>
             </a:fld>
             <a:endParaRPr kumimoji="1" lang="ja-JP" altLang="en-US"/>
           </a:p>
@@ -4853,8 +5048,8 @@
         </p:nvSpPr>
         <p:spPr>
           <a:xfrm>
-            <a:off x="2999143" y="1796488"/>
-            <a:ext cx="1224116" cy="369332"/>
+            <a:off x="2647769" y="1827402"/>
+            <a:ext cx="1981930" cy="369332"/>
           </a:xfrm>
           <a:prstGeom prst="rect">
             <a:avLst/>
@@ -4874,8 +5069,8 @@
           <a:p>
             <a:pPr algn="ctr"/>
             <a:r>
-              <a:rPr lang="ja-JP" altLang="en-US" dirty="0" smtClean="0"/>
-              <a:t>スタート</a:t>
+              <a:rPr kumimoji="1" lang="ja-JP" altLang="en-US" dirty="0" smtClean="0"/>
+              <a:t>オセロのページへ</a:t>
             </a:r>
             <a:endParaRPr kumimoji="1" lang="ja-JP" altLang="en-US" dirty="0"/>
           </a:p>
@@ -7511,6 +7706,2753 @@
     <p:extLst>
       <p:ext uri="{BB962C8B-B14F-4D97-AF65-F5344CB8AC3E}">
         <p14:creationId xmlns:p14="http://schemas.microsoft.com/office/powerpoint/2010/main" val="4069757653"/>
+      </p:ext>
+    </p:extLst>
+  </p:cSld>
+  <p:clrMapOvr>
+    <a:masterClrMapping/>
+  </p:clrMapOvr>
+</p:sld>
+</file>
+
+<file path=ppt/slides/slide12.xml><?xml version="1.0" encoding="utf-8"?>
+<p:sld xmlns:a="http://schemas.openxmlformats.org/drawingml/2006/main" xmlns:r="http://schemas.openxmlformats.org/officeDocument/2006/relationships" xmlns:p="http://schemas.openxmlformats.org/presentationml/2006/main">
+  <p:cSld>
+    <p:spTree>
+      <p:nvGrpSpPr>
+        <p:cNvPr id="1" name=""/>
+        <p:cNvGrpSpPr/>
+        <p:nvPr/>
+      </p:nvGrpSpPr>
+      <p:grpSpPr>
+        <a:xfrm>
+          <a:off x="0" y="0"/>
+          <a:ext cx="0" cy="0"/>
+          <a:chOff x="0" y="0"/>
+          <a:chExt cx="0" cy="0"/>
+        </a:xfrm>
+      </p:grpSpPr>
+      <p:sp>
+        <p:nvSpPr>
+          <p:cNvPr id="2" name="タイトル 1"/>
+          <p:cNvSpPr txBox="1">
+            <a:spLocks/>
+          </p:cNvSpPr>
+          <p:nvPr/>
+        </p:nvSpPr>
+        <p:spPr>
+          <a:xfrm>
+            <a:off x="1317938" y="103031"/>
+            <a:ext cx="9144000" cy="1088735"/>
+          </a:xfrm>
+          <a:prstGeom prst="rect">
+            <a:avLst/>
+          </a:prstGeom>
+        </p:spPr>
+        <p:txBody>
+          <a:bodyPr>
+            <a:normAutofit/>
+          </a:bodyPr>
+          <a:lstStyle>
+            <a:lvl1pPr algn="l" defTabSz="914400" rtl="0" eaLnBrk="1" latinLnBrk="0" hangingPunct="1">
+              <a:lnSpc>
+                <a:spcPct val="90000"/>
+              </a:lnSpc>
+              <a:spcBef>
+                <a:spcPct val="0"/>
+              </a:spcBef>
+              <a:buNone/>
+              <a:defRPr kumimoji="1" sz="4400" kern="1200">
+                <a:solidFill>
+                  <a:schemeClr val="tx1"/>
+                </a:solidFill>
+                <a:latin typeface="+mj-lt"/>
+                <a:ea typeface="+mj-ea"/>
+                <a:cs typeface="+mj-cs"/>
+              </a:defRPr>
+            </a:lvl1pPr>
+          </a:lstStyle>
+          <a:p>
+            <a:pPr algn="ctr"/>
+            <a:r>
+              <a:rPr lang="ja-JP" altLang="en-US" sz="6000" b="1" dirty="0" smtClean="0">
+                <a:solidFill>
+                  <a:srgbClr val="7030A0"/>
+                </a:solidFill>
+              </a:rPr>
+              <a:t>オセロの初期</a:t>
+            </a:r>
+            <a:r>
+              <a:rPr lang="ja-JP" altLang="en-US" sz="6000" b="1" dirty="0" smtClean="0">
+                <a:solidFill>
+                  <a:srgbClr val="7030A0"/>
+                </a:solidFill>
+              </a:rPr>
+              <a:t>ページ</a:t>
+            </a:r>
+            <a:endParaRPr lang="ja-JP" altLang="en-US" sz="6000" b="1" dirty="0">
+              <a:solidFill>
+                <a:srgbClr val="7030A0"/>
+              </a:solidFill>
+            </a:endParaRPr>
+          </a:p>
+        </p:txBody>
+      </p:sp>
+      <p:sp>
+        <p:nvSpPr>
+          <p:cNvPr id="4" name="正方形/長方形 3"/>
+          <p:cNvSpPr/>
+          <p:nvPr/>
+        </p:nvSpPr>
+        <p:spPr>
+          <a:xfrm>
+            <a:off x="3303640" y="1648495"/>
+            <a:ext cx="5132437" cy="4826048"/>
+          </a:xfrm>
+          <a:prstGeom prst="rect">
+            <a:avLst/>
+          </a:prstGeom>
+          <a:noFill/>
+          <a:ln>
+            <a:solidFill>
+              <a:schemeClr val="tx1"/>
+            </a:solidFill>
+          </a:ln>
+        </p:spPr>
+        <p:style>
+          <a:lnRef idx="2">
+            <a:schemeClr val="accent1">
+              <a:shade val="50000"/>
+            </a:schemeClr>
+          </a:lnRef>
+          <a:fillRef idx="1">
+            <a:schemeClr val="accent1"/>
+          </a:fillRef>
+          <a:effectRef idx="0">
+            <a:schemeClr val="accent1"/>
+          </a:effectRef>
+          <a:fontRef idx="minor">
+            <a:schemeClr val="lt1"/>
+          </a:fontRef>
+        </p:style>
+        <p:txBody>
+          <a:bodyPr rtlCol="0" anchor="ctr"/>
+          <a:lstStyle/>
+          <a:p>
+            <a:pPr algn="ctr"/>
+            <a:endParaRPr kumimoji="1" lang="ja-JP" altLang="en-US"/>
+          </a:p>
+        </p:txBody>
+      </p:sp>
+      <p:sp>
+        <p:nvSpPr>
+          <p:cNvPr id="12" name="テキスト ボックス 11"/>
+          <p:cNvSpPr txBox="1"/>
+          <p:nvPr/>
+        </p:nvSpPr>
+        <p:spPr>
+          <a:xfrm>
+            <a:off x="3451121" y="3750195"/>
+            <a:ext cx="1445342" cy="523220"/>
+          </a:xfrm>
+          <a:prstGeom prst="rect">
+            <a:avLst/>
+          </a:prstGeom>
+          <a:noFill/>
+        </p:spPr>
+        <p:txBody>
+          <a:bodyPr wrap="square" rtlCol="0">
+            <a:spAutoFit/>
+          </a:bodyPr>
+          <a:lstStyle/>
+          <a:p>
+            <a:r>
+              <a:rPr kumimoji="1" lang="ja-JP" altLang="en-US" sz="2800" dirty="0" smtClean="0"/>
+              <a:t>部屋</a:t>
+            </a:r>
+            <a:endParaRPr kumimoji="1" lang="ja-JP" altLang="en-US" sz="2800" dirty="0"/>
+          </a:p>
+        </p:txBody>
+      </p:sp>
+      <p:sp>
+        <p:nvSpPr>
+          <p:cNvPr id="13" name="テキスト ボックス 12"/>
+          <p:cNvSpPr txBox="1"/>
+          <p:nvPr/>
+        </p:nvSpPr>
+        <p:spPr>
+          <a:xfrm>
+            <a:off x="3923070" y="4273415"/>
+            <a:ext cx="3982066" cy="400110"/>
+          </a:xfrm>
+          <a:prstGeom prst="rect">
+            <a:avLst/>
+          </a:prstGeom>
+          <a:noFill/>
+        </p:spPr>
+        <p:txBody>
+          <a:bodyPr wrap="square" rtlCol="0">
+            <a:spAutoFit/>
+          </a:bodyPr>
+          <a:lstStyle/>
+          <a:p>
+            <a:r>
+              <a:rPr lang="ja-JP" altLang="en-US" sz="2000" u="sng" dirty="0" smtClean="0">
+                <a:solidFill>
+                  <a:srgbClr val="0070C0"/>
+                </a:solidFill>
+              </a:rPr>
+              <a:t>たろ</a:t>
+            </a:r>
+            <a:r>
+              <a:rPr lang="ja-JP" altLang="en-US" sz="2000" u="sng" dirty="0">
+                <a:solidFill>
+                  <a:srgbClr val="0070C0"/>
+                </a:solidFill>
+              </a:rPr>
+              <a:t>う</a:t>
+            </a:r>
+            <a:r>
+              <a:rPr kumimoji="1" lang="ja-JP" altLang="en-US" sz="2000" u="sng" dirty="0" smtClean="0">
+                <a:solidFill>
+                  <a:srgbClr val="0070C0"/>
+                </a:solidFill>
+              </a:rPr>
+              <a:t>さんの部屋</a:t>
+            </a:r>
+            <a:endParaRPr kumimoji="1" lang="ja-JP" altLang="en-US" sz="2000" u="sng" dirty="0">
+              <a:solidFill>
+                <a:srgbClr val="0070C0"/>
+              </a:solidFill>
+            </a:endParaRPr>
+          </a:p>
+        </p:txBody>
+      </p:sp>
+      <p:sp>
+        <p:nvSpPr>
+          <p:cNvPr id="14" name="テキスト ボックス 13"/>
+          <p:cNvSpPr txBox="1"/>
+          <p:nvPr/>
+        </p:nvSpPr>
+        <p:spPr>
+          <a:xfrm>
+            <a:off x="3923070" y="4678875"/>
+            <a:ext cx="3982066" cy="400110"/>
+          </a:xfrm>
+          <a:prstGeom prst="rect">
+            <a:avLst/>
+          </a:prstGeom>
+          <a:noFill/>
+        </p:spPr>
+        <p:txBody>
+          <a:bodyPr wrap="square" rtlCol="0">
+            <a:spAutoFit/>
+          </a:bodyPr>
+          <a:lstStyle/>
+          <a:p>
+            <a:r>
+              <a:rPr kumimoji="1" lang="ja-JP" altLang="en-US" sz="2000" dirty="0" smtClean="0"/>
+              <a:t>はなこさんの部屋（対戦中）</a:t>
+            </a:r>
+            <a:endParaRPr kumimoji="1" lang="ja-JP" altLang="en-US" sz="2000" dirty="0"/>
+          </a:p>
+        </p:txBody>
+      </p:sp>
+      <p:sp>
+        <p:nvSpPr>
+          <p:cNvPr id="15" name="テキスト ボックス 14"/>
+          <p:cNvSpPr txBox="1"/>
+          <p:nvPr/>
+        </p:nvSpPr>
+        <p:spPr>
+          <a:xfrm>
+            <a:off x="3451121" y="5512369"/>
+            <a:ext cx="2743200" cy="369332"/>
+          </a:xfrm>
+          <a:prstGeom prst="rect">
+            <a:avLst/>
+          </a:prstGeom>
+          <a:noFill/>
+        </p:spPr>
+        <p:txBody>
+          <a:bodyPr wrap="square" rtlCol="0">
+            <a:spAutoFit/>
+          </a:bodyPr>
+          <a:lstStyle/>
+          <a:p>
+            <a:r>
+              <a:rPr kumimoji="1" lang="ja-JP" altLang="en-US" u="sng" dirty="0" smtClean="0">
+                <a:solidFill>
+                  <a:srgbClr val="0070C0"/>
+                </a:solidFill>
+              </a:rPr>
+              <a:t>新しい部屋を作成する</a:t>
+            </a:r>
+            <a:endParaRPr kumimoji="1" lang="ja-JP" altLang="en-US" u="sng" dirty="0">
+              <a:solidFill>
+                <a:srgbClr val="0070C0"/>
+              </a:solidFill>
+            </a:endParaRPr>
+          </a:p>
+        </p:txBody>
+      </p:sp>
+      <p:sp>
+        <p:nvSpPr>
+          <p:cNvPr id="16" name="テキスト ボックス 15"/>
+          <p:cNvSpPr txBox="1"/>
+          <p:nvPr/>
+        </p:nvSpPr>
+        <p:spPr>
+          <a:xfrm>
+            <a:off x="3451121" y="5948607"/>
+            <a:ext cx="2743200" cy="369332"/>
+          </a:xfrm>
+          <a:prstGeom prst="rect">
+            <a:avLst/>
+          </a:prstGeom>
+          <a:noFill/>
+        </p:spPr>
+        <p:txBody>
+          <a:bodyPr wrap="square" rtlCol="0">
+            <a:spAutoFit/>
+          </a:bodyPr>
+          <a:lstStyle/>
+          <a:p>
+            <a:r>
+              <a:rPr lang="ja-JP" altLang="en-US" u="sng" dirty="0" smtClean="0">
+                <a:solidFill>
+                  <a:srgbClr val="0070C0"/>
+                </a:solidFill>
+              </a:rPr>
+              <a:t>コンピュータと対戦</a:t>
+            </a:r>
+            <a:r>
+              <a:rPr kumimoji="1" lang="ja-JP" altLang="en-US" u="sng" dirty="0" smtClean="0">
+                <a:solidFill>
+                  <a:srgbClr val="0070C0"/>
+                </a:solidFill>
+              </a:rPr>
+              <a:t>する</a:t>
+            </a:r>
+            <a:endParaRPr kumimoji="1" lang="ja-JP" altLang="en-US" u="sng" dirty="0">
+              <a:solidFill>
+                <a:srgbClr val="0070C0"/>
+              </a:solidFill>
+            </a:endParaRPr>
+          </a:p>
+        </p:txBody>
+      </p:sp>
+      <p:sp>
+        <p:nvSpPr>
+          <p:cNvPr id="17" name="テキスト ボックス 16"/>
+          <p:cNvSpPr txBox="1"/>
+          <p:nvPr/>
+        </p:nvSpPr>
+        <p:spPr>
+          <a:xfrm>
+            <a:off x="3451121" y="2099181"/>
+            <a:ext cx="2934929" cy="1200329"/>
+          </a:xfrm>
+          <a:prstGeom prst="rect">
+            <a:avLst/>
+          </a:prstGeom>
+          <a:noFill/>
+        </p:spPr>
+        <p:txBody>
+          <a:bodyPr wrap="square" rtlCol="0">
+            <a:spAutoFit/>
+          </a:bodyPr>
+          <a:lstStyle/>
+          <a:p>
+            <a:r>
+              <a:rPr kumimoji="1" lang="ja-JP" altLang="en-US" dirty="0" smtClean="0"/>
+              <a:t>広瀬太郎さん</a:t>
+            </a:r>
+            <a:endParaRPr kumimoji="1" lang="en-US" altLang="ja-JP" dirty="0" smtClean="0"/>
+          </a:p>
+          <a:p>
+            <a:r>
+              <a:rPr kumimoji="1" lang="ja-JP" altLang="en-US" dirty="0" smtClean="0"/>
+              <a:t>ゲーム数：</a:t>
+            </a:r>
+            <a:r>
+              <a:rPr kumimoji="1" lang="en-US" altLang="ja-JP" dirty="0" smtClean="0"/>
+              <a:t>10</a:t>
+            </a:r>
+          </a:p>
+          <a:p>
+            <a:r>
+              <a:rPr kumimoji="1" lang="ja-JP" altLang="en-US" dirty="0" smtClean="0"/>
+              <a:t>勝数：</a:t>
+            </a:r>
+            <a:r>
+              <a:rPr kumimoji="1" lang="en-US" altLang="ja-JP" dirty="0" smtClean="0"/>
+              <a:t>5</a:t>
+            </a:r>
+          </a:p>
+          <a:p>
+            <a:r>
+              <a:rPr lang="ja-JP" altLang="en-US" dirty="0" smtClean="0"/>
+              <a:t>勝率：</a:t>
+            </a:r>
+            <a:r>
+              <a:rPr lang="en-US" altLang="ja-JP" dirty="0" smtClean="0"/>
+              <a:t>50%</a:t>
+            </a:r>
+            <a:endParaRPr kumimoji="1" lang="en-US" altLang="ja-JP" dirty="0" smtClean="0"/>
+          </a:p>
+        </p:txBody>
+      </p:sp>
+      <p:cxnSp>
+        <p:nvCxnSpPr>
+          <p:cNvPr id="19" name="直線矢印コネクタ 18"/>
+          <p:cNvCxnSpPr/>
+          <p:nvPr/>
+        </p:nvCxnSpPr>
+        <p:spPr>
+          <a:xfrm>
+            <a:off x="2802194" y="2699345"/>
+            <a:ext cx="648927" cy="0"/>
+          </a:xfrm>
+          <a:prstGeom prst="straightConnector1">
+            <a:avLst/>
+          </a:prstGeom>
+          <a:ln w="25400">
+            <a:tailEnd type="triangle"/>
+          </a:ln>
+        </p:spPr>
+        <p:style>
+          <a:lnRef idx="1">
+            <a:schemeClr val="accent1"/>
+          </a:lnRef>
+          <a:fillRef idx="0">
+            <a:schemeClr val="accent1"/>
+          </a:fillRef>
+          <a:effectRef idx="0">
+            <a:schemeClr val="accent1"/>
+          </a:effectRef>
+          <a:fontRef idx="minor">
+            <a:schemeClr val="tx1"/>
+          </a:fontRef>
+        </p:style>
+      </p:cxnSp>
+      <p:sp>
+        <p:nvSpPr>
+          <p:cNvPr id="20" name="テキスト ボックス 19"/>
+          <p:cNvSpPr txBox="1"/>
+          <p:nvPr/>
+        </p:nvSpPr>
+        <p:spPr>
+          <a:xfrm>
+            <a:off x="1002890" y="2237680"/>
+            <a:ext cx="1548581" cy="923330"/>
+          </a:xfrm>
+          <a:prstGeom prst="rect">
+            <a:avLst/>
+          </a:prstGeom>
+          <a:noFill/>
+        </p:spPr>
+        <p:txBody>
+          <a:bodyPr wrap="square" rtlCol="0">
+            <a:spAutoFit/>
+          </a:bodyPr>
+          <a:lstStyle/>
+          <a:p>
+            <a:r>
+              <a:rPr kumimoji="1" lang="ja-JP" altLang="en-US" dirty="0" smtClean="0"/>
+              <a:t>現在の勝敗などのデータを表示</a:t>
+            </a:r>
+            <a:endParaRPr kumimoji="1" lang="ja-JP" altLang="en-US" dirty="0"/>
+          </a:p>
+        </p:txBody>
+      </p:sp>
+      <p:cxnSp>
+        <p:nvCxnSpPr>
+          <p:cNvPr id="21" name="直線矢印コネクタ 20"/>
+          <p:cNvCxnSpPr/>
+          <p:nvPr/>
+        </p:nvCxnSpPr>
+        <p:spPr>
+          <a:xfrm flipH="1">
+            <a:off x="7132887" y="4673525"/>
+            <a:ext cx="1716145" cy="0"/>
+          </a:xfrm>
+          <a:prstGeom prst="straightConnector1">
+            <a:avLst/>
+          </a:prstGeom>
+          <a:ln w="25400">
+            <a:tailEnd type="triangle"/>
+          </a:ln>
+        </p:spPr>
+        <p:style>
+          <a:lnRef idx="1">
+            <a:schemeClr val="accent1"/>
+          </a:lnRef>
+          <a:fillRef idx="0">
+            <a:schemeClr val="accent1"/>
+          </a:fillRef>
+          <a:effectRef idx="0">
+            <a:schemeClr val="accent1"/>
+          </a:effectRef>
+          <a:fontRef idx="minor">
+            <a:schemeClr val="tx1"/>
+          </a:fontRef>
+        </p:style>
+      </p:cxnSp>
+      <p:sp>
+        <p:nvSpPr>
+          <p:cNvPr id="25" name="テキスト ボックス 24"/>
+          <p:cNvSpPr txBox="1"/>
+          <p:nvPr/>
+        </p:nvSpPr>
+        <p:spPr>
+          <a:xfrm>
+            <a:off x="8937523" y="4073360"/>
+            <a:ext cx="1803803" cy="1200329"/>
+          </a:xfrm>
+          <a:prstGeom prst="rect">
+            <a:avLst/>
+          </a:prstGeom>
+          <a:noFill/>
+        </p:spPr>
+        <p:txBody>
+          <a:bodyPr wrap="square" rtlCol="0">
+            <a:spAutoFit/>
+          </a:bodyPr>
+          <a:lstStyle/>
+          <a:p>
+            <a:r>
+              <a:rPr kumimoji="1" lang="ja-JP" altLang="en-US" dirty="0" smtClean="0"/>
+              <a:t>すでに作られている部屋を表示。</a:t>
+            </a:r>
+            <a:endParaRPr kumimoji="1" lang="en-US" altLang="ja-JP" dirty="0" smtClean="0"/>
+          </a:p>
+          <a:p>
+            <a:r>
+              <a:rPr lang="ja-JP" altLang="en-US" dirty="0"/>
+              <a:t>大戦中</a:t>
+            </a:r>
+            <a:r>
+              <a:rPr lang="ja-JP" altLang="en-US" dirty="0" smtClean="0"/>
+              <a:t>ならそれも表示する。</a:t>
+            </a:r>
+            <a:endParaRPr kumimoji="1" lang="ja-JP" altLang="en-US" dirty="0"/>
+          </a:p>
+        </p:txBody>
+      </p:sp>
+      <p:cxnSp>
+        <p:nvCxnSpPr>
+          <p:cNvPr id="26" name="直線矢印コネクタ 25"/>
+          <p:cNvCxnSpPr/>
+          <p:nvPr/>
+        </p:nvCxnSpPr>
+        <p:spPr>
+          <a:xfrm>
+            <a:off x="2698952" y="5871877"/>
+            <a:ext cx="752169" cy="0"/>
+          </a:xfrm>
+          <a:prstGeom prst="straightConnector1">
+            <a:avLst/>
+          </a:prstGeom>
+          <a:ln w="25400">
+            <a:tailEnd type="triangle"/>
+          </a:ln>
+        </p:spPr>
+        <p:style>
+          <a:lnRef idx="1">
+            <a:schemeClr val="accent1"/>
+          </a:lnRef>
+          <a:fillRef idx="0">
+            <a:schemeClr val="accent1"/>
+          </a:fillRef>
+          <a:effectRef idx="0">
+            <a:schemeClr val="accent1"/>
+          </a:effectRef>
+          <a:fontRef idx="minor">
+            <a:schemeClr val="tx1"/>
+          </a:fontRef>
+        </p:style>
+      </p:cxnSp>
+      <p:sp>
+        <p:nvSpPr>
+          <p:cNvPr id="37" name="テキスト ボックス 36"/>
+          <p:cNvSpPr txBox="1"/>
+          <p:nvPr/>
+        </p:nvSpPr>
+        <p:spPr>
+          <a:xfrm>
+            <a:off x="803781" y="5271712"/>
+            <a:ext cx="1850925" cy="1200329"/>
+          </a:xfrm>
+          <a:prstGeom prst="rect">
+            <a:avLst/>
+          </a:prstGeom>
+          <a:noFill/>
+        </p:spPr>
+        <p:txBody>
+          <a:bodyPr wrap="square" rtlCol="0">
+            <a:spAutoFit/>
+          </a:bodyPr>
+          <a:lstStyle/>
+          <a:p>
+            <a:r>
+              <a:rPr kumimoji="1" lang="ja-JP" altLang="en-US" dirty="0" smtClean="0"/>
+              <a:t>新しい部屋を作って相手を待つか、コンピュータと対戦する</a:t>
+            </a:r>
+            <a:endParaRPr kumimoji="1" lang="ja-JP" altLang="en-US" dirty="0"/>
+          </a:p>
+        </p:txBody>
+      </p:sp>
+    </p:spTree>
+    <p:extLst>
+      <p:ext uri="{BB962C8B-B14F-4D97-AF65-F5344CB8AC3E}">
+        <p14:creationId xmlns:p14="http://schemas.microsoft.com/office/powerpoint/2010/main" val="2045097395"/>
+      </p:ext>
+    </p:extLst>
+  </p:cSld>
+  <p:clrMapOvr>
+    <a:masterClrMapping/>
+  </p:clrMapOvr>
+</p:sld>
+</file>
+
+<file path=ppt/slides/slide13.xml><?xml version="1.0" encoding="utf-8"?>
+<p:sld xmlns:a="http://schemas.openxmlformats.org/drawingml/2006/main" xmlns:r="http://schemas.openxmlformats.org/officeDocument/2006/relationships" xmlns:p="http://schemas.openxmlformats.org/presentationml/2006/main">
+  <p:cSld>
+    <p:spTree>
+      <p:nvGrpSpPr>
+        <p:cNvPr id="1" name=""/>
+        <p:cNvGrpSpPr/>
+        <p:nvPr/>
+      </p:nvGrpSpPr>
+      <p:grpSpPr>
+        <a:xfrm>
+          <a:off x="0" y="0"/>
+          <a:ext cx="0" cy="0"/>
+          <a:chOff x="0" y="0"/>
+          <a:chExt cx="0" cy="0"/>
+        </a:xfrm>
+      </p:grpSpPr>
+      <p:sp>
+        <p:nvSpPr>
+          <p:cNvPr id="2" name="タイトル 1"/>
+          <p:cNvSpPr txBox="1">
+            <a:spLocks/>
+          </p:cNvSpPr>
+          <p:nvPr/>
+        </p:nvSpPr>
+        <p:spPr>
+          <a:xfrm>
+            <a:off x="1317938" y="103031"/>
+            <a:ext cx="9144000" cy="1088735"/>
+          </a:xfrm>
+          <a:prstGeom prst="rect">
+            <a:avLst/>
+          </a:prstGeom>
+        </p:spPr>
+        <p:txBody>
+          <a:bodyPr>
+            <a:normAutofit/>
+          </a:bodyPr>
+          <a:lstStyle>
+            <a:lvl1pPr algn="l" defTabSz="914400" rtl="0" eaLnBrk="1" latinLnBrk="0" hangingPunct="1">
+              <a:lnSpc>
+                <a:spcPct val="90000"/>
+              </a:lnSpc>
+              <a:spcBef>
+                <a:spcPct val="0"/>
+              </a:spcBef>
+              <a:buNone/>
+              <a:defRPr kumimoji="1" sz="4400" kern="1200">
+                <a:solidFill>
+                  <a:schemeClr val="tx1"/>
+                </a:solidFill>
+                <a:latin typeface="+mj-lt"/>
+                <a:ea typeface="+mj-ea"/>
+                <a:cs typeface="+mj-cs"/>
+              </a:defRPr>
+            </a:lvl1pPr>
+          </a:lstStyle>
+          <a:p>
+            <a:pPr algn="ctr"/>
+            <a:r>
+              <a:rPr lang="ja-JP" altLang="en-US" sz="6000" b="1" dirty="0" smtClean="0">
+                <a:solidFill>
+                  <a:srgbClr val="7030A0"/>
+                </a:solidFill>
+              </a:rPr>
+              <a:t>オセロの</a:t>
+            </a:r>
+            <a:r>
+              <a:rPr lang="ja-JP" altLang="en-US" sz="6000" b="1" dirty="0">
+                <a:solidFill>
+                  <a:srgbClr val="7030A0"/>
+                </a:solidFill>
+              </a:rPr>
+              <a:t>部屋</a:t>
+            </a:r>
+            <a:r>
+              <a:rPr lang="ja-JP" altLang="en-US" sz="6000" b="1" dirty="0" smtClean="0">
+                <a:solidFill>
+                  <a:srgbClr val="7030A0"/>
+                </a:solidFill>
+              </a:rPr>
+              <a:t>ページ</a:t>
+            </a:r>
+            <a:endParaRPr lang="ja-JP" altLang="en-US" sz="6000" b="1" dirty="0">
+              <a:solidFill>
+                <a:srgbClr val="7030A0"/>
+              </a:solidFill>
+            </a:endParaRPr>
+          </a:p>
+        </p:txBody>
+      </p:sp>
+      <p:sp>
+        <p:nvSpPr>
+          <p:cNvPr id="3" name="正方形/長方形 2"/>
+          <p:cNvSpPr/>
+          <p:nvPr/>
+        </p:nvSpPr>
+        <p:spPr>
+          <a:xfrm>
+            <a:off x="3303640" y="1401097"/>
+            <a:ext cx="5235676" cy="5206180"/>
+          </a:xfrm>
+          <a:prstGeom prst="rect">
+            <a:avLst/>
+          </a:prstGeom>
+          <a:noFill/>
+          <a:ln>
+            <a:solidFill>
+              <a:schemeClr val="tx1"/>
+            </a:solidFill>
+          </a:ln>
+        </p:spPr>
+        <p:style>
+          <a:lnRef idx="2">
+            <a:schemeClr val="accent1">
+              <a:shade val="50000"/>
+            </a:schemeClr>
+          </a:lnRef>
+          <a:fillRef idx="1">
+            <a:schemeClr val="accent1"/>
+          </a:fillRef>
+          <a:effectRef idx="0">
+            <a:schemeClr val="accent1"/>
+          </a:effectRef>
+          <a:fontRef idx="minor">
+            <a:schemeClr val="lt1"/>
+          </a:fontRef>
+        </p:style>
+        <p:txBody>
+          <a:bodyPr rtlCol="0" anchor="ctr"/>
+          <a:lstStyle/>
+          <a:p>
+            <a:pPr algn="ctr"/>
+            <a:endParaRPr kumimoji="1" lang="ja-JP" altLang="en-US"/>
+          </a:p>
+        </p:txBody>
+      </p:sp>
+      <p:sp>
+        <p:nvSpPr>
+          <p:cNvPr id="12" name="正方形/長方形 11"/>
+          <p:cNvSpPr/>
+          <p:nvPr/>
+        </p:nvSpPr>
+        <p:spPr>
+          <a:xfrm>
+            <a:off x="4114046" y="3516603"/>
+            <a:ext cx="3492792" cy="2888342"/>
+          </a:xfrm>
+          <a:prstGeom prst="rect">
+            <a:avLst/>
+          </a:prstGeom>
+          <a:noFill/>
+          <a:ln>
+            <a:solidFill>
+              <a:schemeClr val="tx1"/>
+            </a:solidFill>
+          </a:ln>
+        </p:spPr>
+        <p:style>
+          <a:lnRef idx="2">
+            <a:schemeClr val="accent1">
+              <a:shade val="50000"/>
+            </a:schemeClr>
+          </a:lnRef>
+          <a:fillRef idx="1">
+            <a:schemeClr val="accent1"/>
+          </a:fillRef>
+          <a:effectRef idx="0">
+            <a:schemeClr val="accent1"/>
+          </a:effectRef>
+          <a:fontRef idx="minor">
+            <a:schemeClr val="lt1"/>
+          </a:fontRef>
+        </p:style>
+        <p:txBody>
+          <a:bodyPr rtlCol="0" anchor="ctr"/>
+          <a:lstStyle/>
+          <a:p>
+            <a:pPr algn="ctr"/>
+            <a:endParaRPr kumimoji="1" lang="ja-JP" altLang="en-US"/>
+          </a:p>
+        </p:txBody>
+      </p:sp>
+      <p:cxnSp>
+        <p:nvCxnSpPr>
+          <p:cNvPr id="13" name="直線コネクタ 12"/>
+          <p:cNvCxnSpPr/>
+          <p:nvPr/>
+        </p:nvCxnSpPr>
+        <p:spPr>
+          <a:xfrm>
+            <a:off x="4588804" y="3508271"/>
+            <a:ext cx="0" cy="2896674"/>
+          </a:xfrm>
+          <a:prstGeom prst="line">
+            <a:avLst/>
+          </a:prstGeom>
+          <a:ln>
+            <a:solidFill>
+              <a:schemeClr val="tx1"/>
+            </a:solidFill>
+          </a:ln>
+        </p:spPr>
+        <p:style>
+          <a:lnRef idx="1">
+            <a:schemeClr val="accent1"/>
+          </a:lnRef>
+          <a:fillRef idx="0">
+            <a:schemeClr val="accent1"/>
+          </a:fillRef>
+          <a:effectRef idx="0">
+            <a:schemeClr val="accent1"/>
+          </a:effectRef>
+          <a:fontRef idx="minor">
+            <a:schemeClr val="tx1"/>
+          </a:fontRef>
+        </p:style>
+      </p:cxnSp>
+      <p:cxnSp>
+        <p:nvCxnSpPr>
+          <p:cNvPr id="14" name="直線コネクタ 13"/>
+          <p:cNvCxnSpPr/>
+          <p:nvPr/>
+        </p:nvCxnSpPr>
+        <p:spPr>
+          <a:xfrm>
+            <a:off x="5036172" y="3516603"/>
+            <a:ext cx="0" cy="2896674"/>
+          </a:xfrm>
+          <a:prstGeom prst="line">
+            <a:avLst/>
+          </a:prstGeom>
+          <a:ln>
+            <a:solidFill>
+              <a:schemeClr val="tx1"/>
+            </a:solidFill>
+          </a:ln>
+        </p:spPr>
+        <p:style>
+          <a:lnRef idx="1">
+            <a:schemeClr val="accent1"/>
+          </a:lnRef>
+          <a:fillRef idx="0">
+            <a:schemeClr val="accent1"/>
+          </a:fillRef>
+          <a:effectRef idx="0">
+            <a:schemeClr val="accent1"/>
+          </a:effectRef>
+          <a:fontRef idx="minor">
+            <a:schemeClr val="tx1"/>
+          </a:fontRef>
+        </p:style>
+      </p:cxnSp>
+      <p:cxnSp>
+        <p:nvCxnSpPr>
+          <p:cNvPr id="15" name="直線コネクタ 14"/>
+          <p:cNvCxnSpPr/>
+          <p:nvPr/>
+        </p:nvCxnSpPr>
+        <p:spPr>
+          <a:xfrm>
+            <a:off x="5478624" y="3516603"/>
+            <a:ext cx="0" cy="2896674"/>
+          </a:xfrm>
+          <a:prstGeom prst="line">
+            <a:avLst/>
+          </a:prstGeom>
+          <a:ln>
+            <a:solidFill>
+              <a:schemeClr val="tx1"/>
+            </a:solidFill>
+          </a:ln>
+        </p:spPr>
+        <p:style>
+          <a:lnRef idx="1">
+            <a:schemeClr val="accent1"/>
+          </a:lnRef>
+          <a:fillRef idx="0">
+            <a:schemeClr val="accent1"/>
+          </a:fillRef>
+          <a:effectRef idx="0">
+            <a:schemeClr val="accent1"/>
+          </a:effectRef>
+          <a:fontRef idx="minor">
+            <a:schemeClr val="tx1"/>
+          </a:fontRef>
+        </p:style>
+      </p:cxnSp>
+      <p:cxnSp>
+        <p:nvCxnSpPr>
+          <p:cNvPr id="16" name="直線コネクタ 15"/>
+          <p:cNvCxnSpPr/>
+          <p:nvPr/>
+        </p:nvCxnSpPr>
+        <p:spPr>
+          <a:xfrm>
+            <a:off x="5949168" y="3516603"/>
+            <a:ext cx="0" cy="2896674"/>
+          </a:xfrm>
+          <a:prstGeom prst="line">
+            <a:avLst/>
+          </a:prstGeom>
+          <a:ln>
+            <a:solidFill>
+              <a:schemeClr val="tx1"/>
+            </a:solidFill>
+          </a:ln>
+        </p:spPr>
+        <p:style>
+          <a:lnRef idx="1">
+            <a:schemeClr val="accent1"/>
+          </a:lnRef>
+          <a:fillRef idx="0">
+            <a:schemeClr val="accent1"/>
+          </a:fillRef>
+          <a:effectRef idx="0">
+            <a:schemeClr val="accent1"/>
+          </a:effectRef>
+          <a:fontRef idx="minor">
+            <a:schemeClr val="tx1"/>
+          </a:fontRef>
+        </p:style>
+      </p:cxnSp>
+      <p:cxnSp>
+        <p:nvCxnSpPr>
+          <p:cNvPr id="17" name="直線コネクタ 16"/>
+          <p:cNvCxnSpPr/>
+          <p:nvPr/>
+        </p:nvCxnSpPr>
+        <p:spPr>
+          <a:xfrm>
+            <a:off x="6393024" y="3516603"/>
+            <a:ext cx="0" cy="2896674"/>
+          </a:xfrm>
+          <a:prstGeom prst="line">
+            <a:avLst/>
+          </a:prstGeom>
+          <a:ln>
+            <a:solidFill>
+              <a:schemeClr val="tx1"/>
+            </a:solidFill>
+          </a:ln>
+        </p:spPr>
+        <p:style>
+          <a:lnRef idx="1">
+            <a:schemeClr val="accent1"/>
+          </a:lnRef>
+          <a:fillRef idx="0">
+            <a:schemeClr val="accent1"/>
+          </a:fillRef>
+          <a:effectRef idx="0">
+            <a:schemeClr val="accent1"/>
+          </a:effectRef>
+          <a:fontRef idx="minor">
+            <a:schemeClr val="tx1"/>
+          </a:fontRef>
+        </p:style>
+      </p:cxnSp>
+      <p:cxnSp>
+        <p:nvCxnSpPr>
+          <p:cNvPr id="18" name="直線コネクタ 17"/>
+          <p:cNvCxnSpPr/>
+          <p:nvPr/>
+        </p:nvCxnSpPr>
+        <p:spPr>
+          <a:xfrm>
+            <a:off x="6805979" y="3516603"/>
+            <a:ext cx="0" cy="2896674"/>
+          </a:xfrm>
+          <a:prstGeom prst="line">
+            <a:avLst/>
+          </a:prstGeom>
+          <a:ln>
+            <a:solidFill>
+              <a:schemeClr val="tx1"/>
+            </a:solidFill>
+          </a:ln>
+        </p:spPr>
+        <p:style>
+          <a:lnRef idx="1">
+            <a:schemeClr val="accent1"/>
+          </a:lnRef>
+          <a:fillRef idx="0">
+            <a:schemeClr val="accent1"/>
+          </a:fillRef>
+          <a:effectRef idx="0">
+            <a:schemeClr val="accent1"/>
+          </a:effectRef>
+          <a:fontRef idx="minor">
+            <a:schemeClr val="tx1"/>
+          </a:fontRef>
+        </p:style>
+      </p:cxnSp>
+      <p:cxnSp>
+        <p:nvCxnSpPr>
+          <p:cNvPr id="19" name="直線コネクタ 18"/>
+          <p:cNvCxnSpPr/>
+          <p:nvPr/>
+        </p:nvCxnSpPr>
+        <p:spPr>
+          <a:xfrm>
+            <a:off x="7189436" y="3516603"/>
+            <a:ext cx="0" cy="2896674"/>
+          </a:xfrm>
+          <a:prstGeom prst="line">
+            <a:avLst/>
+          </a:prstGeom>
+          <a:ln>
+            <a:solidFill>
+              <a:schemeClr val="tx1"/>
+            </a:solidFill>
+          </a:ln>
+        </p:spPr>
+        <p:style>
+          <a:lnRef idx="1">
+            <a:schemeClr val="accent1"/>
+          </a:lnRef>
+          <a:fillRef idx="0">
+            <a:schemeClr val="accent1"/>
+          </a:fillRef>
+          <a:effectRef idx="0">
+            <a:schemeClr val="accent1"/>
+          </a:effectRef>
+          <a:fontRef idx="minor">
+            <a:schemeClr val="tx1"/>
+          </a:fontRef>
+        </p:style>
+      </p:cxnSp>
+      <p:cxnSp>
+        <p:nvCxnSpPr>
+          <p:cNvPr id="20" name="直線コネクタ 19"/>
+          <p:cNvCxnSpPr/>
+          <p:nvPr/>
+        </p:nvCxnSpPr>
+        <p:spPr>
+          <a:xfrm flipH="1">
+            <a:off x="4114046" y="5960691"/>
+            <a:ext cx="3492792" cy="1"/>
+          </a:xfrm>
+          <a:prstGeom prst="line">
+            <a:avLst/>
+          </a:prstGeom>
+          <a:ln>
+            <a:solidFill>
+              <a:schemeClr val="tx1"/>
+            </a:solidFill>
+          </a:ln>
+        </p:spPr>
+        <p:style>
+          <a:lnRef idx="1">
+            <a:schemeClr val="accent1"/>
+          </a:lnRef>
+          <a:fillRef idx="0">
+            <a:schemeClr val="accent1"/>
+          </a:fillRef>
+          <a:effectRef idx="0">
+            <a:schemeClr val="accent1"/>
+          </a:effectRef>
+          <a:fontRef idx="minor">
+            <a:schemeClr val="tx1"/>
+          </a:fontRef>
+        </p:style>
+      </p:cxnSp>
+      <p:cxnSp>
+        <p:nvCxnSpPr>
+          <p:cNvPr id="21" name="直線コネクタ 20"/>
+          <p:cNvCxnSpPr/>
+          <p:nvPr/>
+        </p:nvCxnSpPr>
+        <p:spPr>
+          <a:xfrm flipH="1">
+            <a:off x="4114046" y="5516438"/>
+            <a:ext cx="3492792" cy="1"/>
+          </a:xfrm>
+          <a:prstGeom prst="line">
+            <a:avLst/>
+          </a:prstGeom>
+          <a:ln>
+            <a:solidFill>
+              <a:schemeClr val="tx1"/>
+            </a:solidFill>
+          </a:ln>
+        </p:spPr>
+        <p:style>
+          <a:lnRef idx="1">
+            <a:schemeClr val="accent1"/>
+          </a:lnRef>
+          <a:fillRef idx="0">
+            <a:schemeClr val="accent1"/>
+          </a:fillRef>
+          <a:effectRef idx="0">
+            <a:schemeClr val="accent1"/>
+          </a:effectRef>
+          <a:fontRef idx="minor">
+            <a:schemeClr val="tx1"/>
+          </a:fontRef>
+        </p:style>
+      </p:cxnSp>
+      <p:cxnSp>
+        <p:nvCxnSpPr>
+          <p:cNvPr id="22" name="直線コネクタ 21"/>
+          <p:cNvCxnSpPr/>
+          <p:nvPr/>
+        </p:nvCxnSpPr>
+        <p:spPr>
+          <a:xfrm flipH="1">
+            <a:off x="4114046" y="5072185"/>
+            <a:ext cx="3492792" cy="1"/>
+          </a:xfrm>
+          <a:prstGeom prst="line">
+            <a:avLst/>
+          </a:prstGeom>
+          <a:ln>
+            <a:solidFill>
+              <a:schemeClr val="tx1"/>
+            </a:solidFill>
+          </a:ln>
+        </p:spPr>
+        <p:style>
+          <a:lnRef idx="1">
+            <a:schemeClr val="accent1"/>
+          </a:lnRef>
+          <a:fillRef idx="0">
+            <a:schemeClr val="accent1"/>
+          </a:fillRef>
+          <a:effectRef idx="0">
+            <a:schemeClr val="accent1"/>
+          </a:effectRef>
+          <a:fontRef idx="minor">
+            <a:schemeClr val="tx1"/>
+          </a:fontRef>
+        </p:style>
+      </p:cxnSp>
+      <p:cxnSp>
+        <p:nvCxnSpPr>
+          <p:cNvPr id="23" name="直線コネクタ 22"/>
+          <p:cNvCxnSpPr/>
+          <p:nvPr/>
+        </p:nvCxnSpPr>
+        <p:spPr>
+          <a:xfrm flipH="1">
+            <a:off x="4145650" y="4693850"/>
+            <a:ext cx="3492792" cy="1"/>
+          </a:xfrm>
+          <a:prstGeom prst="line">
+            <a:avLst/>
+          </a:prstGeom>
+          <a:ln>
+            <a:solidFill>
+              <a:schemeClr val="tx1"/>
+            </a:solidFill>
+          </a:ln>
+        </p:spPr>
+        <p:style>
+          <a:lnRef idx="1">
+            <a:schemeClr val="accent1"/>
+          </a:lnRef>
+          <a:fillRef idx="0">
+            <a:schemeClr val="accent1"/>
+          </a:fillRef>
+          <a:effectRef idx="0">
+            <a:schemeClr val="accent1"/>
+          </a:effectRef>
+          <a:fontRef idx="minor">
+            <a:schemeClr val="tx1"/>
+          </a:fontRef>
+        </p:style>
+      </p:cxnSp>
+      <p:cxnSp>
+        <p:nvCxnSpPr>
+          <p:cNvPr id="24" name="直線コネクタ 23"/>
+          <p:cNvCxnSpPr/>
+          <p:nvPr/>
+        </p:nvCxnSpPr>
+        <p:spPr>
+          <a:xfrm flipH="1">
+            <a:off x="4114046" y="4321584"/>
+            <a:ext cx="3492792" cy="1"/>
+          </a:xfrm>
+          <a:prstGeom prst="line">
+            <a:avLst/>
+          </a:prstGeom>
+          <a:ln>
+            <a:solidFill>
+              <a:schemeClr val="tx1"/>
+            </a:solidFill>
+          </a:ln>
+        </p:spPr>
+        <p:style>
+          <a:lnRef idx="1">
+            <a:schemeClr val="accent1"/>
+          </a:lnRef>
+          <a:fillRef idx="0">
+            <a:schemeClr val="accent1"/>
+          </a:fillRef>
+          <a:effectRef idx="0">
+            <a:schemeClr val="accent1"/>
+          </a:effectRef>
+          <a:fontRef idx="minor">
+            <a:schemeClr val="tx1"/>
+          </a:fontRef>
+        </p:style>
+      </p:cxnSp>
+      <p:cxnSp>
+        <p:nvCxnSpPr>
+          <p:cNvPr id="25" name="直線コネクタ 24"/>
+          <p:cNvCxnSpPr/>
+          <p:nvPr/>
+        </p:nvCxnSpPr>
+        <p:spPr>
+          <a:xfrm flipH="1">
+            <a:off x="4114046" y="3910290"/>
+            <a:ext cx="3492792" cy="1"/>
+          </a:xfrm>
+          <a:prstGeom prst="line">
+            <a:avLst/>
+          </a:prstGeom>
+          <a:ln>
+            <a:solidFill>
+              <a:schemeClr val="tx1"/>
+            </a:solidFill>
+          </a:ln>
+        </p:spPr>
+        <p:style>
+          <a:lnRef idx="1">
+            <a:schemeClr val="accent1"/>
+          </a:lnRef>
+          <a:fillRef idx="0">
+            <a:schemeClr val="accent1"/>
+          </a:fillRef>
+          <a:effectRef idx="0">
+            <a:schemeClr val="accent1"/>
+          </a:effectRef>
+          <a:fontRef idx="minor">
+            <a:schemeClr val="tx1"/>
+          </a:fontRef>
+        </p:style>
+      </p:cxnSp>
+      <p:sp>
+        <p:nvSpPr>
+          <p:cNvPr id="26" name="円/楕円 25"/>
+          <p:cNvSpPr/>
+          <p:nvPr/>
+        </p:nvSpPr>
+        <p:spPr>
+          <a:xfrm>
+            <a:off x="5353092" y="4913464"/>
+            <a:ext cx="294968" cy="292425"/>
+          </a:xfrm>
+          <a:prstGeom prst="ellipse">
+            <a:avLst/>
+          </a:prstGeom>
+          <a:solidFill>
+            <a:schemeClr val="tx1"/>
+          </a:solidFill>
+          <a:ln>
+            <a:solidFill>
+              <a:schemeClr val="tx1"/>
+            </a:solidFill>
+          </a:ln>
+        </p:spPr>
+        <p:style>
+          <a:lnRef idx="2">
+            <a:schemeClr val="accent1">
+              <a:shade val="50000"/>
+            </a:schemeClr>
+          </a:lnRef>
+          <a:fillRef idx="1">
+            <a:schemeClr val="accent1"/>
+          </a:fillRef>
+          <a:effectRef idx="0">
+            <a:schemeClr val="accent1"/>
+          </a:effectRef>
+          <a:fontRef idx="minor">
+            <a:schemeClr val="lt1"/>
+          </a:fontRef>
+        </p:style>
+        <p:txBody>
+          <a:bodyPr rtlCol="0" anchor="ctr"/>
+          <a:lstStyle/>
+          <a:p>
+            <a:pPr algn="ctr"/>
+            <a:endParaRPr kumimoji="1" lang="ja-JP" altLang="en-US"/>
+          </a:p>
+        </p:txBody>
+      </p:sp>
+      <p:sp>
+        <p:nvSpPr>
+          <p:cNvPr id="27" name="円/楕円 26"/>
+          <p:cNvSpPr/>
+          <p:nvPr/>
+        </p:nvSpPr>
+        <p:spPr>
+          <a:xfrm>
+            <a:off x="5789746" y="4910494"/>
+            <a:ext cx="294968" cy="292425"/>
+          </a:xfrm>
+          <a:prstGeom prst="ellipse">
+            <a:avLst/>
+          </a:prstGeom>
+          <a:solidFill>
+            <a:schemeClr val="bg1"/>
+          </a:solidFill>
+          <a:ln>
+            <a:solidFill>
+              <a:schemeClr val="tx1"/>
+            </a:solidFill>
+          </a:ln>
+        </p:spPr>
+        <p:style>
+          <a:lnRef idx="2">
+            <a:schemeClr val="accent1">
+              <a:shade val="50000"/>
+            </a:schemeClr>
+          </a:lnRef>
+          <a:fillRef idx="1">
+            <a:schemeClr val="accent1"/>
+          </a:fillRef>
+          <a:effectRef idx="0">
+            <a:schemeClr val="accent1"/>
+          </a:effectRef>
+          <a:fontRef idx="minor">
+            <a:schemeClr val="lt1"/>
+          </a:fontRef>
+        </p:style>
+        <p:txBody>
+          <a:bodyPr rtlCol="0" anchor="ctr"/>
+          <a:lstStyle/>
+          <a:p>
+            <a:pPr algn="ctr"/>
+            <a:endParaRPr kumimoji="1" lang="ja-JP" altLang="en-US"/>
+          </a:p>
+        </p:txBody>
+      </p:sp>
+      <p:sp>
+        <p:nvSpPr>
+          <p:cNvPr id="28" name="円/楕円 27"/>
+          <p:cNvSpPr/>
+          <p:nvPr/>
+        </p:nvSpPr>
+        <p:spPr>
+          <a:xfrm>
+            <a:off x="5810815" y="4523978"/>
+            <a:ext cx="294968" cy="292425"/>
+          </a:xfrm>
+          <a:prstGeom prst="ellipse">
+            <a:avLst/>
+          </a:prstGeom>
+          <a:solidFill>
+            <a:schemeClr val="tx1"/>
+          </a:solidFill>
+          <a:ln>
+            <a:solidFill>
+              <a:schemeClr val="tx1"/>
+            </a:solidFill>
+          </a:ln>
+        </p:spPr>
+        <p:style>
+          <a:lnRef idx="2">
+            <a:schemeClr val="accent1">
+              <a:shade val="50000"/>
+            </a:schemeClr>
+          </a:lnRef>
+          <a:fillRef idx="1">
+            <a:schemeClr val="accent1"/>
+          </a:fillRef>
+          <a:effectRef idx="0">
+            <a:schemeClr val="accent1"/>
+          </a:effectRef>
+          <a:fontRef idx="minor">
+            <a:schemeClr val="lt1"/>
+          </a:fontRef>
+        </p:style>
+        <p:txBody>
+          <a:bodyPr rtlCol="0" anchor="ctr"/>
+          <a:lstStyle/>
+          <a:p>
+            <a:pPr algn="ctr"/>
+            <a:endParaRPr kumimoji="1" lang="ja-JP" altLang="en-US"/>
+          </a:p>
+        </p:txBody>
+      </p:sp>
+      <p:sp>
+        <p:nvSpPr>
+          <p:cNvPr id="31" name="円/楕円 30"/>
+          <p:cNvSpPr/>
+          <p:nvPr/>
+        </p:nvSpPr>
+        <p:spPr>
+          <a:xfrm>
+            <a:off x="5335235" y="4523978"/>
+            <a:ext cx="294968" cy="292425"/>
+          </a:xfrm>
+          <a:prstGeom prst="ellipse">
+            <a:avLst/>
+          </a:prstGeom>
+          <a:solidFill>
+            <a:schemeClr val="bg1"/>
+          </a:solidFill>
+          <a:ln>
+            <a:solidFill>
+              <a:schemeClr val="tx1"/>
+            </a:solidFill>
+          </a:ln>
+        </p:spPr>
+        <p:style>
+          <a:lnRef idx="2">
+            <a:schemeClr val="accent1">
+              <a:shade val="50000"/>
+            </a:schemeClr>
+          </a:lnRef>
+          <a:fillRef idx="1">
+            <a:schemeClr val="accent1"/>
+          </a:fillRef>
+          <a:effectRef idx="0">
+            <a:schemeClr val="accent1"/>
+          </a:effectRef>
+          <a:fontRef idx="minor">
+            <a:schemeClr val="lt1"/>
+          </a:fontRef>
+        </p:style>
+        <p:txBody>
+          <a:bodyPr rtlCol="0" anchor="ctr"/>
+          <a:lstStyle/>
+          <a:p>
+            <a:pPr algn="ctr"/>
+            <a:endParaRPr kumimoji="1" lang="ja-JP" altLang="en-US"/>
+          </a:p>
+        </p:txBody>
+      </p:sp>
+      <p:sp>
+        <p:nvSpPr>
+          <p:cNvPr id="36" name="テキスト ボックス 35"/>
+          <p:cNvSpPr txBox="1"/>
+          <p:nvPr/>
+        </p:nvSpPr>
+        <p:spPr>
+          <a:xfrm>
+            <a:off x="5140090" y="1603306"/>
+            <a:ext cx="1842872" cy="646331"/>
+          </a:xfrm>
+          <a:prstGeom prst="rect">
+            <a:avLst/>
+          </a:prstGeom>
+          <a:noFill/>
+        </p:spPr>
+        <p:txBody>
+          <a:bodyPr wrap="square" rtlCol="0">
+            <a:spAutoFit/>
+          </a:bodyPr>
+          <a:lstStyle/>
+          <a:p>
+            <a:r>
+              <a:rPr kumimoji="1" lang="ja-JP" altLang="en-US" dirty="0" smtClean="0"/>
+              <a:t>黒：広瀬太郎</a:t>
+            </a:r>
+            <a:endParaRPr kumimoji="1" lang="en-US" altLang="ja-JP" dirty="0" smtClean="0"/>
+          </a:p>
+          <a:p>
+            <a:r>
+              <a:rPr lang="ja-JP" altLang="en-US" dirty="0" smtClean="0"/>
+              <a:t>白：</a:t>
+            </a:r>
+            <a:endParaRPr kumimoji="1" lang="ja-JP" altLang="en-US" dirty="0"/>
+          </a:p>
+        </p:txBody>
+      </p:sp>
+      <p:grpSp>
+        <p:nvGrpSpPr>
+          <p:cNvPr id="39" name="グループ化 38"/>
+          <p:cNvGrpSpPr/>
+          <p:nvPr/>
+        </p:nvGrpSpPr>
+        <p:grpSpPr>
+          <a:xfrm>
+            <a:off x="4571246" y="2346698"/>
+            <a:ext cx="922126" cy="398584"/>
+            <a:chOff x="4143542" y="2625458"/>
+            <a:chExt cx="922126" cy="398584"/>
+          </a:xfrm>
+        </p:grpSpPr>
+        <p:sp>
+          <p:nvSpPr>
+            <p:cNvPr id="37" name="テキスト ボックス 36"/>
+            <p:cNvSpPr txBox="1"/>
+            <p:nvPr/>
+          </p:nvSpPr>
+          <p:spPr>
+            <a:xfrm>
+              <a:off x="4143542" y="2654710"/>
+              <a:ext cx="474758" cy="369332"/>
+            </a:xfrm>
+            <a:prstGeom prst="rect">
+              <a:avLst/>
+            </a:prstGeom>
+            <a:noFill/>
+          </p:spPr>
+          <p:txBody>
+            <a:bodyPr wrap="square" rtlCol="0">
+              <a:spAutoFit/>
+            </a:bodyPr>
+            <a:lstStyle/>
+            <a:p>
+              <a:r>
+                <a:rPr kumimoji="1" lang="ja-JP" altLang="en-US" dirty="0" smtClean="0"/>
+                <a:t>黒</a:t>
+              </a:r>
+              <a:endParaRPr kumimoji="1" lang="ja-JP" altLang="en-US" dirty="0"/>
+            </a:p>
+          </p:txBody>
+        </p:sp>
+        <p:sp>
+          <p:nvSpPr>
+            <p:cNvPr id="38" name="テキスト ボックス 37"/>
+            <p:cNvSpPr txBox="1"/>
+            <p:nvPr/>
+          </p:nvSpPr>
+          <p:spPr>
+            <a:xfrm>
+              <a:off x="4496852" y="2625458"/>
+              <a:ext cx="568816" cy="369332"/>
+            </a:xfrm>
+            <a:prstGeom prst="rect">
+              <a:avLst/>
+            </a:prstGeom>
+            <a:noFill/>
+            <a:ln>
+              <a:solidFill>
+                <a:schemeClr val="tx1"/>
+              </a:solidFill>
+            </a:ln>
+          </p:spPr>
+          <p:txBody>
+            <a:bodyPr wrap="square" rtlCol="0">
+              <a:spAutoFit/>
+            </a:bodyPr>
+            <a:lstStyle/>
+            <a:p>
+              <a:r>
+                <a:rPr kumimoji="1" lang="en-US" altLang="ja-JP" dirty="0" smtClean="0"/>
+                <a:t>2</a:t>
+              </a:r>
+              <a:endParaRPr kumimoji="1" lang="ja-JP" altLang="en-US" dirty="0"/>
+            </a:p>
+          </p:txBody>
+        </p:sp>
+      </p:grpSp>
+      <p:grpSp>
+        <p:nvGrpSpPr>
+          <p:cNvPr id="40" name="グループ化 39"/>
+          <p:cNvGrpSpPr/>
+          <p:nvPr/>
+        </p:nvGrpSpPr>
+        <p:grpSpPr>
+          <a:xfrm>
+            <a:off x="5973047" y="2364891"/>
+            <a:ext cx="922126" cy="398584"/>
+            <a:chOff x="4143542" y="2625458"/>
+            <a:chExt cx="922126" cy="398584"/>
+          </a:xfrm>
+        </p:grpSpPr>
+        <p:sp>
+          <p:nvSpPr>
+            <p:cNvPr id="41" name="テキスト ボックス 40"/>
+            <p:cNvSpPr txBox="1"/>
+            <p:nvPr/>
+          </p:nvSpPr>
+          <p:spPr>
+            <a:xfrm>
+              <a:off x="4143542" y="2654710"/>
+              <a:ext cx="474758" cy="369332"/>
+            </a:xfrm>
+            <a:prstGeom prst="rect">
+              <a:avLst/>
+            </a:prstGeom>
+            <a:noFill/>
+          </p:spPr>
+          <p:txBody>
+            <a:bodyPr wrap="square" rtlCol="0">
+              <a:spAutoFit/>
+            </a:bodyPr>
+            <a:lstStyle/>
+            <a:p>
+              <a:r>
+                <a:rPr lang="ja-JP" altLang="en-US" dirty="0"/>
+                <a:t>白</a:t>
+              </a:r>
+              <a:endParaRPr kumimoji="1" lang="ja-JP" altLang="en-US" dirty="0"/>
+            </a:p>
+          </p:txBody>
+        </p:sp>
+        <p:sp>
+          <p:nvSpPr>
+            <p:cNvPr id="42" name="テキスト ボックス 41"/>
+            <p:cNvSpPr txBox="1"/>
+            <p:nvPr/>
+          </p:nvSpPr>
+          <p:spPr>
+            <a:xfrm>
+              <a:off x="4496852" y="2625458"/>
+              <a:ext cx="568816" cy="369332"/>
+            </a:xfrm>
+            <a:prstGeom prst="rect">
+              <a:avLst/>
+            </a:prstGeom>
+            <a:noFill/>
+            <a:ln>
+              <a:solidFill>
+                <a:schemeClr val="tx1"/>
+              </a:solidFill>
+            </a:ln>
+          </p:spPr>
+          <p:txBody>
+            <a:bodyPr wrap="square" rtlCol="0">
+              <a:spAutoFit/>
+            </a:bodyPr>
+            <a:lstStyle/>
+            <a:p>
+              <a:r>
+                <a:rPr kumimoji="1" lang="en-US" altLang="ja-JP" dirty="0" smtClean="0"/>
+                <a:t>2</a:t>
+              </a:r>
+              <a:endParaRPr kumimoji="1" lang="ja-JP" altLang="en-US" dirty="0"/>
+            </a:p>
+          </p:txBody>
+        </p:sp>
+      </p:grpSp>
+      <p:sp>
+        <p:nvSpPr>
+          <p:cNvPr id="43" name="テキスト ボックス 42"/>
+          <p:cNvSpPr txBox="1"/>
+          <p:nvPr/>
+        </p:nvSpPr>
+        <p:spPr>
+          <a:xfrm>
+            <a:off x="4464030" y="2920492"/>
+            <a:ext cx="3018034" cy="369332"/>
+          </a:xfrm>
+          <a:prstGeom prst="rect">
+            <a:avLst/>
+          </a:prstGeom>
+          <a:noFill/>
+          <a:ln>
+            <a:solidFill>
+              <a:schemeClr val="tx1"/>
+            </a:solidFill>
+          </a:ln>
+        </p:spPr>
+        <p:txBody>
+          <a:bodyPr wrap="square" rtlCol="0">
+            <a:spAutoFit/>
+          </a:bodyPr>
+          <a:lstStyle/>
+          <a:p>
+            <a:r>
+              <a:rPr lang="ja-JP" altLang="en-US" dirty="0"/>
+              <a:t>待機中</a:t>
+            </a:r>
+            <a:endParaRPr kumimoji="1" lang="ja-JP" altLang="en-US" dirty="0"/>
+          </a:p>
+        </p:txBody>
+      </p:sp>
+    </p:spTree>
+    <p:extLst>
+      <p:ext uri="{BB962C8B-B14F-4D97-AF65-F5344CB8AC3E}">
+        <p14:creationId xmlns:p14="http://schemas.microsoft.com/office/powerpoint/2010/main" val="1280317872"/>
+      </p:ext>
+    </p:extLst>
+  </p:cSld>
+  <p:clrMapOvr>
+    <a:masterClrMapping/>
+  </p:clrMapOvr>
+</p:sld>
+</file>
+
+<file path=ppt/slides/slide14.xml><?xml version="1.0" encoding="utf-8"?>
+<p:sld xmlns:a="http://schemas.openxmlformats.org/drawingml/2006/main" xmlns:r="http://schemas.openxmlformats.org/officeDocument/2006/relationships" xmlns:p="http://schemas.openxmlformats.org/presentationml/2006/main">
+  <p:cSld>
+    <p:spTree>
+      <p:nvGrpSpPr>
+        <p:cNvPr id="1" name=""/>
+        <p:cNvGrpSpPr/>
+        <p:nvPr/>
+      </p:nvGrpSpPr>
+      <p:grpSpPr>
+        <a:xfrm>
+          <a:off x="0" y="0"/>
+          <a:ext cx="0" cy="0"/>
+          <a:chOff x="0" y="0"/>
+          <a:chExt cx="0" cy="0"/>
+        </a:xfrm>
+      </p:grpSpPr>
+      <p:sp>
+        <p:nvSpPr>
+          <p:cNvPr id="2" name="タイトル 1"/>
+          <p:cNvSpPr txBox="1">
+            <a:spLocks/>
+          </p:cNvSpPr>
+          <p:nvPr/>
+        </p:nvSpPr>
+        <p:spPr>
+          <a:xfrm>
+            <a:off x="516195" y="103031"/>
+            <a:ext cx="10795818" cy="1088735"/>
+          </a:xfrm>
+          <a:prstGeom prst="rect">
+            <a:avLst/>
+          </a:prstGeom>
+        </p:spPr>
+        <p:txBody>
+          <a:bodyPr>
+            <a:normAutofit fontScale="92500"/>
+          </a:bodyPr>
+          <a:lstStyle>
+            <a:lvl1pPr algn="l" defTabSz="914400" rtl="0" eaLnBrk="1" latinLnBrk="0" hangingPunct="1">
+              <a:lnSpc>
+                <a:spcPct val="90000"/>
+              </a:lnSpc>
+              <a:spcBef>
+                <a:spcPct val="0"/>
+              </a:spcBef>
+              <a:buNone/>
+              <a:defRPr kumimoji="1" sz="4400" kern="1200">
+                <a:solidFill>
+                  <a:schemeClr val="tx1"/>
+                </a:solidFill>
+                <a:latin typeface="+mj-lt"/>
+                <a:ea typeface="+mj-ea"/>
+                <a:cs typeface="+mj-cs"/>
+              </a:defRPr>
+            </a:lvl1pPr>
+          </a:lstStyle>
+          <a:p>
+            <a:pPr algn="ctr"/>
+            <a:r>
+              <a:rPr lang="ja-JP" altLang="en-US" sz="6000" b="1" dirty="0" smtClean="0">
+                <a:solidFill>
+                  <a:srgbClr val="7030A0"/>
+                </a:solidFill>
+              </a:rPr>
+              <a:t>オセロのコンピュータ対戦の</a:t>
+            </a:r>
+            <a:r>
+              <a:rPr lang="ja-JP" altLang="en-US" sz="6000" b="1" dirty="0" smtClean="0">
+                <a:solidFill>
+                  <a:srgbClr val="7030A0"/>
+                </a:solidFill>
+              </a:rPr>
+              <a:t>ページ</a:t>
+            </a:r>
+            <a:endParaRPr lang="ja-JP" altLang="en-US" sz="6000" b="1" dirty="0">
+              <a:solidFill>
+                <a:srgbClr val="7030A0"/>
+              </a:solidFill>
+            </a:endParaRPr>
+          </a:p>
+        </p:txBody>
+      </p:sp>
+      <p:sp>
+        <p:nvSpPr>
+          <p:cNvPr id="3" name="正方形/長方形 2"/>
+          <p:cNvSpPr/>
+          <p:nvPr/>
+        </p:nvSpPr>
+        <p:spPr>
+          <a:xfrm>
+            <a:off x="3303640" y="1401097"/>
+            <a:ext cx="5235676" cy="5206180"/>
+          </a:xfrm>
+          <a:prstGeom prst="rect">
+            <a:avLst/>
+          </a:prstGeom>
+          <a:noFill/>
+          <a:ln>
+            <a:solidFill>
+              <a:schemeClr val="tx1"/>
+            </a:solidFill>
+          </a:ln>
+        </p:spPr>
+        <p:style>
+          <a:lnRef idx="2">
+            <a:schemeClr val="accent1">
+              <a:shade val="50000"/>
+            </a:schemeClr>
+          </a:lnRef>
+          <a:fillRef idx="1">
+            <a:schemeClr val="accent1"/>
+          </a:fillRef>
+          <a:effectRef idx="0">
+            <a:schemeClr val="accent1"/>
+          </a:effectRef>
+          <a:fontRef idx="minor">
+            <a:schemeClr val="lt1"/>
+          </a:fontRef>
+        </p:style>
+        <p:txBody>
+          <a:bodyPr rtlCol="0" anchor="ctr"/>
+          <a:lstStyle/>
+          <a:p>
+            <a:pPr algn="ctr"/>
+            <a:endParaRPr kumimoji="1" lang="ja-JP" altLang="en-US"/>
+          </a:p>
+        </p:txBody>
+      </p:sp>
+      <p:sp>
+        <p:nvSpPr>
+          <p:cNvPr id="4" name="正方形/長方形 3"/>
+          <p:cNvSpPr/>
+          <p:nvPr/>
+        </p:nvSpPr>
+        <p:spPr>
+          <a:xfrm>
+            <a:off x="4114046" y="3516603"/>
+            <a:ext cx="3492792" cy="2888342"/>
+          </a:xfrm>
+          <a:prstGeom prst="rect">
+            <a:avLst/>
+          </a:prstGeom>
+          <a:noFill/>
+          <a:ln>
+            <a:solidFill>
+              <a:schemeClr val="tx1"/>
+            </a:solidFill>
+          </a:ln>
+        </p:spPr>
+        <p:style>
+          <a:lnRef idx="2">
+            <a:schemeClr val="accent1">
+              <a:shade val="50000"/>
+            </a:schemeClr>
+          </a:lnRef>
+          <a:fillRef idx="1">
+            <a:schemeClr val="accent1"/>
+          </a:fillRef>
+          <a:effectRef idx="0">
+            <a:schemeClr val="accent1"/>
+          </a:effectRef>
+          <a:fontRef idx="minor">
+            <a:schemeClr val="lt1"/>
+          </a:fontRef>
+        </p:style>
+        <p:txBody>
+          <a:bodyPr rtlCol="0" anchor="ctr"/>
+          <a:lstStyle/>
+          <a:p>
+            <a:pPr algn="ctr"/>
+            <a:endParaRPr kumimoji="1" lang="ja-JP" altLang="en-US"/>
+          </a:p>
+        </p:txBody>
+      </p:sp>
+      <p:cxnSp>
+        <p:nvCxnSpPr>
+          <p:cNvPr id="5" name="直線コネクタ 4"/>
+          <p:cNvCxnSpPr/>
+          <p:nvPr/>
+        </p:nvCxnSpPr>
+        <p:spPr>
+          <a:xfrm>
+            <a:off x="4588804" y="3508271"/>
+            <a:ext cx="0" cy="2896674"/>
+          </a:xfrm>
+          <a:prstGeom prst="line">
+            <a:avLst/>
+          </a:prstGeom>
+          <a:ln>
+            <a:solidFill>
+              <a:schemeClr val="tx1"/>
+            </a:solidFill>
+          </a:ln>
+        </p:spPr>
+        <p:style>
+          <a:lnRef idx="1">
+            <a:schemeClr val="accent1"/>
+          </a:lnRef>
+          <a:fillRef idx="0">
+            <a:schemeClr val="accent1"/>
+          </a:fillRef>
+          <a:effectRef idx="0">
+            <a:schemeClr val="accent1"/>
+          </a:effectRef>
+          <a:fontRef idx="minor">
+            <a:schemeClr val="tx1"/>
+          </a:fontRef>
+        </p:style>
+      </p:cxnSp>
+      <p:cxnSp>
+        <p:nvCxnSpPr>
+          <p:cNvPr id="6" name="直線コネクタ 5"/>
+          <p:cNvCxnSpPr/>
+          <p:nvPr/>
+        </p:nvCxnSpPr>
+        <p:spPr>
+          <a:xfrm>
+            <a:off x="5036172" y="3516603"/>
+            <a:ext cx="0" cy="2896674"/>
+          </a:xfrm>
+          <a:prstGeom prst="line">
+            <a:avLst/>
+          </a:prstGeom>
+          <a:ln>
+            <a:solidFill>
+              <a:schemeClr val="tx1"/>
+            </a:solidFill>
+          </a:ln>
+        </p:spPr>
+        <p:style>
+          <a:lnRef idx="1">
+            <a:schemeClr val="accent1"/>
+          </a:lnRef>
+          <a:fillRef idx="0">
+            <a:schemeClr val="accent1"/>
+          </a:fillRef>
+          <a:effectRef idx="0">
+            <a:schemeClr val="accent1"/>
+          </a:effectRef>
+          <a:fontRef idx="minor">
+            <a:schemeClr val="tx1"/>
+          </a:fontRef>
+        </p:style>
+      </p:cxnSp>
+      <p:cxnSp>
+        <p:nvCxnSpPr>
+          <p:cNvPr id="7" name="直線コネクタ 6"/>
+          <p:cNvCxnSpPr/>
+          <p:nvPr/>
+        </p:nvCxnSpPr>
+        <p:spPr>
+          <a:xfrm>
+            <a:off x="5478624" y="3516603"/>
+            <a:ext cx="0" cy="2896674"/>
+          </a:xfrm>
+          <a:prstGeom prst="line">
+            <a:avLst/>
+          </a:prstGeom>
+          <a:ln>
+            <a:solidFill>
+              <a:schemeClr val="tx1"/>
+            </a:solidFill>
+          </a:ln>
+        </p:spPr>
+        <p:style>
+          <a:lnRef idx="1">
+            <a:schemeClr val="accent1"/>
+          </a:lnRef>
+          <a:fillRef idx="0">
+            <a:schemeClr val="accent1"/>
+          </a:fillRef>
+          <a:effectRef idx="0">
+            <a:schemeClr val="accent1"/>
+          </a:effectRef>
+          <a:fontRef idx="minor">
+            <a:schemeClr val="tx1"/>
+          </a:fontRef>
+        </p:style>
+      </p:cxnSp>
+      <p:cxnSp>
+        <p:nvCxnSpPr>
+          <p:cNvPr id="8" name="直線コネクタ 7"/>
+          <p:cNvCxnSpPr/>
+          <p:nvPr/>
+        </p:nvCxnSpPr>
+        <p:spPr>
+          <a:xfrm>
+            <a:off x="5949168" y="3516603"/>
+            <a:ext cx="0" cy="2896674"/>
+          </a:xfrm>
+          <a:prstGeom prst="line">
+            <a:avLst/>
+          </a:prstGeom>
+          <a:ln>
+            <a:solidFill>
+              <a:schemeClr val="tx1"/>
+            </a:solidFill>
+          </a:ln>
+        </p:spPr>
+        <p:style>
+          <a:lnRef idx="1">
+            <a:schemeClr val="accent1"/>
+          </a:lnRef>
+          <a:fillRef idx="0">
+            <a:schemeClr val="accent1"/>
+          </a:fillRef>
+          <a:effectRef idx="0">
+            <a:schemeClr val="accent1"/>
+          </a:effectRef>
+          <a:fontRef idx="minor">
+            <a:schemeClr val="tx1"/>
+          </a:fontRef>
+        </p:style>
+      </p:cxnSp>
+      <p:cxnSp>
+        <p:nvCxnSpPr>
+          <p:cNvPr id="9" name="直線コネクタ 8"/>
+          <p:cNvCxnSpPr/>
+          <p:nvPr/>
+        </p:nvCxnSpPr>
+        <p:spPr>
+          <a:xfrm>
+            <a:off x="6393024" y="3516603"/>
+            <a:ext cx="0" cy="2896674"/>
+          </a:xfrm>
+          <a:prstGeom prst="line">
+            <a:avLst/>
+          </a:prstGeom>
+          <a:ln>
+            <a:solidFill>
+              <a:schemeClr val="tx1"/>
+            </a:solidFill>
+          </a:ln>
+        </p:spPr>
+        <p:style>
+          <a:lnRef idx="1">
+            <a:schemeClr val="accent1"/>
+          </a:lnRef>
+          <a:fillRef idx="0">
+            <a:schemeClr val="accent1"/>
+          </a:fillRef>
+          <a:effectRef idx="0">
+            <a:schemeClr val="accent1"/>
+          </a:effectRef>
+          <a:fontRef idx="minor">
+            <a:schemeClr val="tx1"/>
+          </a:fontRef>
+        </p:style>
+      </p:cxnSp>
+      <p:cxnSp>
+        <p:nvCxnSpPr>
+          <p:cNvPr id="10" name="直線コネクタ 9"/>
+          <p:cNvCxnSpPr/>
+          <p:nvPr/>
+        </p:nvCxnSpPr>
+        <p:spPr>
+          <a:xfrm>
+            <a:off x="6805979" y="3516603"/>
+            <a:ext cx="0" cy="2896674"/>
+          </a:xfrm>
+          <a:prstGeom prst="line">
+            <a:avLst/>
+          </a:prstGeom>
+          <a:ln>
+            <a:solidFill>
+              <a:schemeClr val="tx1"/>
+            </a:solidFill>
+          </a:ln>
+        </p:spPr>
+        <p:style>
+          <a:lnRef idx="1">
+            <a:schemeClr val="accent1"/>
+          </a:lnRef>
+          <a:fillRef idx="0">
+            <a:schemeClr val="accent1"/>
+          </a:fillRef>
+          <a:effectRef idx="0">
+            <a:schemeClr val="accent1"/>
+          </a:effectRef>
+          <a:fontRef idx="minor">
+            <a:schemeClr val="tx1"/>
+          </a:fontRef>
+        </p:style>
+      </p:cxnSp>
+      <p:cxnSp>
+        <p:nvCxnSpPr>
+          <p:cNvPr id="11" name="直線コネクタ 10"/>
+          <p:cNvCxnSpPr/>
+          <p:nvPr/>
+        </p:nvCxnSpPr>
+        <p:spPr>
+          <a:xfrm>
+            <a:off x="7189436" y="3516603"/>
+            <a:ext cx="0" cy="2896674"/>
+          </a:xfrm>
+          <a:prstGeom prst="line">
+            <a:avLst/>
+          </a:prstGeom>
+          <a:ln>
+            <a:solidFill>
+              <a:schemeClr val="tx1"/>
+            </a:solidFill>
+          </a:ln>
+        </p:spPr>
+        <p:style>
+          <a:lnRef idx="1">
+            <a:schemeClr val="accent1"/>
+          </a:lnRef>
+          <a:fillRef idx="0">
+            <a:schemeClr val="accent1"/>
+          </a:fillRef>
+          <a:effectRef idx="0">
+            <a:schemeClr val="accent1"/>
+          </a:effectRef>
+          <a:fontRef idx="minor">
+            <a:schemeClr val="tx1"/>
+          </a:fontRef>
+        </p:style>
+      </p:cxnSp>
+      <p:cxnSp>
+        <p:nvCxnSpPr>
+          <p:cNvPr id="12" name="直線コネクタ 11"/>
+          <p:cNvCxnSpPr/>
+          <p:nvPr/>
+        </p:nvCxnSpPr>
+        <p:spPr>
+          <a:xfrm flipH="1">
+            <a:off x="4114046" y="5960691"/>
+            <a:ext cx="3492792" cy="1"/>
+          </a:xfrm>
+          <a:prstGeom prst="line">
+            <a:avLst/>
+          </a:prstGeom>
+          <a:ln>
+            <a:solidFill>
+              <a:schemeClr val="tx1"/>
+            </a:solidFill>
+          </a:ln>
+        </p:spPr>
+        <p:style>
+          <a:lnRef idx="1">
+            <a:schemeClr val="accent1"/>
+          </a:lnRef>
+          <a:fillRef idx="0">
+            <a:schemeClr val="accent1"/>
+          </a:fillRef>
+          <a:effectRef idx="0">
+            <a:schemeClr val="accent1"/>
+          </a:effectRef>
+          <a:fontRef idx="minor">
+            <a:schemeClr val="tx1"/>
+          </a:fontRef>
+        </p:style>
+      </p:cxnSp>
+      <p:cxnSp>
+        <p:nvCxnSpPr>
+          <p:cNvPr id="13" name="直線コネクタ 12"/>
+          <p:cNvCxnSpPr/>
+          <p:nvPr/>
+        </p:nvCxnSpPr>
+        <p:spPr>
+          <a:xfrm flipH="1">
+            <a:off x="4114046" y="5516438"/>
+            <a:ext cx="3492792" cy="1"/>
+          </a:xfrm>
+          <a:prstGeom prst="line">
+            <a:avLst/>
+          </a:prstGeom>
+          <a:ln>
+            <a:solidFill>
+              <a:schemeClr val="tx1"/>
+            </a:solidFill>
+          </a:ln>
+        </p:spPr>
+        <p:style>
+          <a:lnRef idx="1">
+            <a:schemeClr val="accent1"/>
+          </a:lnRef>
+          <a:fillRef idx="0">
+            <a:schemeClr val="accent1"/>
+          </a:fillRef>
+          <a:effectRef idx="0">
+            <a:schemeClr val="accent1"/>
+          </a:effectRef>
+          <a:fontRef idx="minor">
+            <a:schemeClr val="tx1"/>
+          </a:fontRef>
+        </p:style>
+      </p:cxnSp>
+      <p:cxnSp>
+        <p:nvCxnSpPr>
+          <p:cNvPr id="14" name="直線コネクタ 13"/>
+          <p:cNvCxnSpPr/>
+          <p:nvPr/>
+        </p:nvCxnSpPr>
+        <p:spPr>
+          <a:xfrm flipH="1">
+            <a:off x="4114046" y="5072185"/>
+            <a:ext cx="3492792" cy="1"/>
+          </a:xfrm>
+          <a:prstGeom prst="line">
+            <a:avLst/>
+          </a:prstGeom>
+          <a:ln>
+            <a:solidFill>
+              <a:schemeClr val="tx1"/>
+            </a:solidFill>
+          </a:ln>
+        </p:spPr>
+        <p:style>
+          <a:lnRef idx="1">
+            <a:schemeClr val="accent1"/>
+          </a:lnRef>
+          <a:fillRef idx="0">
+            <a:schemeClr val="accent1"/>
+          </a:fillRef>
+          <a:effectRef idx="0">
+            <a:schemeClr val="accent1"/>
+          </a:effectRef>
+          <a:fontRef idx="minor">
+            <a:schemeClr val="tx1"/>
+          </a:fontRef>
+        </p:style>
+      </p:cxnSp>
+      <p:cxnSp>
+        <p:nvCxnSpPr>
+          <p:cNvPr id="15" name="直線コネクタ 14"/>
+          <p:cNvCxnSpPr/>
+          <p:nvPr/>
+        </p:nvCxnSpPr>
+        <p:spPr>
+          <a:xfrm flipH="1">
+            <a:off x="4145650" y="4693850"/>
+            <a:ext cx="3492792" cy="1"/>
+          </a:xfrm>
+          <a:prstGeom prst="line">
+            <a:avLst/>
+          </a:prstGeom>
+          <a:ln>
+            <a:solidFill>
+              <a:schemeClr val="tx1"/>
+            </a:solidFill>
+          </a:ln>
+        </p:spPr>
+        <p:style>
+          <a:lnRef idx="1">
+            <a:schemeClr val="accent1"/>
+          </a:lnRef>
+          <a:fillRef idx="0">
+            <a:schemeClr val="accent1"/>
+          </a:fillRef>
+          <a:effectRef idx="0">
+            <a:schemeClr val="accent1"/>
+          </a:effectRef>
+          <a:fontRef idx="minor">
+            <a:schemeClr val="tx1"/>
+          </a:fontRef>
+        </p:style>
+      </p:cxnSp>
+      <p:cxnSp>
+        <p:nvCxnSpPr>
+          <p:cNvPr id="16" name="直線コネクタ 15"/>
+          <p:cNvCxnSpPr/>
+          <p:nvPr/>
+        </p:nvCxnSpPr>
+        <p:spPr>
+          <a:xfrm flipH="1">
+            <a:off x="4114046" y="4321584"/>
+            <a:ext cx="3492792" cy="1"/>
+          </a:xfrm>
+          <a:prstGeom prst="line">
+            <a:avLst/>
+          </a:prstGeom>
+          <a:ln>
+            <a:solidFill>
+              <a:schemeClr val="tx1"/>
+            </a:solidFill>
+          </a:ln>
+        </p:spPr>
+        <p:style>
+          <a:lnRef idx="1">
+            <a:schemeClr val="accent1"/>
+          </a:lnRef>
+          <a:fillRef idx="0">
+            <a:schemeClr val="accent1"/>
+          </a:fillRef>
+          <a:effectRef idx="0">
+            <a:schemeClr val="accent1"/>
+          </a:effectRef>
+          <a:fontRef idx="minor">
+            <a:schemeClr val="tx1"/>
+          </a:fontRef>
+        </p:style>
+      </p:cxnSp>
+      <p:cxnSp>
+        <p:nvCxnSpPr>
+          <p:cNvPr id="17" name="直線コネクタ 16"/>
+          <p:cNvCxnSpPr/>
+          <p:nvPr/>
+        </p:nvCxnSpPr>
+        <p:spPr>
+          <a:xfrm flipH="1">
+            <a:off x="4114046" y="3910290"/>
+            <a:ext cx="3492792" cy="1"/>
+          </a:xfrm>
+          <a:prstGeom prst="line">
+            <a:avLst/>
+          </a:prstGeom>
+          <a:ln>
+            <a:solidFill>
+              <a:schemeClr val="tx1"/>
+            </a:solidFill>
+          </a:ln>
+        </p:spPr>
+        <p:style>
+          <a:lnRef idx="1">
+            <a:schemeClr val="accent1"/>
+          </a:lnRef>
+          <a:fillRef idx="0">
+            <a:schemeClr val="accent1"/>
+          </a:fillRef>
+          <a:effectRef idx="0">
+            <a:schemeClr val="accent1"/>
+          </a:effectRef>
+          <a:fontRef idx="minor">
+            <a:schemeClr val="tx1"/>
+          </a:fontRef>
+        </p:style>
+      </p:cxnSp>
+      <p:sp>
+        <p:nvSpPr>
+          <p:cNvPr id="18" name="円/楕円 17"/>
+          <p:cNvSpPr/>
+          <p:nvPr/>
+        </p:nvSpPr>
+        <p:spPr>
+          <a:xfrm>
+            <a:off x="5353092" y="4913464"/>
+            <a:ext cx="294968" cy="292425"/>
+          </a:xfrm>
+          <a:prstGeom prst="ellipse">
+            <a:avLst/>
+          </a:prstGeom>
+          <a:solidFill>
+            <a:schemeClr val="tx1"/>
+          </a:solidFill>
+          <a:ln>
+            <a:solidFill>
+              <a:schemeClr val="tx1"/>
+            </a:solidFill>
+          </a:ln>
+        </p:spPr>
+        <p:style>
+          <a:lnRef idx="2">
+            <a:schemeClr val="accent1">
+              <a:shade val="50000"/>
+            </a:schemeClr>
+          </a:lnRef>
+          <a:fillRef idx="1">
+            <a:schemeClr val="accent1"/>
+          </a:fillRef>
+          <a:effectRef idx="0">
+            <a:schemeClr val="accent1"/>
+          </a:effectRef>
+          <a:fontRef idx="minor">
+            <a:schemeClr val="lt1"/>
+          </a:fontRef>
+        </p:style>
+        <p:txBody>
+          <a:bodyPr rtlCol="0" anchor="ctr"/>
+          <a:lstStyle/>
+          <a:p>
+            <a:pPr algn="ctr"/>
+            <a:endParaRPr kumimoji="1" lang="ja-JP" altLang="en-US"/>
+          </a:p>
+        </p:txBody>
+      </p:sp>
+      <p:sp>
+        <p:nvSpPr>
+          <p:cNvPr id="19" name="円/楕円 18"/>
+          <p:cNvSpPr/>
+          <p:nvPr/>
+        </p:nvSpPr>
+        <p:spPr>
+          <a:xfrm>
+            <a:off x="5789746" y="4910494"/>
+            <a:ext cx="294968" cy="292425"/>
+          </a:xfrm>
+          <a:prstGeom prst="ellipse">
+            <a:avLst/>
+          </a:prstGeom>
+          <a:solidFill>
+            <a:schemeClr val="bg1"/>
+          </a:solidFill>
+          <a:ln>
+            <a:solidFill>
+              <a:schemeClr val="tx1"/>
+            </a:solidFill>
+          </a:ln>
+        </p:spPr>
+        <p:style>
+          <a:lnRef idx="2">
+            <a:schemeClr val="accent1">
+              <a:shade val="50000"/>
+            </a:schemeClr>
+          </a:lnRef>
+          <a:fillRef idx="1">
+            <a:schemeClr val="accent1"/>
+          </a:fillRef>
+          <a:effectRef idx="0">
+            <a:schemeClr val="accent1"/>
+          </a:effectRef>
+          <a:fontRef idx="minor">
+            <a:schemeClr val="lt1"/>
+          </a:fontRef>
+        </p:style>
+        <p:txBody>
+          <a:bodyPr rtlCol="0" anchor="ctr"/>
+          <a:lstStyle/>
+          <a:p>
+            <a:pPr algn="ctr"/>
+            <a:endParaRPr kumimoji="1" lang="ja-JP" altLang="en-US"/>
+          </a:p>
+        </p:txBody>
+      </p:sp>
+      <p:sp>
+        <p:nvSpPr>
+          <p:cNvPr id="20" name="円/楕円 19"/>
+          <p:cNvSpPr/>
+          <p:nvPr/>
+        </p:nvSpPr>
+        <p:spPr>
+          <a:xfrm>
+            <a:off x="5810815" y="4523978"/>
+            <a:ext cx="294968" cy="292425"/>
+          </a:xfrm>
+          <a:prstGeom prst="ellipse">
+            <a:avLst/>
+          </a:prstGeom>
+          <a:solidFill>
+            <a:schemeClr val="tx1"/>
+          </a:solidFill>
+          <a:ln>
+            <a:solidFill>
+              <a:schemeClr val="tx1"/>
+            </a:solidFill>
+          </a:ln>
+        </p:spPr>
+        <p:style>
+          <a:lnRef idx="2">
+            <a:schemeClr val="accent1">
+              <a:shade val="50000"/>
+            </a:schemeClr>
+          </a:lnRef>
+          <a:fillRef idx="1">
+            <a:schemeClr val="accent1"/>
+          </a:fillRef>
+          <a:effectRef idx="0">
+            <a:schemeClr val="accent1"/>
+          </a:effectRef>
+          <a:fontRef idx="minor">
+            <a:schemeClr val="lt1"/>
+          </a:fontRef>
+        </p:style>
+        <p:txBody>
+          <a:bodyPr rtlCol="0" anchor="ctr"/>
+          <a:lstStyle/>
+          <a:p>
+            <a:pPr algn="ctr"/>
+            <a:endParaRPr kumimoji="1" lang="ja-JP" altLang="en-US"/>
+          </a:p>
+        </p:txBody>
+      </p:sp>
+      <p:sp>
+        <p:nvSpPr>
+          <p:cNvPr id="21" name="円/楕円 20"/>
+          <p:cNvSpPr/>
+          <p:nvPr/>
+        </p:nvSpPr>
+        <p:spPr>
+          <a:xfrm>
+            <a:off x="5335235" y="4523978"/>
+            <a:ext cx="294968" cy="292425"/>
+          </a:xfrm>
+          <a:prstGeom prst="ellipse">
+            <a:avLst/>
+          </a:prstGeom>
+          <a:solidFill>
+            <a:schemeClr val="bg1"/>
+          </a:solidFill>
+          <a:ln>
+            <a:solidFill>
+              <a:schemeClr val="tx1"/>
+            </a:solidFill>
+          </a:ln>
+        </p:spPr>
+        <p:style>
+          <a:lnRef idx="2">
+            <a:schemeClr val="accent1">
+              <a:shade val="50000"/>
+            </a:schemeClr>
+          </a:lnRef>
+          <a:fillRef idx="1">
+            <a:schemeClr val="accent1"/>
+          </a:fillRef>
+          <a:effectRef idx="0">
+            <a:schemeClr val="accent1"/>
+          </a:effectRef>
+          <a:fontRef idx="minor">
+            <a:schemeClr val="lt1"/>
+          </a:fontRef>
+        </p:style>
+        <p:txBody>
+          <a:bodyPr rtlCol="0" anchor="ctr"/>
+          <a:lstStyle/>
+          <a:p>
+            <a:pPr algn="ctr"/>
+            <a:endParaRPr kumimoji="1" lang="ja-JP" altLang="en-US"/>
+          </a:p>
+        </p:txBody>
+      </p:sp>
+      <p:sp>
+        <p:nvSpPr>
+          <p:cNvPr id="22" name="テキスト ボックス 21"/>
+          <p:cNvSpPr txBox="1"/>
+          <p:nvPr/>
+        </p:nvSpPr>
+        <p:spPr>
+          <a:xfrm>
+            <a:off x="5140090" y="1603306"/>
+            <a:ext cx="1842872" cy="646331"/>
+          </a:xfrm>
+          <a:prstGeom prst="rect">
+            <a:avLst/>
+          </a:prstGeom>
+          <a:noFill/>
+        </p:spPr>
+        <p:txBody>
+          <a:bodyPr wrap="square" rtlCol="0">
+            <a:spAutoFit/>
+          </a:bodyPr>
+          <a:lstStyle/>
+          <a:p>
+            <a:r>
+              <a:rPr kumimoji="1" lang="ja-JP" altLang="en-US" dirty="0" smtClean="0"/>
+              <a:t>黒：広瀬太郎</a:t>
+            </a:r>
+            <a:endParaRPr kumimoji="1" lang="en-US" altLang="ja-JP" dirty="0" smtClean="0"/>
+          </a:p>
+          <a:p>
+            <a:r>
+              <a:rPr lang="ja-JP" altLang="en-US" dirty="0" smtClean="0"/>
+              <a:t>白：コンピュータ</a:t>
+            </a:r>
+            <a:endParaRPr kumimoji="1" lang="ja-JP" altLang="en-US" dirty="0"/>
+          </a:p>
+        </p:txBody>
+      </p:sp>
+      <p:grpSp>
+        <p:nvGrpSpPr>
+          <p:cNvPr id="23" name="グループ化 22"/>
+          <p:cNvGrpSpPr/>
+          <p:nvPr/>
+        </p:nvGrpSpPr>
+        <p:grpSpPr>
+          <a:xfrm>
+            <a:off x="4571246" y="2346698"/>
+            <a:ext cx="922126" cy="398584"/>
+            <a:chOff x="4143542" y="2625458"/>
+            <a:chExt cx="922126" cy="398584"/>
+          </a:xfrm>
+        </p:grpSpPr>
+        <p:sp>
+          <p:nvSpPr>
+            <p:cNvPr id="24" name="テキスト ボックス 23"/>
+            <p:cNvSpPr txBox="1"/>
+            <p:nvPr/>
+          </p:nvSpPr>
+          <p:spPr>
+            <a:xfrm>
+              <a:off x="4143542" y="2654710"/>
+              <a:ext cx="474758" cy="369332"/>
+            </a:xfrm>
+            <a:prstGeom prst="rect">
+              <a:avLst/>
+            </a:prstGeom>
+            <a:noFill/>
+          </p:spPr>
+          <p:txBody>
+            <a:bodyPr wrap="square" rtlCol="0">
+              <a:spAutoFit/>
+            </a:bodyPr>
+            <a:lstStyle/>
+            <a:p>
+              <a:r>
+                <a:rPr kumimoji="1" lang="ja-JP" altLang="en-US" dirty="0" smtClean="0"/>
+                <a:t>黒</a:t>
+              </a:r>
+              <a:endParaRPr kumimoji="1" lang="ja-JP" altLang="en-US" dirty="0"/>
+            </a:p>
+          </p:txBody>
+        </p:sp>
+        <p:sp>
+          <p:nvSpPr>
+            <p:cNvPr id="25" name="テキスト ボックス 24"/>
+            <p:cNvSpPr txBox="1"/>
+            <p:nvPr/>
+          </p:nvSpPr>
+          <p:spPr>
+            <a:xfrm>
+              <a:off x="4496852" y="2625458"/>
+              <a:ext cx="568816" cy="369332"/>
+            </a:xfrm>
+            <a:prstGeom prst="rect">
+              <a:avLst/>
+            </a:prstGeom>
+            <a:noFill/>
+            <a:ln>
+              <a:solidFill>
+                <a:schemeClr val="tx1"/>
+              </a:solidFill>
+            </a:ln>
+          </p:spPr>
+          <p:txBody>
+            <a:bodyPr wrap="square" rtlCol="0">
+              <a:spAutoFit/>
+            </a:bodyPr>
+            <a:lstStyle/>
+            <a:p>
+              <a:r>
+                <a:rPr kumimoji="1" lang="en-US" altLang="ja-JP" dirty="0" smtClean="0"/>
+                <a:t>2</a:t>
+              </a:r>
+              <a:endParaRPr kumimoji="1" lang="ja-JP" altLang="en-US" dirty="0"/>
+            </a:p>
+          </p:txBody>
+        </p:sp>
+      </p:grpSp>
+      <p:grpSp>
+        <p:nvGrpSpPr>
+          <p:cNvPr id="26" name="グループ化 25"/>
+          <p:cNvGrpSpPr/>
+          <p:nvPr/>
+        </p:nvGrpSpPr>
+        <p:grpSpPr>
+          <a:xfrm>
+            <a:off x="5973047" y="2364891"/>
+            <a:ext cx="922126" cy="398584"/>
+            <a:chOff x="4143542" y="2625458"/>
+            <a:chExt cx="922126" cy="398584"/>
+          </a:xfrm>
+        </p:grpSpPr>
+        <p:sp>
+          <p:nvSpPr>
+            <p:cNvPr id="27" name="テキスト ボックス 26"/>
+            <p:cNvSpPr txBox="1"/>
+            <p:nvPr/>
+          </p:nvSpPr>
+          <p:spPr>
+            <a:xfrm>
+              <a:off x="4143542" y="2654710"/>
+              <a:ext cx="474758" cy="369332"/>
+            </a:xfrm>
+            <a:prstGeom prst="rect">
+              <a:avLst/>
+            </a:prstGeom>
+            <a:noFill/>
+          </p:spPr>
+          <p:txBody>
+            <a:bodyPr wrap="square" rtlCol="0">
+              <a:spAutoFit/>
+            </a:bodyPr>
+            <a:lstStyle/>
+            <a:p>
+              <a:r>
+                <a:rPr lang="ja-JP" altLang="en-US" dirty="0"/>
+                <a:t>白</a:t>
+              </a:r>
+              <a:endParaRPr kumimoji="1" lang="ja-JP" altLang="en-US" dirty="0"/>
+            </a:p>
+          </p:txBody>
+        </p:sp>
+        <p:sp>
+          <p:nvSpPr>
+            <p:cNvPr id="28" name="テキスト ボックス 27"/>
+            <p:cNvSpPr txBox="1"/>
+            <p:nvPr/>
+          </p:nvSpPr>
+          <p:spPr>
+            <a:xfrm>
+              <a:off x="4496852" y="2625458"/>
+              <a:ext cx="568816" cy="369332"/>
+            </a:xfrm>
+            <a:prstGeom prst="rect">
+              <a:avLst/>
+            </a:prstGeom>
+            <a:noFill/>
+            <a:ln>
+              <a:solidFill>
+                <a:schemeClr val="tx1"/>
+              </a:solidFill>
+            </a:ln>
+          </p:spPr>
+          <p:txBody>
+            <a:bodyPr wrap="square" rtlCol="0">
+              <a:spAutoFit/>
+            </a:bodyPr>
+            <a:lstStyle/>
+            <a:p>
+              <a:r>
+                <a:rPr kumimoji="1" lang="en-US" altLang="ja-JP" dirty="0" smtClean="0"/>
+                <a:t>2</a:t>
+              </a:r>
+              <a:endParaRPr kumimoji="1" lang="ja-JP" altLang="en-US" dirty="0"/>
+            </a:p>
+          </p:txBody>
+        </p:sp>
+      </p:grpSp>
+      <p:sp>
+        <p:nvSpPr>
+          <p:cNvPr id="29" name="テキスト ボックス 28"/>
+          <p:cNvSpPr txBox="1"/>
+          <p:nvPr/>
+        </p:nvSpPr>
+        <p:spPr>
+          <a:xfrm>
+            <a:off x="4464030" y="2920492"/>
+            <a:ext cx="3018034" cy="369332"/>
+          </a:xfrm>
+          <a:prstGeom prst="rect">
+            <a:avLst/>
+          </a:prstGeom>
+          <a:noFill/>
+          <a:ln>
+            <a:solidFill>
+              <a:schemeClr val="tx1"/>
+            </a:solidFill>
+          </a:ln>
+        </p:spPr>
+        <p:txBody>
+          <a:bodyPr wrap="square" rtlCol="0">
+            <a:spAutoFit/>
+          </a:bodyPr>
+          <a:lstStyle/>
+          <a:p>
+            <a:r>
+              <a:rPr lang="ja-JP" altLang="en-US" dirty="0"/>
+              <a:t>黒</a:t>
+            </a:r>
+            <a:r>
+              <a:rPr lang="ja-JP" altLang="en-US" dirty="0" smtClean="0"/>
+              <a:t>の番です。</a:t>
+            </a:r>
+            <a:endParaRPr kumimoji="1" lang="ja-JP" altLang="en-US" dirty="0"/>
+          </a:p>
+        </p:txBody>
+      </p:sp>
+    </p:spTree>
+    <p:extLst>
+      <p:ext uri="{BB962C8B-B14F-4D97-AF65-F5344CB8AC3E}">
+        <p14:creationId xmlns:p14="http://schemas.microsoft.com/office/powerpoint/2010/main" val="3068683179"/>
       </p:ext>
     </p:extLst>
   </p:cSld>

--- a/design/HTMLページ設計.pptx
+++ b/design/HTMLページ設計.pptx
@@ -222,7 +222,7 @@
           <a:p>
             <a:fld id="{90F65A9B-149C-45BC-B72F-FB324D6DE1AA}" type="datetimeFigureOut">
               <a:rPr kumimoji="1" lang="ja-JP" altLang="en-US" smtClean="0"/>
-              <a:t>2014/2/17</a:t>
+              <a:t>2014/2/19</a:t>
             </a:fld>
             <a:endParaRPr kumimoji="1" lang="ja-JP" altLang="en-US"/>
           </a:p>
@@ -1644,10 +1644,6 @@
           <a:bodyPr/>
           <a:lstStyle/>
           <a:p>
-            <a:r>
-              <a:rPr kumimoji="1" lang="ja-JP" altLang="en-US" dirty="0" smtClean="0"/>
-              <a:t>ランキングの詳細がまだ決まっていないためこれしか書けない。</a:t>
-            </a:r>
             <a:endParaRPr kumimoji="1" lang="ja-JP" altLang="en-US" dirty="0"/>
           </a:p>
         </p:txBody>
@@ -1907,7 +1903,7 @@
           <a:p>
             <a:fld id="{33B14540-D9AA-459A-A398-A04CAB222349}" type="datetimeFigureOut">
               <a:rPr kumimoji="1" lang="ja-JP" altLang="en-US" smtClean="0"/>
-              <a:t>2014/2/17</a:t>
+              <a:t>2014/2/19</a:t>
             </a:fld>
             <a:endParaRPr kumimoji="1" lang="ja-JP" altLang="en-US"/>
           </a:p>
@@ -2109,7 +2105,7 @@
           <a:p>
             <a:fld id="{33B14540-D9AA-459A-A398-A04CAB222349}" type="datetimeFigureOut">
               <a:rPr kumimoji="1" lang="ja-JP" altLang="en-US" smtClean="0"/>
-              <a:t>2014/2/17</a:t>
+              <a:t>2014/2/19</a:t>
             </a:fld>
             <a:endParaRPr kumimoji="1" lang="ja-JP" altLang="en-US"/>
           </a:p>
@@ -2321,7 +2317,7 @@
           <a:p>
             <a:fld id="{33B14540-D9AA-459A-A398-A04CAB222349}" type="datetimeFigureOut">
               <a:rPr kumimoji="1" lang="ja-JP" altLang="en-US" smtClean="0"/>
-              <a:t>2014/2/17</a:t>
+              <a:t>2014/2/19</a:t>
             </a:fld>
             <a:endParaRPr kumimoji="1" lang="ja-JP" altLang="en-US"/>
           </a:p>
@@ -2523,7 +2519,7 @@
           <a:p>
             <a:fld id="{33B14540-D9AA-459A-A398-A04CAB222349}" type="datetimeFigureOut">
               <a:rPr kumimoji="1" lang="ja-JP" altLang="en-US" smtClean="0"/>
-              <a:t>2014/2/17</a:t>
+              <a:t>2014/2/19</a:t>
             </a:fld>
             <a:endParaRPr kumimoji="1" lang="ja-JP" altLang="en-US"/>
           </a:p>
@@ -2769,7 +2765,7 @@
           <a:p>
             <a:fld id="{33B14540-D9AA-459A-A398-A04CAB222349}" type="datetimeFigureOut">
               <a:rPr kumimoji="1" lang="ja-JP" altLang="en-US" smtClean="0"/>
-              <a:t>2014/2/17</a:t>
+              <a:t>2014/2/19</a:t>
             </a:fld>
             <a:endParaRPr kumimoji="1" lang="ja-JP" altLang="en-US"/>
           </a:p>
@@ -3065,7 +3061,7 @@
           <a:p>
             <a:fld id="{33B14540-D9AA-459A-A398-A04CAB222349}" type="datetimeFigureOut">
               <a:rPr kumimoji="1" lang="ja-JP" altLang="en-US" smtClean="0"/>
-              <a:t>2014/2/17</a:t>
+              <a:t>2014/2/19</a:t>
             </a:fld>
             <a:endParaRPr kumimoji="1" lang="ja-JP" altLang="en-US"/>
           </a:p>
@@ -3496,7 +3492,7 @@
           <a:p>
             <a:fld id="{33B14540-D9AA-459A-A398-A04CAB222349}" type="datetimeFigureOut">
               <a:rPr kumimoji="1" lang="ja-JP" altLang="en-US" smtClean="0"/>
-              <a:t>2014/2/17</a:t>
+              <a:t>2014/2/19</a:t>
             </a:fld>
             <a:endParaRPr kumimoji="1" lang="ja-JP" altLang="en-US"/>
           </a:p>
@@ -3614,7 +3610,7 @@
           <a:p>
             <a:fld id="{33B14540-D9AA-459A-A398-A04CAB222349}" type="datetimeFigureOut">
               <a:rPr kumimoji="1" lang="ja-JP" altLang="en-US" smtClean="0"/>
-              <a:t>2014/2/17</a:t>
+              <a:t>2014/2/19</a:t>
             </a:fld>
             <a:endParaRPr kumimoji="1" lang="ja-JP" altLang="en-US"/>
           </a:p>
@@ -3709,7 +3705,7 @@
           <a:p>
             <a:fld id="{33B14540-D9AA-459A-A398-A04CAB222349}" type="datetimeFigureOut">
               <a:rPr kumimoji="1" lang="ja-JP" altLang="en-US" smtClean="0"/>
-              <a:t>2014/2/17</a:t>
+              <a:t>2014/2/19</a:t>
             </a:fld>
             <a:endParaRPr kumimoji="1" lang="ja-JP" altLang="en-US"/>
           </a:p>
@@ -4018,7 +4014,7 @@
           <a:p>
             <a:fld id="{33B14540-D9AA-459A-A398-A04CAB222349}" type="datetimeFigureOut">
               <a:rPr kumimoji="1" lang="ja-JP" altLang="en-US" smtClean="0"/>
-              <a:t>2014/2/17</a:t>
+              <a:t>2014/2/19</a:t>
             </a:fld>
             <a:endParaRPr kumimoji="1" lang="ja-JP" altLang="en-US"/>
           </a:p>
@@ -4271,7 +4267,7 @@
           <a:p>
             <a:fld id="{33B14540-D9AA-459A-A398-A04CAB222349}" type="datetimeFigureOut">
               <a:rPr kumimoji="1" lang="ja-JP" altLang="en-US" smtClean="0"/>
-              <a:t>2014/2/17</a:t>
+              <a:t>2014/2/19</a:t>
             </a:fld>
             <a:endParaRPr kumimoji="1" lang="ja-JP" altLang="en-US"/>
           </a:p>
@@ -4516,7 +4512,7 @@
           <a:p>
             <a:fld id="{33B14540-D9AA-459A-A398-A04CAB222349}" type="datetimeFigureOut">
               <a:rPr kumimoji="1" lang="ja-JP" altLang="en-US" smtClean="0"/>
-              <a:t>2014/2/17</a:t>
+              <a:t>2014/2/19</a:t>
             </a:fld>
             <a:endParaRPr kumimoji="1" lang="ja-JP" altLang="en-US"/>
           </a:p>
@@ -7780,15 +7776,7 @@
                   <a:srgbClr val="7030A0"/>
                 </a:solidFill>
               </a:rPr>
-              <a:t>オセロの初期</a:t>
-            </a:r>
-            <a:r>
-              <a:rPr lang="ja-JP" altLang="en-US" sz="6000" b="1" dirty="0" smtClean="0">
-                <a:solidFill>
-                  <a:srgbClr val="7030A0"/>
-                </a:solidFill>
-              </a:rPr>
-              <a:t>ページ</a:t>
+              <a:t>オセロの初期ページ</a:t>
             </a:r>
             <a:endParaRPr lang="ja-JP" altLang="en-US" sz="6000" b="1" dirty="0">
               <a:solidFill>
@@ -9456,15 +9444,7 @@
                   <a:srgbClr val="7030A0"/>
                 </a:solidFill>
               </a:rPr>
-              <a:t>オセロのコンピュータ対戦の</a:t>
-            </a:r>
-            <a:r>
-              <a:rPr lang="ja-JP" altLang="en-US" sz="6000" b="1" dirty="0" smtClean="0">
-                <a:solidFill>
-                  <a:srgbClr val="7030A0"/>
-                </a:solidFill>
-              </a:rPr>
-              <a:t>ページ</a:t>
+              <a:t>オセロのコンピュータ対戦のページ</a:t>
             </a:r>
             <a:endParaRPr lang="ja-JP" altLang="en-US" sz="6000" b="1" dirty="0">
               <a:solidFill>
@@ -15486,8 +15466,8 @@
         </p:nvCxnSpPr>
         <p:spPr>
           <a:xfrm flipH="1">
-            <a:off x="3864077" y="1560004"/>
-            <a:ext cx="2" cy="4368848"/>
+            <a:off x="2477728" y="1677991"/>
+            <a:ext cx="2" cy="4914538"/>
           </a:xfrm>
           <a:prstGeom prst="line">
             <a:avLst/>
@@ -15521,8 +15501,8 @@
         </p:nvSpPr>
         <p:spPr>
           <a:xfrm>
-            <a:off x="1696066" y="1560004"/>
-            <a:ext cx="8318090" cy="4368848"/>
+            <a:off x="560438" y="1677991"/>
+            <a:ext cx="8893277" cy="4914538"/>
           </a:xfrm>
           <a:prstGeom prst="rect">
             <a:avLst/>
@@ -15567,7 +15547,7 @@
         </p:nvSpPr>
         <p:spPr>
           <a:xfrm>
-            <a:off x="2160639" y="2198217"/>
+            <a:off x="852639" y="2301455"/>
             <a:ext cx="1224116" cy="646331"/>
           </a:xfrm>
           <a:prstGeom prst="rect">
@@ -15611,7 +15591,7 @@
         </p:nvSpPr>
         <p:spPr>
           <a:xfrm>
-            <a:off x="2101025" y="3914000"/>
+            <a:off x="793025" y="4017238"/>
             <a:ext cx="1442278" cy="369332"/>
           </a:xfrm>
           <a:prstGeom prst="rect">
@@ -15641,14 +15621,14 @@
       </p:sp>
       <p:sp>
         <p:nvSpPr>
-          <p:cNvPr id="25" name="テキスト ボックス 24"/>
+          <p:cNvPr id="29" name="テキスト ボックス 28"/>
           <p:cNvSpPr txBox="1"/>
           <p:nvPr/>
         </p:nvSpPr>
         <p:spPr>
           <a:xfrm>
-            <a:off x="4843617" y="3213671"/>
-            <a:ext cx="4191000" cy="923330"/>
+            <a:off x="860013" y="3316909"/>
+            <a:ext cx="1224116" cy="369332"/>
           </a:xfrm>
           <a:prstGeom prst="rect">
             <a:avLst/>
@@ -15667,32 +15647,28 @@
           <a:lstStyle/>
           <a:p>
             <a:pPr algn="ctr"/>
-            <a:endParaRPr lang="en-US" altLang="ja-JP" dirty="0" smtClean="0"/>
-          </a:p>
-          <a:p>
-            <a:pPr algn="ctr"/>
             <a:r>
               <a:rPr lang="ja-JP" altLang="en-US" dirty="0" smtClean="0"/>
-              <a:t>ランキング</a:t>
-            </a:r>
-            <a:endParaRPr kumimoji="1" lang="en-US" altLang="ja-JP" dirty="0" smtClean="0"/>
-          </a:p>
-          <a:p>
-            <a:pPr algn="ctr"/>
+              <a:t>会員</a:t>
+            </a:r>
+            <a:r>
+              <a:rPr lang="ja-JP" altLang="en-US" dirty="0"/>
+              <a:t>登録</a:t>
+            </a:r>
             <a:endParaRPr kumimoji="1" lang="ja-JP" altLang="en-US" dirty="0"/>
           </a:p>
         </p:txBody>
       </p:sp>
       <p:sp>
         <p:nvSpPr>
-          <p:cNvPr id="29" name="テキスト ボックス 28"/>
+          <p:cNvPr id="33" name="テキスト ボックス 32"/>
           <p:cNvSpPr txBox="1"/>
           <p:nvPr/>
         </p:nvSpPr>
         <p:spPr>
           <a:xfrm>
-            <a:off x="2168013" y="3213671"/>
-            <a:ext cx="1224116" cy="369332"/>
+            <a:off x="802863" y="4634254"/>
+            <a:ext cx="1442278" cy="369332"/>
           </a:xfrm>
           <a:prstGeom prst="rect">
             <a:avLst/>
@@ -15712,12 +15688,54 @@
           <a:p>
             <a:pPr algn="ctr"/>
             <a:r>
+              <a:rPr kumimoji="1" lang="ja-JP" altLang="en-US" dirty="0" smtClean="0"/>
+              <a:t>ランキング</a:t>
+            </a:r>
+            <a:endParaRPr kumimoji="1" lang="ja-JP" altLang="en-US" dirty="0"/>
+          </a:p>
+        </p:txBody>
+      </p:sp>
+      <p:sp>
+        <p:nvSpPr>
+          <p:cNvPr id="34" name="テキスト ボックス 33"/>
+          <p:cNvSpPr txBox="1"/>
+          <p:nvPr/>
+        </p:nvSpPr>
+        <p:spPr>
+          <a:xfrm>
+            <a:off x="9668796" y="2408537"/>
+            <a:ext cx="2070920" cy="1477328"/>
+          </a:xfrm>
+          <a:prstGeom prst="rect">
+            <a:avLst/>
+          </a:prstGeom>
+          <a:noFill/>
+        </p:spPr>
+        <p:txBody>
+          <a:bodyPr wrap="square" rtlCol="0">
+            <a:spAutoFit/>
+          </a:bodyPr>
+          <a:lstStyle/>
+          <a:p>
+            <a:r>
               <a:rPr lang="ja-JP" altLang="en-US" dirty="0" smtClean="0"/>
-              <a:t>会員</a:t>
-            </a:r>
-            <a:r>
-              <a:rPr lang="ja-JP" altLang="en-US" dirty="0"/>
-              <a:t>登録</a:t>
+              <a:t>始めは</a:t>
+            </a:r>
+            <a:r>
+              <a:rPr lang="ja-JP" altLang="en-US" smtClean="0"/>
+              <a:t>勝率を降順に</a:t>
+            </a:r>
+            <a:r>
+              <a:rPr lang="ja-JP" altLang="en-US" dirty="0" smtClean="0"/>
+              <a:t>しておいて、</a:t>
+            </a:r>
+            <a:r>
+              <a:rPr lang="ja-JP" altLang="en-US" smtClean="0"/>
+              <a:t>セレクトボタンで降順に</a:t>
+            </a:r>
+            <a:r>
+              <a:rPr lang="ja-JP" altLang="en-US" dirty="0" smtClean="0"/>
+              <a:t>したいものを選べるようにする</a:t>
             </a:r>
             <a:endParaRPr kumimoji="1" lang="ja-JP" altLang="en-US" dirty="0"/>
           </a:p>
@@ -15725,13 +15743,13 @@
       </p:sp>
       <p:sp>
         <p:nvSpPr>
-          <p:cNvPr id="33" name="テキスト ボックス 32"/>
+          <p:cNvPr id="11" name="テキスト ボックス 10"/>
           <p:cNvSpPr txBox="1"/>
           <p:nvPr/>
         </p:nvSpPr>
         <p:spPr>
           <a:xfrm>
-            <a:off x="2110863" y="4531016"/>
+            <a:off x="793940" y="5251270"/>
             <a:ext cx="1442278" cy="369332"/>
           </a:xfrm>
           <a:prstGeom prst="rect">
@@ -15753,22 +15771,451 @@
             <a:pPr algn="ctr"/>
             <a:r>
               <a:rPr kumimoji="1" lang="ja-JP" altLang="en-US" dirty="0" smtClean="0"/>
-              <a:t>ランキング</a:t>
+              <a:t>掲示板</a:t>
             </a:r>
             <a:endParaRPr kumimoji="1" lang="ja-JP" altLang="en-US" dirty="0"/>
           </a:p>
         </p:txBody>
       </p:sp>
-      <p:sp>
-        <p:nvSpPr>
-          <p:cNvPr id="34" name="テキスト ボックス 33"/>
+      <p:graphicFrame>
+        <p:nvGraphicFramePr>
+          <p:cNvPr id="12" name="表 11"/>
+          <p:cNvGraphicFramePr>
+            <a:graphicFrameLocks noGrp="1"/>
+          </p:cNvGraphicFramePr>
+          <p:nvPr>
+            <p:extLst>
+              <p:ext uri="{D42A27DB-BD31-4B8C-83A1-F6EECF244321}">
+                <p14:modId xmlns:p14="http://schemas.microsoft.com/office/powerpoint/2010/main" val="3874163776"/>
+              </p:ext>
+            </p:extLst>
+          </p:nvPr>
+        </p:nvGraphicFramePr>
+        <p:xfrm>
+          <a:off x="3006006" y="3993419"/>
+          <a:ext cx="6188175" cy="1860187"/>
+        </p:xfrm>
+        <a:graphic>
+          <a:graphicData uri="http://schemas.openxmlformats.org/drawingml/2006/table">
+            <a:tbl>
+              <a:tblPr firstRow="1" bandRow="1">
+                <a:tableStyleId>{5C22544A-7EE6-4342-B048-85BDC9FD1C3A}</a:tableStyleId>
+              </a:tblPr>
+              <a:tblGrid>
+                <a:gridCol w="701776"/>
+                <a:gridCol w="1327354"/>
+                <a:gridCol w="1288582"/>
+                <a:gridCol w="1323419"/>
+                <a:gridCol w="1547044"/>
+              </a:tblGrid>
+              <a:tr h="401918">
+                <a:tc>
+                  <a:txBody>
+                    <a:bodyPr/>
+                    <a:lstStyle/>
+                    <a:p>
+                      <a:r>
+                        <a:rPr lang="ja-JP" altLang="en-US" dirty="0" smtClean="0"/>
+                        <a:t>順位</a:t>
+                      </a:r>
+                      <a:endParaRPr lang="ja-JP" altLang="en-US" dirty="0"/>
+                    </a:p>
+                  </a:txBody>
+                  <a:tcPr/>
+                </a:tc>
+                <a:tc>
+                  <a:txBody>
+                    <a:bodyPr/>
+                    <a:lstStyle/>
+                    <a:p>
+                      <a:r>
+                        <a:rPr kumimoji="1" lang="ja-JP" altLang="en-US" dirty="0" smtClean="0"/>
+                        <a:t>名前</a:t>
+                      </a:r>
+                      <a:endParaRPr kumimoji="1" lang="ja-JP" altLang="en-US" dirty="0"/>
+                    </a:p>
+                  </a:txBody>
+                  <a:tcPr/>
+                </a:tc>
+                <a:tc>
+                  <a:txBody>
+                    <a:bodyPr/>
+                    <a:lstStyle/>
+                    <a:p>
+                      <a:r>
+                        <a:rPr kumimoji="1" lang="ja-JP" altLang="en-US" dirty="0" smtClean="0"/>
+                        <a:t>対戦数</a:t>
+                      </a:r>
+                      <a:endParaRPr kumimoji="1" lang="ja-JP" altLang="en-US" dirty="0"/>
+                    </a:p>
+                  </a:txBody>
+                  <a:tcPr/>
+                </a:tc>
+                <a:tc>
+                  <a:txBody>
+                    <a:bodyPr/>
+                    <a:lstStyle/>
+                    <a:p>
+                      <a:r>
+                        <a:rPr kumimoji="1" lang="ja-JP" altLang="en-US" dirty="0" smtClean="0"/>
+                        <a:t>勝数</a:t>
+                      </a:r>
+                      <a:endParaRPr kumimoji="1" lang="ja-JP" altLang="en-US" dirty="0"/>
+                    </a:p>
+                  </a:txBody>
+                  <a:tcPr/>
+                </a:tc>
+                <a:tc>
+                  <a:txBody>
+                    <a:bodyPr/>
+                    <a:lstStyle/>
+                    <a:p>
+                      <a:r>
+                        <a:rPr kumimoji="1" lang="ja-JP" altLang="en-US" dirty="0" smtClean="0"/>
+                        <a:t>勝率（</a:t>
+                      </a:r>
+                      <a:r>
+                        <a:rPr kumimoji="1" lang="en-US" altLang="ja-JP" dirty="0" smtClean="0"/>
+                        <a:t>%</a:t>
+                      </a:r>
+                      <a:r>
+                        <a:rPr kumimoji="1" lang="ja-JP" altLang="en-US" dirty="0" smtClean="0"/>
+                        <a:t>）</a:t>
+                      </a:r>
+                      <a:endParaRPr kumimoji="1" lang="ja-JP" altLang="en-US" dirty="0"/>
+                    </a:p>
+                  </a:txBody>
+                  <a:tcPr/>
+                </a:tc>
+              </a:tr>
+              <a:tr h="401918">
+                <a:tc>
+                  <a:txBody>
+                    <a:bodyPr/>
+                    <a:lstStyle/>
+                    <a:p>
+                      <a:r>
+                        <a:rPr lang="en-US" altLang="ja-JP" dirty="0" smtClean="0"/>
+                        <a:t>1</a:t>
+                      </a:r>
+                      <a:endParaRPr lang="ja-JP" altLang="en-US" dirty="0"/>
+                    </a:p>
+                  </a:txBody>
+                  <a:tcPr/>
+                </a:tc>
+                <a:tc>
+                  <a:txBody>
+                    <a:bodyPr/>
+                    <a:lstStyle/>
+                    <a:p>
+                      <a:r>
+                        <a:rPr kumimoji="1" lang="ja-JP" altLang="en-US" dirty="0" smtClean="0"/>
+                        <a:t>たろう</a:t>
+                      </a:r>
+                      <a:endParaRPr kumimoji="1" lang="ja-JP" altLang="en-US" dirty="0"/>
+                    </a:p>
+                  </a:txBody>
+                  <a:tcPr/>
+                </a:tc>
+                <a:tc>
+                  <a:txBody>
+                    <a:bodyPr/>
+                    <a:lstStyle/>
+                    <a:p>
+                      <a:r>
+                        <a:rPr kumimoji="1" lang="en-US" altLang="ja-JP" dirty="0" smtClean="0"/>
+                        <a:t>1</a:t>
+                      </a:r>
+                      <a:endParaRPr kumimoji="1" lang="ja-JP" altLang="en-US" dirty="0"/>
+                    </a:p>
+                  </a:txBody>
+                  <a:tcPr/>
+                </a:tc>
+                <a:tc>
+                  <a:txBody>
+                    <a:bodyPr/>
+                    <a:lstStyle/>
+                    <a:p>
+                      <a:r>
+                        <a:rPr kumimoji="1" lang="en-US" altLang="ja-JP" dirty="0" smtClean="0"/>
+                        <a:t>1</a:t>
+                      </a:r>
+                      <a:endParaRPr kumimoji="1" lang="ja-JP" altLang="en-US" dirty="0"/>
+                    </a:p>
+                  </a:txBody>
+                  <a:tcPr/>
+                </a:tc>
+                <a:tc>
+                  <a:txBody>
+                    <a:bodyPr/>
+                    <a:lstStyle/>
+                    <a:p>
+                      <a:r>
+                        <a:rPr kumimoji="1" lang="en-US" altLang="ja-JP" dirty="0" smtClean="0"/>
+                        <a:t>100</a:t>
+                      </a:r>
+                      <a:endParaRPr kumimoji="1" lang="ja-JP" altLang="en-US" dirty="0"/>
+                    </a:p>
+                  </a:txBody>
+                  <a:tcPr/>
+                </a:tc>
+              </a:tr>
+              <a:tr h="401918">
+                <a:tc>
+                  <a:txBody>
+                    <a:bodyPr/>
+                    <a:lstStyle/>
+                    <a:p>
+                      <a:r>
+                        <a:rPr lang="en-US" altLang="ja-JP" dirty="0" smtClean="0"/>
+                        <a:t>2</a:t>
+                      </a:r>
+                      <a:endParaRPr lang="ja-JP" altLang="en-US" dirty="0"/>
+                    </a:p>
+                  </a:txBody>
+                  <a:tcPr/>
+                </a:tc>
+                <a:tc>
+                  <a:txBody>
+                    <a:bodyPr/>
+                    <a:lstStyle/>
+                    <a:p>
+                      <a:r>
+                        <a:rPr kumimoji="1" lang="ja-JP" altLang="en-US" dirty="0" smtClean="0"/>
+                        <a:t>広瀬太郎</a:t>
+                      </a:r>
+                      <a:endParaRPr kumimoji="1" lang="en-US" altLang="ja-JP" dirty="0" smtClean="0"/>
+                    </a:p>
+                  </a:txBody>
+                  <a:tcPr/>
+                </a:tc>
+                <a:tc>
+                  <a:txBody>
+                    <a:bodyPr/>
+                    <a:lstStyle/>
+                    <a:p>
+                      <a:r>
+                        <a:rPr kumimoji="1" lang="en-US" altLang="ja-JP" dirty="0" smtClean="0"/>
+                        <a:t>10</a:t>
+                      </a:r>
+                      <a:endParaRPr kumimoji="1" lang="ja-JP" altLang="en-US" dirty="0"/>
+                    </a:p>
+                  </a:txBody>
+                  <a:tcPr/>
+                </a:tc>
+                <a:tc>
+                  <a:txBody>
+                    <a:bodyPr/>
+                    <a:lstStyle/>
+                    <a:p>
+                      <a:r>
+                        <a:rPr kumimoji="1" lang="en-US" altLang="ja-JP" dirty="0" smtClean="0"/>
+                        <a:t>5</a:t>
+                      </a:r>
+                      <a:endParaRPr kumimoji="1" lang="ja-JP" altLang="en-US" dirty="0"/>
+                    </a:p>
+                  </a:txBody>
+                  <a:tcPr/>
+                </a:tc>
+                <a:tc>
+                  <a:txBody>
+                    <a:bodyPr/>
+                    <a:lstStyle/>
+                    <a:p>
+                      <a:r>
+                        <a:rPr kumimoji="1" lang="en-US" altLang="ja-JP" dirty="0" smtClean="0"/>
+                        <a:t>50</a:t>
+                      </a:r>
+                      <a:endParaRPr kumimoji="1" lang="ja-JP" altLang="en-US" dirty="0"/>
+                    </a:p>
+                  </a:txBody>
+                  <a:tcPr/>
+                </a:tc>
+              </a:tr>
+              <a:tr h="654433">
+                <a:tc>
+                  <a:txBody>
+                    <a:bodyPr/>
+                    <a:lstStyle/>
+                    <a:p>
+                      <a:r>
+                        <a:rPr lang="en-US" altLang="ja-JP" dirty="0" smtClean="0"/>
+                        <a:t>3</a:t>
+                      </a:r>
+                      <a:endParaRPr lang="ja-JP" altLang="en-US" dirty="0"/>
+                    </a:p>
+                  </a:txBody>
+                  <a:tcPr/>
+                </a:tc>
+                <a:tc>
+                  <a:txBody>
+                    <a:bodyPr/>
+                    <a:lstStyle/>
+                    <a:p>
+                      <a:r>
+                        <a:rPr lang="ja-JP" altLang="en-US" dirty="0" smtClean="0"/>
+                        <a:t>はなこ</a:t>
+                      </a:r>
+                      <a:endParaRPr lang="ja-JP" altLang="en-US" dirty="0"/>
+                    </a:p>
+                  </a:txBody>
+                  <a:tcPr/>
+                </a:tc>
+                <a:tc>
+                  <a:txBody>
+                    <a:bodyPr/>
+                    <a:lstStyle/>
+                    <a:p>
+                      <a:r>
+                        <a:rPr lang="en-US" altLang="ja-JP" dirty="0" smtClean="0"/>
+                        <a:t>0</a:t>
+                      </a:r>
+                      <a:endParaRPr lang="ja-JP" altLang="en-US" dirty="0"/>
+                    </a:p>
+                  </a:txBody>
+                  <a:tcPr/>
+                </a:tc>
+                <a:tc>
+                  <a:txBody>
+                    <a:bodyPr/>
+                    <a:lstStyle/>
+                    <a:p>
+                      <a:r>
+                        <a:rPr lang="en-US" altLang="ja-JP" dirty="0" smtClean="0"/>
+                        <a:t>0</a:t>
+                      </a:r>
+                      <a:endParaRPr lang="ja-JP" altLang="en-US" dirty="0"/>
+                    </a:p>
+                  </a:txBody>
+                  <a:tcPr/>
+                </a:tc>
+                <a:tc>
+                  <a:txBody>
+                    <a:bodyPr/>
+                    <a:lstStyle/>
+                    <a:p>
+                      <a:r>
+                        <a:rPr lang="en-US" altLang="ja-JP" dirty="0" smtClean="0"/>
+                        <a:t>-</a:t>
+                      </a:r>
+                      <a:endParaRPr lang="ja-JP" altLang="en-US" dirty="0"/>
+                    </a:p>
+                  </a:txBody>
+                  <a:tcPr/>
+                </a:tc>
+              </a:tr>
+            </a:tbl>
+          </a:graphicData>
+        </a:graphic>
+      </p:graphicFrame>
+      <p:grpSp>
+        <p:nvGrpSpPr>
+          <p:cNvPr id="5" name="グループ化 4"/>
+          <p:cNvGrpSpPr/>
+          <p:nvPr/>
+        </p:nvGrpSpPr>
+        <p:grpSpPr>
+          <a:xfrm>
+            <a:off x="5859818" y="2962535"/>
+            <a:ext cx="821200" cy="369332"/>
+            <a:chOff x="3967938" y="3126657"/>
+            <a:chExt cx="821200" cy="369332"/>
+          </a:xfrm>
+        </p:grpSpPr>
+        <p:sp>
+          <p:nvSpPr>
+            <p:cNvPr id="3" name="角丸四角形 2"/>
+            <p:cNvSpPr/>
+            <p:nvPr/>
+          </p:nvSpPr>
+          <p:spPr>
+            <a:xfrm>
+              <a:off x="3967938" y="3126657"/>
+              <a:ext cx="821200" cy="369332"/>
+            </a:xfrm>
+            <a:prstGeom prst="roundRect">
+              <a:avLst/>
+            </a:prstGeom>
+            <a:solidFill>
+              <a:schemeClr val="bg1">
+                <a:lumMod val="85000"/>
+              </a:schemeClr>
+            </a:solidFill>
+            <a:ln w="25400">
+              <a:solidFill>
+                <a:schemeClr val="bg1">
+                  <a:lumMod val="50000"/>
+                </a:schemeClr>
+              </a:solidFill>
+            </a:ln>
+          </p:spPr>
+          <p:style>
+            <a:lnRef idx="2">
+              <a:schemeClr val="accent1">
+                <a:shade val="50000"/>
+              </a:schemeClr>
+            </a:lnRef>
+            <a:fillRef idx="1">
+              <a:schemeClr val="accent1"/>
+            </a:fillRef>
+            <a:effectRef idx="0">
+              <a:schemeClr val="accent1"/>
+            </a:effectRef>
+            <a:fontRef idx="minor">
+              <a:schemeClr val="lt1"/>
+            </a:fontRef>
+          </p:style>
+          <p:txBody>
+            <a:bodyPr rtlCol="0" anchor="ctr"/>
+            <a:lstStyle/>
+            <a:p>
+              <a:pPr algn="ctr"/>
+              <a:endParaRPr kumimoji="1" lang="ja-JP" altLang="en-US"/>
+            </a:p>
+          </p:txBody>
+        </p:sp>
+        <p:sp>
+          <p:nvSpPr>
+            <p:cNvPr id="4" name="テキスト ボックス 3"/>
+            <p:cNvSpPr txBox="1"/>
+            <p:nvPr/>
+          </p:nvSpPr>
+          <p:spPr>
+            <a:xfrm>
+              <a:off x="3967938" y="3126657"/>
+              <a:ext cx="776334" cy="369332"/>
+            </a:xfrm>
+            <a:prstGeom prst="rect">
+              <a:avLst/>
+            </a:prstGeom>
+            <a:noFill/>
+          </p:spPr>
+          <p:txBody>
+            <a:bodyPr wrap="square" rtlCol="0">
+              <a:spAutoFit/>
+            </a:bodyPr>
+            <a:lstStyle/>
+            <a:p>
+              <a:pPr algn="ctr"/>
+              <a:r>
+                <a:rPr kumimoji="1" lang="ja-JP" altLang="en-US" dirty="0" smtClean="0"/>
+                <a:t>勝率</a:t>
+              </a:r>
+              <a:endParaRPr kumimoji="1" lang="ja-JP" altLang="en-US" dirty="0"/>
+            </a:p>
+          </p:txBody>
+        </p:sp>
+      </p:grpSp>
+      <p:sp>
+        <p:nvSpPr>
+          <p:cNvPr id="6" name="テキスト ボックス 5"/>
           <p:cNvSpPr txBox="1"/>
           <p:nvPr/>
         </p:nvSpPr>
         <p:spPr>
           <a:xfrm>
-            <a:off x="4843617" y="2521382"/>
-            <a:ext cx="4350774" cy="369332"/>
+            <a:off x="4982286" y="2962535"/>
+            <a:ext cx="990809" cy="369332"/>
           </a:xfrm>
           <a:prstGeom prst="rect">
             <a:avLst/>
@@ -15782,8 +16229,8 @@
           <a:lstStyle/>
           <a:p>
             <a:r>
-              <a:rPr lang="ja-JP" altLang="en-US" dirty="0" smtClean="0"/>
-              <a:t>タブを入れて各ランキングを見れるといい</a:t>
+              <a:rPr kumimoji="1" lang="ja-JP" altLang="en-US" dirty="0" smtClean="0"/>
+              <a:t>ソート：</a:t>
             </a:r>
             <a:endParaRPr kumimoji="1" lang="ja-JP" altLang="en-US" dirty="0"/>
           </a:p>
@@ -15791,24 +16238,19 @@
       </p:sp>
       <p:sp>
         <p:nvSpPr>
-          <p:cNvPr id="11" name="テキスト ボックス 10"/>
+          <p:cNvPr id="16" name="テキスト ボックス 15"/>
           <p:cNvSpPr txBox="1"/>
           <p:nvPr/>
         </p:nvSpPr>
         <p:spPr>
           <a:xfrm>
-            <a:off x="2101940" y="5148032"/>
-            <a:ext cx="1442278" cy="369332"/>
+            <a:off x="4982286" y="2054594"/>
+            <a:ext cx="2144871" cy="584775"/>
           </a:xfrm>
           <a:prstGeom prst="rect">
             <a:avLst/>
           </a:prstGeom>
           <a:noFill/>
-          <a:ln>
-            <a:solidFill>
-              <a:schemeClr val="tx1"/>
-            </a:solidFill>
-          </a:ln>
         </p:spPr>
         <p:txBody>
           <a:bodyPr wrap="square" rtlCol="0">
@@ -15816,15 +16258,50 @@
           </a:bodyPr>
           <a:lstStyle/>
           <a:p>
-            <a:pPr algn="ctr"/>
-            <a:r>
-              <a:rPr kumimoji="1" lang="ja-JP" altLang="en-US" dirty="0" smtClean="0"/>
-              <a:t>掲示板</a:t>
-            </a:r>
-            <a:endParaRPr kumimoji="1" lang="ja-JP" altLang="en-US" dirty="0"/>
-          </a:p>
-        </p:txBody>
-      </p:sp>
+            <a:r>
+              <a:rPr kumimoji="1" lang="ja-JP" altLang="en-US" sz="3200" dirty="0" smtClean="0"/>
+              <a:t>ランキング</a:t>
+            </a:r>
+            <a:endParaRPr kumimoji="1" lang="ja-JP" altLang="en-US" sz="3200" dirty="0"/>
+          </a:p>
+        </p:txBody>
+      </p:sp>
+      <p:cxnSp>
+        <p:nvCxnSpPr>
+          <p:cNvPr id="8" name="直線矢印コネクタ 7"/>
+          <p:cNvCxnSpPr/>
+          <p:nvPr/>
+        </p:nvCxnSpPr>
+        <p:spPr>
+          <a:xfrm flipH="1" flipV="1">
+            <a:off x="6794704" y="3125005"/>
+            <a:ext cx="2766551" cy="14749"/>
+          </a:xfrm>
+          <a:prstGeom prst="straightConnector1">
+            <a:avLst/>
+          </a:prstGeom>
+          <a:ln w="25400">
+            <a:solidFill>
+              <a:srgbClr val="00B050"/>
+            </a:solidFill>
+            <a:tailEnd type="triangle"/>
+          </a:ln>
+        </p:spPr>
+        <p:style>
+          <a:lnRef idx="1">
+            <a:schemeClr val="accent1"/>
+          </a:lnRef>
+          <a:fillRef idx="0">
+            <a:schemeClr val="accent1"/>
+          </a:fillRef>
+          <a:effectRef idx="0">
+            <a:schemeClr val="accent1"/>
+          </a:effectRef>
+          <a:fontRef idx="minor">
+            <a:schemeClr val="tx1"/>
+          </a:fontRef>
+        </p:style>
+      </p:cxnSp>
     </p:spTree>
     <p:extLst>
       <p:ext uri="{BB962C8B-B14F-4D97-AF65-F5344CB8AC3E}">
